--- a/Unterrichtseinheit/Stakeholder.pptx
+++ b/Unterrichtseinheit/Stakeholder.pptx
@@ -9,13 +9,12 @@
     <p:sldId id="269" r:id="rId3"/>
     <p:sldId id="270" r:id="rId4"/>
     <p:sldId id="271" r:id="rId5"/>
-    <p:sldId id="258" r:id="rId6"/>
-    <p:sldId id="259" r:id="rId7"/>
-    <p:sldId id="262" r:id="rId8"/>
-    <p:sldId id="263" r:id="rId9"/>
-    <p:sldId id="264" r:id="rId10"/>
-    <p:sldId id="265" r:id="rId11"/>
-    <p:sldId id="266" r:id="rId12"/>
+    <p:sldId id="272" r:id="rId6"/>
+    <p:sldId id="262" r:id="rId7"/>
+    <p:sldId id="263" r:id="rId8"/>
+    <p:sldId id="264" r:id="rId9"/>
+    <p:sldId id="265" r:id="rId10"/>
+    <p:sldId id="266" r:id="rId11"/>
   </p:sldIdLst>
   <p:sldSz cx="12192000" cy="6858000"/>
   <p:notesSz cx="6858000" cy="9144000"/>
@@ -122,13 +121,12 @@
             <p14:sldId id="256"/>
             <p14:sldId id="269"/>
             <p14:sldId id="270"/>
-            <p14:sldId id="271"/>
           </p14:sldIdLst>
         </p14:section>
         <p14:section name="B" id="{482F301F-C6A2-45F5-9F34-369D73D90A34}">
           <p14:sldIdLst>
-            <p14:sldId id="258"/>
-            <p14:sldId id="259"/>
+            <p14:sldId id="271"/>
+            <p14:sldId id="272"/>
             <p14:sldId id="262"/>
             <p14:sldId id="263"/>
           </p14:sldIdLst>
@@ -1815,753 +1813,6 @@
 </dgm:colorsDef>
 </file>
 
-<file path=ppt/diagrams/colors11.xml><?xml version="1.0" encoding="utf-8"?>
-<dgm:colorsDef xmlns:dgm="http://schemas.openxmlformats.org/drawingml/2006/diagram" xmlns:a="http://schemas.openxmlformats.org/drawingml/2006/main" uniqueId="urn:microsoft.com/office/officeart/2005/8/colors/accent1_2">
-  <dgm:title val=""/>
-  <dgm:desc val=""/>
-  <dgm:catLst>
-    <dgm:cat type="accent1" pri="11200"/>
-  </dgm:catLst>
-  <dgm:styleLbl name="node0">
-    <dgm:fillClrLst meth="repeat">
-      <a:schemeClr val="accent1"/>
-    </dgm:fillClrLst>
-    <dgm:linClrLst meth="repeat">
-      <a:schemeClr val="lt1"/>
-    </dgm:linClrLst>
-    <dgm:effectClrLst/>
-    <dgm:txLinClrLst/>
-    <dgm:txFillClrLst/>
-    <dgm:txEffectClrLst/>
-  </dgm:styleLbl>
-  <dgm:styleLbl name="alignNode1">
-    <dgm:fillClrLst meth="repeat">
-      <a:schemeClr val="accent1"/>
-    </dgm:fillClrLst>
-    <dgm:linClrLst meth="repeat">
-      <a:schemeClr val="accent1"/>
-    </dgm:linClrLst>
-    <dgm:effectClrLst/>
-    <dgm:txLinClrLst/>
-    <dgm:txFillClrLst/>
-    <dgm:txEffectClrLst/>
-  </dgm:styleLbl>
-  <dgm:styleLbl name="node1">
-    <dgm:fillClrLst meth="repeat">
-      <a:schemeClr val="accent1"/>
-    </dgm:fillClrLst>
-    <dgm:linClrLst meth="repeat">
-      <a:schemeClr val="lt1"/>
-    </dgm:linClrLst>
-    <dgm:effectClrLst/>
-    <dgm:txLinClrLst/>
-    <dgm:txFillClrLst/>
-    <dgm:txEffectClrLst/>
-  </dgm:styleLbl>
-  <dgm:styleLbl name="lnNode1">
-    <dgm:fillClrLst meth="repeat">
-      <a:schemeClr val="accent1"/>
-    </dgm:fillClrLst>
-    <dgm:linClrLst meth="repeat">
-      <a:schemeClr val="lt1"/>
-    </dgm:linClrLst>
-    <dgm:effectClrLst/>
-    <dgm:txLinClrLst/>
-    <dgm:txFillClrLst/>
-    <dgm:txEffectClrLst/>
-  </dgm:styleLbl>
-  <dgm:styleLbl name="vennNode1">
-    <dgm:fillClrLst meth="repeat">
-      <a:schemeClr val="accent1">
-        <a:alpha val="50000"/>
-      </a:schemeClr>
-    </dgm:fillClrLst>
-    <dgm:linClrLst meth="repeat">
-      <a:schemeClr val="lt1"/>
-    </dgm:linClrLst>
-    <dgm:effectClrLst/>
-    <dgm:txLinClrLst/>
-    <dgm:txFillClrLst/>
-    <dgm:txEffectClrLst/>
-  </dgm:styleLbl>
-  <dgm:styleLbl name="node2">
-    <dgm:fillClrLst meth="repeat">
-      <a:schemeClr val="accent1"/>
-    </dgm:fillClrLst>
-    <dgm:linClrLst meth="repeat">
-      <a:schemeClr val="lt1"/>
-    </dgm:linClrLst>
-    <dgm:effectClrLst/>
-    <dgm:txLinClrLst/>
-    <dgm:txFillClrLst/>
-    <dgm:txEffectClrLst/>
-  </dgm:styleLbl>
-  <dgm:styleLbl name="node3">
-    <dgm:fillClrLst meth="repeat">
-      <a:schemeClr val="accent1"/>
-    </dgm:fillClrLst>
-    <dgm:linClrLst meth="repeat">
-      <a:schemeClr val="lt1"/>
-    </dgm:linClrLst>
-    <dgm:effectClrLst/>
-    <dgm:txLinClrLst/>
-    <dgm:txFillClrLst/>
-    <dgm:txEffectClrLst/>
-  </dgm:styleLbl>
-  <dgm:styleLbl name="node4">
-    <dgm:fillClrLst meth="repeat">
-      <a:schemeClr val="accent1"/>
-    </dgm:fillClrLst>
-    <dgm:linClrLst meth="repeat">
-      <a:schemeClr val="lt1"/>
-    </dgm:linClrLst>
-    <dgm:effectClrLst/>
-    <dgm:txLinClrLst/>
-    <dgm:txFillClrLst/>
-    <dgm:txEffectClrLst/>
-  </dgm:styleLbl>
-  <dgm:styleLbl name="fgImgPlace1">
-    <dgm:fillClrLst meth="repeat">
-      <a:schemeClr val="accent1">
-        <a:tint val="50000"/>
-      </a:schemeClr>
-    </dgm:fillClrLst>
-    <dgm:linClrLst meth="repeat">
-      <a:schemeClr val="lt1"/>
-    </dgm:linClrLst>
-    <dgm:effectClrLst/>
-    <dgm:txLinClrLst/>
-    <dgm:txFillClrLst meth="repeat">
-      <a:schemeClr val="lt1"/>
-    </dgm:txFillClrLst>
-    <dgm:txEffectClrLst/>
-  </dgm:styleLbl>
-  <dgm:styleLbl name="alignImgPlace1">
-    <dgm:fillClrLst meth="repeat">
-      <a:schemeClr val="accent1">
-        <a:tint val="50000"/>
-      </a:schemeClr>
-    </dgm:fillClrLst>
-    <dgm:linClrLst meth="repeat">
-      <a:schemeClr val="lt1"/>
-    </dgm:linClrLst>
-    <dgm:effectClrLst/>
-    <dgm:txLinClrLst/>
-    <dgm:txFillClrLst meth="repeat">
-      <a:schemeClr val="lt1"/>
-    </dgm:txFillClrLst>
-    <dgm:txEffectClrLst/>
-  </dgm:styleLbl>
-  <dgm:styleLbl name="bgImgPlace1">
-    <dgm:fillClrLst meth="repeat">
-      <a:schemeClr val="accent1">
-        <a:tint val="50000"/>
-      </a:schemeClr>
-    </dgm:fillClrLst>
-    <dgm:linClrLst meth="repeat">
-      <a:schemeClr val="lt1"/>
-    </dgm:linClrLst>
-    <dgm:effectClrLst/>
-    <dgm:txLinClrLst/>
-    <dgm:txFillClrLst meth="repeat">
-      <a:schemeClr val="lt1"/>
-    </dgm:txFillClrLst>
-    <dgm:txEffectClrLst/>
-  </dgm:styleLbl>
-  <dgm:styleLbl name="sibTrans2D1">
-    <dgm:fillClrLst meth="repeat">
-      <a:schemeClr val="accent1">
-        <a:tint val="60000"/>
-      </a:schemeClr>
-    </dgm:fillClrLst>
-    <dgm:linClrLst meth="repeat">
-      <a:schemeClr val="accent1">
-        <a:tint val="60000"/>
-      </a:schemeClr>
-    </dgm:linClrLst>
-    <dgm:effectClrLst/>
-    <dgm:txLinClrLst/>
-    <dgm:txFillClrLst/>
-    <dgm:txEffectClrLst/>
-  </dgm:styleLbl>
-  <dgm:styleLbl name="fgSibTrans2D1">
-    <dgm:fillClrLst meth="repeat">
-      <a:schemeClr val="accent1">
-        <a:tint val="60000"/>
-      </a:schemeClr>
-    </dgm:fillClrLst>
-    <dgm:linClrLst meth="repeat">
-      <a:schemeClr val="accent1">
-        <a:tint val="60000"/>
-      </a:schemeClr>
-    </dgm:linClrLst>
-    <dgm:effectClrLst/>
-    <dgm:txLinClrLst/>
-    <dgm:txFillClrLst/>
-    <dgm:txEffectClrLst/>
-  </dgm:styleLbl>
-  <dgm:styleLbl name="bgSibTrans2D1">
-    <dgm:fillClrLst meth="repeat">
-      <a:schemeClr val="accent1">
-        <a:tint val="60000"/>
-      </a:schemeClr>
-    </dgm:fillClrLst>
-    <dgm:linClrLst meth="repeat">
-      <a:schemeClr val="accent1">
-        <a:tint val="60000"/>
-      </a:schemeClr>
-    </dgm:linClrLst>
-    <dgm:effectClrLst/>
-    <dgm:txLinClrLst/>
-    <dgm:txFillClrLst/>
-    <dgm:txEffectClrLst/>
-  </dgm:styleLbl>
-  <dgm:styleLbl name="sibTrans1D1">
-    <dgm:fillClrLst meth="repeat">
-      <a:schemeClr val="accent1"/>
-    </dgm:fillClrLst>
-    <dgm:linClrLst meth="repeat">
-      <a:schemeClr val="accent1"/>
-    </dgm:linClrLst>
-    <dgm:effectClrLst/>
-    <dgm:txLinClrLst/>
-    <dgm:txFillClrLst meth="repeat">
-      <a:schemeClr val="tx1"/>
-    </dgm:txFillClrLst>
-    <dgm:txEffectClrLst/>
-  </dgm:styleLbl>
-  <dgm:styleLbl name="callout">
-    <dgm:fillClrLst meth="repeat">
-      <a:schemeClr val="accent1"/>
-    </dgm:fillClrLst>
-    <dgm:linClrLst meth="repeat">
-      <a:schemeClr val="accent1">
-        <a:tint val="50000"/>
-      </a:schemeClr>
-    </dgm:linClrLst>
-    <dgm:effectClrLst/>
-    <dgm:txLinClrLst/>
-    <dgm:txFillClrLst meth="repeat">
-      <a:schemeClr val="tx1"/>
-    </dgm:txFillClrLst>
-    <dgm:txEffectClrLst/>
-  </dgm:styleLbl>
-  <dgm:styleLbl name="asst0">
-    <dgm:fillClrLst meth="repeat">
-      <a:schemeClr val="accent1"/>
-    </dgm:fillClrLst>
-    <dgm:linClrLst meth="repeat">
-      <a:schemeClr val="lt1"/>
-    </dgm:linClrLst>
-    <dgm:effectClrLst/>
-    <dgm:txLinClrLst/>
-    <dgm:txFillClrLst/>
-    <dgm:txEffectClrLst/>
-  </dgm:styleLbl>
-  <dgm:styleLbl name="asst1">
-    <dgm:fillClrLst meth="repeat">
-      <a:schemeClr val="accent1"/>
-    </dgm:fillClrLst>
-    <dgm:linClrLst meth="repeat">
-      <a:schemeClr val="lt1"/>
-    </dgm:linClrLst>
-    <dgm:effectClrLst/>
-    <dgm:txLinClrLst/>
-    <dgm:txFillClrLst/>
-    <dgm:txEffectClrLst/>
-  </dgm:styleLbl>
-  <dgm:styleLbl name="asst2">
-    <dgm:fillClrLst meth="repeat">
-      <a:schemeClr val="accent1"/>
-    </dgm:fillClrLst>
-    <dgm:linClrLst meth="repeat">
-      <a:schemeClr val="lt1"/>
-    </dgm:linClrLst>
-    <dgm:effectClrLst/>
-    <dgm:txLinClrLst/>
-    <dgm:txFillClrLst/>
-    <dgm:txEffectClrLst/>
-  </dgm:styleLbl>
-  <dgm:styleLbl name="asst3">
-    <dgm:fillClrLst meth="repeat">
-      <a:schemeClr val="accent1"/>
-    </dgm:fillClrLst>
-    <dgm:linClrLst meth="repeat">
-      <a:schemeClr val="lt1"/>
-    </dgm:linClrLst>
-    <dgm:effectClrLst/>
-    <dgm:txLinClrLst/>
-    <dgm:txFillClrLst/>
-    <dgm:txEffectClrLst/>
-  </dgm:styleLbl>
-  <dgm:styleLbl name="asst4">
-    <dgm:fillClrLst meth="repeat">
-      <a:schemeClr val="accent1"/>
-    </dgm:fillClrLst>
-    <dgm:linClrLst meth="repeat">
-      <a:schemeClr val="lt1"/>
-    </dgm:linClrLst>
-    <dgm:effectClrLst/>
-    <dgm:txLinClrLst/>
-    <dgm:txFillClrLst/>
-    <dgm:txEffectClrLst/>
-  </dgm:styleLbl>
-  <dgm:styleLbl name="parChTrans2D1">
-    <dgm:fillClrLst meth="repeat">
-      <a:schemeClr val="accent1">
-        <a:tint val="60000"/>
-      </a:schemeClr>
-    </dgm:fillClrLst>
-    <dgm:linClrLst meth="repeat">
-      <a:schemeClr val="accent1">
-        <a:tint val="60000"/>
-      </a:schemeClr>
-    </dgm:linClrLst>
-    <dgm:effectClrLst/>
-    <dgm:txLinClrLst/>
-    <dgm:txFillClrLst meth="repeat">
-      <a:schemeClr val="lt1"/>
-    </dgm:txFillClrLst>
-    <dgm:txEffectClrLst/>
-  </dgm:styleLbl>
-  <dgm:styleLbl name="parChTrans2D2">
-    <dgm:fillClrLst meth="repeat">
-      <a:schemeClr val="accent1"/>
-    </dgm:fillClrLst>
-    <dgm:linClrLst meth="repeat">
-      <a:schemeClr val="accent1"/>
-    </dgm:linClrLst>
-    <dgm:effectClrLst/>
-    <dgm:txLinClrLst/>
-    <dgm:txFillClrLst meth="repeat">
-      <a:schemeClr val="lt1"/>
-    </dgm:txFillClrLst>
-    <dgm:txEffectClrLst/>
-  </dgm:styleLbl>
-  <dgm:styleLbl name="parChTrans2D3">
-    <dgm:fillClrLst meth="repeat">
-      <a:schemeClr val="accent1"/>
-    </dgm:fillClrLst>
-    <dgm:linClrLst meth="repeat">
-      <a:schemeClr val="accent1"/>
-    </dgm:linClrLst>
-    <dgm:effectClrLst/>
-    <dgm:txLinClrLst/>
-    <dgm:txFillClrLst meth="repeat">
-      <a:schemeClr val="lt1"/>
-    </dgm:txFillClrLst>
-    <dgm:txEffectClrLst/>
-  </dgm:styleLbl>
-  <dgm:styleLbl name="parChTrans2D4">
-    <dgm:fillClrLst meth="repeat">
-      <a:schemeClr val="accent1"/>
-    </dgm:fillClrLst>
-    <dgm:linClrLst meth="repeat">
-      <a:schemeClr val="accent1"/>
-    </dgm:linClrLst>
-    <dgm:effectClrLst/>
-    <dgm:txLinClrLst/>
-    <dgm:txFillClrLst meth="repeat">
-      <a:schemeClr val="lt1"/>
-    </dgm:txFillClrLst>
-    <dgm:txEffectClrLst/>
-  </dgm:styleLbl>
-  <dgm:styleLbl name="parChTrans1D1">
-    <dgm:fillClrLst meth="repeat">
-      <a:schemeClr val="accent1"/>
-    </dgm:fillClrLst>
-    <dgm:linClrLst meth="repeat">
-      <a:schemeClr val="accent1">
-        <a:shade val="60000"/>
-      </a:schemeClr>
-    </dgm:linClrLst>
-    <dgm:effectClrLst/>
-    <dgm:txLinClrLst/>
-    <dgm:txFillClrLst meth="repeat">
-      <a:schemeClr val="tx1"/>
-    </dgm:txFillClrLst>
-    <dgm:txEffectClrLst/>
-  </dgm:styleLbl>
-  <dgm:styleLbl name="parChTrans1D2">
-    <dgm:fillClrLst meth="repeat">
-      <a:schemeClr val="accent1"/>
-    </dgm:fillClrLst>
-    <dgm:linClrLst meth="repeat">
-      <a:schemeClr val="accent1">
-        <a:shade val="60000"/>
-      </a:schemeClr>
-    </dgm:linClrLst>
-    <dgm:effectClrLst/>
-    <dgm:txLinClrLst/>
-    <dgm:txFillClrLst meth="repeat">
-      <a:schemeClr val="tx1"/>
-    </dgm:txFillClrLst>
-    <dgm:txEffectClrLst/>
-  </dgm:styleLbl>
-  <dgm:styleLbl name="parChTrans1D3">
-    <dgm:fillClrLst meth="repeat">
-      <a:schemeClr val="accent1"/>
-    </dgm:fillClrLst>
-    <dgm:linClrLst meth="repeat">
-      <a:schemeClr val="accent1">
-        <a:shade val="80000"/>
-      </a:schemeClr>
-    </dgm:linClrLst>
-    <dgm:effectClrLst/>
-    <dgm:txLinClrLst/>
-    <dgm:txFillClrLst meth="repeat">
-      <a:schemeClr val="tx1"/>
-    </dgm:txFillClrLst>
-    <dgm:txEffectClrLst/>
-  </dgm:styleLbl>
-  <dgm:styleLbl name="parChTrans1D4">
-    <dgm:fillClrLst meth="repeat">
-      <a:schemeClr val="accent1"/>
-    </dgm:fillClrLst>
-    <dgm:linClrLst meth="repeat">
-      <a:schemeClr val="accent1">
-        <a:shade val="80000"/>
-      </a:schemeClr>
-    </dgm:linClrLst>
-    <dgm:effectClrLst/>
-    <dgm:txLinClrLst/>
-    <dgm:txFillClrLst meth="repeat">
-      <a:schemeClr val="tx1"/>
-    </dgm:txFillClrLst>
-    <dgm:txEffectClrLst/>
-  </dgm:styleLbl>
-  <dgm:styleLbl name="fgAcc1">
-    <dgm:fillClrLst meth="repeat">
-      <a:schemeClr val="lt1">
-        <a:alpha val="90000"/>
-      </a:schemeClr>
-    </dgm:fillClrLst>
-    <dgm:linClrLst meth="repeat">
-      <a:schemeClr val="accent1"/>
-    </dgm:linClrLst>
-    <dgm:effectClrLst/>
-    <dgm:txLinClrLst/>
-    <dgm:txFillClrLst meth="repeat">
-      <a:schemeClr val="dk1"/>
-    </dgm:txFillClrLst>
-    <dgm:txEffectClrLst/>
-  </dgm:styleLbl>
-  <dgm:styleLbl name="conFgAcc1">
-    <dgm:fillClrLst meth="repeat">
-      <a:schemeClr val="lt1">
-        <a:alpha val="90000"/>
-      </a:schemeClr>
-    </dgm:fillClrLst>
-    <dgm:linClrLst meth="repeat">
-      <a:schemeClr val="accent1"/>
-    </dgm:linClrLst>
-    <dgm:effectClrLst/>
-    <dgm:txLinClrLst/>
-    <dgm:txFillClrLst meth="repeat">
-      <a:schemeClr val="dk1"/>
-    </dgm:txFillClrLst>
-    <dgm:txEffectClrLst/>
-  </dgm:styleLbl>
-  <dgm:styleLbl name="alignAcc1">
-    <dgm:fillClrLst meth="repeat">
-      <a:schemeClr val="lt1">
-        <a:alpha val="90000"/>
-      </a:schemeClr>
-    </dgm:fillClrLst>
-    <dgm:linClrLst meth="repeat">
-      <a:schemeClr val="accent1"/>
-    </dgm:linClrLst>
-    <dgm:effectClrLst/>
-    <dgm:txLinClrLst/>
-    <dgm:txFillClrLst meth="repeat">
-      <a:schemeClr val="dk1"/>
-    </dgm:txFillClrLst>
-    <dgm:txEffectClrLst/>
-  </dgm:styleLbl>
-  <dgm:styleLbl name="trAlignAcc1">
-    <dgm:fillClrLst meth="repeat">
-      <a:schemeClr val="lt1">
-        <a:alpha val="40000"/>
-      </a:schemeClr>
-    </dgm:fillClrLst>
-    <dgm:linClrLst meth="repeat">
-      <a:schemeClr val="accent1"/>
-    </dgm:linClrLst>
-    <dgm:effectClrLst/>
-    <dgm:txLinClrLst/>
-    <dgm:txFillClrLst meth="repeat">
-      <a:schemeClr val="dk1"/>
-    </dgm:txFillClrLst>
-    <dgm:txEffectClrLst/>
-  </dgm:styleLbl>
-  <dgm:styleLbl name="bgAcc1">
-    <dgm:fillClrLst meth="repeat">
-      <a:schemeClr val="lt1">
-        <a:alpha val="90000"/>
-      </a:schemeClr>
-    </dgm:fillClrLst>
-    <dgm:linClrLst meth="repeat">
-      <a:schemeClr val="accent1"/>
-    </dgm:linClrLst>
-    <dgm:effectClrLst/>
-    <dgm:txLinClrLst/>
-    <dgm:txFillClrLst meth="repeat">
-      <a:schemeClr val="dk1"/>
-    </dgm:txFillClrLst>
-    <dgm:txEffectClrLst/>
-  </dgm:styleLbl>
-  <dgm:styleLbl name="solidFgAcc1">
-    <dgm:fillClrLst meth="repeat">
-      <a:schemeClr val="lt1"/>
-    </dgm:fillClrLst>
-    <dgm:linClrLst meth="repeat">
-      <a:schemeClr val="accent1"/>
-    </dgm:linClrLst>
-    <dgm:effectClrLst/>
-    <dgm:txLinClrLst/>
-    <dgm:txFillClrLst meth="repeat">
-      <a:schemeClr val="dk1"/>
-    </dgm:txFillClrLst>
-    <dgm:txEffectClrLst/>
-  </dgm:styleLbl>
-  <dgm:styleLbl name="solidAlignAcc1">
-    <dgm:fillClrLst meth="repeat">
-      <a:schemeClr val="lt1"/>
-    </dgm:fillClrLst>
-    <dgm:linClrLst meth="repeat">
-      <a:schemeClr val="accent1"/>
-    </dgm:linClrLst>
-    <dgm:effectClrLst/>
-    <dgm:txLinClrLst/>
-    <dgm:txFillClrLst meth="repeat">
-      <a:schemeClr val="dk1"/>
-    </dgm:txFillClrLst>
-    <dgm:txEffectClrLst/>
-  </dgm:styleLbl>
-  <dgm:styleLbl name="solidBgAcc1">
-    <dgm:fillClrLst meth="repeat">
-      <a:schemeClr val="lt1"/>
-    </dgm:fillClrLst>
-    <dgm:linClrLst meth="repeat">
-      <a:schemeClr val="accent1"/>
-    </dgm:linClrLst>
-    <dgm:effectClrLst/>
-    <dgm:txLinClrLst/>
-    <dgm:txFillClrLst meth="repeat">
-      <a:schemeClr val="dk1"/>
-    </dgm:txFillClrLst>
-    <dgm:txEffectClrLst/>
-  </dgm:styleLbl>
-  <dgm:styleLbl name="fgAccFollowNode1">
-    <dgm:fillClrLst meth="repeat">
-      <a:schemeClr val="accent1">
-        <a:alpha val="90000"/>
-        <a:tint val="40000"/>
-      </a:schemeClr>
-    </dgm:fillClrLst>
-    <dgm:linClrLst meth="repeat">
-      <a:schemeClr val="accent1">
-        <a:alpha val="90000"/>
-        <a:tint val="40000"/>
-      </a:schemeClr>
-    </dgm:linClrLst>
-    <dgm:effectClrLst/>
-    <dgm:txLinClrLst/>
-    <dgm:txFillClrLst meth="repeat">
-      <a:schemeClr val="dk1"/>
-    </dgm:txFillClrLst>
-    <dgm:txEffectClrLst/>
-  </dgm:styleLbl>
-  <dgm:styleLbl name="alignAccFollowNode1">
-    <dgm:fillClrLst meth="repeat">
-      <a:schemeClr val="accent1">
-        <a:alpha val="90000"/>
-        <a:tint val="40000"/>
-      </a:schemeClr>
-    </dgm:fillClrLst>
-    <dgm:linClrLst meth="repeat">
-      <a:schemeClr val="accent1">
-        <a:alpha val="90000"/>
-        <a:tint val="40000"/>
-      </a:schemeClr>
-    </dgm:linClrLst>
-    <dgm:effectClrLst/>
-    <dgm:txLinClrLst/>
-    <dgm:txFillClrLst meth="repeat">
-      <a:schemeClr val="dk1"/>
-    </dgm:txFillClrLst>
-    <dgm:txEffectClrLst/>
-  </dgm:styleLbl>
-  <dgm:styleLbl name="bgAccFollowNode1">
-    <dgm:fillClrLst meth="repeat">
-      <a:schemeClr val="accent1">
-        <a:alpha val="90000"/>
-        <a:tint val="40000"/>
-      </a:schemeClr>
-    </dgm:fillClrLst>
-    <dgm:linClrLst meth="repeat">
-      <a:schemeClr val="accent1">
-        <a:alpha val="90000"/>
-        <a:tint val="40000"/>
-      </a:schemeClr>
-    </dgm:linClrLst>
-    <dgm:effectClrLst/>
-    <dgm:txLinClrLst/>
-    <dgm:txFillClrLst meth="repeat">
-      <a:schemeClr val="dk1"/>
-    </dgm:txFillClrLst>
-    <dgm:txEffectClrLst/>
-  </dgm:styleLbl>
-  <dgm:styleLbl name="fgAcc0">
-    <dgm:fillClrLst meth="repeat">
-      <a:schemeClr val="lt1">
-        <a:alpha val="90000"/>
-      </a:schemeClr>
-    </dgm:fillClrLst>
-    <dgm:linClrLst meth="repeat">
-      <a:schemeClr val="accent1"/>
-    </dgm:linClrLst>
-    <dgm:effectClrLst/>
-    <dgm:txLinClrLst/>
-    <dgm:txFillClrLst meth="repeat">
-      <a:schemeClr val="dk1"/>
-    </dgm:txFillClrLst>
-    <dgm:txEffectClrLst/>
-  </dgm:styleLbl>
-  <dgm:styleLbl name="fgAcc2">
-    <dgm:fillClrLst meth="repeat">
-      <a:schemeClr val="lt1">
-        <a:alpha val="90000"/>
-      </a:schemeClr>
-    </dgm:fillClrLst>
-    <dgm:linClrLst meth="repeat">
-      <a:schemeClr val="accent1"/>
-    </dgm:linClrLst>
-    <dgm:effectClrLst/>
-    <dgm:txLinClrLst/>
-    <dgm:txFillClrLst meth="repeat">
-      <a:schemeClr val="dk1"/>
-    </dgm:txFillClrLst>
-    <dgm:txEffectClrLst/>
-  </dgm:styleLbl>
-  <dgm:styleLbl name="fgAcc3">
-    <dgm:fillClrLst meth="repeat">
-      <a:schemeClr val="lt1">
-        <a:alpha val="90000"/>
-      </a:schemeClr>
-    </dgm:fillClrLst>
-    <dgm:linClrLst meth="repeat">
-      <a:schemeClr val="accent1"/>
-    </dgm:linClrLst>
-    <dgm:effectClrLst/>
-    <dgm:txLinClrLst/>
-    <dgm:txFillClrLst meth="repeat">
-      <a:schemeClr val="dk1"/>
-    </dgm:txFillClrLst>
-    <dgm:txEffectClrLst/>
-  </dgm:styleLbl>
-  <dgm:styleLbl name="fgAcc4">
-    <dgm:fillClrLst meth="repeat">
-      <a:schemeClr val="lt1">
-        <a:alpha val="90000"/>
-      </a:schemeClr>
-    </dgm:fillClrLst>
-    <dgm:linClrLst meth="repeat">
-      <a:schemeClr val="accent1"/>
-    </dgm:linClrLst>
-    <dgm:effectClrLst/>
-    <dgm:txLinClrLst/>
-    <dgm:txFillClrLst meth="repeat">
-      <a:schemeClr val="dk1"/>
-    </dgm:txFillClrLst>
-    <dgm:txEffectClrLst/>
-  </dgm:styleLbl>
-  <dgm:styleLbl name="bgShp">
-    <dgm:fillClrLst meth="repeat">
-      <a:schemeClr val="accent1">
-        <a:tint val="40000"/>
-      </a:schemeClr>
-    </dgm:fillClrLst>
-    <dgm:linClrLst meth="repeat">
-      <a:schemeClr val="accent1"/>
-    </dgm:linClrLst>
-    <dgm:effectClrLst/>
-    <dgm:txLinClrLst/>
-    <dgm:txFillClrLst meth="repeat">
-      <a:schemeClr val="dk1"/>
-    </dgm:txFillClrLst>
-    <dgm:txEffectClrLst/>
-  </dgm:styleLbl>
-  <dgm:styleLbl name="dkBgShp">
-    <dgm:fillClrLst meth="repeat">
-      <a:schemeClr val="accent1">
-        <a:shade val="80000"/>
-      </a:schemeClr>
-    </dgm:fillClrLst>
-    <dgm:linClrLst meth="repeat">
-      <a:schemeClr val="accent1"/>
-    </dgm:linClrLst>
-    <dgm:effectClrLst/>
-    <dgm:txLinClrLst/>
-    <dgm:txFillClrLst meth="repeat">
-      <a:schemeClr val="lt1"/>
-    </dgm:txFillClrLst>
-    <dgm:txEffectClrLst/>
-  </dgm:styleLbl>
-  <dgm:styleLbl name="trBgShp">
-    <dgm:fillClrLst meth="repeat">
-      <a:schemeClr val="accent1">
-        <a:tint val="50000"/>
-        <a:alpha val="40000"/>
-      </a:schemeClr>
-    </dgm:fillClrLst>
-    <dgm:linClrLst meth="repeat">
-      <a:schemeClr val="accent1"/>
-    </dgm:linClrLst>
-    <dgm:effectClrLst/>
-    <dgm:txLinClrLst/>
-    <dgm:txFillClrLst meth="repeat">
-      <a:schemeClr val="lt1"/>
-    </dgm:txFillClrLst>
-    <dgm:txEffectClrLst/>
-  </dgm:styleLbl>
-  <dgm:styleLbl name="fgShp">
-    <dgm:fillClrLst meth="repeat">
-      <a:schemeClr val="accent1">
-        <a:tint val="60000"/>
-      </a:schemeClr>
-    </dgm:fillClrLst>
-    <dgm:linClrLst meth="repeat">
-      <a:schemeClr val="lt1"/>
-    </dgm:linClrLst>
-    <dgm:effectClrLst/>
-    <dgm:txLinClrLst/>
-    <dgm:txFillClrLst meth="repeat">
-      <a:schemeClr val="dk1"/>
-    </dgm:txFillClrLst>
-    <dgm:txEffectClrLst/>
-  </dgm:styleLbl>
-  <dgm:styleLbl name="revTx">
-    <dgm:fillClrLst meth="repeat">
-      <a:schemeClr val="lt1">
-        <a:alpha val="0"/>
-      </a:schemeClr>
-    </dgm:fillClrLst>
-    <dgm:linClrLst meth="repeat">
-      <a:schemeClr val="dk1">
-        <a:alpha val="0"/>
-      </a:schemeClr>
-    </dgm:linClrLst>
-    <dgm:effectClrLst/>
-    <dgm:txLinClrLst/>
-    <dgm:txFillClrLst meth="repeat">
-      <a:schemeClr val="tx1"/>
-    </dgm:txFillClrLst>
-    <dgm:txEffectClrLst/>
-  </dgm:styleLbl>
-</dgm:colorsDef>
-</file>
-
 <file path=ppt/diagrams/colors2.xml><?xml version="1.0" encoding="utf-8"?>
 <dgm:colorsDef xmlns:dgm="http://schemas.openxmlformats.org/drawingml/2006/diagram" xmlns:a="http://schemas.openxmlformats.org/drawingml/2006/main" uniqueId="urn:microsoft.com/office/officeart/2005/8/colors/colorful1">
   <dgm:title val=""/>
@@ -5320,11 +4571,11 @@
 </file>
 
 <file path=ppt/diagrams/colors5.xml><?xml version="1.0" encoding="utf-8"?>
-<dgm:colorsDef xmlns:dgm="http://schemas.openxmlformats.org/drawingml/2006/diagram" xmlns:a="http://schemas.openxmlformats.org/drawingml/2006/main" uniqueId="urn:microsoft.com/office/officeart/2005/8/colors/accent1_2">
+<dgm:colorsDef xmlns:dgm="http://schemas.openxmlformats.org/drawingml/2006/diagram" xmlns:a="http://schemas.openxmlformats.org/drawingml/2006/main" uniqueId="urn:microsoft.com/office/officeart/2005/8/colors/colorful1">
   <dgm:title val=""/>
   <dgm:desc val=""/>
   <dgm:catLst>
-    <dgm:cat type="accent1" pri="11200"/>
+    <dgm:cat type="colorful" pri="10100"/>
   </dgm:catLst>
   <dgm:styleLbl name="node0">
     <dgm:fillClrLst meth="repeat">
@@ -5338,21 +4589,13 @@
     <dgm:txFillClrLst/>
     <dgm:txEffectClrLst/>
   </dgm:styleLbl>
-  <dgm:styleLbl name="alignNode1">
-    <dgm:fillClrLst meth="repeat">
-      <a:schemeClr val="accent1"/>
-    </dgm:fillClrLst>
-    <dgm:linClrLst meth="repeat">
-      <a:schemeClr val="accent1"/>
-    </dgm:linClrLst>
-    <dgm:effectClrLst/>
-    <dgm:txLinClrLst/>
-    <dgm:txFillClrLst/>
-    <dgm:txEffectClrLst/>
-  </dgm:styleLbl>
   <dgm:styleLbl name="node1">
     <dgm:fillClrLst meth="repeat">
-      <a:schemeClr val="accent1"/>
+      <a:schemeClr val="accent2"/>
+      <a:schemeClr val="accent3"/>
+      <a:schemeClr val="accent4"/>
+      <a:schemeClr val="accent5"/>
+      <a:schemeClr val="accent6"/>
     </dgm:fillClrLst>
     <dgm:linClrLst meth="repeat">
       <a:schemeClr val="lt1"/>
@@ -5362,9 +4605,33 @@
     <dgm:txFillClrLst/>
     <dgm:txEffectClrLst/>
   </dgm:styleLbl>
+  <dgm:styleLbl name="alignNode1">
+    <dgm:fillClrLst meth="repeat">
+      <a:schemeClr val="accent2"/>
+      <a:schemeClr val="accent3"/>
+      <a:schemeClr val="accent4"/>
+      <a:schemeClr val="accent5"/>
+      <a:schemeClr val="accent6"/>
+    </dgm:fillClrLst>
+    <dgm:linClrLst meth="repeat">
+      <a:schemeClr val="accent2"/>
+      <a:schemeClr val="accent3"/>
+      <a:schemeClr val="accent4"/>
+      <a:schemeClr val="accent5"/>
+      <a:schemeClr val="accent6"/>
+    </dgm:linClrLst>
+    <dgm:effectClrLst/>
+    <dgm:txLinClrLst/>
+    <dgm:txFillClrLst/>
+    <dgm:txEffectClrLst/>
+  </dgm:styleLbl>
   <dgm:styleLbl name="lnNode1">
     <dgm:fillClrLst meth="repeat">
-      <a:schemeClr val="accent1"/>
+      <a:schemeClr val="accent2"/>
+      <a:schemeClr val="accent3"/>
+      <a:schemeClr val="accent4"/>
+      <a:schemeClr val="accent5"/>
+      <a:schemeClr val="accent6"/>
     </dgm:fillClrLst>
     <dgm:linClrLst meth="repeat">
       <a:schemeClr val="lt1"/>
@@ -5376,7 +4643,19 @@
   </dgm:styleLbl>
   <dgm:styleLbl name="vennNode1">
     <dgm:fillClrLst meth="repeat">
-      <a:schemeClr val="accent1">
+      <a:schemeClr val="accent2">
+        <a:alpha val="50000"/>
+      </a:schemeClr>
+      <a:schemeClr val="accent3">
+        <a:alpha val="50000"/>
+      </a:schemeClr>
+      <a:schemeClr val="accent4">
+        <a:alpha val="50000"/>
+      </a:schemeClr>
+      <a:schemeClr val="accent5">
+        <a:alpha val="50000"/>
+      </a:schemeClr>
+      <a:schemeClr val="accent6">
         <a:alpha val="50000"/>
       </a:schemeClr>
     </dgm:fillClrLst>
@@ -5389,8 +4668,8 @@
     <dgm:txEffectClrLst/>
   </dgm:styleLbl>
   <dgm:styleLbl name="node2">
-    <dgm:fillClrLst meth="repeat">
-      <a:schemeClr val="accent1"/>
+    <dgm:fillClrLst>
+      <a:schemeClr val="accent2"/>
     </dgm:fillClrLst>
     <dgm:linClrLst meth="repeat">
       <a:schemeClr val="lt1"/>
@@ -5401,8 +4680,8 @@
     <dgm:txEffectClrLst/>
   </dgm:styleLbl>
   <dgm:styleLbl name="node3">
-    <dgm:fillClrLst meth="repeat">
-      <a:schemeClr val="accent1"/>
+    <dgm:fillClrLst>
+      <a:schemeClr val="accent3"/>
     </dgm:fillClrLst>
     <dgm:linClrLst meth="repeat">
       <a:schemeClr val="lt1"/>
@@ -5413,8 +4692,8 @@
     <dgm:txEffectClrLst/>
   </dgm:styleLbl>
   <dgm:styleLbl name="node4">
-    <dgm:fillClrLst meth="repeat">
-      <a:schemeClr val="accent1"/>
+    <dgm:fillClrLst>
+      <a:schemeClr val="accent4"/>
     </dgm:fillClrLst>
     <dgm:linClrLst meth="repeat">
       <a:schemeClr val="lt1"/>
@@ -5426,7 +4705,19 @@
   </dgm:styleLbl>
   <dgm:styleLbl name="fgImgPlace1">
     <dgm:fillClrLst meth="repeat">
-      <a:schemeClr val="accent1">
+      <a:schemeClr val="accent2">
+        <a:tint val="50000"/>
+      </a:schemeClr>
+      <a:schemeClr val="accent3">
+        <a:tint val="50000"/>
+      </a:schemeClr>
+      <a:schemeClr val="accent4">
+        <a:tint val="50000"/>
+      </a:schemeClr>
+      <a:schemeClr val="accent5">
+        <a:tint val="50000"/>
+      </a:schemeClr>
+      <a:schemeClr val="accent6">
         <a:tint val="50000"/>
       </a:schemeClr>
     </dgm:fillClrLst>
@@ -5441,9 +4732,12 @@
     <dgm:txEffectClrLst/>
   </dgm:styleLbl>
   <dgm:styleLbl name="alignImgPlace1">
-    <dgm:fillClrLst meth="repeat">
+    <dgm:fillClrLst>
       <a:schemeClr val="accent1">
         <a:tint val="50000"/>
+      </a:schemeClr>
+      <a:schemeClr val="accent2">
+        <a:tint val="20000"/>
       </a:schemeClr>
     </dgm:fillClrLst>
     <dgm:linClrLst meth="repeat">
@@ -5457,9 +4751,12 @@
     <dgm:txEffectClrLst/>
   </dgm:styleLbl>
   <dgm:styleLbl name="bgImgPlace1">
-    <dgm:fillClrLst meth="repeat">
+    <dgm:fillClrLst>
       <a:schemeClr val="accent1">
         <a:tint val="50000"/>
+      </a:schemeClr>
+      <a:schemeClr val="accent2">
+        <a:tint val="20000"/>
       </a:schemeClr>
     </dgm:fillClrLst>
     <dgm:linClrLst meth="repeat">
@@ -5474,14 +4771,14 @@
   </dgm:styleLbl>
   <dgm:styleLbl name="sibTrans2D1">
     <dgm:fillClrLst meth="repeat">
-      <a:schemeClr val="accent1">
-        <a:tint val="60000"/>
-      </a:schemeClr>
+      <a:schemeClr val="accent2"/>
+      <a:schemeClr val="accent3"/>
+      <a:schemeClr val="accent4"/>
+      <a:schemeClr val="accent5"/>
+      <a:schemeClr val="accent6"/>
     </dgm:fillClrLst>
-    <dgm:linClrLst meth="repeat">
-      <a:schemeClr val="accent1">
-        <a:tint val="60000"/>
-      </a:schemeClr>
+    <dgm:linClrLst meth="cycle">
+      <a:schemeClr val="lt1"/>
     </dgm:linClrLst>
     <dgm:effectClrLst/>
     <dgm:txLinClrLst/>
@@ -5490,42 +4787,54 @@
   </dgm:styleLbl>
   <dgm:styleLbl name="fgSibTrans2D1">
     <dgm:fillClrLst meth="repeat">
-      <a:schemeClr val="accent1">
-        <a:tint val="60000"/>
-      </a:schemeClr>
+      <a:schemeClr val="accent2"/>
+      <a:schemeClr val="accent3"/>
+      <a:schemeClr val="accent4"/>
+      <a:schemeClr val="accent5"/>
+      <a:schemeClr val="accent6"/>
     </dgm:fillClrLst>
-    <dgm:linClrLst meth="repeat">
-      <a:schemeClr val="accent1">
-        <a:tint val="60000"/>
-      </a:schemeClr>
+    <dgm:linClrLst meth="cycle">
+      <a:schemeClr val="lt1"/>
     </dgm:linClrLst>
     <dgm:effectClrLst/>
     <dgm:txLinClrLst/>
-    <dgm:txFillClrLst/>
+    <dgm:txFillClrLst meth="repeat">
+      <a:schemeClr val="lt1"/>
+    </dgm:txFillClrLst>
     <dgm:txEffectClrLst/>
   </dgm:styleLbl>
   <dgm:styleLbl name="bgSibTrans2D1">
     <dgm:fillClrLst meth="repeat">
-      <a:schemeClr val="accent1">
-        <a:tint val="60000"/>
-      </a:schemeClr>
+      <a:schemeClr val="accent2"/>
+      <a:schemeClr val="accent3"/>
+      <a:schemeClr val="accent4"/>
+      <a:schemeClr val="accent5"/>
+      <a:schemeClr val="accent6"/>
     </dgm:fillClrLst>
-    <dgm:linClrLst meth="repeat">
-      <a:schemeClr val="accent1">
-        <a:tint val="60000"/>
-      </a:schemeClr>
+    <dgm:linClrLst meth="cycle">
+      <a:schemeClr val="lt1"/>
     </dgm:linClrLst>
     <dgm:effectClrLst/>
     <dgm:txLinClrLst/>
-    <dgm:txFillClrLst/>
+    <dgm:txFillClrLst meth="repeat">
+      <a:schemeClr val="lt1"/>
+    </dgm:txFillClrLst>
     <dgm:txEffectClrLst/>
   </dgm:styleLbl>
   <dgm:styleLbl name="sibTrans1D1">
     <dgm:fillClrLst meth="repeat">
-      <a:schemeClr val="accent1"/>
+      <a:schemeClr val="accent2"/>
+      <a:schemeClr val="accent3"/>
+      <a:schemeClr val="accent4"/>
+      <a:schemeClr val="accent5"/>
+      <a:schemeClr val="accent6"/>
     </dgm:fillClrLst>
     <dgm:linClrLst meth="repeat">
-      <a:schemeClr val="accent1"/>
+      <a:schemeClr val="accent2"/>
+      <a:schemeClr val="accent3"/>
+      <a:schemeClr val="accent4"/>
+      <a:schemeClr val="accent5"/>
+      <a:schemeClr val="accent6"/>
     </dgm:linClrLst>
     <dgm:effectClrLst/>
     <dgm:txLinClrLst/>
@@ -5536,10 +4845,10 @@
   </dgm:styleLbl>
   <dgm:styleLbl name="callout">
     <dgm:fillClrLst meth="repeat">
-      <a:schemeClr val="accent1"/>
+      <a:schemeClr val="accent2"/>
     </dgm:fillClrLst>
     <dgm:linClrLst meth="repeat">
-      <a:schemeClr val="accent1">
+      <a:schemeClr val="accent2">
         <a:tint val="50000"/>
       </a:schemeClr>
     </dgm:linClrLst>
@@ -5564,7 +4873,7 @@
   </dgm:styleLbl>
   <dgm:styleLbl name="asst1">
     <dgm:fillClrLst meth="repeat">
-      <a:schemeClr val="accent1"/>
+      <a:schemeClr val="accent2"/>
     </dgm:fillClrLst>
     <dgm:linClrLst meth="repeat">
       <a:schemeClr val="lt1"/>
@@ -5575,8 +4884,8 @@
     <dgm:txEffectClrLst/>
   </dgm:styleLbl>
   <dgm:styleLbl name="asst2">
-    <dgm:fillClrLst meth="repeat">
-      <a:schemeClr val="accent1"/>
+    <dgm:fillClrLst>
+      <a:schemeClr val="accent3"/>
     </dgm:fillClrLst>
     <dgm:linClrLst meth="repeat">
       <a:schemeClr val="lt1"/>
@@ -5587,8 +4896,8 @@
     <dgm:txEffectClrLst/>
   </dgm:styleLbl>
   <dgm:styleLbl name="asst3">
-    <dgm:fillClrLst meth="repeat">
-      <a:schemeClr val="accent1"/>
+    <dgm:fillClrLst>
+      <a:schemeClr val="accent4"/>
     </dgm:fillClrLst>
     <dgm:linClrLst meth="repeat">
       <a:schemeClr val="lt1"/>
@@ -5599,8 +4908,8 @@
     <dgm:txEffectClrLst/>
   </dgm:styleLbl>
   <dgm:styleLbl name="asst4">
-    <dgm:fillClrLst meth="repeat">
-      <a:schemeClr val="accent1"/>
+    <dgm:fillClrLst>
+      <a:schemeClr val="accent5"/>
     </dgm:fillClrLst>
     <dgm:linClrLst meth="repeat">
       <a:schemeClr val="lt1"/>
@@ -5612,14 +4921,10 @@
   </dgm:styleLbl>
   <dgm:styleLbl name="parChTrans2D1">
     <dgm:fillClrLst meth="repeat">
-      <a:schemeClr val="accent1">
-        <a:tint val="60000"/>
-      </a:schemeClr>
+      <a:schemeClr val="accent2"/>
     </dgm:fillClrLst>
     <dgm:linClrLst meth="repeat">
-      <a:schemeClr val="accent1">
-        <a:tint val="60000"/>
-      </a:schemeClr>
+      <a:schemeClr val="lt1"/>
     </dgm:linClrLst>
     <dgm:effectClrLst/>
     <dgm:txLinClrLst/>
@@ -5630,7 +4935,45 @@
   </dgm:styleLbl>
   <dgm:styleLbl name="parChTrans2D2">
     <dgm:fillClrLst meth="repeat">
-      <a:schemeClr val="accent1"/>
+      <a:schemeClr val="accent3"/>
+    </dgm:fillClrLst>
+    <dgm:linClrLst meth="repeat">
+      <a:schemeClr val="lt1"/>
+    </dgm:linClrLst>
+    <dgm:effectClrLst/>
+    <dgm:txLinClrLst/>
+    <dgm:txFillClrLst/>
+    <dgm:txEffectClrLst/>
+  </dgm:styleLbl>
+  <dgm:styleLbl name="parChTrans2D3">
+    <dgm:fillClrLst meth="repeat">
+      <a:schemeClr val="accent4"/>
+    </dgm:fillClrLst>
+    <dgm:linClrLst meth="repeat">
+      <a:schemeClr val="lt1"/>
+    </dgm:linClrLst>
+    <dgm:effectClrLst/>
+    <dgm:txLinClrLst/>
+    <dgm:txFillClrLst/>
+    <dgm:txEffectClrLst/>
+  </dgm:styleLbl>
+  <dgm:styleLbl name="parChTrans2D4">
+    <dgm:fillClrLst meth="repeat">
+      <a:schemeClr val="accent5"/>
+    </dgm:fillClrLst>
+    <dgm:linClrLst meth="repeat">
+      <a:schemeClr val="lt1"/>
+    </dgm:linClrLst>
+    <dgm:effectClrLst/>
+    <dgm:txLinClrLst/>
+    <dgm:txFillClrLst meth="repeat">
+      <a:schemeClr val="lt1"/>
+    </dgm:txFillClrLst>
+    <dgm:txEffectClrLst/>
+  </dgm:styleLbl>
+  <dgm:styleLbl name="parChTrans1D1">
+    <dgm:fillClrLst meth="repeat">
+      <a:schemeClr val="accent2"/>
     </dgm:fillClrLst>
     <dgm:linClrLst meth="repeat">
       <a:schemeClr val="accent1"/>
@@ -5638,46 +4981,18 @@
     <dgm:effectClrLst/>
     <dgm:txLinClrLst/>
     <dgm:txFillClrLst meth="repeat">
-      <a:schemeClr val="lt1"/>
+      <a:schemeClr val="tx1"/>
     </dgm:txFillClrLst>
     <dgm:txEffectClrLst/>
   </dgm:styleLbl>
-  <dgm:styleLbl name="parChTrans2D3">
+  <dgm:styleLbl name="parChTrans1D2">
     <dgm:fillClrLst meth="repeat">
-      <a:schemeClr val="accent1"/>
+      <a:schemeClr val="accent3">
+        <a:tint val="90000"/>
+      </a:schemeClr>
     </dgm:fillClrLst>
     <dgm:linClrLst meth="repeat">
-      <a:schemeClr val="accent1"/>
-    </dgm:linClrLst>
-    <dgm:effectClrLst/>
-    <dgm:txLinClrLst/>
-    <dgm:txFillClrLst meth="repeat">
-      <a:schemeClr val="lt1"/>
-    </dgm:txFillClrLst>
-    <dgm:txEffectClrLst/>
-  </dgm:styleLbl>
-  <dgm:styleLbl name="parChTrans2D4">
-    <dgm:fillClrLst meth="repeat">
-      <a:schemeClr val="accent1"/>
-    </dgm:fillClrLst>
-    <dgm:linClrLst meth="repeat">
-      <a:schemeClr val="accent1"/>
-    </dgm:linClrLst>
-    <dgm:effectClrLst/>
-    <dgm:txLinClrLst/>
-    <dgm:txFillClrLst meth="repeat">
-      <a:schemeClr val="lt1"/>
-    </dgm:txFillClrLst>
-    <dgm:txEffectClrLst/>
-  </dgm:styleLbl>
-  <dgm:styleLbl name="parChTrans1D1">
-    <dgm:fillClrLst meth="repeat">
-      <a:schemeClr val="accent1"/>
-    </dgm:fillClrLst>
-    <dgm:linClrLst meth="repeat">
-      <a:schemeClr val="accent1">
-        <a:shade val="60000"/>
-      </a:schemeClr>
+      <a:schemeClr val="accent2"/>
     </dgm:linClrLst>
     <dgm:effectClrLst/>
     <dgm:txLinClrLst/>
@@ -5686,14 +5001,14 @@
     </dgm:txFillClrLst>
     <dgm:txEffectClrLst/>
   </dgm:styleLbl>
-  <dgm:styleLbl name="parChTrans1D2">
+  <dgm:styleLbl name="parChTrans1D3">
     <dgm:fillClrLst meth="repeat">
-      <a:schemeClr val="accent1"/>
+      <a:schemeClr val="accent4">
+        <a:tint val="70000"/>
+      </a:schemeClr>
     </dgm:fillClrLst>
     <dgm:linClrLst meth="repeat">
-      <a:schemeClr val="accent1">
-        <a:shade val="60000"/>
-      </a:schemeClr>
+      <a:schemeClr val="accent3"/>
     </dgm:linClrLst>
     <dgm:effectClrLst/>
     <dgm:txLinClrLst/>
@@ -5702,14 +5017,14 @@
     </dgm:txFillClrLst>
     <dgm:txEffectClrLst/>
   </dgm:styleLbl>
-  <dgm:styleLbl name="parChTrans1D3">
+  <dgm:styleLbl name="parChTrans1D4">
     <dgm:fillClrLst meth="repeat">
-      <a:schemeClr val="accent1"/>
+      <a:schemeClr val="accent5">
+        <a:tint val="50000"/>
+      </a:schemeClr>
     </dgm:fillClrLst>
     <dgm:linClrLst meth="repeat">
-      <a:schemeClr val="accent1">
-        <a:shade val="80000"/>
-      </a:schemeClr>
+      <a:schemeClr val="accent4"/>
     </dgm:linClrLst>
     <dgm:effectClrLst/>
     <dgm:txLinClrLst/>
@@ -5718,26 +5033,70 @@
     </dgm:txFillClrLst>
     <dgm:txEffectClrLst/>
   </dgm:styleLbl>
-  <dgm:styleLbl name="parChTrans1D4">
+  <dgm:styleLbl name="fgAcc1">
     <dgm:fillClrLst meth="repeat">
-      <a:schemeClr val="accent1"/>
+      <a:schemeClr val="lt1">
+        <a:alpha val="90000"/>
+      </a:schemeClr>
     </dgm:fillClrLst>
     <dgm:linClrLst meth="repeat">
-      <a:schemeClr val="accent1">
-        <a:shade val="80000"/>
-      </a:schemeClr>
+      <a:schemeClr val="accent2"/>
+      <a:schemeClr val="accent3"/>
+      <a:schemeClr val="accent4"/>
+      <a:schemeClr val="accent5"/>
+      <a:schemeClr val="accent6"/>
     </dgm:linClrLst>
     <dgm:effectClrLst/>
     <dgm:txLinClrLst/>
     <dgm:txFillClrLst meth="repeat">
-      <a:schemeClr val="tx1"/>
+      <a:schemeClr val="dk1"/>
     </dgm:txFillClrLst>
     <dgm:txEffectClrLst/>
   </dgm:styleLbl>
-  <dgm:styleLbl name="fgAcc1">
+  <dgm:styleLbl name="conFgAcc1">
     <dgm:fillClrLst meth="repeat">
       <a:schemeClr val="lt1">
         <a:alpha val="90000"/>
+      </a:schemeClr>
+    </dgm:fillClrLst>
+    <dgm:linClrLst meth="repeat">
+      <a:schemeClr val="accent2"/>
+      <a:schemeClr val="accent3"/>
+      <a:schemeClr val="accent4"/>
+      <a:schemeClr val="accent5"/>
+      <a:schemeClr val="accent6"/>
+    </dgm:linClrLst>
+    <dgm:effectClrLst/>
+    <dgm:txLinClrLst/>
+    <dgm:txFillClrLst meth="repeat">
+      <a:schemeClr val="dk1"/>
+    </dgm:txFillClrLst>
+    <dgm:txEffectClrLst/>
+  </dgm:styleLbl>
+  <dgm:styleLbl name="alignAcc1">
+    <dgm:fillClrLst meth="repeat">
+      <a:schemeClr val="lt1">
+        <a:alpha val="90000"/>
+      </a:schemeClr>
+    </dgm:fillClrLst>
+    <dgm:linClrLst meth="repeat">
+      <a:schemeClr val="accent2"/>
+      <a:schemeClr val="accent3"/>
+      <a:schemeClr val="accent4"/>
+      <a:schemeClr val="accent5"/>
+      <a:schemeClr val="accent6"/>
+    </dgm:linClrLst>
+    <dgm:effectClrLst/>
+    <dgm:txLinClrLst/>
+    <dgm:txFillClrLst meth="repeat">
+      <a:schemeClr val="dk1"/>
+    </dgm:txFillClrLst>
+    <dgm:txEffectClrLst/>
+  </dgm:styleLbl>
+  <dgm:styleLbl name="trAlignAcc1">
+    <dgm:fillClrLst meth="repeat">
+      <a:schemeClr val="lt1">
+        <a:alpha val="40000"/>
       </a:schemeClr>
     </dgm:fillClrLst>
     <dgm:linClrLst meth="repeat">
@@ -5750,13 +5109,243 @@
     </dgm:txFillClrLst>
     <dgm:txEffectClrLst/>
   </dgm:styleLbl>
-  <dgm:styleLbl name="conFgAcc1">
+  <dgm:styleLbl name="bgAcc1">
     <dgm:fillClrLst meth="repeat">
       <a:schemeClr val="lt1">
         <a:alpha val="90000"/>
       </a:schemeClr>
     </dgm:fillClrLst>
     <dgm:linClrLst meth="repeat">
+      <a:schemeClr val="accent2"/>
+      <a:schemeClr val="accent3"/>
+      <a:schemeClr val="accent4"/>
+      <a:schemeClr val="accent5"/>
+      <a:schemeClr val="accent6"/>
+    </dgm:linClrLst>
+    <dgm:effectClrLst/>
+    <dgm:txLinClrLst/>
+    <dgm:txFillClrLst meth="repeat">
+      <a:schemeClr val="dk1"/>
+    </dgm:txFillClrLst>
+    <dgm:txEffectClrLst/>
+  </dgm:styleLbl>
+  <dgm:styleLbl name="solidFgAcc1">
+    <dgm:fillClrLst meth="repeat">
+      <a:schemeClr val="lt1"/>
+    </dgm:fillClrLst>
+    <dgm:linClrLst meth="repeat">
+      <a:schemeClr val="accent2"/>
+      <a:schemeClr val="accent3"/>
+      <a:schemeClr val="accent4"/>
+      <a:schemeClr val="accent5"/>
+      <a:schemeClr val="accent6"/>
+    </dgm:linClrLst>
+    <dgm:effectClrLst/>
+    <dgm:txLinClrLst/>
+    <dgm:txFillClrLst meth="repeat">
+      <a:schemeClr val="dk1"/>
+    </dgm:txFillClrLst>
+    <dgm:txEffectClrLst/>
+  </dgm:styleLbl>
+  <dgm:styleLbl name="solidAlignAcc1">
+    <dgm:fillClrLst meth="repeat">
+      <a:schemeClr val="lt1"/>
+    </dgm:fillClrLst>
+    <dgm:linClrLst meth="repeat">
+      <a:schemeClr val="accent2"/>
+      <a:schemeClr val="accent3"/>
+      <a:schemeClr val="accent4"/>
+      <a:schemeClr val="accent5"/>
+      <a:schemeClr val="accent6"/>
+    </dgm:linClrLst>
+    <dgm:effectClrLst/>
+    <dgm:txLinClrLst/>
+    <dgm:txFillClrLst meth="repeat">
+      <a:schemeClr val="dk1"/>
+    </dgm:txFillClrLst>
+    <dgm:txEffectClrLst/>
+  </dgm:styleLbl>
+  <dgm:styleLbl name="solidBgAcc1">
+    <dgm:fillClrLst meth="repeat">
+      <a:schemeClr val="lt1"/>
+    </dgm:fillClrLst>
+    <dgm:linClrLst meth="repeat">
+      <a:schemeClr val="accent2"/>
+      <a:schemeClr val="accent3"/>
+      <a:schemeClr val="accent4"/>
+      <a:schemeClr val="accent5"/>
+      <a:schemeClr val="accent6"/>
+    </dgm:linClrLst>
+    <dgm:effectClrLst/>
+    <dgm:txLinClrLst/>
+    <dgm:txFillClrLst meth="repeat">
+      <a:schemeClr val="dk1"/>
+    </dgm:txFillClrLst>
+    <dgm:txEffectClrLst/>
+  </dgm:styleLbl>
+  <dgm:styleLbl name="fgAccFollowNode1">
+    <dgm:fillClrLst meth="repeat">
+      <a:schemeClr val="accent2">
+        <a:tint val="40000"/>
+        <a:alpha val="90000"/>
+      </a:schemeClr>
+      <a:schemeClr val="accent3">
+        <a:tint val="40000"/>
+        <a:alpha val="90000"/>
+      </a:schemeClr>
+      <a:schemeClr val="accent4">
+        <a:tint val="40000"/>
+        <a:alpha val="90000"/>
+      </a:schemeClr>
+      <a:schemeClr val="accent5">
+        <a:tint val="40000"/>
+        <a:alpha val="90000"/>
+      </a:schemeClr>
+      <a:schemeClr val="accent6">
+        <a:tint val="40000"/>
+        <a:alpha val="90000"/>
+      </a:schemeClr>
+    </dgm:fillClrLst>
+    <dgm:linClrLst meth="repeat">
+      <a:schemeClr val="accent2">
+        <a:tint val="40000"/>
+        <a:alpha val="90000"/>
+      </a:schemeClr>
+      <a:schemeClr val="accent3">
+        <a:tint val="40000"/>
+        <a:alpha val="90000"/>
+      </a:schemeClr>
+      <a:schemeClr val="accent4">
+        <a:tint val="40000"/>
+        <a:alpha val="90000"/>
+      </a:schemeClr>
+      <a:schemeClr val="accent5">
+        <a:tint val="40000"/>
+        <a:alpha val="90000"/>
+      </a:schemeClr>
+      <a:schemeClr val="accent6">
+        <a:tint val="40000"/>
+        <a:alpha val="90000"/>
+      </a:schemeClr>
+    </dgm:linClrLst>
+    <dgm:effectClrLst/>
+    <dgm:txLinClrLst/>
+    <dgm:txFillClrLst meth="repeat">
+      <a:schemeClr val="dk1"/>
+    </dgm:txFillClrLst>
+    <dgm:txEffectClrLst/>
+  </dgm:styleLbl>
+  <dgm:styleLbl name="alignAccFollowNode1">
+    <dgm:fillClrLst meth="repeat">
+      <a:schemeClr val="accent2">
+        <a:tint val="40000"/>
+        <a:alpha val="90000"/>
+      </a:schemeClr>
+      <a:schemeClr val="accent3">
+        <a:tint val="40000"/>
+        <a:alpha val="90000"/>
+      </a:schemeClr>
+      <a:schemeClr val="accent4">
+        <a:tint val="40000"/>
+        <a:alpha val="90000"/>
+      </a:schemeClr>
+      <a:schemeClr val="accent5">
+        <a:tint val="40000"/>
+        <a:alpha val="90000"/>
+      </a:schemeClr>
+      <a:schemeClr val="accent6">
+        <a:tint val="40000"/>
+        <a:alpha val="90000"/>
+      </a:schemeClr>
+    </dgm:fillClrLst>
+    <dgm:linClrLst meth="repeat">
+      <a:schemeClr val="accent2">
+        <a:tint val="40000"/>
+        <a:alpha val="90000"/>
+      </a:schemeClr>
+      <a:schemeClr val="accent3">
+        <a:tint val="40000"/>
+        <a:alpha val="90000"/>
+      </a:schemeClr>
+      <a:schemeClr val="accent4">
+        <a:tint val="40000"/>
+        <a:alpha val="90000"/>
+      </a:schemeClr>
+      <a:schemeClr val="accent5">
+        <a:tint val="40000"/>
+        <a:alpha val="90000"/>
+      </a:schemeClr>
+      <a:schemeClr val="accent6">
+        <a:tint val="40000"/>
+        <a:alpha val="90000"/>
+      </a:schemeClr>
+    </dgm:linClrLst>
+    <dgm:effectClrLst/>
+    <dgm:txLinClrLst/>
+    <dgm:txFillClrLst meth="repeat">
+      <a:schemeClr val="dk1"/>
+    </dgm:txFillClrLst>
+    <dgm:txEffectClrLst/>
+  </dgm:styleLbl>
+  <dgm:styleLbl name="bgAccFollowNode1">
+    <dgm:fillClrLst meth="repeat">
+      <a:schemeClr val="accent2">
+        <a:tint val="40000"/>
+        <a:alpha val="90000"/>
+      </a:schemeClr>
+      <a:schemeClr val="accent3">
+        <a:tint val="40000"/>
+        <a:alpha val="90000"/>
+      </a:schemeClr>
+      <a:schemeClr val="accent4">
+        <a:tint val="40000"/>
+        <a:alpha val="90000"/>
+      </a:schemeClr>
+      <a:schemeClr val="accent5">
+        <a:tint val="40000"/>
+        <a:alpha val="90000"/>
+      </a:schemeClr>
+      <a:schemeClr val="accent6">
+        <a:tint val="40000"/>
+        <a:alpha val="90000"/>
+      </a:schemeClr>
+    </dgm:fillClrLst>
+    <dgm:linClrLst meth="repeat">
+      <a:schemeClr val="accent2">
+        <a:tint val="40000"/>
+        <a:alpha val="90000"/>
+      </a:schemeClr>
+      <a:schemeClr val="accent3">
+        <a:tint val="40000"/>
+        <a:alpha val="90000"/>
+      </a:schemeClr>
+      <a:schemeClr val="accent4">
+        <a:tint val="40000"/>
+        <a:alpha val="90000"/>
+      </a:schemeClr>
+      <a:schemeClr val="accent5">
+        <a:tint val="40000"/>
+        <a:alpha val="90000"/>
+      </a:schemeClr>
+      <a:schemeClr val="accent6">
+        <a:tint val="40000"/>
+        <a:alpha val="90000"/>
+      </a:schemeClr>
+    </dgm:linClrLst>
+    <dgm:effectClrLst/>
+    <dgm:txLinClrLst/>
+    <dgm:txFillClrLst meth="repeat">
+      <a:schemeClr val="dk1"/>
+    </dgm:txFillClrLst>
+    <dgm:txEffectClrLst/>
+  </dgm:styleLbl>
+  <dgm:styleLbl name="fgAcc0">
+    <dgm:fillClrLst meth="repeat">
+      <a:schemeClr val="lt1">
+        <a:alpha val="90000"/>
+      </a:schemeClr>
+    </dgm:fillClrLst>
+    <dgm:linClrLst>
       <a:schemeClr val="accent1"/>
     </dgm:linClrLst>
     <dgm:effectClrLst/>
@@ -5766,14 +5355,14 @@
     </dgm:txFillClrLst>
     <dgm:txEffectClrLst/>
   </dgm:styleLbl>
-  <dgm:styleLbl name="alignAcc1">
+  <dgm:styleLbl name="fgAcc2">
     <dgm:fillClrLst meth="repeat">
       <a:schemeClr val="lt1">
         <a:alpha val="90000"/>
       </a:schemeClr>
     </dgm:fillClrLst>
-    <dgm:linClrLst meth="repeat">
-      <a:schemeClr val="accent1"/>
+    <dgm:linClrLst>
+      <a:schemeClr val="accent2"/>
     </dgm:linClrLst>
     <dgm:effectClrLst/>
     <dgm:txLinClrLst/>
@@ -5782,14 +5371,14 @@
     </dgm:txFillClrLst>
     <dgm:txEffectClrLst/>
   </dgm:styleLbl>
-  <dgm:styleLbl name="trAlignAcc1">
+  <dgm:styleLbl name="fgAcc3">
     <dgm:fillClrLst meth="repeat">
       <a:schemeClr val="lt1">
-        <a:alpha val="40000"/>
+        <a:alpha val="90000"/>
       </a:schemeClr>
     </dgm:fillClrLst>
-    <dgm:linClrLst meth="repeat">
-      <a:schemeClr val="accent1"/>
+    <dgm:linClrLst>
+      <a:schemeClr val="accent3"/>
     </dgm:linClrLst>
     <dgm:effectClrLst/>
     <dgm:txLinClrLst/>
@@ -5798,14 +5387,14 @@
     </dgm:txFillClrLst>
     <dgm:txEffectClrLst/>
   </dgm:styleLbl>
-  <dgm:styleLbl name="bgAcc1">
+  <dgm:styleLbl name="fgAcc4">
     <dgm:fillClrLst meth="repeat">
       <a:schemeClr val="lt1">
         <a:alpha val="90000"/>
       </a:schemeClr>
     </dgm:fillClrLst>
-    <dgm:linClrLst meth="repeat">
-      <a:schemeClr val="accent1"/>
+    <dgm:linClrLst>
+      <a:schemeClr val="accent4"/>
     </dgm:linClrLst>
     <dgm:effectClrLst/>
     <dgm:txLinClrLst/>
@@ -5814,12 +5403,14 @@
     </dgm:txFillClrLst>
     <dgm:txEffectClrLst/>
   </dgm:styleLbl>
-  <dgm:styleLbl name="solidFgAcc1">
+  <dgm:styleLbl name="bgShp">
     <dgm:fillClrLst meth="repeat">
-      <a:schemeClr val="lt1"/>
+      <a:schemeClr val="accent2">
+        <a:tint val="40000"/>
+      </a:schemeClr>
     </dgm:fillClrLst>
     <dgm:linClrLst meth="repeat">
-      <a:schemeClr val="accent1"/>
+      <a:schemeClr val="dk1"/>
     </dgm:linClrLst>
     <dgm:effectClrLst/>
     <dgm:txLinClrLst/>
@@ -5828,182 +5419,14 @@
     </dgm:txFillClrLst>
     <dgm:txEffectClrLst/>
   </dgm:styleLbl>
-  <dgm:styleLbl name="solidAlignAcc1">
+  <dgm:styleLbl name="dkBgShp">
     <dgm:fillClrLst meth="repeat">
-      <a:schemeClr val="lt1"/>
+      <a:schemeClr val="accent2">
+        <a:shade val="90000"/>
+      </a:schemeClr>
     </dgm:fillClrLst>
     <dgm:linClrLst meth="repeat">
-      <a:schemeClr val="accent1"/>
-    </dgm:linClrLst>
-    <dgm:effectClrLst/>
-    <dgm:txLinClrLst/>
-    <dgm:txFillClrLst meth="repeat">
       <a:schemeClr val="dk1"/>
-    </dgm:txFillClrLst>
-    <dgm:txEffectClrLst/>
-  </dgm:styleLbl>
-  <dgm:styleLbl name="solidBgAcc1">
-    <dgm:fillClrLst meth="repeat">
-      <a:schemeClr val="lt1"/>
-    </dgm:fillClrLst>
-    <dgm:linClrLst meth="repeat">
-      <a:schemeClr val="accent1"/>
-    </dgm:linClrLst>
-    <dgm:effectClrLst/>
-    <dgm:txLinClrLst/>
-    <dgm:txFillClrLst meth="repeat">
-      <a:schemeClr val="dk1"/>
-    </dgm:txFillClrLst>
-    <dgm:txEffectClrLst/>
-  </dgm:styleLbl>
-  <dgm:styleLbl name="fgAccFollowNode1">
-    <dgm:fillClrLst meth="repeat">
-      <a:schemeClr val="accent1">
-        <a:alpha val="90000"/>
-        <a:tint val="40000"/>
-      </a:schemeClr>
-    </dgm:fillClrLst>
-    <dgm:linClrLst meth="repeat">
-      <a:schemeClr val="accent1">
-        <a:alpha val="90000"/>
-        <a:tint val="40000"/>
-      </a:schemeClr>
-    </dgm:linClrLst>
-    <dgm:effectClrLst/>
-    <dgm:txLinClrLst/>
-    <dgm:txFillClrLst meth="repeat">
-      <a:schemeClr val="dk1"/>
-    </dgm:txFillClrLst>
-    <dgm:txEffectClrLst/>
-  </dgm:styleLbl>
-  <dgm:styleLbl name="alignAccFollowNode1">
-    <dgm:fillClrLst meth="repeat">
-      <a:schemeClr val="accent1">
-        <a:alpha val="90000"/>
-        <a:tint val="40000"/>
-      </a:schemeClr>
-    </dgm:fillClrLst>
-    <dgm:linClrLst meth="repeat">
-      <a:schemeClr val="accent1">
-        <a:alpha val="90000"/>
-        <a:tint val="40000"/>
-      </a:schemeClr>
-    </dgm:linClrLst>
-    <dgm:effectClrLst/>
-    <dgm:txLinClrLst/>
-    <dgm:txFillClrLst meth="repeat">
-      <a:schemeClr val="dk1"/>
-    </dgm:txFillClrLst>
-    <dgm:txEffectClrLst/>
-  </dgm:styleLbl>
-  <dgm:styleLbl name="bgAccFollowNode1">
-    <dgm:fillClrLst meth="repeat">
-      <a:schemeClr val="accent1">
-        <a:alpha val="90000"/>
-        <a:tint val="40000"/>
-      </a:schemeClr>
-    </dgm:fillClrLst>
-    <dgm:linClrLst meth="repeat">
-      <a:schemeClr val="accent1">
-        <a:alpha val="90000"/>
-        <a:tint val="40000"/>
-      </a:schemeClr>
-    </dgm:linClrLst>
-    <dgm:effectClrLst/>
-    <dgm:txLinClrLst/>
-    <dgm:txFillClrLst meth="repeat">
-      <a:schemeClr val="dk1"/>
-    </dgm:txFillClrLst>
-    <dgm:txEffectClrLst/>
-  </dgm:styleLbl>
-  <dgm:styleLbl name="fgAcc0">
-    <dgm:fillClrLst meth="repeat">
-      <a:schemeClr val="lt1">
-        <a:alpha val="90000"/>
-      </a:schemeClr>
-    </dgm:fillClrLst>
-    <dgm:linClrLst meth="repeat">
-      <a:schemeClr val="accent1"/>
-    </dgm:linClrLst>
-    <dgm:effectClrLst/>
-    <dgm:txLinClrLst/>
-    <dgm:txFillClrLst meth="repeat">
-      <a:schemeClr val="dk1"/>
-    </dgm:txFillClrLst>
-    <dgm:txEffectClrLst/>
-  </dgm:styleLbl>
-  <dgm:styleLbl name="fgAcc2">
-    <dgm:fillClrLst meth="repeat">
-      <a:schemeClr val="lt1">
-        <a:alpha val="90000"/>
-      </a:schemeClr>
-    </dgm:fillClrLst>
-    <dgm:linClrLst meth="repeat">
-      <a:schemeClr val="accent1"/>
-    </dgm:linClrLst>
-    <dgm:effectClrLst/>
-    <dgm:txLinClrLst/>
-    <dgm:txFillClrLst meth="repeat">
-      <a:schemeClr val="dk1"/>
-    </dgm:txFillClrLst>
-    <dgm:txEffectClrLst/>
-  </dgm:styleLbl>
-  <dgm:styleLbl name="fgAcc3">
-    <dgm:fillClrLst meth="repeat">
-      <a:schemeClr val="lt1">
-        <a:alpha val="90000"/>
-      </a:schemeClr>
-    </dgm:fillClrLst>
-    <dgm:linClrLst meth="repeat">
-      <a:schemeClr val="accent1"/>
-    </dgm:linClrLst>
-    <dgm:effectClrLst/>
-    <dgm:txLinClrLst/>
-    <dgm:txFillClrLst meth="repeat">
-      <a:schemeClr val="dk1"/>
-    </dgm:txFillClrLst>
-    <dgm:txEffectClrLst/>
-  </dgm:styleLbl>
-  <dgm:styleLbl name="fgAcc4">
-    <dgm:fillClrLst meth="repeat">
-      <a:schemeClr val="lt1">
-        <a:alpha val="90000"/>
-      </a:schemeClr>
-    </dgm:fillClrLst>
-    <dgm:linClrLst meth="repeat">
-      <a:schemeClr val="accent1"/>
-    </dgm:linClrLst>
-    <dgm:effectClrLst/>
-    <dgm:txLinClrLst/>
-    <dgm:txFillClrLst meth="repeat">
-      <a:schemeClr val="dk1"/>
-    </dgm:txFillClrLst>
-    <dgm:txEffectClrLst/>
-  </dgm:styleLbl>
-  <dgm:styleLbl name="bgShp">
-    <dgm:fillClrLst meth="repeat">
-      <a:schemeClr val="accent1">
-        <a:tint val="40000"/>
-      </a:schemeClr>
-    </dgm:fillClrLst>
-    <dgm:linClrLst meth="repeat">
-      <a:schemeClr val="accent1"/>
-    </dgm:linClrLst>
-    <dgm:effectClrLst/>
-    <dgm:txLinClrLst/>
-    <dgm:txFillClrLst meth="repeat">
-      <a:schemeClr val="dk1"/>
-    </dgm:txFillClrLst>
-    <dgm:txEffectClrLst/>
-  </dgm:styleLbl>
-  <dgm:styleLbl name="dkBgShp">
-    <dgm:fillClrLst meth="repeat">
-      <a:schemeClr val="accent1">
-        <a:shade val="80000"/>
-      </a:schemeClr>
-    </dgm:fillClrLst>
-    <dgm:linClrLst meth="repeat">
-      <a:schemeClr val="accent1"/>
     </dgm:linClrLst>
     <dgm:effectClrLst/>
     <dgm:txLinClrLst/>
@@ -6020,7 +5443,7 @@
       </a:schemeClr>
     </dgm:fillClrLst>
     <dgm:linClrLst meth="repeat">
-      <a:schemeClr val="accent1"/>
+      <a:schemeClr val="accent2"/>
     </dgm:linClrLst>
     <dgm:effectClrLst/>
     <dgm:txLinClrLst/>
@@ -6031,8 +5454,8 @@
   </dgm:styleLbl>
   <dgm:styleLbl name="fgShp">
     <dgm:fillClrLst meth="repeat">
-      <a:schemeClr val="accent1">
-        <a:tint val="60000"/>
+      <a:schemeClr val="accent2">
+        <a:tint val="40000"/>
       </a:schemeClr>
     </dgm:fillClrLst>
     <dgm:linClrLst meth="repeat">
@@ -10292,648 +9715,6 @@
 </file>
 
 <file path=ppt/diagrams/data10.xml><?xml version="1.0" encoding="utf-8"?>
-<dgm:dataModel xmlns:dgm="http://schemas.openxmlformats.org/drawingml/2006/diagram" xmlns:a="http://schemas.openxmlformats.org/drawingml/2006/main">
-  <dgm:ptLst>
-    <dgm:pt modelId="{81463452-3191-46CC-84AF-F46262E3CDC3}" type="doc">
-      <dgm:prSet loTypeId="urn:microsoft.com/office/officeart/2005/8/layout/list1" loCatId="list" qsTypeId="urn:microsoft.com/office/officeart/2005/8/quickstyle/simple1" qsCatId="simple" csTypeId="urn:microsoft.com/office/officeart/2005/8/colors/accent1_2" csCatId="accent1" phldr="1"/>
-      <dgm:spPr/>
-      <dgm:t>
-        <a:bodyPr/>
-        <a:lstStyle/>
-        <a:p>
-          <a:endParaRPr lang="de-DE"/>
-        </a:p>
-      </dgm:t>
-    </dgm:pt>
-    <dgm:pt modelId="{6F82A1F1-8C55-4AA5-90A9-65F682C25D00}">
-      <dgm:prSet phldrT="[Text]"/>
-      <dgm:spPr/>
-      <dgm:t>
-        <a:bodyPr/>
-        <a:lstStyle/>
-        <a:p>
-          <a:r>
-            <a:rPr lang="de-DE" dirty="0"/>
-            <a:t>Name</a:t>
-          </a:r>
-        </a:p>
-      </dgm:t>
-    </dgm:pt>
-    <dgm:pt modelId="{0D8D4836-389D-4568-8F35-047EF6B48929}" type="parTrans" cxnId="{8B456D12-DEF0-4838-B1D5-C96E8ACCA892}">
-      <dgm:prSet/>
-      <dgm:spPr/>
-      <dgm:t>
-        <a:bodyPr/>
-        <a:lstStyle/>
-        <a:p>
-          <a:endParaRPr lang="de-DE"/>
-        </a:p>
-      </dgm:t>
-    </dgm:pt>
-    <dgm:pt modelId="{9E048AFF-1C01-4AE7-B810-04D9ECC73339}" type="sibTrans" cxnId="{8B456D12-DEF0-4838-B1D5-C96E8ACCA892}">
-      <dgm:prSet/>
-      <dgm:spPr/>
-      <dgm:t>
-        <a:bodyPr/>
-        <a:lstStyle/>
-        <a:p>
-          <a:endParaRPr lang="de-DE"/>
-        </a:p>
-      </dgm:t>
-    </dgm:pt>
-    <dgm:pt modelId="{57B418D8-59F3-4651-BF27-C5EACAE4D3EB}">
-      <dgm:prSet phldrT="[Text]"/>
-      <dgm:spPr/>
-      <dgm:t>
-        <a:bodyPr/>
-        <a:lstStyle/>
-        <a:p>
-          <a:r>
-            <a:rPr lang="de-DE" dirty="0"/>
-            <a:t>Harte Fakten</a:t>
-          </a:r>
-        </a:p>
-      </dgm:t>
-    </dgm:pt>
-    <dgm:pt modelId="{705C8B84-EF9C-4213-905B-3FBF3A8921CF}" type="parTrans" cxnId="{C6DEDB33-84EE-45B9-9241-788A49C3AA58}">
-      <dgm:prSet/>
-      <dgm:spPr/>
-      <dgm:t>
-        <a:bodyPr/>
-        <a:lstStyle/>
-        <a:p>
-          <a:endParaRPr lang="de-DE"/>
-        </a:p>
-      </dgm:t>
-    </dgm:pt>
-    <dgm:pt modelId="{5829BE1C-D8A1-4A91-8A03-5004E454E222}" type="sibTrans" cxnId="{C6DEDB33-84EE-45B9-9241-788A49C3AA58}">
-      <dgm:prSet/>
-      <dgm:spPr/>
-      <dgm:t>
-        <a:bodyPr/>
-        <a:lstStyle/>
-        <a:p>
-          <a:endParaRPr lang="de-DE"/>
-        </a:p>
-      </dgm:t>
-    </dgm:pt>
-    <dgm:pt modelId="{7C0CE01D-EADC-4782-88A7-5D6B9B002CDB}">
-      <dgm:prSet phldrT="[Text]"/>
-      <dgm:spPr/>
-      <dgm:t>
-        <a:bodyPr/>
-        <a:lstStyle/>
-        <a:p>
-          <a:r>
-            <a:rPr lang="de-DE" dirty="0"/>
-            <a:t>Lebenslauf</a:t>
-          </a:r>
-        </a:p>
-      </dgm:t>
-    </dgm:pt>
-    <dgm:pt modelId="{89297235-8F9D-4A2D-95F7-CB2FC177E343}" type="parTrans" cxnId="{1F6E1093-C93C-4080-8EF0-3C7F14837AB1}">
-      <dgm:prSet/>
-      <dgm:spPr/>
-      <dgm:t>
-        <a:bodyPr/>
-        <a:lstStyle/>
-        <a:p>
-          <a:endParaRPr lang="de-DE"/>
-        </a:p>
-      </dgm:t>
-    </dgm:pt>
-    <dgm:pt modelId="{B267FECB-7C69-4BBD-B6F0-F10B1BD3CFAC}" type="sibTrans" cxnId="{1F6E1093-C93C-4080-8EF0-3C7F14837AB1}">
-      <dgm:prSet/>
-      <dgm:spPr/>
-      <dgm:t>
-        <a:bodyPr/>
-        <a:lstStyle/>
-        <a:p>
-          <a:endParaRPr lang="de-DE"/>
-        </a:p>
-      </dgm:t>
-    </dgm:pt>
-    <dgm:pt modelId="{20A01E22-8DD9-4F41-9FC1-C30457B448C5}">
-      <dgm:prSet/>
-      <dgm:spPr/>
-      <dgm:t>
-        <a:bodyPr/>
-        <a:lstStyle/>
-        <a:p>
-          <a:r>
-            <a:rPr lang="de-DE" dirty="0"/>
-            <a:t>Alter, Geschlecht, Verheiratet, Kinder (</a:t>
-          </a:r>
-          <a:r>
-            <a:rPr lang="de-DE" dirty="0" err="1"/>
-            <a:t>wieviele</a:t>
-          </a:r>
-          <a:r>
-            <a:rPr lang="de-DE" dirty="0"/>
-            <a:t>), Wohnt in, Einkommen</a:t>
-          </a:r>
-        </a:p>
-      </dgm:t>
-    </dgm:pt>
-    <dgm:pt modelId="{E78481A6-AD51-41F9-8FFE-D07302280F08}" type="parTrans" cxnId="{6D6DECC2-2E6B-4C29-B290-8A1EF8B6F0CB}">
-      <dgm:prSet/>
-      <dgm:spPr/>
-      <dgm:t>
-        <a:bodyPr/>
-        <a:lstStyle/>
-        <a:p>
-          <a:endParaRPr lang="de-DE"/>
-        </a:p>
-      </dgm:t>
-    </dgm:pt>
-    <dgm:pt modelId="{E21EBD9A-A8D4-4A83-B90B-C05C77E20B3E}" type="sibTrans" cxnId="{6D6DECC2-2E6B-4C29-B290-8A1EF8B6F0CB}">
-      <dgm:prSet/>
-      <dgm:spPr/>
-      <dgm:t>
-        <a:bodyPr/>
-        <a:lstStyle/>
-        <a:p>
-          <a:endParaRPr lang="de-DE"/>
-        </a:p>
-      </dgm:t>
-    </dgm:pt>
-    <dgm:pt modelId="{DBB1C031-31F2-45C3-8A12-3A464758F40C}">
-      <dgm:prSet/>
-      <dgm:spPr/>
-      <dgm:t>
-        <a:bodyPr/>
-        <a:lstStyle/>
-        <a:p>
-          <a:endParaRPr lang="de-DE" dirty="0"/>
-        </a:p>
-      </dgm:t>
-    </dgm:pt>
-    <dgm:pt modelId="{587758D1-9FA5-4658-A563-CCD4822C07E5}" type="parTrans" cxnId="{16881DBB-25EB-4080-90FE-A7E14E321548}">
-      <dgm:prSet/>
-      <dgm:spPr/>
-      <dgm:t>
-        <a:bodyPr/>
-        <a:lstStyle/>
-        <a:p>
-          <a:endParaRPr lang="de-DE"/>
-        </a:p>
-      </dgm:t>
-    </dgm:pt>
-    <dgm:pt modelId="{68867AAC-857C-4F25-B473-BBA13ADBFFA7}" type="sibTrans" cxnId="{16881DBB-25EB-4080-90FE-A7E14E321548}">
-      <dgm:prSet/>
-      <dgm:spPr/>
-      <dgm:t>
-        <a:bodyPr/>
-        <a:lstStyle/>
-        <a:p>
-          <a:endParaRPr lang="de-DE"/>
-        </a:p>
-      </dgm:t>
-    </dgm:pt>
-    <dgm:pt modelId="{A0ECA2C5-3BF3-4CAD-A415-C0C07DA9E4FE}">
-      <dgm:prSet/>
-      <dgm:spPr/>
-      <dgm:t>
-        <a:bodyPr/>
-        <a:lstStyle/>
-        <a:p>
-          <a:r>
-            <a:rPr lang="de-DE" dirty="0"/>
-            <a:t>Bildung, Job, Hierarchie-Ebene, Selbstbestätigung</a:t>
-          </a:r>
-        </a:p>
-      </dgm:t>
-    </dgm:pt>
-    <dgm:pt modelId="{4B3C8D64-5FB4-4762-B95A-68D1E37DD634}" type="parTrans" cxnId="{D23B1A7D-5ECE-4C73-A391-40FC21AF04BC}">
-      <dgm:prSet/>
-      <dgm:spPr/>
-      <dgm:t>
-        <a:bodyPr/>
-        <a:lstStyle/>
-        <a:p>
-          <a:endParaRPr lang="de-DE"/>
-        </a:p>
-      </dgm:t>
-    </dgm:pt>
-    <dgm:pt modelId="{E55EB636-4A3B-488A-978B-F74D5B68800C}" type="sibTrans" cxnId="{D23B1A7D-5ECE-4C73-A391-40FC21AF04BC}">
-      <dgm:prSet/>
-      <dgm:spPr/>
-      <dgm:t>
-        <a:bodyPr/>
-        <a:lstStyle/>
-        <a:p>
-          <a:endParaRPr lang="de-DE"/>
-        </a:p>
-      </dgm:t>
-    </dgm:pt>
-    <dgm:pt modelId="{958BE342-2291-4BDA-BB14-C72B74E910D7}">
-      <dgm:prSet/>
-      <dgm:spPr/>
-      <dgm:t>
-        <a:bodyPr/>
-        <a:lstStyle/>
-        <a:p>
-          <a:r>
-            <a:rPr lang="de-DE" dirty="0"/>
-            <a:t>Typischer Tag / Wochenende</a:t>
-          </a:r>
-        </a:p>
-      </dgm:t>
-    </dgm:pt>
-    <dgm:pt modelId="{896208C3-9923-4EDD-A37C-F948640AFBE4}" type="parTrans" cxnId="{3347F8DA-AE4F-4453-8DA1-FA19D1DC6121}">
-      <dgm:prSet/>
-      <dgm:spPr/>
-      <dgm:t>
-        <a:bodyPr/>
-        <a:lstStyle/>
-        <a:p>
-          <a:endParaRPr lang="de-DE"/>
-        </a:p>
-      </dgm:t>
-    </dgm:pt>
-    <dgm:pt modelId="{78AB8411-3BF4-4EAA-BF65-13B748C2DE73}" type="sibTrans" cxnId="{3347F8DA-AE4F-4453-8DA1-FA19D1DC6121}">
-      <dgm:prSet/>
-      <dgm:spPr/>
-      <dgm:t>
-        <a:bodyPr/>
-        <a:lstStyle/>
-        <a:p>
-          <a:endParaRPr lang="de-DE"/>
-        </a:p>
-      </dgm:t>
-    </dgm:pt>
-    <dgm:pt modelId="{232D4965-AA6B-4BA1-944F-25D526803343}">
-      <dgm:prSet/>
-      <dgm:spPr/>
-      <dgm:t>
-        <a:bodyPr/>
-        <a:lstStyle/>
-        <a:p>
-          <a:r>
-            <a:rPr lang="de-DE" dirty="0"/>
-            <a:t>Kauft wo, </a:t>
-          </a:r>
-          <a:r>
-            <a:rPr lang="de-DE" dirty="0" err="1"/>
-            <a:t>innovation</a:t>
-          </a:r>
-          <a:r>
-            <a:rPr lang="de-DE" dirty="0"/>
-            <a:t> und </a:t>
-          </a:r>
-          <a:r>
-            <a:rPr lang="de-DE" dirty="0" err="1"/>
-            <a:t>tradition</a:t>
-          </a:r>
-          <a:r>
-            <a:rPr lang="de-DE" dirty="0"/>
-            <a:t>?, Informationsverhalten</a:t>
-          </a:r>
-        </a:p>
-      </dgm:t>
-    </dgm:pt>
-    <dgm:pt modelId="{26176506-5B69-4D74-A833-166AB8281FB3}" type="parTrans" cxnId="{27600D28-0790-41EB-A261-C14DBD8B7C6A}">
-      <dgm:prSet/>
-      <dgm:spPr/>
-      <dgm:t>
-        <a:bodyPr/>
-        <a:lstStyle/>
-        <a:p>
-          <a:endParaRPr lang="de-DE"/>
-        </a:p>
-      </dgm:t>
-    </dgm:pt>
-    <dgm:pt modelId="{5E4AA7F0-FD57-4261-956B-08D44CF545D6}" type="sibTrans" cxnId="{27600D28-0790-41EB-A261-C14DBD8B7C6A}">
-      <dgm:prSet/>
-      <dgm:spPr/>
-      <dgm:t>
-        <a:bodyPr/>
-        <a:lstStyle/>
-        <a:p>
-          <a:endParaRPr lang="de-DE"/>
-        </a:p>
-      </dgm:t>
-    </dgm:pt>
-    <dgm:pt modelId="{FE496927-CDCE-4EED-89E1-697CE521FD49}">
-      <dgm:prSet/>
-      <dgm:spPr/>
-      <dgm:t>
-        <a:bodyPr/>
-        <a:lstStyle/>
-        <a:p>
-          <a:r>
-            <a:rPr lang="de-DE" dirty="0"/>
-            <a:t>Emotionale Welt</a:t>
-          </a:r>
-        </a:p>
-      </dgm:t>
-    </dgm:pt>
-    <dgm:pt modelId="{A91FCD73-CAC9-4A45-9D30-BC46A0007298}" type="parTrans" cxnId="{77310BCE-7CFA-44FB-811F-FF2C423664DD}">
-      <dgm:prSet/>
-      <dgm:spPr/>
-      <dgm:t>
-        <a:bodyPr/>
-        <a:lstStyle/>
-        <a:p>
-          <a:endParaRPr lang="de-DE"/>
-        </a:p>
-      </dgm:t>
-    </dgm:pt>
-    <dgm:pt modelId="{E7D38B1D-C343-4BBB-AAC3-E804514B7B37}" type="sibTrans" cxnId="{77310BCE-7CFA-44FB-811F-FF2C423664DD}">
-      <dgm:prSet/>
-      <dgm:spPr/>
-      <dgm:t>
-        <a:bodyPr/>
-        <a:lstStyle/>
-        <a:p>
-          <a:endParaRPr lang="de-DE"/>
-        </a:p>
-      </dgm:t>
-    </dgm:pt>
-    <dgm:pt modelId="{A826B56C-AE27-4689-873A-D96DF7985C7F}">
-      <dgm:prSet/>
-      <dgm:spPr/>
-      <dgm:t>
-        <a:bodyPr/>
-        <a:lstStyle/>
-        <a:p>
-          <a:r>
-            <a:rPr lang="de-DE" dirty="0"/>
-            <a:t>Bedürfnisse, Träume, </a:t>
-          </a:r>
-          <a:r>
-            <a:rPr lang="de-DE" dirty="0" err="1"/>
-            <a:t>zukunftspläne</a:t>
-          </a:r>
-          <a:r>
-            <a:rPr lang="de-DE" dirty="0"/>
-            <a:t>, Rote Tücher, Schmerzpunkte</a:t>
-          </a:r>
-        </a:p>
-      </dgm:t>
-    </dgm:pt>
-    <dgm:pt modelId="{DFE79A9F-AF93-4EC8-92DB-3F6B7F68FA08}" type="parTrans" cxnId="{F7D720E2-E346-4FEC-AB19-CBC2675A92DC}">
-      <dgm:prSet/>
-      <dgm:spPr/>
-      <dgm:t>
-        <a:bodyPr/>
-        <a:lstStyle/>
-        <a:p>
-          <a:endParaRPr lang="de-DE"/>
-        </a:p>
-      </dgm:t>
-    </dgm:pt>
-    <dgm:pt modelId="{83CF4E7A-2117-4543-9055-2030E54195A0}" type="sibTrans" cxnId="{F7D720E2-E346-4FEC-AB19-CBC2675A92DC}">
-      <dgm:prSet/>
-      <dgm:spPr/>
-      <dgm:t>
-        <a:bodyPr/>
-        <a:lstStyle/>
-        <a:p>
-          <a:endParaRPr lang="de-DE"/>
-        </a:p>
-      </dgm:t>
-    </dgm:pt>
-    <dgm:pt modelId="{F8991DF5-D212-498A-8A45-8A693E4995B2}" type="pres">
-      <dgm:prSet presAssocID="{81463452-3191-46CC-84AF-F46262E3CDC3}" presName="linear" presStyleCnt="0">
-        <dgm:presLayoutVars>
-          <dgm:dir/>
-          <dgm:animLvl val="lvl"/>
-          <dgm:resizeHandles val="exact"/>
-        </dgm:presLayoutVars>
-      </dgm:prSet>
-      <dgm:spPr/>
-    </dgm:pt>
-    <dgm:pt modelId="{979F4B9E-6F34-4393-8127-39726649BCDD}" type="pres">
-      <dgm:prSet presAssocID="{6F82A1F1-8C55-4AA5-90A9-65F682C25D00}" presName="parentLin" presStyleCnt="0"/>
-      <dgm:spPr/>
-    </dgm:pt>
-    <dgm:pt modelId="{5DF795D5-15BE-4F0E-8C3B-CA623134B8F2}" type="pres">
-      <dgm:prSet presAssocID="{6F82A1F1-8C55-4AA5-90A9-65F682C25D00}" presName="parentLeftMargin" presStyleLbl="node1" presStyleIdx="0" presStyleCnt="5"/>
-      <dgm:spPr/>
-    </dgm:pt>
-    <dgm:pt modelId="{1B8DC5A1-7C57-413A-BB29-5E10B7C27CA2}" type="pres">
-      <dgm:prSet presAssocID="{6F82A1F1-8C55-4AA5-90A9-65F682C25D00}" presName="parentText" presStyleLbl="node1" presStyleIdx="0" presStyleCnt="5">
-        <dgm:presLayoutVars>
-          <dgm:chMax val="0"/>
-          <dgm:bulletEnabled val="1"/>
-        </dgm:presLayoutVars>
-      </dgm:prSet>
-      <dgm:spPr/>
-    </dgm:pt>
-    <dgm:pt modelId="{BA1740F6-AE87-4F76-8E63-4F73F9D74E63}" type="pres">
-      <dgm:prSet presAssocID="{6F82A1F1-8C55-4AA5-90A9-65F682C25D00}" presName="negativeSpace" presStyleCnt="0"/>
-      <dgm:spPr/>
-    </dgm:pt>
-    <dgm:pt modelId="{CD0E1BB2-60E1-4839-A87C-FD4225DCD4B0}" type="pres">
-      <dgm:prSet presAssocID="{6F82A1F1-8C55-4AA5-90A9-65F682C25D00}" presName="childText" presStyleLbl="conFgAcc1" presStyleIdx="0" presStyleCnt="5">
-        <dgm:presLayoutVars>
-          <dgm:bulletEnabled val="1"/>
-        </dgm:presLayoutVars>
-      </dgm:prSet>
-      <dgm:spPr/>
-    </dgm:pt>
-    <dgm:pt modelId="{D09020D4-F08A-4ACC-807D-BAF108EDFFE1}" type="pres">
-      <dgm:prSet presAssocID="{9E048AFF-1C01-4AE7-B810-04D9ECC73339}" presName="spaceBetweenRectangles" presStyleCnt="0"/>
-      <dgm:spPr/>
-    </dgm:pt>
-    <dgm:pt modelId="{CF02703D-8773-4A93-A481-498A4E3BEF7B}" type="pres">
-      <dgm:prSet presAssocID="{57B418D8-59F3-4651-BF27-C5EACAE4D3EB}" presName="parentLin" presStyleCnt="0"/>
-      <dgm:spPr/>
-    </dgm:pt>
-    <dgm:pt modelId="{C90AB818-B35D-4A4B-88B5-4E3C522CC77B}" type="pres">
-      <dgm:prSet presAssocID="{57B418D8-59F3-4651-BF27-C5EACAE4D3EB}" presName="parentLeftMargin" presStyleLbl="node1" presStyleIdx="0" presStyleCnt="5"/>
-      <dgm:spPr/>
-    </dgm:pt>
-    <dgm:pt modelId="{500B1DBB-17BD-4136-B309-7433AB1D06F1}" type="pres">
-      <dgm:prSet presAssocID="{57B418D8-59F3-4651-BF27-C5EACAE4D3EB}" presName="parentText" presStyleLbl="node1" presStyleIdx="1" presStyleCnt="5">
-        <dgm:presLayoutVars>
-          <dgm:chMax val="0"/>
-          <dgm:bulletEnabled val="1"/>
-        </dgm:presLayoutVars>
-      </dgm:prSet>
-      <dgm:spPr/>
-    </dgm:pt>
-    <dgm:pt modelId="{45E5B3F2-EE04-41B4-A700-C734FB107AA2}" type="pres">
-      <dgm:prSet presAssocID="{57B418D8-59F3-4651-BF27-C5EACAE4D3EB}" presName="negativeSpace" presStyleCnt="0"/>
-      <dgm:spPr/>
-    </dgm:pt>
-    <dgm:pt modelId="{02D636D8-F510-4CFE-9F9D-EAF781A37589}" type="pres">
-      <dgm:prSet presAssocID="{57B418D8-59F3-4651-BF27-C5EACAE4D3EB}" presName="childText" presStyleLbl="conFgAcc1" presStyleIdx="1" presStyleCnt="5">
-        <dgm:presLayoutVars>
-          <dgm:bulletEnabled val="1"/>
-        </dgm:presLayoutVars>
-      </dgm:prSet>
-      <dgm:spPr/>
-    </dgm:pt>
-    <dgm:pt modelId="{BE1C8888-58FC-455C-97F3-37CC413A04EE}" type="pres">
-      <dgm:prSet presAssocID="{5829BE1C-D8A1-4A91-8A03-5004E454E222}" presName="spaceBetweenRectangles" presStyleCnt="0"/>
-      <dgm:spPr/>
-    </dgm:pt>
-    <dgm:pt modelId="{AD842C00-B6F9-4680-A7A0-FB5578A71D7A}" type="pres">
-      <dgm:prSet presAssocID="{7C0CE01D-EADC-4782-88A7-5D6B9B002CDB}" presName="parentLin" presStyleCnt="0"/>
-      <dgm:spPr/>
-    </dgm:pt>
-    <dgm:pt modelId="{2191A155-60E6-4C4F-A649-36EF3D6808A9}" type="pres">
-      <dgm:prSet presAssocID="{7C0CE01D-EADC-4782-88A7-5D6B9B002CDB}" presName="parentLeftMargin" presStyleLbl="node1" presStyleIdx="1" presStyleCnt="5"/>
-      <dgm:spPr/>
-    </dgm:pt>
-    <dgm:pt modelId="{6E3EC9C7-9C77-49FB-8BC9-6E7FC7186DB8}" type="pres">
-      <dgm:prSet presAssocID="{7C0CE01D-EADC-4782-88A7-5D6B9B002CDB}" presName="parentText" presStyleLbl="node1" presStyleIdx="2" presStyleCnt="5">
-        <dgm:presLayoutVars>
-          <dgm:chMax val="0"/>
-          <dgm:bulletEnabled val="1"/>
-        </dgm:presLayoutVars>
-      </dgm:prSet>
-      <dgm:spPr/>
-    </dgm:pt>
-    <dgm:pt modelId="{D152C7B3-9B7D-4C34-93D2-E4ABF0FDB83A}" type="pres">
-      <dgm:prSet presAssocID="{7C0CE01D-EADC-4782-88A7-5D6B9B002CDB}" presName="negativeSpace" presStyleCnt="0"/>
-      <dgm:spPr/>
-    </dgm:pt>
-    <dgm:pt modelId="{76CBBFC7-E92E-48B9-BBC8-E50506145469}" type="pres">
-      <dgm:prSet presAssocID="{7C0CE01D-EADC-4782-88A7-5D6B9B002CDB}" presName="childText" presStyleLbl="conFgAcc1" presStyleIdx="2" presStyleCnt="5">
-        <dgm:presLayoutVars>
-          <dgm:bulletEnabled val="1"/>
-        </dgm:presLayoutVars>
-      </dgm:prSet>
-      <dgm:spPr/>
-    </dgm:pt>
-    <dgm:pt modelId="{B39C81F9-2A56-4365-8C63-47DBE83B51C0}" type="pres">
-      <dgm:prSet presAssocID="{B267FECB-7C69-4BBD-B6F0-F10B1BD3CFAC}" presName="spaceBetweenRectangles" presStyleCnt="0"/>
-      <dgm:spPr/>
-    </dgm:pt>
-    <dgm:pt modelId="{3F78969A-B7C6-4620-8E7B-02E2BA8B7B01}" type="pres">
-      <dgm:prSet presAssocID="{958BE342-2291-4BDA-BB14-C72B74E910D7}" presName="parentLin" presStyleCnt="0"/>
-      <dgm:spPr/>
-    </dgm:pt>
-    <dgm:pt modelId="{7CBA732C-68C7-490E-826E-C7875D4FC1AD}" type="pres">
-      <dgm:prSet presAssocID="{958BE342-2291-4BDA-BB14-C72B74E910D7}" presName="parentLeftMargin" presStyleLbl="node1" presStyleIdx="2" presStyleCnt="5"/>
-      <dgm:spPr/>
-    </dgm:pt>
-    <dgm:pt modelId="{2C5E2E0F-44CA-47AD-87AB-B46EF5B00910}" type="pres">
-      <dgm:prSet presAssocID="{958BE342-2291-4BDA-BB14-C72B74E910D7}" presName="parentText" presStyleLbl="node1" presStyleIdx="3" presStyleCnt="5">
-        <dgm:presLayoutVars>
-          <dgm:chMax val="0"/>
-          <dgm:bulletEnabled val="1"/>
-        </dgm:presLayoutVars>
-      </dgm:prSet>
-      <dgm:spPr/>
-    </dgm:pt>
-    <dgm:pt modelId="{FA65DF0E-40A9-4534-A82D-6D578652F0CC}" type="pres">
-      <dgm:prSet presAssocID="{958BE342-2291-4BDA-BB14-C72B74E910D7}" presName="negativeSpace" presStyleCnt="0"/>
-      <dgm:spPr/>
-    </dgm:pt>
-    <dgm:pt modelId="{EBA37CE3-57E7-4614-947F-9F1665FB5A88}" type="pres">
-      <dgm:prSet presAssocID="{958BE342-2291-4BDA-BB14-C72B74E910D7}" presName="childText" presStyleLbl="conFgAcc1" presStyleIdx="3" presStyleCnt="5">
-        <dgm:presLayoutVars>
-          <dgm:bulletEnabled val="1"/>
-        </dgm:presLayoutVars>
-      </dgm:prSet>
-      <dgm:spPr/>
-    </dgm:pt>
-    <dgm:pt modelId="{186FFE81-1AF1-458E-BA9E-DA06F5814A4F}" type="pres">
-      <dgm:prSet presAssocID="{78AB8411-3BF4-4EAA-BF65-13B748C2DE73}" presName="spaceBetweenRectangles" presStyleCnt="0"/>
-      <dgm:spPr/>
-    </dgm:pt>
-    <dgm:pt modelId="{55D9E155-40F1-4895-9F8F-EA41C70AE9FE}" type="pres">
-      <dgm:prSet presAssocID="{FE496927-CDCE-4EED-89E1-697CE521FD49}" presName="parentLin" presStyleCnt="0"/>
-      <dgm:spPr/>
-    </dgm:pt>
-    <dgm:pt modelId="{F48A7467-C4EA-4ED2-B8CD-BE6607533558}" type="pres">
-      <dgm:prSet presAssocID="{FE496927-CDCE-4EED-89E1-697CE521FD49}" presName="parentLeftMargin" presStyleLbl="node1" presStyleIdx="3" presStyleCnt="5"/>
-      <dgm:spPr/>
-    </dgm:pt>
-    <dgm:pt modelId="{E6FA824F-77B5-4932-8057-E8CFB9780A53}" type="pres">
-      <dgm:prSet presAssocID="{FE496927-CDCE-4EED-89E1-697CE521FD49}" presName="parentText" presStyleLbl="node1" presStyleIdx="4" presStyleCnt="5">
-        <dgm:presLayoutVars>
-          <dgm:chMax val="0"/>
-          <dgm:bulletEnabled val="1"/>
-        </dgm:presLayoutVars>
-      </dgm:prSet>
-      <dgm:spPr/>
-    </dgm:pt>
-    <dgm:pt modelId="{D83D72DD-ED3A-472C-8148-1FB864EF4FD5}" type="pres">
-      <dgm:prSet presAssocID="{FE496927-CDCE-4EED-89E1-697CE521FD49}" presName="negativeSpace" presStyleCnt="0"/>
-      <dgm:spPr/>
-    </dgm:pt>
-    <dgm:pt modelId="{1E95450D-9650-44BF-8F77-F16B5F644535}" type="pres">
-      <dgm:prSet presAssocID="{FE496927-CDCE-4EED-89E1-697CE521FD49}" presName="childText" presStyleLbl="conFgAcc1" presStyleIdx="4" presStyleCnt="5">
-        <dgm:presLayoutVars>
-          <dgm:bulletEnabled val="1"/>
-        </dgm:presLayoutVars>
-      </dgm:prSet>
-      <dgm:spPr/>
-    </dgm:pt>
-  </dgm:ptLst>
-  <dgm:cxnLst>
-    <dgm:cxn modelId="{42DB480A-E3B8-4B02-AA81-4F532C8EA9BD}" type="presOf" srcId="{DBB1C031-31F2-45C3-8A12-3A464758F40C}" destId="{CD0E1BB2-60E1-4839-A87C-FD4225DCD4B0}" srcOrd="0" destOrd="0" presId="urn:microsoft.com/office/officeart/2005/8/layout/list1"/>
-    <dgm:cxn modelId="{8B456D12-DEF0-4838-B1D5-C96E8ACCA892}" srcId="{81463452-3191-46CC-84AF-F46262E3CDC3}" destId="{6F82A1F1-8C55-4AA5-90A9-65F682C25D00}" srcOrd="0" destOrd="0" parTransId="{0D8D4836-389D-4568-8F35-047EF6B48929}" sibTransId="{9E048AFF-1C01-4AE7-B810-04D9ECC73339}"/>
-    <dgm:cxn modelId="{A62ED916-D271-4B7C-807E-43379F2396F9}" type="presOf" srcId="{A0ECA2C5-3BF3-4CAD-A415-C0C07DA9E4FE}" destId="{76CBBFC7-E92E-48B9-BBC8-E50506145469}" srcOrd="0" destOrd="0" presId="urn:microsoft.com/office/officeart/2005/8/layout/list1"/>
-    <dgm:cxn modelId="{27600D28-0790-41EB-A261-C14DBD8B7C6A}" srcId="{958BE342-2291-4BDA-BB14-C72B74E910D7}" destId="{232D4965-AA6B-4BA1-944F-25D526803343}" srcOrd="0" destOrd="0" parTransId="{26176506-5B69-4D74-A833-166AB8281FB3}" sibTransId="{5E4AA7F0-FD57-4261-956B-08D44CF545D6}"/>
-    <dgm:cxn modelId="{C6DEDB33-84EE-45B9-9241-788A49C3AA58}" srcId="{81463452-3191-46CC-84AF-F46262E3CDC3}" destId="{57B418D8-59F3-4651-BF27-C5EACAE4D3EB}" srcOrd="1" destOrd="0" parTransId="{705C8B84-EF9C-4213-905B-3FBF3A8921CF}" sibTransId="{5829BE1C-D8A1-4A91-8A03-5004E454E222}"/>
-    <dgm:cxn modelId="{461B0863-04F4-4B67-B15A-DE711D301C0F}" type="presOf" srcId="{232D4965-AA6B-4BA1-944F-25D526803343}" destId="{EBA37CE3-57E7-4614-947F-9F1665FB5A88}" srcOrd="0" destOrd="0" presId="urn:microsoft.com/office/officeart/2005/8/layout/list1"/>
-    <dgm:cxn modelId="{46DF9D44-5E4B-43E4-A7CB-EBC21EEC1DA3}" type="presOf" srcId="{FE496927-CDCE-4EED-89E1-697CE521FD49}" destId="{F48A7467-C4EA-4ED2-B8CD-BE6607533558}" srcOrd="0" destOrd="0" presId="urn:microsoft.com/office/officeart/2005/8/layout/list1"/>
-    <dgm:cxn modelId="{3404F26C-CE05-4800-A9EB-F3CF0310E9EA}" type="presOf" srcId="{FE496927-CDCE-4EED-89E1-697CE521FD49}" destId="{E6FA824F-77B5-4932-8057-E8CFB9780A53}" srcOrd="1" destOrd="0" presId="urn:microsoft.com/office/officeart/2005/8/layout/list1"/>
-    <dgm:cxn modelId="{6D0C506D-7D2D-4B23-BAA8-3793BE31D53E}" type="presOf" srcId="{81463452-3191-46CC-84AF-F46262E3CDC3}" destId="{F8991DF5-D212-498A-8A45-8A693E4995B2}" srcOrd="0" destOrd="0" presId="urn:microsoft.com/office/officeart/2005/8/layout/list1"/>
-    <dgm:cxn modelId="{221FA777-235A-436E-A0F6-DFA3EBACA79A}" type="presOf" srcId="{6F82A1F1-8C55-4AA5-90A9-65F682C25D00}" destId="{5DF795D5-15BE-4F0E-8C3B-CA623134B8F2}" srcOrd="0" destOrd="0" presId="urn:microsoft.com/office/officeart/2005/8/layout/list1"/>
-    <dgm:cxn modelId="{ECC38C7B-091E-4CB7-A2C1-E45D1FD6C094}" type="presOf" srcId="{7C0CE01D-EADC-4782-88A7-5D6B9B002CDB}" destId="{2191A155-60E6-4C4F-A649-36EF3D6808A9}" srcOrd="0" destOrd="0" presId="urn:microsoft.com/office/officeart/2005/8/layout/list1"/>
-    <dgm:cxn modelId="{D23B1A7D-5ECE-4C73-A391-40FC21AF04BC}" srcId="{7C0CE01D-EADC-4782-88A7-5D6B9B002CDB}" destId="{A0ECA2C5-3BF3-4CAD-A415-C0C07DA9E4FE}" srcOrd="0" destOrd="0" parTransId="{4B3C8D64-5FB4-4762-B95A-68D1E37DD634}" sibTransId="{E55EB636-4A3B-488A-978B-F74D5B68800C}"/>
-    <dgm:cxn modelId="{069D0083-0C34-4475-878E-2DFD03E155BC}" type="presOf" srcId="{A826B56C-AE27-4689-873A-D96DF7985C7F}" destId="{1E95450D-9650-44BF-8F77-F16B5F644535}" srcOrd="0" destOrd="0" presId="urn:microsoft.com/office/officeart/2005/8/layout/list1"/>
-    <dgm:cxn modelId="{9B56488C-0304-43BB-86E9-079E35BAAA26}" type="presOf" srcId="{958BE342-2291-4BDA-BB14-C72B74E910D7}" destId="{7CBA732C-68C7-490E-826E-C7875D4FC1AD}" srcOrd="0" destOrd="0" presId="urn:microsoft.com/office/officeart/2005/8/layout/list1"/>
-    <dgm:cxn modelId="{1F6E1093-C93C-4080-8EF0-3C7F14837AB1}" srcId="{81463452-3191-46CC-84AF-F46262E3CDC3}" destId="{7C0CE01D-EADC-4782-88A7-5D6B9B002CDB}" srcOrd="2" destOrd="0" parTransId="{89297235-8F9D-4A2D-95F7-CB2FC177E343}" sibTransId="{B267FECB-7C69-4BBD-B6F0-F10B1BD3CFAC}"/>
-    <dgm:cxn modelId="{BBDE8194-864B-450E-876D-5672EBCCE684}" type="presOf" srcId="{57B418D8-59F3-4651-BF27-C5EACAE4D3EB}" destId="{C90AB818-B35D-4A4B-88B5-4E3C522CC77B}" srcOrd="0" destOrd="0" presId="urn:microsoft.com/office/officeart/2005/8/layout/list1"/>
-    <dgm:cxn modelId="{0C123898-2B6B-4834-9B3F-E268B8E12E72}" type="presOf" srcId="{57B418D8-59F3-4651-BF27-C5EACAE4D3EB}" destId="{500B1DBB-17BD-4136-B309-7433AB1D06F1}" srcOrd="1" destOrd="0" presId="urn:microsoft.com/office/officeart/2005/8/layout/list1"/>
-    <dgm:cxn modelId="{877923A8-BB61-4248-97E8-AC311AD890C4}" type="presOf" srcId="{7C0CE01D-EADC-4782-88A7-5D6B9B002CDB}" destId="{6E3EC9C7-9C77-49FB-8BC9-6E7FC7186DB8}" srcOrd="1" destOrd="0" presId="urn:microsoft.com/office/officeart/2005/8/layout/list1"/>
-    <dgm:cxn modelId="{206222B6-5EC8-4374-902B-B184BA2F9F2D}" type="presOf" srcId="{958BE342-2291-4BDA-BB14-C72B74E910D7}" destId="{2C5E2E0F-44CA-47AD-87AB-B46EF5B00910}" srcOrd="1" destOrd="0" presId="urn:microsoft.com/office/officeart/2005/8/layout/list1"/>
-    <dgm:cxn modelId="{16881DBB-25EB-4080-90FE-A7E14E321548}" srcId="{6F82A1F1-8C55-4AA5-90A9-65F682C25D00}" destId="{DBB1C031-31F2-45C3-8A12-3A464758F40C}" srcOrd="0" destOrd="0" parTransId="{587758D1-9FA5-4658-A563-CCD4822C07E5}" sibTransId="{68867AAC-857C-4F25-B473-BBA13ADBFFA7}"/>
-    <dgm:cxn modelId="{6D6DECC2-2E6B-4C29-B290-8A1EF8B6F0CB}" srcId="{57B418D8-59F3-4651-BF27-C5EACAE4D3EB}" destId="{20A01E22-8DD9-4F41-9FC1-C30457B448C5}" srcOrd="0" destOrd="0" parTransId="{E78481A6-AD51-41F9-8FFE-D07302280F08}" sibTransId="{E21EBD9A-A8D4-4A83-B90B-C05C77E20B3E}"/>
-    <dgm:cxn modelId="{7E9DADC3-7F1C-4BDA-99A8-C51CD9DFC407}" type="presOf" srcId="{6F82A1F1-8C55-4AA5-90A9-65F682C25D00}" destId="{1B8DC5A1-7C57-413A-BB29-5E10B7C27CA2}" srcOrd="1" destOrd="0" presId="urn:microsoft.com/office/officeart/2005/8/layout/list1"/>
-    <dgm:cxn modelId="{77310BCE-7CFA-44FB-811F-FF2C423664DD}" srcId="{81463452-3191-46CC-84AF-F46262E3CDC3}" destId="{FE496927-CDCE-4EED-89E1-697CE521FD49}" srcOrd="4" destOrd="0" parTransId="{A91FCD73-CAC9-4A45-9D30-BC46A0007298}" sibTransId="{E7D38B1D-C343-4BBB-AAC3-E804514B7B37}"/>
-    <dgm:cxn modelId="{3347F8DA-AE4F-4453-8DA1-FA19D1DC6121}" srcId="{81463452-3191-46CC-84AF-F46262E3CDC3}" destId="{958BE342-2291-4BDA-BB14-C72B74E910D7}" srcOrd="3" destOrd="0" parTransId="{896208C3-9923-4EDD-A37C-F948640AFBE4}" sibTransId="{78AB8411-3BF4-4EAA-BF65-13B748C2DE73}"/>
-    <dgm:cxn modelId="{F7D720E2-E346-4FEC-AB19-CBC2675A92DC}" srcId="{FE496927-CDCE-4EED-89E1-697CE521FD49}" destId="{A826B56C-AE27-4689-873A-D96DF7985C7F}" srcOrd="0" destOrd="0" parTransId="{DFE79A9F-AF93-4EC8-92DB-3F6B7F68FA08}" sibTransId="{83CF4E7A-2117-4543-9055-2030E54195A0}"/>
-    <dgm:cxn modelId="{F3DC88FD-7EE3-4DB3-8306-4F4DB3F5A8A1}" type="presOf" srcId="{20A01E22-8DD9-4F41-9FC1-C30457B448C5}" destId="{02D636D8-F510-4CFE-9F9D-EAF781A37589}" srcOrd="0" destOrd="0" presId="urn:microsoft.com/office/officeart/2005/8/layout/list1"/>
-    <dgm:cxn modelId="{A4F64A5C-A509-43DC-9719-63E42AEAC91F}" type="presParOf" srcId="{F8991DF5-D212-498A-8A45-8A693E4995B2}" destId="{979F4B9E-6F34-4393-8127-39726649BCDD}" srcOrd="0" destOrd="0" presId="urn:microsoft.com/office/officeart/2005/8/layout/list1"/>
-    <dgm:cxn modelId="{24170BFB-227E-4931-8E80-729457A29D14}" type="presParOf" srcId="{979F4B9E-6F34-4393-8127-39726649BCDD}" destId="{5DF795D5-15BE-4F0E-8C3B-CA623134B8F2}" srcOrd="0" destOrd="0" presId="urn:microsoft.com/office/officeart/2005/8/layout/list1"/>
-    <dgm:cxn modelId="{C0E2677D-CA3C-4393-8543-E44ACCB9C17C}" type="presParOf" srcId="{979F4B9E-6F34-4393-8127-39726649BCDD}" destId="{1B8DC5A1-7C57-413A-BB29-5E10B7C27CA2}" srcOrd="1" destOrd="0" presId="urn:microsoft.com/office/officeart/2005/8/layout/list1"/>
-    <dgm:cxn modelId="{688A875C-C326-423E-9469-E5E196832DF7}" type="presParOf" srcId="{F8991DF5-D212-498A-8A45-8A693E4995B2}" destId="{BA1740F6-AE87-4F76-8E63-4F73F9D74E63}" srcOrd="1" destOrd="0" presId="urn:microsoft.com/office/officeart/2005/8/layout/list1"/>
-    <dgm:cxn modelId="{D0548BA2-D90D-4CC3-A77C-703D530B4C58}" type="presParOf" srcId="{F8991DF5-D212-498A-8A45-8A693E4995B2}" destId="{CD0E1BB2-60E1-4839-A87C-FD4225DCD4B0}" srcOrd="2" destOrd="0" presId="urn:microsoft.com/office/officeart/2005/8/layout/list1"/>
-    <dgm:cxn modelId="{AC0B6752-014E-46F5-9811-05C6217E5797}" type="presParOf" srcId="{F8991DF5-D212-498A-8A45-8A693E4995B2}" destId="{D09020D4-F08A-4ACC-807D-BAF108EDFFE1}" srcOrd="3" destOrd="0" presId="urn:microsoft.com/office/officeart/2005/8/layout/list1"/>
-    <dgm:cxn modelId="{115A6C73-6AF7-4302-A280-BE25843BB4BB}" type="presParOf" srcId="{F8991DF5-D212-498A-8A45-8A693E4995B2}" destId="{CF02703D-8773-4A93-A481-498A4E3BEF7B}" srcOrd="4" destOrd="0" presId="urn:microsoft.com/office/officeart/2005/8/layout/list1"/>
-    <dgm:cxn modelId="{DC6B81C6-EEE2-4B5D-B932-E548344986A3}" type="presParOf" srcId="{CF02703D-8773-4A93-A481-498A4E3BEF7B}" destId="{C90AB818-B35D-4A4B-88B5-4E3C522CC77B}" srcOrd="0" destOrd="0" presId="urn:microsoft.com/office/officeart/2005/8/layout/list1"/>
-    <dgm:cxn modelId="{846417A8-8468-45FA-AE1D-F5F9D75C8B81}" type="presParOf" srcId="{CF02703D-8773-4A93-A481-498A4E3BEF7B}" destId="{500B1DBB-17BD-4136-B309-7433AB1D06F1}" srcOrd="1" destOrd="0" presId="urn:microsoft.com/office/officeart/2005/8/layout/list1"/>
-    <dgm:cxn modelId="{AAFCAC54-F8C6-4727-BA6C-D164A08E6E15}" type="presParOf" srcId="{F8991DF5-D212-498A-8A45-8A693E4995B2}" destId="{45E5B3F2-EE04-41B4-A700-C734FB107AA2}" srcOrd="5" destOrd="0" presId="urn:microsoft.com/office/officeart/2005/8/layout/list1"/>
-    <dgm:cxn modelId="{17A30D08-74CE-4781-947E-4CB97C5B3918}" type="presParOf" srcId="{F8991DF5-D212-498A-8A45-8A693E4995B2}" destId="{02D636D8-F510-4CFE-9F9D-EAF781A37589}" srcOrd="6" destOrd="0" presId="urn:microsoft.com/office/officeart/2005/8/layout/list1"/>
-    <dgm:cxn modelId="{AB841A22-7790-45A9-961B-9B5A4EBD99EF}" type="presParOf" srcId="{F8991DF5-D212-498A-8A45-8A693E4995B2}" destId="{BE1C8888-58FC-455C-97F3-37CC413A04EE}" srcOrd="7" destOrd="0" presId="urn:microsoft.com/office/officeart/2005/8/layout/list1"/>
-    <dgm:cxn modelId="{9BC5DFD7-1966-490B-B9EC-815B3C1BCC4B}" type="presParOf" srcId="{F8991DF5-D212-498A-8A45-8A693E4995B2}" destId="{AD842C00-B6F9-4680-A7A0-FB5578A71D7A}" srcOrd="8" destOrd="0" presId="urn:microsoft.com/office/officeart/2005/8/layout/list1"/>
-    <dgm:cxn modelId="{DC9542B8-4471-480D-82E3-633191D2B710}" type="presParOf" srcId="{AD842C00-B6F9-4680-A7A0-FB5578A71D7A}" destId="{2191A155-60E6-4C4F-A649-36EF3D6808A9}" srcOrd="0" destOrd="0" presId="urn:microsoft.com/office/officeart/2005/8/layout/list1"/>
-    <dgm:cxn modelId="{91C9232F-A35C-4545-ABB0-991D33493FA2}" type="presParOf" srcId="{AD842C00-B6F9-4680-A7A0-FB5578A71D7A}" destId="{6E3EC9C7-9C77-49FB-8BC9-6E7FC7186DB8}" srcOrd="1" destOrd="0" presId="urn:microsoft.com/office/officeart/2005/8/layout/list1"/>
-    <dgm:cxn modelId="{6CE1E677-4E01-434A-9A30-1F8A93A0763B}" type="presParOf" srcId="{F8991DF5-D212-498A-8A45-8A693E4995B2}" destId="{D152C7B3-9B7D-4C34-93D2-E4ABF0FDB83A}" srcOrd="9" destOrd="0" presId="urn:microsoft.com/office/officeart/2005/8/layout/list1"/>
-    <dgm:cxn modelId="{7F101499-DD28-47C4-BFA3-004EEBF2980A}" type="presParOf" srcId="{F8991DF5-D212-498A-8A45-8A693E4995B2}" destId="{76CBBFC7-E92E-48B9-BBC8-E50506145469}" srcOrd="10" destOrd="0" presId="urn:microsoft.com/office/officeart/2005/8/layout/list1"/>
-    <dgm:cxn modelId="{B169C3DE-D278-41CB-9537-C8760BA4FDC7}" type="presParOf" srcId="{F8991DF5-D212-498A-8A45-8A693E4995B2}" destId="{B39C81F9-2A56-4365-8C63-47DBE83B51C0}" srcOrd="11" destOrd="0" presId="urn:microsoft.com/office/officeart/2005/8/layout/list1"/>
-    <dgm:cxn modelId="{FDD4E5F0-20A9-450E-8816-5C8C541FB417}" type="presParOf" srcId="{F8991DF5-D212-498A-8A45-8A693E4995B2}" destId="{3F78969A-B7C6-4620-8E7B-02E2BA8B7B01}" srcOrd="12" destOrd="0" presId="urn:microsoft.com/office/officeart/2005/8/layout/list1"/>
-    <dgm:cxn modelId="{DDF647B4-5023-4708-9C2D-8BC379495A8E}" type="presParOf" srcId="{3F78969A-B7C6-4620-8E7B-02E2BA8B7B01}" destId="{7CBA732C-68C7-490E-826E-C7875D4FC1AD}" srcOrd="0" destOrd="0" presId="urn:microsoft.com/office/officeart/2005/8/layout/list1"/>
-    <dgm:cxn modelId="{EF8FFDB9-1444-4AB7-A04D-E0FD738A15BC}" type="presParOf" srcId="{3F78969A-B7C6-4620-8E7B-02E2BA8B7B01}" destId="{2C5E2E0F-44CA-47AD-87AB-B46EF5B00910}" srcOrd="1" destOrd="0" presId="urn:microsoft.com/office/officeart/2005/8/layout/list1"/>
-    <dgm:cxn modelId="{671E5517-C778-45A4-A7C6-55E50168DFF8}" type="presParOf" srcId="{F8991DF5-D212-498A-8A45-8A693E4995B2}" destId="{FA65DF0E-40A9-4534-A82D-6D578652F0CC}" srcOrd="13" destOrd="0" presId="urn:microsoft.com/office/officeart/2005/8/layout/list1"/>
-    <dgm:cxn modelId="{A98D8F87-6870-450B-BF59-CC115ED4429B}" type="presParOf" srcId="{F8991DF5-D212-498A-8A45-8A693E4995B2}" destId="{EBA37CE3-57E7-4614-947F-9F1665FB5A88}" srcOrd="14" destOrd="0" presId="urn:microsoft.com/office/officeart/2005/8/layout/list1"/>
-    <dgm:cxn modelId="{0B64B4A6-B650-4D32-AF12-49F970C6CF90}" type="presParOf" srcId="{F8991DF5-D212-498A-8A45-8A693E4995B2}" destId="{186FFE81-1AF1-458E-BA9E-DA06F5814A4F}" srcOrd="15" destOrd="0" presId="urn:microsoft.com/office/officeart/2005/8/layout/list1"/>
-    <dgm:cxn modelId="{77B97D18-246B-4A2A-99D1-DE73CA8249BC}" type="presParOf" srcId="{F8991DF5-D212-498A-8A45-8A693E4995B2}" destId="{55D9E155-40F1-4895-9F8F-EA41C70AE9FE}" srcOrd="16" destOrd="0" presId="urn:microsoft.com/office/officeart/2005/8/layout/list1"/>
-    <dgm:cxn modelId="{A5E18DC5-4CB8-4DCE-B3D8-31C34351C5BA}" type="presParOf" srcId="{55D9E155-40F1-4895-9F8F-EA41C70AE9FE}" destId="{F48A7467-C4EA-4ED2-B8CD-BE6607533558}" srcOrd="0" destOrd="0" presId="urn:microsoft.com/office/officeart/2005/8/layout/list1"/>
-    <dgm:cxn modelId="{A0D9BDFD-9D8B-4346-A9DA-8E52B12ACB85}" type="presParOf" srcId="{55D9E155-40F1-4895-9F8F-EA41C70AE9FE}" destId="{E6FA824F-77B5-4932-8057-E8CFB9780A53}" srcOrd="1" destOrd="0" presId="urn:microsoft.com/office/officeart/2005/8/layout/list1"/>
-    <dgm:cxn modelId="{D224C677-6A99-45CE-AB38-3B271B9032E8}" type="presParOf" srcId="{F8991DF5-D212-498A-8A45-8A693E4995B2}" destId="{D83D72DD-ED3A-472C-8148-1FB864EF4FD5}" srcOrd="17" destOrd="0" presId="urn:microsoft.com/office/officeart/2005/8/layout/list1"/>
-    <dgm:cxn modelId="{58612F01-3CE0-4458-A8B5-F8C5BAA2DBE8}" type="presParOf" srcId="{F8991DF5-D212-498A-8A45-8A693E4995B2}" destId="{1E95450D-9650-44BF-8F77-F16B5F644535}" srcOrd="18" destOrd="0" presId="urn:microsoft.com/office/officeart/2005/8/layout/list1"/>
-  </dgm:cxnLst>
-  <dgm:bg/>
-  <dgm:whole/>
-  <dgm:extLst>
-    <a:ext uri="http://schemas.microsoft.com/office/drawing/2008/diagram">
-      <dsp:dataModelExt xmlns:dsp="http://schemas.microsoft.com/office/drawing/2008/diagram" relId="rId6" minVer="http://schemas.openxmlformats.org/drawingml/2006/diagram"/>
-    </a:ext>
-  </dgm:extLst>
-</dgm:dataModel>
-</file>
-
-<file path=ppt/diagrams/data11.xml><?xml version="1.0" encoding="utf-8"?>
 <dgm:dataModel xmlns:dgm="http://schemas.openxmlformats.org/drawingml/2006/diagram" xmlns:a="http://schemas.openxmlformats.org/drawingml/2006/main">
   <dgm:ptLst>
     <dgm:pt modelId="{81463452-3191-46CC-84AF-F46262E3CDC3}" type="doc">
@@ -15738,7 +14519,7 @@
 <dgm:dataModel xmlns:dgm="http://schemas.openxmlformats.org/drawingml/2006/diagram" xmlns:a="http://schemas.openxmlformats.org/drawingml/2006/main">
   <dgm:ptLst>
     <dgm:pt modelId="{81463452-3191-46CC-84AF-F46262E3CDC3}" type="doc">
-      <dgm:prSet loTypeId="urn:microsoft.com/office/officeart/2005/8/layout/list1" loCatId="list" qsTypeId="urn:microsoft.com/office/officeart/2005/8/quickstyle/simple1" qsCatId="simple" csTypeId="urn:microsoft.com/office/officeart/2005/8/colors/accent1_2" csCatId="accent1" phldr="1"/>
+      <dgm:prSet loTypeId="urn:microsoft.com/office/officeart/2016/7/layout/LinearArrowProcessNumbered" loCatId="process" qsTypeId="urn:microsoft.com/office/officeart/2005/8/quickstyle/simple5" qsCatId="simple" csTypeId="urn:microsoft.com/office/officeart/2005/8/colors/colorful1" csCatId="colorful" phldr="1"/>
       <dgm:spPr/>
       <dgm:t>
         <a:bodyPr/>
@@ -15756,7 +14537,7 @@
         <a:lstStyle/>
         <a:p>
           <a:r>
-            <a:rPr lang="de-DE" dirty="0"/>
+            <a:rPr lang="de-DE"/>
             <a:t>Name</a:t>
           </a:r>
         </a:p>
@@ -15774,13 +14555,16 @@
       </dgm:t>
     </dgm:pt>
     <dgm:pt modelId="{9E048AFF-1C01-4AE7-B810-04D9ECC73339}" type="sibTrans" cxnId="{8B456D12-DEF0-4838-B1D5-C96E8ACCA892}">
-      <dgm:prSet/>
-      <dgm:spPr/>
-      <dgm:t>
-        <a:bodyPr/>
-        <a:lstStyle/>
-        <a:p>
-          <a:endParaRPr lang="de-DE"/>
+      <dgm:prSet phldrT="1" phldr="0"/>
+      <dgm:spPr/>
+      <dgm:t>
+        <a:bodyPr/>
+        <a:lstStyle/>
+        <a:p>
+          <a:r>
+            <a:rPr lang="de-DE"/>
+            <a:t>1</a:t>
+          </a:r>
         </a:p>
       </dgm:t>
     </dgm:pt>
@@ -15792,7 +14576,7 @@
         <a:lstStyle/>
         <a:p>
           <a:r>
-            <a:rPr lang="de-DE" dirty="0"/>
+            <a:rPr lang="de-DE"/>
             <a:t>Harte Fakten</a:t>
           </a:r>
         </a:p>
@@ -15810,13 +14594,16 @@
       </dgm:t>
     </dgm:pt>
     <dgm:pt modelId="{5829BE1C-D8A1-4A91-8A03-5004E454E222}" type="sibTrans" cxnId="{C6DEDB33-84EE-45B9-9241-788A49C3AA58}">
-      <dgm:prSet/>
-      <dgm:spPr/>
-      <dgm:t>
-        <a:bodyPr/>
-        <a:lstStyle/>
-        <a:p>
-          <a:endParaRPr lang="de-DE"/>
+      <dgm:prSet phldrT="2" phldr="0"/>
+      <dgm:spPr/>
+      <dgm:t>
+        <a:bodyPr/>
+        <a:lstStyle/>
+        <a:p>
+          <a:r>
+            <a:rPr lang="de-DE"/>
+            <a:t>2</a:t>
+          </a:r>
         </a:p>
       </dgm:t>
     </dgm:pt>
@@ -15828,7 +14615,7 @@
         <a:lstStyle/>
         <a:p>
           <a:r>
-            <a:rPr lang="de-DE" dirty="0"/>
+            <a:rPr lang="de-DE"/>
             <a:t>Lebenslauf</a:t>
           </a:r>
         </a:p>
@@ -15846,13 +14633,16 @@
       </dgm:t>
     </dgm:pt>
     <dgm:pt modelId="{B267FECB-7C69-4BBD-B6F0-F10B1BD3CFAC}" type="sibTrans" cxnId="{1F6E1093-C93C-4080-8EF0-3C7F14837AB1}">
-      <dgm:prSet/>
-      <dgm:spPr/>
-      <dgm:t>
-        <a:bodyPr/>
-        <a:lstStyle/>
-        <a:p>
-          <a:endParaRPr lang="de-DE"/>
+      <dgm:prSet phldrT="3" phldr="0"/>
+      <dgm:spPr/>
+      <dgm:t>
+        <a:bodyPr/>
+        <a:lstStyle/>
+        <a:p>
+          <a:r>
+            <a:rPr lang="de-DE"/>
+            <a:t>3</a:t>
+          </a:r>
         </a:p>
       </dgm:t>
     </dgm:pt>
@@ -15865,20 +14655,197 @@
         <a:p>
           <a:r>
             <a:rPr lang="de-DE" dirty="0"/>
-            <a:t>Alter, Geschlecht, Verheiratet, Kinder (</a:t>
+            <a:t>43</a:t>
+          </a:r>
+        </a:p>
+      </dgm:t>
+    </dgm:pt>
+    <dgm:pt modelId="{E78481A6-AD51-41F9-8FFE-D07302280F08}" type="parTrans" cxnId="{6D6DECC2-2E6B-4C29-B290-8A1EF8B6F0CB}">
+      <dgm:prSet/>
+      <dgm:spPr/>
+      <dgm:t>
+        <a:bodyPr/>
+        <a:lstStyle/>
+        <a:p>
+          <a:endParaRPr lang="de-DE"/>
+        </a:p>
+      </dgm:t>
+    </dgm:pt>
+    <dgm:pt modelId="{E21EBD9A-A8D4-4A83-B90B-C05C77E20B3E}" type="sibTrans" cxnId="{6D6DECC2-2E6B-4C29-B290-8A1EF8B6F0CB}">
+      <dgm:prSet/>
+      <dgm:spPr/>
+      <dgm:t>
+        <a:bodyPr/>
+        <a:lstStyle/>
+        <a:p>
+          <a:endParaRPr lang="de-DE"/>
+        </a:p>
+      </dgm:t>
+    </dgm:pt>
+    <dgm:pt modelId="{DBB1C031-31F2-45C3-8A12-3A464758F40C}">
+      <dgm:prSet/>
+      <dgm:spPr/>
+      <dgm:t>
+        <a:bodyPr/>
+        <a:lstStyle/>
+        <a:p>
+          <a:r>
+            <a:rPr lang="de-DE" dirty="0"/>
+            <a:t>Sybille Seifert</a:t>
+          </a:r>
+        </a:p>
+      </dgm:t>
+    </dgm:pt>
+    <dgm:pt modelId="{587758D1-9FA5-4658-A563-CCD4822C07E5}" type="parTrans" cxnId="{16881DBB-25EB-4080-90FE-A7E14E321548}">
+      <dgm:prSet/>
+      <dgm:spPr/>
+      <dgm:t>
+        <a:bodyPr/>
+        <a:lstStyle/>
+        <a:p>
+          <a:endParaRPr lang="de-DE"/>
+        </a:p>
+      </dgm:t>
+    </dgm:pt>
+    <dgm:pt modelId="{68867AAC-857C-4F25-B473-BBA13ADBFFA7}" type="sibTrans" cxnId="{16881DBB-25EB-4080-90FE-A7E14E321548}">
+      <dgm:prSet/>
+      <dgm:spPr/>
+      <dgm:t>
+        <a:bodyPr/>
+        <a:lstStyle/>
+        <a:p>
+          <a:endParaRPr lang="de-DE"/>
+        </a:p>
+      </dgm:t>
+    </dgm:pt>
+    <dgm:pt modelId="{A0ECA2C5-3BF3-4CAD-A415-C0C07DA9E4FE}">
+      <dgm:prSet/>
+      <dgm:spPr/>
+      <dgm:t>
+        <a:bodyPr/>
+        <a:lstStyle/>
+        <a:p>
+          <a:r>
+            <a:rPr lang="de-DE" dirty="0"/>
+            <a:t>Kaufmännische Ausbildung</a:t>
+          </a:r>
+        </a:p>
+      </dgm:t>
+    </dgm:pt>
+    <dgm:pt modelId="{4B3C8D64-5FB4-4762-B95A-68D1E37DD634}" type="parTrans" cxnId="{D23B1A7D-5ECE-4C73-A391-40FC21AF04BC}">
+      <dgm:prSet/>
+      <dgm:spPr/>
+      <dgm:t>
+        <a:bodyPr/>
+        <a:lstStyle/>
+        <a:p>
+          <a:endParaRPr lang="de-DE"/>
+        </a:p>
+      </dgm:t>
+    </dgm:pt>
+    <dgm:pt modelId="{E55EB636-4A3B-488A-978B-F74D5B68800C}" type="sibTrans" cxnId="{D23B1A7D-5ECE-4C73-A391-40FC21AF04BC}">
+      <dgm:prSet/>
+      <dgm:spPr/>
+      <dgm:t>
+        <a:bodyPr/>
+        <a:lstStyle/>
+        <a:p>
+          <a:endParaRPr lang="de-DE"/>
+        </a:p>
+      </dgm:t>
+    </dgm:pt>
+    <dgm:pt modelId="{232D4965-AA6B-4BA1-944F-25D526803343}">
+      <dgm:prSet/>
+      <dgm:spPr/>
+      <dgm:t>
+        <a:bodyPr/>
+        <a:lstStyle/>
+        <a:p>
+          <a:r>
+            <a:rPr lang="de-DE" dirty="0"/>
+            <a:t>Versorgt ihre Kinder vor der Schule</a:t>
+          </a:r>
+        </a:p>
+      </dgm:t>
+    </dgm:pt>
+    <dgm:pt modelId="{26176506-5B69-4D74-A833-166AB8281FB3}" type="parTrans" cxnId="{27600D28-0790-41EB-A261-C14DBD8B7C6A}">
+      <dgm:prSet/>
+      <dgm:spPr/>
+      <dgm:t>
+        <a:bodyPr/>
+        <a:lstStyle/>
+        <a:p>
+          <a:endParaRPr lang="de-DE"/>
+        </a:p>
+      </dgm:t>
+    </dgm:pt>
+    <dgm:pt modelId="{5E4AA7F0-FD57-4261-956B-08D44CF545D6}" type="sibTrans" cxnId="{27600D28-0790-41EB-A261-C14DBD8B7C6A}">
+      <dgm:prSet/>
+      <dgm:spPr/>
+      <dgm:t>
+        <a:bodyPr/>
+        <a:lstStyle/>
+        <a:p>
+          <a:endParaRPr lang="de-DE"/>
+        </a:p>
+      </dgm:t>
+    </dgm:pt>
+    <dgm:pt modelId="{A826B56C-AE27-4689-873A-D96DF7985C7F}">
+      <dgm:prSet/>
+      <dgm:spPr/>
+      <dgm:t>
+        <a:bodyPr/>
+        <a:lstStyle/>
+        <a:p>
+          <a:r>
+            <a:rPr lang="de-DE" dirty="0"/>
+            <a:t>Arbeitserleichterung bei der Verwaltung der </a:t>
           </a:r>
           <a:r>
             <a:rPr lang="de-DE" dirty="0" err="1"/>
-            <a:t>wieviele</a:t>
+            <a:t>Studiengangsangelegenheiten</a:t>
           </a:r>
+          <a:endParaRPr lang="de-DE" dirty="0"/>
+        </a:p>
+      </dgm:t>
+    </dgm:pt>
+    <dgm:pt modelId="{DFE79A9F-AF93-4EC8-92DB-3F6B7F68FA08}" type="parTrans" cxnId="{F7D720E2-E346-4FEC-AB19-CBC2675A92DC}">
+      <dgm:prSet/>
+      <dgm:spPr/>
+      <dgm:t>
+        <a:bodyPr/>
+        <a:lstStyle/>
+        <a:p>
+          <a:endParaRPr lang="de-DE"/>
+        </a:p>
+      </dgm:t>
+    </dgm:pt>
+    <dgm:pt modelId="{83CF4E7A-2117-4543-9055-2030E54195A0}" type="sibTrans" cxnId="{F7D720E2-E346-4FEC-AB19-CBC2675A92DC}">
+      <dgm:prSet/>
+      <dgm:spPr/>
+      <dgm:t>
+        <a:bodyPr/>
+        <a:lstStyle/>
+        <a:p>
+          <a:endParaRPr lang="de-DE"/>
+        </a:p>
+      </dgm:t>
+    </dgm:pt>
+    <dgm:pt modelId="{79EA25B1-DC5C-4230-AFF1-3834011D67BE}">
+      <dgm:prSet/>
+      <dgm:spPr/>
+      <dgm:t>
+        <a:bodyPr/>
+        <a:lstStyle/>
+        <a:p>
           <a:r>
             <a:rPr lang="de-DE" dirty="0"/>
-            <a:t>), Wohnt in, Einkommen</a:t>
+            <a:t>Weiblich</a:t>
           </a:r>
         </a:p>
       </dgm:t>
     </dgm:pt>
-    <dgm:pt modelId="{E78481A6-AD51-41F9-8FFE-D07302280F08}" type="parTrans" cxnId="{6D6DECC2-2E6B-4C29-B290-8A1EF8B6F0CB}">
+    <dgm:pt modelId="{CE6E6F6A-1D54-4F90-96A0-92E8114F7640}" type="parTrans" cxnId="{6546996D-B2F8-4C8C-8C45-597325775BEA}">
       <dgm:prSet/>
       <dgm:spPr/>
       <dgm:t>
@@ -15889,7 +14856,7 @@
         </a:p>
       </dgm:t>
     </dgm:pt>
-    <dgm:pt modelId="{E21EBD9A-A8D4-4A83-B90B-C05C77E20B3E}" type="sibTrans" cxnId="{6D6DECC2-2E6B-4C29-B290-8A1EF8B6F0CB}">
+    <dgm:pt modelId="{F26C72F6-A599-4D80-A2B4-F1EF14015891}" type="sibTrans" cxnId="{6546996D-B2F8-4C8C-8C45-597325775BEA}">
       <dgm:prSet/>
       <dgm:spPr/>
       <dgm:t>
@@ -15900,40 +14867,7 @@
         </a:p>
       </dgm:t>
     </dgm:pt>
-    <dgm:pt modelId="{DBB1C031-31F2-45C3-8A12-3A464758F40C}">
-      <dgm:prSet/>
-      <dgm:spPr/>
-      <dgm:t>
-        <a:bodyPr/>
-        <a:lstStyle/>
-        <a:p>
-          <a:endParaRPr lang="de-DE" dirty="0"/>
-        </a:p>
-      </dgm:t>
-    </dgm:pt>
-    <dgm:pt modelId="{587758D1-9FA5-4658-A563-CCD4822C07E5}" type="parTrans" cxnId="{16881DBB-25EB-4080-90FE-A7E14E321548}">
-      <dgm:prSet/>
-      <dgm:spPr/>
-      <dgm:t>
-        <a:bodyPr/>
-        <a:lstStyle/>
-        <a:p>
-          <a:endParaRPr lang="de-DE"/>
-        </a:p>
-      </dgm:t>
-    </dgm:pt>
-    <dgm:pt modelId="{68867AAC-857C-4F25-B473-BBA13ADBFFA7}" type="sibTrans" cxnId="{16881DBB-25EB-4080-90FE-A7E14E321548}">
-      <dgm:prSet/>
-      <dgm:spPr/>
-      <dgm:t>
-        <a:bodyPr/>
-        <a:lstStyle/>
-        <a:p>
-          <a:endParaRPr lang="de-DE"/>
-        </a:p>
-      </dgm:t>
-    </dgm:pt>
-    <dgm:pt modelId="{A0ECA2C5-3BF3-4CAD-A415-C0C07DA9E4FE}">
+    <dgm:pt modelId="{D05C0AC4-328F-4F35-AAE0-00AD271D11A4}">
       <dgm:prSet/>
       <dgm:spPr/>
       <dgm:t>
@@ -15942,12 +14876,12 @@
         <a:p>
           <a:r>
             <a:rPr lang="de-DE" dirty="0"/>
-            <a:t>Bildung, Job, Hierarchie-Ebene, Selbstbestätigung</a:t>
+            <a:t>Verheiratet </a:t>
           </a:r>
         </a:p>
       </dgm:t>
     </dgm:pt>
-    <dgm:pt modelId="{4B3C8D64-5FB4-4762-B95A-68D1E37DD634}" type="parTrans" cxnId="{D23B1A7D-5ECE-4C73-A391-40FC21AF04BC}">
+    <dgm:pt modelId="{4B415080-118C-4FF0-A843-F8DAEDB818CC}" type="parTrans" cxnId="{CC1BA612-FCA2-41EF-B641-5471AE105340}">
       <dgm:prSet/>
       <dgm:spPr/>
       <dgm:t>
@@ -15958,7 +14892,332 @@
         </a:p>
       </dgm:t>
     </dgm:pt>
-    <dgm:pt modelId="{E55EB636-4A3B-488A-978B-F74D5B68800C}" type="sibTrans" cxnId="{D23B1A7D-5ECE-4C73-A391-40FC21AF04BC}">
+    <dgm:pt modelId="{1AF925E4-795C-40D2-82D6-957DDF4041BC}" type="sibTrans" cxnId="{CC1BA612-FCA2-41EF-B641-5471AE105340}">
+      <dgm:prSet/>
+      <dgm:spPr/>
+      <dgm:t>
+        <a:bodyPr/>
+        <a:lstStyle/>
+        <a:p>
+          <a:endParaRPr lang="de-DE"/>
+        </a:p>
+      </dgm:t>
+    </dgm:pt>
+    <dgm:pt modelId="{965879D7-BF06-468B-8ACB-F815BC863EFD}">
+      <dgm:prSet/>
+      <dgm:spPr/>
+      <dgm:t>
+        <a:bodyPr/>
+        <a:lstStyle/>
+        <a:p>
+          <a:r>
+            <a:rPr lang="de-DE" dirty="0"/>
+            <a:t>2 Kinder</a:t>
+          </a:r>
+        </a:p>
+      </dgm:t>
+    </dgm:pt>
+    <dgm:pt modelId="{DC1CA9A3-1CCF-4F94-AB4E-D54DEDA52E9C}" type="parTrans" cxnId="{277EABB6-614E-46AF-A121-1BD88CCFA33C}">
+      <dgm:prSet/>
+      <dgm:spPr/>
+      <dgm:t>
+        <a:bodyPr/>
+        <a:lstStyle/>
+        <a:p>
+          <a:endParaRPr lang="de-DE"/>
+        </a:p>
+      </dgm:t>
+    </dgm:pt>
+    <dgm:pt modelId="{3B318103-07FD-4FBA-809A-AF924AEA7A66}" type="sibTrans" cxnId="{277EABB6-614E-46AF-A121-1BD88CCFA33C}">
+      <dgm:prSet/>
+      <dgm:spPr/>
+      <dgm:t>
+        <a:bodyPr/>
+        <a:lstStyle/>
+        <a:p>
+          <a:endParaRPr lang="de-DE"/>
+        </a:p>
+      </dgm:t>
+    </dgm:pt>
+    <dgm:pt modelId="{6F54139E-6065-487B-90E3-C90B217F774E}">
+      <dgm:prSet/>
+      <dgm:spPr/>
+      <dgm:t>
+        <a:bodyPr/>
+        <a:lstStyle/>
+        <a:p>
+          <a:r>
+            <a:rPr lang="de-DE" dirty="0"/>
+            <a:t>Stutensee</a:t>
+          </a:r>
+        </a:p>
+      </dgm:t>
+    </dgm:pt>
+    <dgm:pt modelId="{9183FD4E-6AE2-43B0-AFCB-92B843FE85DA}" type="parTrans" cxnId="{43A5BE03-FCED-40D4-82D2-2216C4466841}">
+      <dgm:prSet/>
+      <dgm:spPr/>
+      <dgm:t>
+        <a:bodyPr/>
+        <a:lstStyle/>
+        <a:p>
+          <a:endParaRPr lang="de-DE"/>
+        </a:p>
+      </dgm:t>
+    </dgm:pt>
+    <dgm:pt modelId="{D20C649E-2F14-481D-8CEA-63E47CB1E8CF}" type="sibTrans" cxnId="{43A5BE03-FCED-40D4-82D2-2216C4466841}">
+      <dgm:prSet/>
+      <dgm:spPr/>
+      <dgm:t>
+        <a:bodyPr/>
+        <a:lstStyle/>
+        <a:p>
+          <a:endParaRPr lang="de-DE"/>
+        </a:p>
+      </dgm:t>
+    </dgm:pt>
+    <dgm:pt modelId="{36EAB407-0809-425A-B4C7-95B5B8508869}">
+      <dgm:prSet/>
+      <dgm:spPr/>
+      <dgm:t>
+        <a:bodyPr/>
+        <a:lstStyle/>
+        <a:p>
+          <a:r>
+            <a:rPr lang="de-DE" dirty="0"/>
+            <a:t>18.000 €</a:t>
+          </a:r>
+        </a:p>
+      </dgm:t>
+    </dgm:pt>
+    <dgm:pt modelId="{B0BBD42D-FFA8-48D4-AEF1-85F8CF81E7D8}" type="parTrans" cxnId="{34EB04D4-EDEE-4AF3-819E-E4023EF8EFCD}">
+      <dgm:prSet/>
+      <dgm:spPr/>
+      <dgm:t>
+        <a:bodyPr/>
+        <a:lstStyle/>
+        <a:p>
+          <a:endParaRPr lang="de-DE"/>
+        </a:p>
+      </dgm:t>
+    </dgm:pt>
+    <dgm:pt modelId="{ADDB4E66-3137-449B-87B2-0B5DB8777C1C}" type="sibTrans" cxnId="{34EB04D4-EDEE-4AF3-819E-E4023EF8EFCD}">
+      <dgm:prSet/>
+      <dgm:spPr/>
+      <dgm:t>
+        <a:bodyPr/>
+        <a:lstStyle/>
+        <a:p>
+          <a:endParaRPr lang="de-DE"/>
+        </a:p>
+      </dgm:t>
+    </dgm:pt>
+    <dgm:pt modelId="{C8ECB6AC-15DD-4ABD-ABC6-4D4F266917A8}">
+      <dgm:prSet/>
+      <dgm:spPr/>
+      <dgm:t>
+        <a:bodyPr/>
+        <a:lstStyle/>
+        <a:p>
+          <a:endParaRPr lang="de-DE" dirty="0"/>
+        </a:p>
+      </dgm:t>
+    </dgm:pt>
+    <dgm:pt modelId="{4F307793-E2AC-4271-A5B9-DF11728715AA}" type="parTrans" cxnId="{FAF55CAA-6738-484F-AEAD-D7BFC527B7EB}">
+      <dgm:prSet/>
+      <dgm:spPr/>
+      <dgm:t>
+        <a:bodyPr/>
+        <a:lstStyle/>
+        <a:p>
+          <a:endParaRPr lang="de-DE"/>
+        </a:p>
+      </dgm:t>
+    </dgm:pt>
+    <dgm:pt modelId="{47080FEC-CFEA-4C35-806A-571289DFA982}" type="sibTrans" cxnId="{FAF55CAA-6738-484F-AEAD-D7BFC527B7EB}">
+      <dgm:prSet/>
+      <dgm:spPr/>
+      <dgm:t>
+        <a:bodyPr/>
+        <a:lstStyle/>
+        <a:p>
+          <a:endParaRPr lang="de-DE"/>
+        </a:p>
+      </dgm:t>
+    </dgm:pt>
+    <dgm:pt modelId="{FE496927-CDCE-4EED-89E1-697CE521FD49}">
+      <dgm:prSet/>
+      <dgm:spPr/>
+      <dgm:t>
+        <a:bodyPr/>
+        <a:lstStyle/>
+        <a:p>
+          <a:r>
+            <a:rPr lang="de-DE"/>
+            <a:t>Emotionale Welt</a:t>
+          </a:r>
+        </a:p>
+      </dgm:t>
+    </dgm:pt>
+    <dgm:pt modelId="{E7D38B1D-C343-4BBB-AAC3-E804514B7B37}" type="sibTrans" cxnId="{77310BCE-7CFA-44FB-811F-FF2C423664DD}">
+      <dgm:prSet phldrT="5" phldr="0"/>
+      <dgm:spPr/>
+      <dgm:t>
+        <a:bodyPr/>
+        <a:lstStyle/>
+        <a:p>
+          <a:r>
+            <a:rPr lang="de-DE"/>
+            <a:t>5</a:t>
+          </a:r>
+        </a:p>
+      </dgm:t>
+    </dgm:pt>
+    <dgm:pt modelId="{A91FCD73-CAC9-4A45-9D30-BC46A0007298}" type="parTrans" cxnId="{77310BCE-7CFA-44FB-811F-FF2C423664DD}">
+      <dgm:prSet/>
+      <dgm:spPr/>
+      <dgm:t>
+        <a:bodyPr/>
+        <a:lstStyle/>
+        <a:p>
+          <a:endParaRPr lang="de-DE"/>
+        </a:p>
+      </dgm:t>
+    </dgm:pt>
+    <dgm:pt modelId="{1C23CB1A-AEEE-4861-8E63-8CF7B1946322}">
+      <dgm:prSet/>
+      <dgm:spPr/>
+      <dgm:t>
+        <a:bodyPr/>
+        <a:lstStyle/>
+        <a:p>
+          <a:r>
+            <a:rPr lang="de-DE" dirty="0"/>
+            <a:t>Geht Arbeiten</a:t>
+          </a:r>
+        </a:p>
+      </dgm:t>
+    </dgm:pt>
+    <dgm:pt modelId="{9C4D50C1-E8B5-4527-B235-EE70A0C55148}" type="parTrans" cxnId="{DCB926BE-9CC2-4501-B2C3-A39BECDD999A}">
+      <dgm:prSet/>
+      <dgm:spPr/>
+      <dgm:t>
+        <a:bodyPr/>
+        <a:lstStyle/>
+        <a:p>
+          <a:endParaRPr lang="de-DE"/>
+        </a:p>
+      </dgm:t>
+    </dgm:pt>
+    <dgm:pt modelId="{A6247F84-C965-4262-A87F-432A1885B799}" type="sibTrans" cxnId="{DCB926BE-9CC2-4501-B2C3-A39BECDD999A}">
+      <dgm:prSet/>
+      <dgm:spPr/>
+      <dgm:t>
+        <a:bodyPr/>
+        <a:lstStyle/>
+        <a:p>
+          <a:endParaRPr lang="de-DE"/>
+        </a:p>
+      </dgm:t>
+    </dgm:pt>
+    <dgm:pt modelId="{1ACEC5A5-5E93-4922-9E52-E1A2B5F74527}">
+      <dgm:prSet/>
+      <dgm:spPr/>
+      <dgm:t>
+        <a:bodyPr/>
+        <a:lstStyle/>
+        <a:p>
+          <a:r>
+            <a:rPr lang="de-DE" dirty="0"/>
+            <a:t>Macht den Haushalt</a:t>
+          </a:r>
+        </a:p>
+      </dgm:t>
+    </dgm:pt>
+    <dgm:pt modelId="{81105547-8AE8-4CC6-BAFA-C8F7932E4398}" type="parTrans" cxnId="{59301148-0627-46F6-9438-1F50E0A31FFF}">
+      <dgm:prSet/>
+      <dgm:spPr/>
+      <dgm:t>
+        <a:bodyPr/>
+        <a:lstStyle/>
+        <a:p>
+          <a:endParaRPr lang="de-DE"/>
+        </a:p>
+      </dgm:t>
+    </dgm:pt>
+    <dgm:pt modelId="{F527D339-9F7A-4B99-A9F0-55D187E3D8F9}" type="sibTrans" cxnId="{59301148-0627-46F6-9438-1F50E0A31FFF}">
+      <dgm:prSet/>
+      <dgm:spPr/>
+      <dgm:t>
+        <a:bodyPr/>
+        <a:lstStyle/>
+        <a:p>
+          <a:endParaRPr lang="de-DE"/>
+        </a:p>
+      </dgm:t>
+    </dgm:pt>
+    <dgm:pt modelId="{7B73AEAD-3A21-48F7-B0D0-7818DB31FF0A}">
+      <dgm:prSet/>
+      <dgm:spPr/>
+      <dgm:t>
+        <a:bodyPr/>
+        <a:lstStyle/>
+        <a:p>
+          <a:r>
+            <a:rPr lang="de-DE" dirty="0"/>
+            <a:t>Weiterbildung Steno</a:t>
+          </a:r>
+        </a:p>
+      </dgm:t>
+    </dgm:pt>
+    <dgm:pt modelId="{5DB1B1CD-B571-4BD7-9468-759799C86DFC}" type="parTrans" cxnId="{4FEFDED8-4AFD-4FC1-915F-D4E7E9DF5817}">
+      <dgm:prSet/>
+      <dgm:spPr/>
+      <dgm:t>
+        <a:bodyPr/>
+        <a:lstStyle/>
+        <a:p>
+          <a:endParaRPr lang="de-DE"/>
+        </a:p>
+      </dgm:t>
+    </dgm:pt>
+    <dgm:pt modelId="{2172A38F-1ACB-42EB-B8A6-5F0669931FA1}" type="sibTrans" cxnId="{4FEFDED8-4AFD-4FC1-915F-D4E7E9DF5817}">
+      <dgm:prSet/>
+      <dgm:spPr/>
+      <dgm:t>
+        <a:bodyPr/>
+        <a:lstStyle/>
+        <a:p>
+          <a:endParaRPr lang="de-DE"/>
+        </a:p>
+      </dgm:t>
+    </dgm:pt>
+    <dgm:pt modelId="{CA9BFAA9-D22A-4513-BD61-AEB3654D44F7}">
+      <dgm:prSet/>
+      <dgm:spPr/>
+      <dgm:t>
+        <a:bodyPr/>
+        <a:lstStyle/>
+        <a:p>
+          <a:r>
+            <a:rPr lang="de-DE"/>
+            <a:t>Langjährige Angestellte</a:t>
+          </a:r>
+          <a:endParaRPr lang="de-DE" dirty="0"/>
+        </a:p>
+      </dgm:t>
+    </dgm:pt>
+    <dgm:pt modelId="{3F75DE9A-F36A-48CD-9CF5-46D37E33FD62}" type="parTrans" cxnId="{E9A6E8CF-4BB9-466C-BFAA-AB374EE00C22}">
+      <dgm:prSet/>
+      <dgm:spPr/>
+      <dgm:t>
+        <a:bodyPr/>
+        <a:lstStyle/>
+        <a:p>
+          <a:endParaRPr lang="de-DE"/>
+        </a:p>
+      </dgm:t>
+    </dgm:pt>
+    <dgm:pt modelId="{32616C30-259C-4D24-96CA-7F3E6E4EAC62}" type="sibTrans" cxnId="{E9A6E8CF-4BB9-466C-BFAA-AB374EE00C22}">
       <dgm:prSet/>
       <dgm:spPr/>
       <dgm:t>
@@ -15983,6 +15242,20 @@
         </a:p>
       </dgm:t>
     </dgm:pt>
+    <dgm:pt modelId="{78AB8411-3BF4-4EAA-BF65-13B748C2DE73}" type="sibTrans" cxnId="{3347F8DA-AE4F-4453-8DA1-FA19D1DC6121}">
+      <dgm:prSet phldrT="4" phldr="0"/>
+      <dgm:spPr/>
+      <dgm:t>
+        <a:bodyPr/>
+        <a:lstStyle/>
+        <a:p>
+          <a:r>
+            <a:rPr lang="de-DE"/>
+            <a:t>4</a:t>
+          </a:r>
+        </a:p>
+      </dgm:t>
+    </dgm:pt>
     <dgm:pt modelId="{896208C3-9923-4EDD-A37C-F948640AFBE4}" type="parTrans" cxnId="{3347F8DA-AE4F-4453-8DA1-FA19D1DC6121}">
       <dgm:prSet/>
       <dgm:spPr/>
@@ -15994,18 +15267,73 @@
         </a:p>
       </dgm:t>
     </dgm:pt>
-    <dgm:pt modelId="{78AB8411-3BF4-4EAA-BF65-13B748C2DE73}" type="sibTrans" cxnId="{3347F8DA-AE4F-4453-8DA1-FA19D1DC6121}">
+    <dgm:pt modelId="{FBAA0B24-BED4-498E-B035-EEB3650E7C30}">
       <dgm:prSet/>
       <dgm:spPr/>
       <dgm:t>
         <a:bodyPr/>
         <a:lstStyle/>
         <a:p>
+          <a:endParaRPr lang="de-DE" dirty="0"/>
+        </a:p>
+      </dgm:t>
+    </dgm:pt>
+    <dgm:pt modelId="{3216A8C8-11F6-419D-B879-F4C15ED6E8D0}" type="parTrans" cxnId="{2E66050E-183A-47D7-A569-C88716440C0D}">
+      <dgm:prSet/>
+      <dgm:spPr/>
+      <dgm:t>
+        <a:bodyPr/>
+        <a:lstStyle/>
+        <a:p>
           <a:endParaRPr lang="de-DE"/>
         </a:p>
       </dgm:t>
     </dgm:pt>
-    <dgm:pt modelId="{232D4965-AA6B-4BA1-944F-25D526803343}">
+    <dgm:pt modelId="{C054BBA3-342E-48BD-99F8-1E0D744C4348}" type="sibTrans" cxnId="{2E66050E-183A-47D7-A569-C88716440C0D}">
+      <dgm:prSet/>
+      <dgm:spPr/>
+      <dgm:t>
+        <a:bodyPr/>
+        <a:lstStyle/>
+        <a:p>
+          <a:endParaRPr lang="de-DE"/>
+        </a:p>
+      </dgm:t>
+    </dgm:pt>
+    <dgm:pt modelId="{C693A70B-5376-44D1-BE37-3905ADD9F372}">
+      <dgm:prSet/>
+      <dgm:spPr/>
+      <dgm:t>
+        <a:bodyPr/>
+        <a:lstStyle/>
+        <a:p>
+          <a:endParaRPr lang="de-DE" dirty="0"/>
+        </a:p>
+      </dgm:t>
+    </dgm:pt>
+    <dgm:pt modelId="{B0462B32-C64F-4613-8D08-220AF829351D}" type="parTrans" cxnId="{79914A1D-943C-408D-9C4A-A2AD57CD6EB7}">
+      <dgm:prSet/>
+      <dgm:spPr/>
+      <dgm:t>
+        <a:bodyPr/>
+        <a:lstStyle/>
+        <a:p>
+          <a:endParaRPr lang="de-DE"/>
+        </a:p>
+      </dgm:t>
+    </dgm:pt>
+    <dgm:pt modelId="{4F217D86-D55C-49B1-95AE-C3B0A38E8197}" type="sibTrans" cxnId="{79914A1D-943C-408D-9C4A-A2AD57CD6EB7}">
+      <dgm:prSet/>
+      <dgm:spPr/>
+      <dgm:t>
+        <a:bodyPr/>
+        <a:lstStyle/>
+        <a:p>
+          <a:endParaRPr lang="de-DE"/>
+        </a:p>
+      </dgm:t>
+    </dgm:pt>
+    <dgm:pt modelId="{AFF9F31C-6734-4C7C-8E12-9245232B82C3}">
       <dgm:prSet/>
       <dgm:spPr/>
       <dgm:t>
@@ -16014,28 +15342,12 @@
         <a:p>
           <a:r>
             <a:rPr lang="de-DE" dirty="0"/>
-            <a:t>Kauft wo, </a:t>
+            <a:t>Mehr Zeit für die Bearbeitung von Einzelfällen</a:t>
           </a:r>
-          <a:r>
-            <a:rPr lang="de-DE" dirty="0" err="1"/>
-            <a:t>innovation</a:t>
-          </a:r>
-          <a:r>
-            <a:rPr lang="de-DE" dirty="0"/>
-            <a:t> und </a:t>
-          </a:r>
-          <a:r>
-            <a:rPr lang="de-DE" dirty="0" err="1"/>
-            <a:t>tradition</a:t>
-          </a:r>
-          <a:r>
-            <a:rPr lang="de-DE" dirty="0"/>
-            <a:t>?, Informationsverhalten</a:t>
-          </a:r>
-        </a:p>
-      </dgm:t>
-    </dgm:pt>
-    <dgm:pt modelId="{26176506-5B69-4D74-A833-166AB8281FB3}" type="parTrans" cxnId="{27600D28-0790-41EB-A261-C14DBD8B7C6A}">
+        </a:p>
+      </dgm:t>
+    </dgm:pt>
+    <dgm:pt modelId="{1E14DC59-C21E-434D-A9D9-B72D2C8896CD}" type="parTrans" cxnId="{701219C0-B1E0-4F61-B023-BA004A167209}">
       <dgm:prSet/>
       <dgm:spPr/>
       <dgm:t>
@@ -16046,7 +15358,7 @@
         </a:p>
       </dgm:t>
     </dgm:pt>
-    <dgm:pt modelId="{5E4AA7F0-FD57-4261-956B-08D44CF545D6}" type="sibTrans" cxnId="{27600D28-0790-41EB-A261-C14DBD8B7C6A}">
+    <dgm:pt modelId="{F61C902C-6975-4079-8A62-175D57F2B15A}" type="sibTrans" cxnId="{701219C0-B1E0-4F61-B023-BA004A167209}">
       <dgm:prSet/>
       <dgm:spPr/>
       <dgm:t>
@@ -16057,88 +15369,8 @@
         </a:p>
       </dgm:t>
     </dgm:pt>
-    <dgm:pt modelId="{FE496927-CDCE-4EED-89E1-697CE521FD49}">
-      <dgm:prSet/>
-      <dgm:spPr/>
-      <dgm:t>
-        <a:bodyPr/>
-        <a:lstStyle/>
-        <a:p>
-          <a:r>
-            <a:rPr lang="de-DE" dirty="0"/>
-            <a:t>Emotionale Welt</a:t>
-          </a:r>
-        </a:p>
-      </dgm:t>
-    </dgm:pt>
-    <dgm:pt modelId="{A91FCD73-CAC9-4A45-9D30-BC46A0007298}" type="parTrans" cxnId="{77310BCE-7CFA-44FB-811F-FF2C423664DD}">
-      <dgm:prSet/>
-      <dgm:spPr/>
-      <dgm:t>
-        <a:bodyPr/>
-        <a:lstStyle/>
-        <a:p>
-          <a:endParaRPr lang="de-DE"/>
-        </a:p>
-      </dgm:t>
-    </dgm:pt>
-    <dgm:pt modelId="{E7D38B1D-C343-4BBB-AAC3-E804514B7B37}" type="sibTrans" cxnId="{77310BCE-7CFA-44FB-811F-FF2C423664DD}">
-      <dgm:prSet/>
-      <dgm:spPr/>
-      <dgm:t>
-        <a:bodyPr/>
-        <a:lstStyle/>
-        <a:p>
-          <a:endParaRPr lang="de-DE"/>
-        </a:p>
-      </dgm:t>
-    </dgm:pt>
-    <dgm:pt modelId="{A826B56C-AE27-4689-873A-D96DF7985C7F}">
-      <dgm:prSet/>
-      <dgm:spPr/>
-      <dgm:t>
-        <a:bodyPr/>
-        <a:lstStyle/>
-        <a:p>
-          <a:r>
-            <a:rPr lang="de-DE" dirty="0"/>
-            <a:t>Bedürfnisse, Träume, </a:t>
-          </a:r>
-          <a:r>
-            <a:rPr lang="de-DE" dirty="0" err="1"/>
-            <a:t>zukunftspläne</a:t>
-          </a:r>
-          <a:r>
-            <a:rPr lang="de-DE" dirty="0"/>
-            <a:t>, Rote Tücher, Schmerzpunkte</a:t>
-          </a:r>
-        </a:p>
-      </dgm:t>
-    </dgm:pt>
-    <dgm:pt modelId="{DFE79A9F-AF93-4EC8-92DB-3F6B7F68FA08}" type="parTrans" cxnId="{F7D720E2-E346-4FEC-AB19-CBC2675A92DC}">
-      <dgm:prSet/>
-      <dgm:spPr/>
-      <dgm:t>
-        <a:bodyPr/>
-        <a:lstStyle/>
-        <a:p>
-          <a:endParaRPr lang="de-DE"/>
-        </a:p>
-      </dgm:t>
-    </dgm:pt>
-    <dgm:pt modelId="{83CF4E7A-2117-4543-9055-2030E54195A0}" type="sibTrans" cxnId="{F7D720E2-E346-4FEC-AB19-CBC2675A92DC}">
-      <dgm:prSet/>
-      <dgm:spPr/>
-      <dgm:t>
-        <a:bodyPr/>
-        <a:lstStyle/>
-        <a:p>
-          <a:endParaRPr lang="de-DE"/>
-        </a:p>
-      </dgm:t>
-    </dgm:pt>
-    <dgm:pt modelId="{F8991DF5-D212-498A-8A45-8A693E4995B2}" type="pres">
-      <dgm:prSet presAssocID="{81463452-3191-46CC-84AF-F46262E3CDC3}" presName="linear" presStyleCnt="0">
+    <dgm:pt modelId="{0A46463F-409B-46D3-AE08-B06ABEA66936}" type="pres">
+      <dgm:prSet presAssocID="{81463452-3191-46CC-84AF-F46262E3CDC3}" presName="linearFlow" presStyleCnt="0">
         <dgm:presLayoutVars>
           <dgm:dir/>
           <dgm:animLvl val="lvl"/>
@@ -16147,161 +15379,261 @@
       </dgm:prSet>
       <dgm:spPr/>
     </dgm:pt>
-    <dgm:pt modelId="{979F4B9E-6F34-4393-8127-39726649BCDD}" type="pres">
-      <dgm:prSet presAssocID="{6F82A1F1-8C55-4AA5-90A9-65F682C25D00}" presName="parentLin" presStyleCnt="0"/>
-      <dgm:spPr/>
-    </dgm:pt>
-    <dgm:pt modelId="{5DF795D5-15BE-4F0E-8C3B-CA623134B8F2}" type="pres">
-      <dgm:prSet presAssocID="{6F82A1F1-8C55-4AA5-90A9-65F682C25D00}" presName="parentLeftMargin" presStyleLbl="node1" presStyleIdx="0" presStyleCnt="5"/>
-      <dgm:spPr/>
-    </dgm:pt>
-    <dgm:pt modelId="{1B8DC5A1-7C57-413A-BB29-5E10B7C27CA2}" type="pres">
-      <dgm:prSet presAssocID="{6F82A1F1-8C55-4AA5-90A9-65F682C25D00}" presName="parentText" presStyleLbl="node1" presStyleIdx="0" presStyleCnt="5">
+    <dgm:pt modelId="{E1C2787B-CFC1-401F-B0E7-0343B2D86F1C}" type="pres">
+      <dgm:prSet presAssocID="{6F82A1F1-8C55-4AA5-90A9-65F682C25D00}" presName="compositeNode" presStyleCnt="0"/>
+      <dgm:spPr/>
+    </dgm:pt>
+    <dgm:pt modelId="{A0EFFC1B-BCAD-46D1-83C1-DC59F1D9A7C8}" type="pres">
+      <dgm:prSet presAssocID="{6F82A1F1-8C55-4AA5-90A9-65F682C25D00}" presName="parTx" presStyleLbl="node1" presStyleIdx="0" presStyleCnt="0">
         <dgm:presLayoutVars>
           <dgm:chMax val="0"/>
+          <dgm:chPref val="0"/>
           <dgm:bulletEnabled val="1"/>
         </dgm:presLayoutVars>
       </dgm:prSet>
       <dgm:spPr/>
     </dgm:pt>
-    <dgm:pt modelId="{BA1740F6-AE87-4F76-8E63-4F73F9D74E63}" type="pres">
-      <dgm:prSet presAssocID="{6F82A1F1-8C55-4AA5-90A9-65F682C25D00}" presName="negativeSpace" presStyleCnt="0"/>
-      <dgm:spPr/>
-    </dgm:pt>
-    <dgm:pt modelId="{CD0E1BB2-60E1-4839-A87C-FD4225DCD4B0}" type="pres">
-      <dgm:prSet presAssocID="{6F82A1F1-8C55-4AA5-90A9-65F682C25D00}" presName="childText" presStyleLbl="conFgAcc1" presStyleIdx="0" presStyleCnt="5">
+    <dgm:pt modelId="{B988F93F-28FC-4508-86B8-9B30F99DA393}" type="pres">
+      <dgm:prSet presAssocID="{6F82A1F1-8C55-4AA5-90A9-65F682C25D00}" presName="parSh" presStyleCnt="0"/>
+      <dgm:spPr/>
+    </dgm:pt>
+    <dgm:pt modelId="{EE743234-BE84-4162-B0E9-49D33B144B72}" type="pres">
+      <dgm:prSet presAssocID="{6F82A1F1-8C55-4AA5-90A9-65F682C25D00}" presName="lineNode" presStyleLbl="alignAccFollowNode1" presStyleIdx="0" presStyleCnt="15"/>
+      <dgm:spPr/>
+    </dgm:pt>
+    <dgm:pt modelId="{2F0DC94B-3D5E-4B80-AAD3-5CF0BB8DAA26}" type="pres">
+      <dgm:prSet presAssocID="{6F82A1F1-8C55-4AA5-90A9-65F682C25D00}" presName="lineArrowNode" presStyleLbl="alignAccFollowNode1" presStyleIdx="1" presStyleCnt="15"/>
+      <dgm:spPr/>
+    </dgm:pt>
+    <dgm:pt modelId="{2BBCC05D-6485-4136-ACF9-BAC1DCAC2A2C}" type="pres">
+      <dgm:prSet presAssocID="{9E048AFF-1C01-4AE7-B810-04D9ECC73339}" presName="sibTransNodeCircle" presStyleLbl="alignNode1" presStyleIdx="0" presStyleCnt="5">
+        <dgm:presLayoutVars>
+          <dgm:chMax val="0"/>
+          <dgm:bulletEnabled/>
+        </dgm:presLayoutVars>
+      </dgm:prSet>
+      <dgm:spPr/>
+    </dgm:pt>
+    <dgm:pt modelId="{D99363FF-FC67-4A1F-BCCB-3B6B3793E885}" type="pres">
+      <dgm:prSet presAssocID="{9E048AFF-1C01-4AE7-B810-04D9ECC73339}" presName="spacerBetweenCircleAndCallout" presStyleCnt="0">
+        <dgm:presLayoutVars/>
+      </dgm:prSet>
+      <dgm:spPr/>
+    </dgm:pt>
+    <dgm:pt modelId="{7D8B82C3-95B4-466C-A7F2-F55237AAAB7D}" type="pres">
+      <dgm:prSet presAssocID="{6F82A1F1-8C55-4AA5-90A9-65F682C25D00}" presName="nodeText" presStyleLbl="alignAccFollowNode1" presStyleIdx="2" presStyleCnt="15">
         <dgm:presLayoutVars>
           <dgm:bulletEnabled val="1"/>
         </dgm:presLayoutVars>
       </dgm:prSet>
       <dgm:spPr/>
     </dgm:pt>
-    <dgm:pt modelId="{D09020D4-F08A-4ACC-807D-BAF108EDFFE1}" type="pres">
-      <dgm:prSet presAssocID="{9E048AFF-1C01-4AE7-B810-04D9ECC73339}" presName="spaceBetweenRectangles" presStyleCnt="0"/>
-      <dgm:spPr/>
-    </dgm:pt>
-    <dgm:pt modelId="{CF02703D-8773-4A93-A481-498A4E3BEF7B}" type="pres">
-      <dgm:prSet presAssocID="{57B418D8-59F3-4651-BF27-C5EACAE4D3EB}" presName="parentLin" presStyleCnt="0"/>
-      <dgm:spPr/>
-    </dgm:pt>
-    <dgm:pt modelId="{C90AB818-B35D-4A4B-88B5-4E3C522CC77B}" type="pres">
-      <dgm:prSet presAssocID="{57B418D8-59F3-4651-BF27-C5EACAE4D3EB}" presName="parentLeftMargin" presStyleLbl="node1" presStyleIdx="0" presStyleCnt="5"/>
-      <dgm:spPr/>
-    </dgm:pt>
-    <dgm:pt modelId="{500B1DBB-17BD-4136-B309-7433AB1D06F1}" type="pres">
-      <dgm:prSet presAssocID="{57B418D8-59F3-4651-BF27-C5EACAE4D3EB}" presName="parentText" presStyleLbl="node1" presStyleIdx="1" presStyleCnt="5">
+    <dgm:pt modelId="{B520CD82-4AA0-4301-8EBD-6ED19313FCF9}" type="pres">
+      <dgm:prSet presAssocID="{9E048AFF-1C01-4AE7-B810-04D9ECC73339}" presName="sibTransComposite" presStyleCnt="0"/>
+      <dgm:spPr/>
+    </dgm:pt>
+    <dgm:pt modelId="{C3D403DC-89F3-4CE6-BED1-BF53D616E100}" type="pres">
+      <dgm:prSet presAssocID="{57B418D8-59F3-4651-BF27-C5EACAE4D3EB}" presName="compositeNode" presStyleCnt="0"/>
+      <dgm:spPr/>
+    </dgm:pt>
+    <dgm:pt modelId="{607A3F05-7D2F-4B83-8A04-EDA3B344A359}" type="pres">
+      <dgm:prSet presAssocID="{57B418D8-59F3-4651-BF27-C5EACAE4D3EB}" presName="parTx" presStyleLbl="node1" presStyleIdx="0" presStyleCnt="0">
         <dgm:presLayoutVars>
           <dgm:chMax val="0"/>
+          <dgm:chPref val="0"/>
           <dgm:bulletEnabled val="1"/>
         </dgm:presLayoutVars>
       </dgm:prSet>
       <dgm:spPr/>
     </dgm:pt>
-    <dgm:pt modelId="{45E5B3F2-EE04-41B4-A700-C734FB107AA2}" type="pres">
-      <dgm:prSet presAssocID="{57B418D8-59F3-4651-BF27-C5EACAE4D3EB}" presName="negativeSpace" presStyleCnt="0"/>
-      <dgm:spPr/>
-    </dgm:pt>
-    <dgm:pt modelId="{02D636D8-F510-4CFE-9F9D-EAF781A37589}" type="pres">
-      <dgm:prSet presAssocID="{57B418D8-59F3-4651-BF27-C5EACAE4D3EB}" presName="childText" presStyleLbl="conFgAcc1" presStyleIdx="1" presStyleCnt="5">
+    <dgm:pt modelId="{042BAA98-F06F-4D40-8BD7-05F47AF02631}" type="pres">
+      <dgm:prSet presAssocID="{57B418D8-59F3-4651-BF27-C5EACAE4D3EB}" presName="parSh" presStyleCnt="0"/>
+      <dgm:spPr/>
+    </dgm:pt>
+    <dgm:pt modelId="{C5BB3E39-5E89-4D22-BF13-9C81ED6C5061}" type="pres">
+      <dgm:prSet presAssocID="{57B418D8-59F3-4651-BF27-C5EACAE4D3EB}" presName="lineNode" presStyleLbl="alignAccFollowNode1" presStyleIdx="3" presStyleCnt="15"/>
+      <dgm:spPr/>
+    </dgm:pt>
+    <dgm:pt modelId="{C0411F29-3C31-4C04-8F39-3B97AC386BE1}" type="pres">
+      <dgm:prSet presAssocID="{57B418D8-59F3-4651-BF27-C5EACAE4D3EB}" presName="lineArrowNode" presStyleLbl="alignAccFollowNode1" presStyleIdx="4" presStyleCnt="15"/>
+      <dgm:spPr/>
+    </dgm:pt>
+    <dgm:pt modelId="{97CCC9A2-57C3-4B2A-8A3E-6211DCBE65C2}" type="pres">
+      <dgm:prSet presAssocID="{5829BE1C-D8A1-4A91-8A03-5004E454E222}" presName="sibTransNodeCircle" presStyleLbl="alignNode1" presStyleIdx="1" presStyleCnt="5">
+        <dgm:presLayoutVars>
+          <dgm:chMax val="0"/>
+          <dgm:bulletEnabled/>
+        </dgm:presLayoutVars>
+      </dgm:prSet>
+      <dgm:spPr/>
+    </dgm:pt>
+    <dgm:pt modelId="{54276AE3-B4B2-439E-827D-B49F96BDFB77}" type="pres">
+      <dgm:prSet presAssocID="{5829BE1C-D8A1-4A91-8A03-5004E454E222}" presName="spacerBetweenCircleAndCallout" presStyleCnt="0">
+        <dgm:presLayoutVars/>
+      </dgm:prSet>
+      <dgm:spPr/>
+    </dgm:pt>
+    <dgm:pt modelId="{002AA0AA-8FDB-4D40-A80B-25449E155030}" type="pres">
+      <dgm:prSet presAssocID="{57B418D8-59F3-4651-BF27-C5EACAE4D3EB}" presName="nodeText" presStyleLbl="alignAccFollowNode1" presStyleIdx="5" presStyleCnt="15">
         <dgm:presLayoutVars>
           <dgm:bulletEnabled val="1"/>
         </dgm:presLayoutVars>
       </dgm:prSet>
       <dgm:spPr/>
     </dgm:pt>
-    <dgm:pt modelId="{BE1C8888-58FC-455C-97F3-37CC413A04EE}" type="pres">
-      <dgm:prSet presAssocID="{5829BE1C-D8A1-4A91-8A03-5004E454E222}" presName="spaceBetweenRectangles" presStyleCnt="0"/>
-      <dgm:spPr/>
-    </dgm:pt>
-    <dgm:pt modelId="{AD842C00-B6F9-4680-A7A0-FB5578A71D7A}" type="pres">
-      <dgm:prSet presAssocID="{7C0CE01D-EADC-4782-88A7-5D6B9B002CDB}" presName="parentLin" presStyleCnt="0"/>
-      <dgm:spPr/>
-    </dgm:pt>
-    <dgm:pt modelId="{2191A155-60E6-4C4F-A649-36EF3D6808A9}" type="pres">
-      <dgm:prSet presAssocID="{7C0CE01D-EADC-4782-88A7-5D6B9B002CDB}" presName="parentLeftMargin" presStyleLbl="node1" presStyleIdx="1" presStyleCnt="5"/>
-      <dgm:spPr/>
-    </dgm:pt>
-    <dgm:pt modelId="{6E3EC9C7-9C77-49FB-8BC9-6E7FC7186DB8}" type="pres">
-      <dgm:prSet presAssocID="{7C0CE01D-EADC-4782-88A7-5D6B9B002CDB}" presName="parentText" presStyleLbl="node1" presStyleIdx="2" presStyleCnt="5">
+    <dgm:pt modelId="{5D92FE6E-51D5-40FB-B8AE-6348BE305F8F}" type="pres">
+      <dgm:prSet presAssocID="{5829BE1C-D8A1-4A91-8A03-5004E454E222}" presName="sibTransComposite" presStyleCnt="0"/>
+      <dgm:spPr/>
+    </dgm:pt>
+    <dgm:pt modelId="{502E24CF-B655-436C-8248-F9B0310FF054}" type="pres">
+      <dgm:prSet presAssocID="{7C0CE01D-EADC-4782-88A7-5D6B9B002CDB}" presName="compositeNode" presStyleCnt="0"/>
+      <dgm:spPr/>
+    </dgm:pt>
+    <dgm:pt modelId="{8B019D63-AE2E-4B5E-BE9B-C52D9AA86743}" type="pres">
+      <dgm:prSet presAssocID="{7C0CE01D-EADC-4782-88A7-5D6B9B002CDB}" presName="parTx" presStyleLbl="node1" presStyleIdx="0" presStyleCnt="0">
         <dgm:presLayoutVars>
           <dgm:chMax val="0"/>
+          <dgm:chPref val="0"/>
           <dgm:bulletEnabled val="1"/>
         </dgm:presLayoutVars>
       </dgm:prSet>
       <dgm:spPr/>
     </dgm:pt>
-    <dgm:pt modelId="{D152C7B3-9B7D-4C34-93D2-E4ABF0FDB83A}" type="pres">
-      <dgm:prSet presAssocID="{7C0CE01D-EADC-4782-88A7-5D6B9B002CDB}" presName="negativeSpace" presStyleCnt="0"/>
-      <dgm:spPr/>
-    </dgm:pt>
-    <dgm:pt modelId="{76CBBFC7-E92E-48B9-BBC8-E50506145469}" type="pres">
-      <dgm:prSet presAssocID="{7C0CE01D-EADC-4782-88A7-5D6B9B002CDB}" presName="childText" presStyleLbl="conFgAcc1" presStyleIdx="2" presStyleCnt="5">
+    <dgm:pt modelId="{5CBCF5C4-3E07-4D9A-B74D-524061CD26AF}" type="pres">
+      <dgm:prSet presAssocID="{7C0CE01D-EADC-4782-88A7-5D6B9B002CDB}" presName="parSh" presStyleCnt="0"/>
+      <dgm:spPr/>
+    </dgm:pt>
+    <dgm:pt modelId="{059E0B0B-A9DC-40AD-99E2-615FED92EB81}" type="pres">
+      <dgm:prSet presAssocID="{7C0CE01D-EADC-4782-88A7-5D6B9B002CDB}" presName="lineNode" presStyleLbl="alignAccFollowNode1" presStyleIdx="6" presStyleCnt="15"/>
+      <dgm:spPr/>
+    </dgm:pt>
+    <dgm:pt modelId="{FAE598C2-9FA0-4057-9787-BCCFEC85B422}" type="pres">
+      <dgm:prSet presAssocID="{7C0CE01D-EADC-4782-88A7-5D6B9B002CDB}" presName="lineArrowNode" presStyleLbl="alignAccFollowNode1" presStyleIdx="7" presStyleCnt="15"/>
+      <dgm:spPr/>
+    </dgm:pt>
+    <dgm:pt modelId="{09274FF2-DA96-4A16-9334-E6F0E3C3BAC2}" type="pres">
+      <dgm:prSet presAssocID="{B267FECB-7C69-4BBD-B6F0-F10B1BD3CFAC}" presName="sibTransNodeCircle" presStyleLbl="alignNode1" presStyleIdx="2" presStyleCnt="5">
+        <dgm:presLayoutVars>
+          <dgm:chMax val="0"/>
+          <dgm:bulletEnabled/>
+        </dgm:presLayoutVars>
+      </dgm:prSet>
+      <dgm:spPr/>
+    </dgm:pt>
+    <dgm:pt modelId="{7922AE3E-B9C6-406F-A71C-C4C1F3DC1283}" type="pres">
+      <dgm:prSet presAssocID="{B267FECB-7C69-4BBD-B6F0-F10B1BD3CFAC}" presName="spacerBetweenCircleAndCallout" presStyleCnt="0">
+        <dgm:presLayoutVars/>
+      </dgm:prSet>
+      <dgm:spPr/>
+    </dgm:pt>
+    <dgm:pt modelId="{607601BE-462C-4A5C-87DC-9EDCDE655693}" type="pres">
+      <dgm:prSet presAssocID="{7C0CE01D-EADC-4782-88A7-5D6B9B002CDB}" presName="nodeText" presStyleLbl="alignAccFollowNode1" presStyleIdx="8" presStyleCnt="15">
         <dgm:presLayoutVars>
           <dgm:bulletEnabled val="1"/>
         </dgm:presLayoutVars>
       </dgm:prSet>
       <dgm:spPr/>
     </dgm:pt>
-    <dgm:pt modelId="{B39C81F9-2A56-4365-8C63-47DBE83B51C0}" type="pres">
-      <dgm:prSet presAssocID="{B267FECB-7C69-4BBD-B6F0-F10B1BD3CFAC}" presName="spaceBetweenRectangles" presStyleCnt="0"/>
-      <dgm:spPr/>
-    </dgm:pt>
-    <dgm:pt modelId="{3F78969A-B7C6-4620-8E7B-02E2BA8B7B01}" type="pres">
-      <dgm:prSet presAssocID="{958BE342-2291-4BDA-BB14-C72B74E910D7}" presName="parentLin" presStyleCnt="0"/>
-      <dgm:spPr/>
-    </dgm:pt>
-    <dgm:pt modelId="{7CBA732C-68C7-490E-826E-C7875D4FC1AD}" type="pres">
-      <dgm:prSet presAssocID="{958BE342-2291-4BDA-BB14-C72B74E910D7}" presName="parentLeftMargin" presStyleLbl="node1" presStyleIdx="2" presStyleCnt="5"/>
-      <dgm:spPr/>
-    </dgm:pt>
-    <dgm:pt modelId="{2C5E2E0F-44CA-47AD-87AB-B46EF5B00910}" type="pres">
-      <dgm:prSet presAssocID="{958BE342-2291-4BDA-BB14-C72B74E910D7}" presName="parentText" presStyleLbl="node1" presStyleIdx="3" presStyleCnt="5">
+    <dgm:pt modelId="{7C2A75CD-7B55-470A-92F2-78492E145230}" type="pres">
+      <dgm:prSet presAssocID="{B267FECB-7C69-4BBD-B6F0-F10B1BD3CFAC}" presName="sibTransComposite" presStyleCnt="0"/>
+      <dgm:spPr/>
+    </dgm:pt>
+    <dgm:pt modelId="{F130148F-E96C-48C1-B7CF-4BD0E97E3A05}" type="pres">
+      <dgm:prSet presAssocID="{958BE342-2291-4BDA-BB14-C72B74E910D7}" presName="compositeNode" presStyleCnt="0"/>
+      <dgm:spPr/>
+    </dgm:pt>
+    <dgm:pt modelId="{05D82A25-92D9-45DB-88B8-398388513C26}" type="pres">
+      <dgm:prSet presAssocID="{958BE342-2291-4BDA-BB14-C72B74E910D7}" presName="parTx" presStyleLbl="node1" presStyleIdx="0" presStyleCnt="0">
         <dgm:presLayoutVars>
           <dgm:chMax val="0"/>
+          <dgm:chPref val="0"/>
           <dgm:bulletEnabled val="1"/>
         </dgm:presLayoutVars>
       </dgm:prSet>
       <dgm:spPr/>
     </dgm:pt>
-    <dgm:pt modelId="{FA65DF0E-40A9-4534-A82D-6D578652F0CC}" type="pres">
-      <dgm:prSet presAssocID="{958BE342-2291-4BDA-BB14-C72B74E910D7}" presName="negativeSpace" presStyleCnt="0"/>
-      <dgm:spPr/>
-    </dgm:pt>
-    <dgm:pt modelId="{EBA37CE3-57E7-4614-947F-9F1665FB5A88}" type="pres">
-      <dgm:prSet presAssocID="{958BE342-2291-4BDA-BB14-C72B74E910D7}" presName="childText" presStyleLbl="conFgAcc1" presStyleIdx="3" presStyleCnt="5">
+    <dgm:pt modelId="{FD2A2580-402E-4F9E-AED6-31F9C6EC9350}" type="pres">
+      <dgm:prSet presAssocID="{958BE342-2291-4BDA-BB14-C72B74E910D7}" presName="parSh" presStyleCnt="0"/>
+      <dgm:spPr/>
+    </dgm:pt>
+    <dgm:pt modelId="{5BCDA238-8AF1-41E7-B2EC-74E907082371}" type="pres">
+      <dgm:prSet presAssocID="{958BE342-2291-4BDA-BB14-C72B74E910D7}" presName="lineNode" presStyleLbl="alignAccFollowNode1" presStyleIdx="9" presStyleCnt="15"/>
+      <dgm:spPr/>
+    </dgm:pt>
+    <dgm:pt modelId="{3FAAC632-F0AE-446A-8758-114E56EFF853}" type="pres">
+      <dgm:prSet presAssocID="{958BE342-2291-4BDA-BB14-C72B74E910D7}" presName="lineArrowNode" presStyleLbl="alignAccFollowNode1" presStyleIdx="10" presStyleCnt="15"/>
+      <dgm:spPr/>
+    </dgm:pt>
+    <dgm:pt modelId="{59EA2C50-5EA0-4015-82FB-C71302D41C10}" type="pres">
+      <dgm:prSet presAssocID="{78AB8411-3BF4-4EAA-BF65-13B748C2DE73}" presName="sibTransNodeCircle" presStyleLbl="alignNode1" presStyleIdx="3" presStyleCnt="5">
+        <dgm:presLayoutVars>
+          <dgm:chMax val="0"/>
+          <dgm:bulletEnabled/>
+        </dgm:presLayoutVars>
+      </dgm:prSet>
+      <dgm:spPr/>
+    </dgm:pt>
+    <dgm:pt modelId="{997738FF-DB21-4937-BE01-7F07C73D7B6B}" type="pres">
+      <dgm:prSet presAssocID="{78AB8411-3BF4-4EAA-BF65-13B748C2DE73}" presName="spacerBetweenCircleAndCallout" presStyleCnt="0">
+        <dgm:presLayoutVars/>
+      </dgm:prSet>
+      <dgm:spPr/>
+    </dgm:pt>
+    <dgm:pt modelId="{AB50098B-2AA1-4446-939A-BB13E3594C30}" type="pres">
+      <dgm:prSet presAssocID="{958BE342-2291-4BDA-BB14-C72B74E910D7}" presName="nodeText" presStyleLbl="alignAccFollowNode1" presStyleIdx="11" presStyleCnt="15">
         <dgm:presLayoutVars>
           <dgm:bulletEnabled val="1"/>
         </dgm:presLayoutVars>
       </dgm:prSet>
       <dgm:spPr/>
     </dgm:pt>
-    <dgm:pt modelId="{186FFE81-1AF1-458E-BA9E-DA06F5814A4F}" type="pres">
-      <dgm:prSet presAssocID="{78AB8411-3BF4-4EAA-BF65-13B748C2DE73}" presName="spaceBetweenRectangles" presStyleCnt="0"/>
-      <dgm:spPr/>
-    </dgm:pt>
-    <dgm:pt modelId="{55D9E155-40F1-4895-9F8F-EA41C70AE9FE}" type="pres">
-      <dgm:prSet presAssocID="{FE496927-CDCE-4EED-89E1-697CE521FD49}" presName="parentLin" presStyleCnt="0"/>
-      <dgm:spPr/>
-    </dgm:pt>
-    <dgm:pt modelId="{F48A7467-C4EA-4ED2-B8CD-BE6607533558}" type="pres">
-      <dgm:prSet presAssocID="{FE496927-CDCE-4EED-89E1-697CE521FD49}" presName="parentLeftMargin" presStyleLbl="node1" presStyleIdx="3" presStyleCnt="5"/>
-      <dgm:spPr/>
-    </dgm:pt>
-    <dgm:pt modelId="{E6FA824F-77B5-4932-8057-E8CFB9780A53}" type="pres">
-      <dgm:prSet presAssocID="{FE496927-CDCE-4EED-89E1-697CE521FD49}" presName="parentText" presStyleLbl="node1" presStyleIdx="4" presStyleCnt="5">
+    <dgm:pt modelId="{56E022ED-90C6-468F-BBA2-8E66DC66063A}" type="pres">
+      <dgm:prSet presAssocID="{78AB8411-3BF4-4EAA-BF65-13B748C2DE73}" presName="sibTransComposite" presStyleCnt="0"/>
+      <dgm:spPr/>
+    </dgm:pt>
+    <dgm:pt modelId="{1B4611C7-EDE1-48BE-BF33-26DCFC542CC7}" type="pres">
+      <dgm:prSet presAssocID="{FE496927-CDCE-4EED-89E1-697CE521FD49}" presName="compositeNode" presStyleCnt="0"/>
+      <dgm:spPr/>
+    </dgm:pt>
+    <dgm:pt modelId="{3659B995-2737-43E6-BBEA-01A8608FAFE1}" type="pres">
+      <dgm:prSet presAssocID="{FE496927-CDCE-4EED-89E1-697CE521FD49}" presName="parTx" presStyleLbl="node1" presStyleIdx="0" presStyleCnt="0">
         <dgm:presLayoutVars>
           <dgm:chMax val="0"/>
+          <dgm:chPref val="0"/>
           <dgm:bulletEnabled val="1"/>
         </dgm:presLayoutVars>
       </dgm:prSet>
       <dgm:spPr/>
     </dgm:pt>
-    <dgm:pt modelId="{D83D72DD-ED3A-472C-8148-1FB864EF4FD5}" type="pres">
-      <dgm:prSet presAssocID="{FE496927-CDCE-4EED-89E1-697CE521FD49}" presName="negativeSpace" presStyleCnt="0"/>
-      <dgm:spPr/>
-    </dgm:pt>
-    <dgm:pt modelId="{1E95450D-9650-44BF-8F77-F16B5F644535}" type="pres">
-      <dgm:prSet presAssocID="{FE496927-CDCE-4EED-89E1-697CE521FD49}" presName="childText" presStyleLbl="conFgAcc1" presStyleIdx="4" presStyleCnt="5">
+    <dgm:pt modelId="{B5E540DD-82C6-49DB-9084-E655597F06B3}" type="pres">
+      <dgm:prSet presAssocID="{FE496927-CDCE-4EED-89E1-697CE521FD49}" presName="parSh" presStyleCnt="0"/>
+      <dgm:spPr/>
+    </dgm:pt>
+    <dgm:pt modelId="{51381BA6-B406-42D4-B1F0-8FE6031D38D9}" type="pres">
+      <dgm:prSet presAssocID="{FE496927-CDCE-4EED-89E1-697CE521FD49}" presName="lineNode" presStyleLbl="alignAccFollowNode1" presStyleIdx="12" presStyleCnt="15"/>
+      <dgm:spPr/>
+    </dgm:pt>
+    <dgm:pt modelId="{2823D4B7-8A2A-461E-BD5A-DEF15CD8FAC4}" type="pres">
+      <dgm:prSet presAssocID="{FE496927-CDCE-4EED-89E1-697CE521FD49}" presName="lineArrowNode" presStyleLbl="alignAccFollowNode1" presStyleIdx="13" presStyleCnt="15"/>
+      <dgm:spPr/>
+    </dgm:pt>
+    <dgm:pt modelId="{0882029B-B4C7-4C7D-8757-F9971171AC19}" type="pres">
+      <dgm:prSet presAssocID="{E7D38B1D-C343-4BBB-AAC3-E804514B7B37}" presName="sibTransNodeCircle" presStyleLbl="alignNode1" presStyleIdx="4" presStyleCnt="5">
+        <dgm:presLayoutVars>
+          <dgm:chMax val="0"/>
+          <dgm:bulletEnabled/>
+        </dgm:presLayoutVars>
+      </dgm:prSet>
+      <dgm:spPr/>
+    </dgm:pt>
+    <dgm:pt modelId="{4F7E3057-EDD2-427B-8967-4AB06E9F6877}" type="pres">
+      <dgm:prSet presAssocID="{E7D38B1D-C343-4BBB-AAC3-E804514B7B37}" presName="spacerBetweenCircleAndCallout" presStyleCnt="0">
+        <dgm:presLayoutVars/>
+      </dgm:prSet>
+      <dgm:spPr/>
+    </dgm:pt>
+    <dgm:pt modelId="{5B3F25FE-7C2C-4EAA-8D62-DC13973ECCBC}" type="pres">
+      <dgm:prSet presAssocID="{FE496927-CDCE-4EED-89E1-697CE521FD49}" presName="nodeText" presStyleLbl="alignAccFollowNode1" presStyleIdx="14" presStyleCnt="15">
         <dgm:presLayoutVars>
           <dgm:bulletEnabled val="1"/>
         </dgm:presLayoutVars>
@@ -16310,67 +15642,108 @@
     </dgm:pt>
   </dgm:ptLst>
   <dgm:cxnLst>
-    <dgm:cxn modelId="{42DB480A-E3B8-4B02-AA81-4F532C8EA9BD}" type="presOf" srcId="{DBB1C031-31F2-45C3-8A12-3A464758F40C}" destId="{CD0E1BB2-60E1-4839-A87C-FD4225DCD4B0}" srcOrd="0" destOrd="0" presId="urn:microsoft.com/office/officeart/2005/8/layout/list1"/>
+    <dgm:cxn modelId="{004B2602-2838-44F3-8859-DCC1FD28E12F}" type="presOf" srcId="{AFF9F31C-6734-4C7C-8E12-9245232B82C3}" destId="{5B3F25FE-7C2C-4EAA-8D62-DC13973ECCBC}" srcOrd="0" destOrd="2" presId="urn:microsoft.com/office/officeart/2016/7/layout/LinearArrowProcessNumbered"/>
+    <dgm:cxn modelId="{43A5BE03-FCED-40D4-82D2-2216C4466841}" srcId="{57B418D8-59F3-4651-BF27-C5EACAE4D3EB}" destId="{6F54139E-6065-487B-90E3-C90B217F774E}" srcOrd="4" destOrd="0" parTransId="{9183FD4E-6AE2-43B0-AFCB-92B843FE85DA}" sibTransId="{D20C649E-2F14-481D-8CEA-63E47CB1E8CF}"/>
+    <dgm:cxn modelId="{F672FD07-18C6-4552-9123-0EC8D127C2D2}" type="presOf" srcId="{CA9BFAA9-D22A-4513-BD61-AEB3654D44F7}" destId="{607601BE-462C-4A5C-87DC-9EDCDE655693}" srcOrd="0" destOrd="3" presId="urn:microsoft.com/office/officeart/2016/7/layout/LinearArrowProcessNumbered"/>
+    <dgm:cxn modelId="{2E66050E-183A-47D7-A569-C88716440C0D}" srcId="{958BE342-2291-4BDA-BB14-C72B74E910D7}" destId="{FBAA0B24-BED4-498E-B035-EEB3650E7C30}" srcOrd="3" destOrd="0" parTransId="{3216A8C8-11F6-419D-B879-F4C15ED6E8D0}" sibTransId="{C054BBA3-342E-48BD-99F8-1E0D744C4348}"/>
+    <dgm:cxn modelId="{A015DA11-6C58-46D4-8331-8907A8620830}" type="presOf" srcId="{958BE342-2291-4BDA-BB14-C72B74E910D7}" destId="{AB50098B-2AA1-4446-939A-BB13E3594C30}" srcOrd="0" destOrd="0" presId="urn:microsoft.com/office/officeart/2016/7/layout/LinearArrowProcessNumbered"/>
     <dgm:cxn modelId="{8B456D12-DEF0-4838-B1D5-C96E8ACCA892}" srcId="{81463452-3191-46CC-84AF-F46262E3CDC3}" destId="{6F82A1F1-8C55-4AA5-90A9-65F682C25D00}" srcOrd="0" destOrd="0" parTransId="{0D8D4836-389D-4568-8F35-047EF6B48929}" sibTransId="{9E048AFF-1C01-4AE7-B810-04D9ECC73339}"/>
-    <dgm:cxn modelId="{A62ED916-D271-4B7C-807E-43379F2396F9}" type="presOf" srcId="{A0ECA2C5-3BF3-4CAD-A415-C0C07DA9E4FE}" destId="{76CBBFC7-E92E-48B9-BBC8-E50506145469}" srcOrd="0" destOrd="0" presId="urn:microsoft.com/office/officeart/2005/8/layout/list1"/>
+    <dgm:cxn modelId="{CC1BA612-FCA2-41EF-B641-5471AE105340}" srcId="{57B418D8-59F3-4651-BF27-C5EACAE4D3EB}" destId="{D05C0AC4-328F-4F35-AAE0-00AD271D11A4}" srcOrd="2" destOrd="0" parTransId="{4B415080-118C-4FF0-A843-F8DAEDB818CC}" sibTransId="{1AF925E4-795C-40D2-82D6-957DDF4041BC}"/>
+    <dgm:cxn modelId="{5CE54415-8815-4979-8AE9-857B23CD9DC2}" type="presOf" srcId="{232D4965-AA6B-4BA1-944F-25D526803343}" destId="{AB50098B-2AA1-4446-939A-BB13E3594C30}" srcOrd="0" destOrd="1" presId="urn:microsoft.com/office/officeart/2016/7/layout/LinearArrowProcessNumbered"/>
+    <dgm:cxn modelId="{39062019-D0D4-43F8-B956-B74481D3D8C8}" type="presOf" srcId="{FE496927-CDCE-4EED-89E1-697CE521FD49}" destId="{5B3F25FE-7C2C-4EAA-8D62-DC13973ECCBC}" srcOrd="0" destOrd="0" presId="urn:microsoft.com/office/officeart/2016/7/layout/LinearArrowProcessNumbered"/>
+    <dgm:cxn modelId="{11FFF91C-0CEC-4A17-B2B1-0F60D8C3FFD8}" type="presOf" srcId="{DBB1C031-31F2-45C3-8A12-3A464758F40C}" destId="{7D8B82C3-95B4-466C-A7F2-F55237AAAB7D}" srcOrd="0" destOrd="1" presId="urn:microsoft.com/office/officeart/2016/7/layout/LinearArrowProcessNumbered"/>
+    <dgm:cxn modelId="{79914A1D-943C-408D-9C4A-A2AD57CD6EB7}" srcId="{FE496927-CDCE-4EED-89E1-697CE521FD49}" destId="{C693A70B-5376-44D1-BE37-3905ADD9F372}" srcOrd="2" destOrd="0" parTransId="{B0462B32-C64F-4613-8D08-220AF829351D}" sibTransId="{4F217D86-D55C-49B1-95AE-C3B0A38E8197}"/>
+    <dgm:cxn modelId="{DFEA1723-E03F-4785-9287-EA933B819E43}" type="presOf" srcId="{E7D38B1D-C343-4BBB-AAC3-E804514B7B37}" destId="{0882029B-B4C7-4C7D-8757-F9971171AC19}" srcOrd="0" destOrd="0" presId="urn:microsoft.com/office/officeart/2016/7/layout/LinearArrowProcessNumbered"/>
     <dgm:cxn modelId="{27600D28-0790-41EB-A261-C14DBD8B7C6A}" srcId="{958BE342-2291-4BDA-BB14-C72B74E910D7}" destId="{232D4965-AA6B-4BA1-944F-25D526803343}" srcOrd="0" destOrd="0" parTransId="{26176506-5B69-4D74-A833-166AB8281FB3}" sibTransId="{5E4AA7F0-FD57-4261-956B-08D44CF545D6}"/>
+    <dgm:cxn modelId="{79F5532E-017C-4DFD-92B9-994075475897}" type="presOf" srcId="{C693A70B-5376-44D1-BE37-3905ADD9F372}" destId="{5B3F25FE-7C2C-4EAA-8D62-DC13973ECCBC}" srcOrd="0" destOrd="3" presId="urn:microsoft.com/office/officeart/2016/7/layout/LinearArrowProcessNumbered"/>
     <dgm:cxn modelId="{C6DEDB33-84EE-45B9-9241-788A49C3AA58}" srcId="{81463452-3191-46CC-84AF-F46262E3CDC3}" destId="{57B418D8-59F3-4651-BF27-C5EACAE4D3EB}" srcOrd="1" destOrd="0" parTransId="{705C8B84-EF9C-4213-905B-3FBF3A8921CF}" sibTransId="{5829BE1C-D8A1-4A91-8A03-5004E454E222}"/>
-    <dgm:cxn modelId="{461B0863-04F4-4B67-B15A-DE711D301C0F}" type="presOf" srcId="{232D4965-AA6B-4BA1-944F-25D526803343}" destId="{EBA37CE3-57E7-4614-947F-9F1665FB5A88}" srcOrd="0" destOrd="0" presId="urn:microsoft.com/office/officeart/2005/8/layout/list1"/>
-    <dgm:cxn modelId="{46DF9D44-5E4B-43E4-A7CB-EBC21EEC1DA3}" type="presOf" srcId="{FE496927-CDCE-4EED-89E1-697CE521FD49}" destId="{F48A7467-C4EA-4ED2-B8CD-BE6607533558}" srcOrd="0" destOrd="0" presId="urn:microsoft.com/office/officeart/2005/8/layout/list1"/>
-    <dgm:cxn modelId="{3404F26C-CE05-4800-A9EB-F3CF0310E9EA}" type="presOf" srcId="{FE496927-CDCE-4EED-89E1-697CE521FD49}" destId="{E6FA824F-77B5-4932-8057-E8CFB9780A53}" srcOrd="1" destOrd="0" presId="urn:microsoft.com/office/officeart/2005/8/layout/list1"/>
-    <dgm:cxn modelId="{6D0C506D-7D2D-4B23-BAA8-3793BE31D53E}" type="presOf" srcId="{81463452-3191-46CC-84AF-F46262E3CDC3}" destId="{F8991DF5-D212-498A-8A45-8A693E4995B2}" srcOrd="0" destOrd="0" presId="urn:microsoft.com/office/officeart/2005/8/layout/list1"/>
-    <dgm:cxn modelId="{221FA777-235A-436E-A0F6-DFA3EBACA79A}" type="presOf" srcId="{6F82A1F1-8C55-4AA5-90A9-65F682C25D00}" destId="{5DF795D5-15BE-4F0E-8C3B-CA623134B8F2}" srcOrd="0" destOrd="0" presId="urn:microsoft.com/office/officeart/2005/8/layout/list1"/>
-    <dgm:cxn modelId="{ECC38C7B-091E-4CB7-A2C1-E45D1FD6C094}" type="presOf" srcId="{7C0CE01D-EADC-4782-88A7-5D6B9B002CDB}" destId="{2191A155-60E6-4C4F-A649-36EF3D6808A9}" srcOrd="0" destOrd="0" presId="urn:microsoft.com/office/officeart/2005/8/layout/list1"/>
+    <dgm:cxn modelId="{62FC4F3B-9938-4FB2-B384-AB35E69AD5E8}" type="presOf" srcId="{6F54139E-6065-487B-90E3-C90B217F774E}" destId="{002AA0AA-8FDB-4D40-A80B-25449E155030}" srcOrd="0" destOrd="5" presId="urn:microsoft.com/office/officeart/2016/7/layout/LinearArrowProcessNumbered"/>
+    <dgm:cxn modelId="{C4684E41-6ABB-4AC3-91D5-B0D680B4F72C}" type="presOf" srcId="{6F82A1F1-8C55-4AA5-90A9-65F682C25D00}" destId="{7D8B82C3-95B4-466C-A7F2-F55237AAAB7D}" srcOrd="0" destOrd="0" presId="urn:microsoft.com/office/officeart/2016/7/layout/LinearArrowProcessNumbered"/>
+    <dgm:cxn modelId="{2AD0C544-3C38-4F84-844A-3B244E89638C}" type="presOf" srcId="{1C23CB1A-AEEE-4861-8E63-8CF7B1946322}" destId="{AB50098B-2AA1-4446-939A-BB13E3594C30}" srcOrd="0" destOrd="2" presId="urn:microsoft.com/office/officeart/2016/7/layout/LinearArrowProcessNumbered"/>
+    <dgm:cxn modelId="{60FDDF67-5418-4189-B01A-6F34B8FFF217}" type="presOf" srcId="{A0ECA2C5-3BF3-4CAD-A415-C0C07DA9E4FE}" destId="{607601BE-462C-4A5C-87DC-9EDCDE655693}" srcOrd="0" destOrd="1" presId="urn:microsoft.com/office/officeart/2016/7/layout/LinearArrowProcessNumbered"/>
+    <dgm:cxn modelId="{59301148-0627-46F6-9438-1F50E0A31FFF}" srcId="{958BE342-2291-4BDA-BB14-C72B74E910D7}" destId="{1ACEC5A5-5E93-4922-9E52-E1A2B5F74527}" srcOrd="2" destOrd="0" parTransId="{81105547-8AE8-4CC6-BAFA-C8F7932E4398}" sibTransId="{F527D339-9F7A-4B99-A9F0-55D187E3D8F9}"/>
+    <dgm:cxn modelId="{6546996D-B2F8-4C8C-8C45-597325775BEA}" srcId="{57B418D8-59F3-4651-BF27-C5EACAE4D3EB}" destId="{79EA25B1-DC5C-4230-AFF1-3834011D67BE}" srcOrd="1" destOrd="0" parTransId="{CE6E6F6A-1D54-4F90-96A0-92E8114F7640}" sibTransId="{F26C72F6-A599-4D80-A2B4-F1EF14015891}"/>
+    <dgm:cxn modelId="{B914A54F-8AFD-43F9-B3E1-D63ACA57E8BD}" type="presOf" srcId="{57B418D8-59F3-4651-BF27-C5EACAE4D3EB}" destId="{002AA0AA-8FDB-4D40-A80B-25449E155030}" srcOrd="0" destOrd="0" presId="urn:microsoft.com/office/officeart/2016/7/layout/LinearArrowProcessNumbered"/>
+    <dgm:cxn modelId="{14B82177-6E35-46E6-BF95-DA41FB4990E7}" type="presOf" srcId="{1ACEC5A5-5E93-4922-9E52-E1A2B5F74527}" destId="{AB50098B-2AA1-4446-939A-BB13E3594C30}" srcOrd="0" destOrd="3" presId="urn:microsoft.com/office/officeart/2016/7/layout/LinearArrowProcessNumbered"/>
+    <dgm:cxn modelId="{01539659-D3F8-4B34-B284-424F8E806B6F}" type="presOf" srcId="{D05C0AC4-328F-4F35-AAE0-00AD271D11A4}" destId="{002AA0AA-8FDB-4D40-A80B-25449E155030}" srcOrd="0" destOrd="3" presId="urn:microsoft.com/office/officeart/2016/7/layout/LinearArrowProcessNumbered"/>
+    <dgm:cxn modelId="{A745F37C-B543-407C-AB3B-50373FABC2DD}" type="presOf" srcId="{79EA25B1-DC5C-4230-AFF1-3834011D67BE}" destId="{002AA0AA-8FDB-4D40-A80B-25449E155030}" srcOrd="0" destOrd="2" presId="urn:microsoft.com/office/officeart/2016/7/layout/LinearArrowProcessNumbered"/>
     <dgm:cxn modelId="{D23B1A7D-5ECE-4C73-A391-40FC21AF04BC}" srcId="{7C0CE01D-EADC-4782-88A7-5D6B9B002CDB}" destId="{A0ECA2C5-3BF3-4CAD-A415-C0C07DA9E4FE}" srcOrd="0" destOrd="0" parTransId="{4B3C8D64-5FB4-4762-B95A-68D1E37DD634}" sibTransId="{E55EB636-4A3B-488A-978B-F74D5B68800C}"/>
-    <dgm:cxn modelId="{069D0083-0C34-4475-878E-2DFD03E155BC}" type="presOf" srcId="{A826B56C-AE27-4689-873A-D96DF7985C7F}" destId="{1E95450D-9650-44BF-8F77-F16B5F644535}" srcOrd="0" destOrd="0" presId="urn:microsoft.com/office/officeart/2005/8/layout/list1"/>
-    <dgm:cxn modelId="{9B56488C-0304-43BB-86E9-079E35BAAA26}" type="presOf" srcId="{958BE342-2291-4BDA-BB14-C72B74E910D7}" destId="{7CBA732C-68C7-490E-826E-C7875D4FC1AD}" srcOrd="0" destOrd="0" presId="urn:microsoft.com/office/officeart/2005/8/layout/list1"/>
+    <dgm:cxn modelId="{1E47457D-3702-4B36-8B65-62FDF3BF071F}" type="presOf" srcId="{B267FECB-7C69-4BBD-B6F0-F10B1BD3CFAC}" destId="{09274FF2-DA96-4A16-9334-E6F0E3C3BAC2}" srcOrd="0" destOrd="0" presId="urn:microsoft.com/office/officeart/2016/7/layout/LinearArrowProcessNumbered"/>
+    <dgm:cxn modelId="{3427F97E-0049-423B-B0A4-600552963030}" type="presOf" srcId="{36EAB407-0809-425A-B4C7-95B5B8508869}" destId="{002AA0AA-8FDB-4D40-A80B-25449E155030}" srcOrd="0" destOrd="6" presId="urn:microsoft.com/office/officeart/2016/7/layout/LinearArrowProcessNumbered"/>
+    <dgm:cxn modelId="{F163B387-56AC-4D7A-8D51-A97C8FD46935}" type="presOf" srcId="{965879D7-BF06-468B-8ACB-F815BC863EFD}" destId="{002AA0AA-8FDB-4D40-A80B-25449E155030}" srcOrd="0" destOrd="4" presId="urn:microsoft.com/office/officeart/2016/7/layout/LinearArrowProcessNumbered"/>
     <dgm:cxn modelId="{1F6E1093-C93C-4080-8EF0-3C7F14837AB1}" srcId="{81463452-3191-46CC-84AF-F46262E3CDC3}" destId="{7C0CE01D-EADC-4782-88A7-5D6B9B002CDB}" srcOrd="2" destOrd="0" parTransId="{89297235-8F9D-4A2D-95F7-CB2FC177E343}" sibTransId="{B267FECB-7C69-4BBD-B6F0-F10B1BD3CFAC}"/>
-    <dgm:cxn modelId="{BBDE8194-864B-450E-876D-5672EBCCE684}" type="presOf" srcId="{57B418D8-59F3-4651-BF27-C5EACAE4D3EB}" destId="{C90AB818-B35D-4A4B-88B5-4E3C522CC77B}" srcOrd="0" destOrd="0" presId="urn:microsoft.com/office/officeart/2005/8/layout/list1"/>
-    <dgm:cxn modelId="{0C123898-2B6B-4834-9B3F-E268B8E12E72}" type="presOf" srcId="{57B418D8-59F3-4651-BF27-C5EACAE4D3EB}" destId="{500B1DBB-17BD-4136-B309-7433AB1D06F1}" srcOrd="1" destOrd="0" presId="urn:microsoft.com/office/officeart/2005/8/layout/list1"/>
-    <dgm:cxn modelId="{877923A8-BB61-4248-97E8-AC311AD890C4}" type="presOf" srcId="{7C0CE01D-EADC-4782-88A7-5D6B9B002CDB}" destId="{6E3EC9C7-9C77-49FB-8BC9-6E7FC7186DB8}" srcOrd="1" destOrd="0" presId="urn:microsoft.com/office/officeart/2005/8/layout/list1"/>
-    <dgm:cxn modelId="{206222B6-5EC8-4374-902B-B184BA2F9F2D}" type="presOf" srcId="{958BE342-2291-4BDA-BB14-C72B74E910D7}" destId="{2C5E2E0F-44CA-47AD-87AB-B46EF5B00910}" srcOrd="1" destOrd="0" presId="urn:microsoft.com/office/officeart/2005/8/layout/list1"/>
+    <dgm:cxn modelId="{10E0E594-18E5-4037-8D81-C7C6922ED63B}" type="presOf" srcId="{FBAA0B24-BED4-498E-B035-EEB3650E7C30}" destId="{AB50098B-2AA1-4446-939A-BB13E3594C30}" srcOrd="0" destOrd="4" presId="urn:microsoft.com/office/officeart/2016/7/layout/LinearArrowProcessNumbered"/>
+    <dgm:cxn modelId="{FB4A81A1-6878-4036-9D0F-12834A6C8FAB}" type="presOf" srcId="{9E048AFF-1C01-4AE7-B810-04D9ECC73339}" destId="{2BBCC05D-6485-4136-ACF9-BAC1DCAC2A2C}" srcOrd="0" destOrd="0" presId="urn:microsoft.com/office/officeart/2016/7/layout/LinearArrowProcessNumbered"/>
+    <dgm:cxn modelId="{FAF55CAA-6738-484F-AEAD-D7BFC527B7EB}" srcId="{57B418D8-59F3-4651-BF27-C5EACAE4D3EB}" destId="{C8ECB6AC-15DD-4ABD-ABC6-4D4F266917A8}" srcOrd="6" destOrd="0" parTransId="{4F307793-E2AC-4271-A5B9-DF11728715AA}" sibTransId="{47080FEC-CFEA-4C35-806A-571289DFA982}"/>
+    <dgm:cxn modelId="{DFDDCBB4-8C8D-4BF9-9274-66B0AF976F15}" type="presOf" srcId="{81463452-3191-46CC-84AF-F46262E3CDC3}" destId="{0A46463F-409B-46D3-AE08-B06ABEA66936}" srcOrd="0" destOrd="0" presId="urn:microsoft.com/office/officeart/2016/7/layout/LinearArrowProcessNumbered"/>
+    <dgm:cxn modelId="{277EABB6-614E-46AF-A121-1BD88CCFA33C}" srcId="{57B418D8-59F3-4651-BF27-C5EACAE4D3EB}" destId="{965879D7-BF06-468B-8ACB-F815BC863EFD}" srcOrd="3" destOrd="0" parTransId="{DC1CA9A3-1CCF-4F94-AB4E-D54DEDA52E9C}" sibTransId="{3B318103-07FD-4FBA-809A-AF924AEA7A66}"/>
     <dgm:cxn modelId="{16881DBB-25EB-4080-90FE-A7E14E321548}" srcId="{6F82A1F1-8C55-4AA5-90A9-65F682C25D00}" destId="{DBB1C031-31F2-45C3-8A12-3A464758F40C}" srcOrd="0" destOrd="0" parTransId="{587758D1-9FA5-4658-A563-CCD4822C07E5}" sibTransId="{68867AAC-857C-4F25-B473-BBA13ADBFFA7}"/>
+    <dgm:cxn modelId="{DCB926BE-9CC2-4501-B2C3-A39BECDD999A}" srcId="{958BE342-2291-4BDA-BB14-C72B74E910D7}" destId="{1C23CB1A-AEEE-4861-8E63-8CF7B1946322}" srcOrd="1" destOrd="0" parTransId="{9C4D50C1-E8B5-4527-B235-EE70A0C55148}" sibTransId="{A6247F84-C965-4262-A87F-432A1885B799}"/>
+    <dgm:cxn modelId="{701219C0-B1E0-4F61-B023-BA004A167209}" srcId="{FE496927-CDCE-4EED-89E1-697CE521FD49}" destId="{AFF9F31C-6734-4C7C-8E12-9245232B82C3}" srcOrd="1" destOrd="0" parTransId="{1E14DC59-C21E-434D-A9D9-B72D2C8896CD}" sibTransId="{F61C902C-6975-4079-8A62-175D57F2B15A}"/>
     <dgm:cxn modelId="{6D6DECC2-2E6B-4C29-B290-8A1EF8B6F0CB}" srcId="{57B418D8-59F3-4651-BF27-C5EACAE4D3EB}" destId="{20A01E22-8DD9-4F41-9FC1-C30457B448C5}" srcOrd="0" destOrd="0" parTransId="{E78481A6-AD51-41F9-8FFE-D07302280F08}" sibTransId="{E21EBD9A-A8D4-4A83-B90B-C05C77E20B3E}"/>
-    <dgm:cxn modelId="{7E9DADC3-7F1C-4BDA-99A8-C51CD9DFC407}" type="presOf" srcId="{6F82A1F1-8C55-4AA5-90A9-65F682C25D00}" destId="{1B8DC5A1-7C57-413A-BB29-5E10B7C27CA2}" srcOrd="1" destOrd="0" presId="urn:microsoft.com/office/officeart/2005/8/layout/list1"/>
+    <dgm:cxn modelId="{2DAC0CCD-22BD-4EC9-9A0B-DF692D65CF49}" type="presOf" srcId="{20A01E22-8DD9-4F41-9FC1-C30457B448C5}" destId="{002AA0AA-8FDB-4D40-A80B-25449E155030}" srcOrd="0" destOrd="1" presId="urn:microsoft.com/office/officeart/2016/7/layout/LinearArrowProcessNumbered"/>
     <dgm:cxn modelId="{77310BCE-7CFA-44FB-811F-FF2C423664DD}" srcId="{81463452-3191-46CC-84AF-F46262E3CDC3}" destId="{FE496927-CDCE-4EED-89E1-697CE521FD49}" srcOrd="4" destOrd="0" parTransId="{A91FCD73-CAC9-4A45-9D30-BC46A0007298}" sibTransId="{E7D38B1D-C343-4BBB-AAC3-E804514B7B37}"/>
+    <dgm:cxn modelId="{E9A6E8CF-4BB9-466C-BFAA-AB374EE00C22}" srcId="{7C0CE01D-EADC-4782-88A7-5D6B9B002CDB}" destId="{CA9BFAA9-D22A-4513-BD61-AEB3654D44F7}" srcOrd="2" destOrd="0" parTransId="{3F75DE9A-F36A-48CD-9CF5-46D37E33FD62}" sibTransId="{32616C30-259C-4D24-96CA-7F3E6E4EAC62}"/>
+    <dgm:cxn modelId="{34EB04D4-EDEE-4AF3-819E-E4023EF8EFCD}" srcId="{57B418D8-59F3-4651-BF27-C5EACAE4D3EB}" destId="{36EAB407-0809-425A-B4C7-95B5B8508869}" srcOrd="5" destOrd="0" parTransId="{B0BBD42D-FFA8-48D4-AEF1-85F8CF81E7D8}" sibTransId="{ADDB4E66-3137-449B-87B2-0B5DB8777C1C}"/>
+    <dgm:cxn modelId="{DAAD5DD8-A464-416B-AAB6-297CAF743777}" type="presOf" srcId="{A826B56C-AE27-4689-873A-D96DF7985C7F}" destId="{5B3F25FE-7C2C-4EAA-8D62-DC13973ECCBC}" srcOrd="0" destOrd="1" presId="urn:microsoft.com/office/officeart/2016/7/layout/LinearArrowProcessNumbered"/>
+    <dgm:cxn modelId="{4FEFDED8-4AFD-4FC1-915F-D4E7E9DF5817}" srcId="{7C0CE01D-EADC-4782-88A7-5D6B9B002CDB}" destId="{7B73AEAD-3A21-48F7-B0D0-7818DB31FF0A}" srcOrd="1" destOrd="0" parTransId="{5DB1B1CD-B571-4BD7-9468-759799C86DFC}" sibTransId="{2172A38F-1ACB-42EB-B8A6-5F0669931FA1}"/>
     <dgm:cxn modelId="{3347F8DA-AE4F-4453-8DA1-FA19D1DC6121}" srcId="{81463452-3191-46CC-84AF-F46262E3CDC3}" destId="{958BE342-2291-4BDA-BB14-C72B74E910D7}" srcOrd="3" destOrd="0" parTransId="{896208C3-9923-4EDD-A37C-F948640AFBE4}" sibTransId="{78AB8411-3BF4-4EAA-BF65-13B748C2DE73}"/>
+    <dgm:cxn modelId="{1AC0B4E0-CC05-4A82-91B4-D880797E70CB}" type="presOf" srcId="{7B73AEAD-3A21-48F7-B0D0-7818DB31FF0A}" destId="{607601BE-462C-4A5C-87DC-9EDCDE655693}" srcOrd="0" destOrd="2" presId="urn:microsoft.com/office/officeart/2016/7/layout/LinearArrowProcessNumbered"/>
     <dgm:cxn modelId="{F7D720E2-E346-4FEC-AB19-CBC2675A92DC}" srcId="{FE496927-CDCE-4EED-89E1-697CE521FD49}" destId="{A826B56C-AE27-4689-873A-D96DF7985C7F}" srcOrd="0" destOrd="0" parTransId="{DFE79A9F-AF93-4EC8-92DB-3F6B7F68FA08}" sibTransId="{83CF4E7A-2117-4543-9055-2030E54195A0}"/>
-    <dgm:cxn modelId="{F3DC88FD-7EE3-4DB3-8306-4F4DB3F5A8A1}" type="presOf" srcId="{20A01E22-8DD9-4F41-9FC1-C30457B448C5}" destId="{02D636D8-F510-4CFE-9F9D-EAF781A37589}" srcOrd="0" destOrd="0" presId="urn:microsoft.com/office/officeart/2005/8/layout/list1"/>
-    <dgm:cxn modelId="{A4F64A5C-A509-43DC-9719-63E42AEAC91F}" type="presParOf" srcId="{F8991DF5-D212-498A-8A45-8A693E4995B2}" destId="{979F4B9E-6F34-4393-8127-39726649BCDD}" srcOrd="0" destOrd="0" presId="urn:microsoft.com/office/officeart/2005/8/layout/list1"/>
-    <dgm:cxn modelId="{24170BFB-227E-4931-8E80-729457A29D14}" type="presParOf" srcId="{979F4B9E-6F34-4393-8127-39726649BCDD}" destId="{5DF795D5-15BE-4F0E-8C3B-CA623134B8F2}" srcOrd="0" destOrd="0" presId="urn:microsoft.com/office/officeart/2005/8/layout/list1"/>
-    <dgm:cxn modelId="{C0E2677D-CA3C-4393-8543-E44ACCB9C17C}" type="presParOf" srcId="{979F4B9E-6F34-4393-8127-39726649BCDD}" destId="{1B8DC5A1-7C57-413A-BB29-5E10B7C27CA2}" srcOrd="1" destOrd="0" presId="urn:microsoft.com/office/officeart/2005/8/layout/list1"/>
-    <dgm:cxn modelId="{688A875C-C326-423E-9469-E5E196832DF7}" type="presParOf" srcId="{F8991DF5-D212-498A-8A45-8A693E4995B2}" destId="{BA1740F6-AE87-4F76-8E63-4F73F9D74E63}" srcOrd="1" destOrd="0" presId="urn:microsoft.com/office/officeart/2005/8/layout/list1"/>
-    <dgm:cxn modelId="{D0548BA2-D90D-4CC3-A77C-703D530B4C58}" type="presParOf" srcId="{F8991DF5-D212-498A-8A45-8A693E4995B2}" destId="{CD0E1BB2-60E1-4839-A87C-FD4225DCD4B0}" srcOrd="2" destOrd="0" presId="urn:microsoft.com/office/officeart/2005/8/layout/list1"/>
-    <dgm:cxn modelId="{AC0B6752-014E-46F5-9811-05C6217E5797}" type="presParOf" srcId="{F8991DF5-D212-498A-8A45-8A693E4995B2}" destId="{D09020D4-F08A-4ACC-807D-BAF108EDFFE1}" srcOrd="3" destOrd="0" presId="urn:microsoft.com/office/officeart/2005/8/layout/list1"/>
-    <dgm:cxn modelId="{115A6C73-6AF7-4302-A280-BE25843BB4BB}" type="presParOf" srcId="{F8991DF5-D212-498A-8A45-8A693E4995B2}" destId="{CF02703D-8773-4A93-A481-498A4E3BEF7B}" srcOrd="4" destOrd="0" presId="urn:microsoft.com/office/officeart/2005/8/layout/list1"/>
-    <dgm:cxn modelId="{DC6B81C6-EEE2-4B5D-B932-E548344986A3}" type="presParOf" srcId="{CF02703D-8773-4A93-A481-498A4E3BEF7B}" destId="{C90AB818-B35D-4A4B-88B5-4E3C522CC77B}" srcOrd="0" destOrd="0" presId="urn:microsoft.com/office/officeart/2005/8/layout/list1"/>
-    <dgm:cxn modelId="{846417A8-8468-45FA-AE1D-F5F9D75C8B81}" type="presParOf" srcId="{CF02703D-8773-4A93-A481-498A4E3BEF7B}" destId="{500B1DBB-17BD-4136-B309-7433AB1D06F1}" srcOrd="1" destOrd="0" presId="urn:microsoft.com/office/officeart/2005/8/layout/list1"/>
-    <dgm:cxn modelId="{AAFCAC54-F8C6-4727-BA6C-D164A08E6E15}" type="presParOf" srcId="{F8991DF5-D212-498A-8A45-8A693E4995B2}" destId="{45E5B3F2-EE04-41B4-A700-C734FB107AA2}" srcOrd="5" destOrd="0" presId="urn:microsoft.com/office/officeart/2005/8/layout/list1"/>
-    <dgm:cxn modelId="{17A30D08-74CE-4781-947E-4CB97C5B3918}" type="presParOf" srcId="{F8991DF5-D212-498A-8A45-8A693E4995B2}" destId="{02D636D8-F510-4CFE-9F9D-EAF781A37589}" srcOrd="6" destOrd="0" presId="urn:microsoft.com/office/officeart/2005/8/layout/list1"/>
-    <dgm:cxn modelId="{AB841A22-7790-45A9-961B-9B5A4EBD99EF}" type="presParOf" srcId="{F8991DF5-D212-498A-8A45-8A693E4995B2}" destId="{BE1C8888-58FC-455C-97F3-37CC413A04EE}" srcOrd="7" destOrd="0" presId="urn:microsoft.com/office/officeart/2005/8/layout/list1"/>
-    <dgm:cxn modelId="{9BC5DFD7-1966-490B-B9EC-815B3C1BCC4B}" type="presParOf" srcId="{F8991DF5-D212-498A-8A45-8A693E4995B2}" destId="{AD842C00-B6F9-4680-A7A0-FB5578A71D7A}" srcOrd="8" destOrd="0" presId="urn:microsoft.com/office/officeart/2005/8/layout/list1"/>
-    <dgm:cxn modelId="{DC9542B8-4471-480D-82E3-633191D2B710}" type="presParOf" srcId="{AD842C00-B6F9-4680-A7A0-FB5578A71D7A}" destId="{2191A155-60E6-4C4F-A649-36EF3D6808A9}" srcOrd="0" destOrd="0" presId="urn:microsoft.com/office/officeart/2005/8/layout/list1"/>
-    <dgm:cxn modelId="{91C9232F-A35C-4545-ABB0-991D33493FA2}" type="presParOf" srcId="{AD842C00-B6F9-4680-A7A0-FB5578A71D7A}" destId="{6E3EC9C7-9C77-49FB-8BC9-6E7FC7186DB8}" srcOrd="1" destOrd="0" presId="urn:microsoft.com/office/officeart/2005/8/layout/list1"/>
-    <dgm:cxn modelId="{6CE1E677-4E01-434A-9A30-1F8A93A0763B}" type="presParOf" srcId="{F8991DF5-D212-498A-8A45-8A693E4995B2}" destId="{D152C7B3-9B7D-4C34-93D2-E4ABF0FDB83A}" srcOrd="9" destOrd="0" presId="urn:microsoft.com/office/officeart/2005/8/layout/list1"/>
-    <dgm:cxn modelId="{7F101499-DD28-47C4-BFA3-004EEBF2980A}" type="presParOf" srcId="{F8991DF5-D212-498A-8A45-8A693E4995B2}" destId="{76CBBFC7-E92E-48B9-BBC8-E50506145469}" srcOrd="10" destOrd="0" presId="urn:microsoft.com/office/officeart/2005/8/layout/list1"/>
-    <dgm:cxn modelId="{B169C3DE-D278-41CB-9537-C8760BA4FDC7}" type="presParOf" srcId="{F8991DF5-D212-498A-8A45-8A693E4995B2}" destId="{B39C81F9-2A56-4365-8C63-47DBE83B51C0}" srcOrd="11" destOrd="0" presId="urn:microsoft.com/office/officeart/2005/8/layout/list1"/>
-    <dgm:cxn modelId="{FDD4E5F0-20A9-450E-8816-5C8C541FB417}" type="presParOf" srcId="{F8991DF5-D212-498A-8A45-8A693E4995B2}" destId="{3F78969A-B7C6-4620-8E7B-02E2BA8B7B01}" srcOrd="12" destOrd="0" presId="urn:microsoft.com/office/officeart/2005/8/layout/list1"/>
-    <dgm:cxn modelId="{DDF647B4-5023-4708-9C2D-8BC379495A8E}" type="presParOf" srcId="{3F78969A-B7C6-4620-8E7B-02E2BA8B7B01}" destId="{7CBA732C-68C7-490E-826E-C7875D4FC1AD}" srcOrd="0" destOrd="0" presId="urn:microsoft.com/office/officeart/2005/8/layout/list1"/>
-    <dgm:cxn modelId="{EF8FFDB9-1444-4AB7-A04D-E0FD738A15BC}" type="presParOf" srcId="{3F78969A-B7C6-4620-8E7B-02E2BA8B7B01}" destId="{2C5E2E0F-44CA-47AD-87AB-B46EF5B00910}" srcOrd="1" destOrd="0" presId="urn:microsoft.com/office/officeart/2005/8/layout/list1"/>
-    <dgm:cxn modelId="{671E5517-C778-45A4-A7C6-55E50168DFF8}" type="presParOf" srcId="{F8991DF5-D212-498A-8A45-8A693E4995B2}" destId="{FA65DF0E-40A9-4534-A82D-6D578652F0CC}" srcOrd="13" destOrd="0" presId="urn:microsoft.com/office/officeart/2005/8/layout/list1"/>
-    <dgm:cxn modelId="{A98D8F87-6870-450B-BF59-CC115ED4429B}" type="presParOf" srcId="{F8991DF5-D212-498A-8A45-8A693E4995B2}" destId="{EBA37CE3-57E7-4614-947F-9F1665FB5A88}" srcOrd="14" destOrd="0" presId="urn:microsoft.com/office/officeart/2005/8/layout/list1"/>
-    <dgm:cxn modelId="{0B64B4A6-B650-4D32-AF12-49F970C6CF90}" type="presParOf" srcId="{F8991DF5-D212-498A-8A45-8A693E4995B2}" destId="{186FFE81-1AF1-458E-BA9E-DA06F5814A4F}" srcOrd="15" destOrd="0" presId="urn:microsoft.com/office/officeart/2005/8/layout/list1"/>
-    <dgm:cxn modelId="{77B97D18-246B-4A2A-99D1-DE73CA8249BC}" type="presParOf" srcId="{F8991DF5-D212-498A-8A45-8A693E4995B2}" destId="{55D9E155-40F1-4895-9F8F-EA41C70AE9FE}" srcOrd="16" destOrd="0" presId="urn:microsoft.com/office/officeart/2005/8/layout/list1"/>
-    <dgm:cxn modelId="{A5E18DC5-4CB8-4DCE-B3D8-31C34351C5BA}" type="presParOf" srcId="{55D9E155-40F1-4895-9F8F-EA41C70AE9FE}" destId="{F48A7467-C4EA-4ED2-B8CD-BE6607533558}" srcOrd="0" destOrd="0" presId="urn:microsoft.com/office/officeart/2005/8/layout/list1"/>
-    <dgm:cxn modelId="{A0D9BDFD-9D8B-4346-A9DA-8E52B12ACB85}" type="presParOf" srcId="{55D9E155-40F1-4895-9F8F-EA41C70AE9FE}" destId="{E6FA824F-77B5-4932-8057-E8CFB9780A53}" srcOrd="1" destOrd="0" presId="urn:microsoft.com/office/officeart/2005/8/layout/list1"/>
-    <dgm:cxn modelId="{D224C677-6A99-45CE-AB38-3B271B9032E8}" type="presParOf" srcId="{F8991DF5-D212-498A-8A45-8A693E4995B2}" destId="{D83D72DD-ED3A-472C-8148-1FB864EF4FD5}" srcOrd="17" destOrd="0" presId="urn:microsoft.com/office/officeart/2005/8/layout/list1"/>
-    <dgm:cxn modelId="{58612F01-3CE0-4458-A8B5-F8C5BAA2DBE8}" type="presParOf" srcId="{F8991DF5-D212-498A-8A45-8A693E4995B2}" destId="{1E95450D-9650-44BF-8F77-F16B5F644535}" srcOrd="18" destOrd="0" presId="urn:microsoft.com/office/officeart/2005/8/layout/list1"/>
+    <dgm:cxn modelId="{55F768E5-E972-4539-8BA5-77784E7793C1}" type="presOf" srcId="{C8ECB6AC-15DD-4ABD-ABC6-4D4F266917A8}" destId="{002AA0AA-8FDB-4D40-A80B-25449E155030}" srcOrd="0" destOrd="7" presId="urn:microsoft.com/office/officeart/2016/7/layout/LinearArrowProcessNumbered"/>
+    <dgm:cxn modelId="{806BCAF1-B414-422D-87CB-BA9778F774FA}" type="presOf" srcId="{78AB8411-3BF4-4EAA-BF65-13B748C2DE73}" destId="{59EA2C50-5EA0-4015-82FB-C71302D41C10}" srcOrd="0" destOrd="0" presId="urn:microsoft.com/office/officeart/2016/7/layout/LinearArrowProcessNumbered"/>
+    <dgm:cxn modelId="{CBDD7AF3-FF27-4B51-8BB6-02DA90D93330}" type="presOf" srcId="{7C0CE01D-EADC-4782-88A7-5D6B9B002CDB}" destId="{607601BE-462C-4A5C-87DC-9EDCDE655693}" srcOrd="0" destOrd="0" presId="urn:microsoft.com/office/officeart/2016/7/layout/LinearArrowProcessNumbered"/>
+    <dgm:cxn modelId="{FCCEACF8-6DC1-434B-80AD-FADBFC50DD0F}" type="presOf" srcId="{5829BE1C-D8A1-4A91-8A03-5004E454E222}" destId="{97CCC9A2-57C3-4B2A-8A3E-6211DCBE65C2}" srcOrd="0" destOrd="0" presId="urn:microsoft.com/office/officeart/2016/7/layout/LinearArrowProcessNumbered"/>
+    <dgm:cxn modelId="{0FF72F7B-079C-4B73-B0F9-A50288CC8CAD}" type="presParOf" srcId="{0A46463F-409B-46D3-AE08-B06ABEA66936}" destId="{E1C2787B-CFC1-401F-B0E7-0343B2D86F1C}" srcOrd="0" destOrd="0" presId="urn:microsoft.com/office/officeart/2016/7/layout/LinearArrowProcessNumbered"/>
+    <dgm:cxn modelId="{56BAAF90-A72A-48C1-BA31-127D1F7BB44E}" type="presParOf" srcId="{E1C2787B-CFC1-401F-B0E7-0343B2D86F1C}" destId="{A0EFFC1B-BCAD-46D1-83C1-DC59F1D9A7C8}" srcOrd="0" destOrd="0" presId="urn:microsoft.com/office/officeart/2016/7/layout/LinearArrowProcessNumbered"/>
+    <dgm:cxn modelId="{DC56A378-5839-4211-BA20-EFAB92B2077D}" type="presParOf" srcId="{E1C2787B-CFC1-401F-B0E7-0343B2D86F1C}" destId="{B988F93F-28FC-4508-86B8-9B30F99DA393}" srcOrd="1" destOrd="0" presId="urn:microsoft.com/office/officeart/2016/7/layout/LinearArrowProcessNumbered"/>
+    <dgm:cxn modelId="{3CEA7EA2-2CA6-4EFA-A3E5-00896154CA2D}" type="presParOf" srcId="{B988F93F-28FC-4508-86B8-9B30F99DA393}" destId="{EE743234-BE84-4162-B0E9-49D33B144B72}" srcOrd="0" destOrd="0" presId="urn:microsoft.com/office/officeart/2016/7/layout/LinearArrowProcessNumbered"/>
+    <dgm:cxn modelId="{A01068E7-0C78-4194-80BF-1AB11E29C70F}" type="presParOf" srcId="{B988F93F-28FC-4508-86B8-9B30F99DA393}" destId="{2F0DC94B-3D5E-4B80-AAD3-5CF0BB8DAA26}" srcOrd="1" destOrd="0" presId="urn:microsoft.com/office/officeart/2016/7/layout/LinearArrowProcessNumbered"/>
+    <dgm:cxn modelId="{FDB0FB8B-A014-4AAC-AA2E-FFFD9FE62B2F}" type="presParOf" srcId="{B988F93F-28FC-4508-86B8-9B30F99DA393}" destId="{2BBCC05D-6485-4136-ACF9-BAC1DCAC2A2C}" srcOrd="2" destOrd="0" presId="urn:microsoft.com/office/officeart/2016/7/layout/LinearArrowProcessNumbered"/>
+    <dgm:cxn modelId="{E874916C-5DFC-43DD-8AB3-574C7792097E}" type="presParOf" srcId="{B988F93F-28FC-4508-86B8-9B30F99DA393}" destId="{D99363FF-FC67-4A1F-BCCB-3B6B3793E885}" srcOrd="3" destOrd="0" presId="urn:microsoft.com/office/officeart/2016/7/layout/LinearArrowProcessNumbered"/>
+    <dgm:cxn modelId="{1759D990-9F8C-4622-A643-01747ACE5A4B}" type="presParOf" srcId="{E1C2787B-CFC1-401F-B0E7-0343B2D86F1C}" destId="{7D8B82C3-95B4-466C-A7F2-F55237AAAB7D}" srcOrd="2" destOrd="0" presId="urn:microsoft.com/office/officeart/2016/7/layout/LinearArrowProcessNumbered"/>
+    <dgm:cxn modelId="{B55B548E-A77B-48EF-ADA7-A60E4F60B921}" type="presParOf" srcId="{0A46463F-409B-46D3-AE08-B06ABEA66936}" destId="{B520CD82-4AA0-4301-8EBD-6ED19313FCF9}" srcOrd="1" destOrd="0" presId="urn:microsoft.com/office/officeart/2016/7/layout/LinearArrowProcessNumbered"/>
+    <dgm:cxn modelId="{C618B0B4-A5C9-43B1-9697-30EA3A46A6E5}" type="presParOf" srcId="{0A46463F-409B-46D3-AE08-B06ABEA66936}" destId="{C3D403DC-89F3-4CE6-BED1-BF53D616E100}" srcOrd="2" destOrd="0" presId="urn:microsoft.com/office/officeart/2016/7/layout/LinearArrowProcessNumbered"/>
+    <dgm:cxn modelId="{A9C8223C-DB25-41CF-B7AC-856C43BE0F71}" type="presParOf" srcId="{C3D403DC-89F3-4CE6-BED1-BF53D616E100}" destId="{607A3F05-7D2F-4B83-8A04-EDA3B344A359}" srcOrd="0" destOrd="0" presId="urn:microsoft.com/office/officeart/2016/7/layout/LinearArrowProcessNumbered"/>
+    <dgm:cxn modelId="{6F1CE1BD-1A8F-47AF-B1CF-7FC81C58DF57}" type="presParOf" srcId="{C3D403DC-89F3-4CE6-BED1-BF53D616E100}" destId="{042BAA98-F06F-4D40-8BD7-05F47AF02631}" srcOrd="1" destOrd="0" presId="urn:microsoft.com/office/officeart/2016/7/layout/LinearArrowProcessNumbered"/>
+    <dgm:cxn modelId="{DD7A7682-4549-41DA-9B77-609D05CF9F1C}" type="presParOf" srcId="{042BAA98-F06F-4D40-8BD7-05F47AF02631}" destId="{C5BB3E39-5E89-4D22-BF13-9C81ED6C5061}" srcOrd="0" destOrd="0" presId="urn:microsoft.com/office/officeart/2016/7/layout/LinearArrowProcessNumbered"/>
+    <dgm:cxn modelId="{53D454BC-9062-458D-BDB4-ABCF3A3328D9}" type="presParOf" srcId="{042BAA98-F06F-4D40-8BD7-05F47AF02631}" destId="{C0411F29-3C31-4C04-8F39-3B97AC386BE1}" srcOrd="1" destOrd="0" presId="urn:microsoft.com/office/officeart/2016/7/layout/LinearArrowProcessNumbered"/>
+    <dgm:cxn modelId="{944077E9-E72E-47D4-BDEB-28A2C344FCB6}" type="presParOf" srcId="{042BAA98-F06F-4D40-8BD7-05F47AF02631}" destId="{97CCC9A2-57C3-4B2A-8A3E-6211DCBE65C2}" srcOrd="2" destOrd="0" presId="urn:microsoft.com/office/officeart/2016/7/layout/LinearArrowProcessNumbered"/>
+    <dgm:cxn modelId="{996B2570-A8BB-487F-AA74-D5321BFCB15E}" type="presParOf" srcId="{042BAA98-F06F-4D40-8BD7-05F47AF02631}" destId="{54276AE3-B4B2-439E-827D-B49F96BDFB77}" srcOrd="3" destOrd="0" presId="urn:microsoft.com/office/officeart/2016/7/layout/LinearArrowProcessNumbered"/>
+    <dgm:cxn modelId="{A3CFC3BC-BDB5-49FE-A9EA-E0A87F71BBD6}" type="presParOf" srcId="{C3D403DC-89F3-4CE6-BED1-BF53D616E100}" destId="{002AA0AA-8FDB-4D40-A80B-25449E155030}" srcOrd="2" destOrd="0" presId="urn:microsoft.com/office/officeart/2016/7/layout/LinearArrowProcessNumbered"/>
+    <dgm:cxn modelId="{0271F67A-BBE9-44A9-9F43-7C861728717C}" type="presParOf" srcId="{0A46463F-409B-46D3-AE08-B06ABEA66936}" destId="{5D92FE6E-51D5-40FB-B8AE-6348BE305F8F}" srcOrd="3" destOrd="0" presId="urn:microsoft.com/office/officeart/2016/7/layout/LinearArrowProcessNumbered"/>
+    <dgm:cxn modelId="{2E7D121E-AAA4-4516-9334-D4FF98F1D91F}" type="presParOf" srcId="{0A46463F-409B-46D3-AE08-B06ABEA66936}" destId="{502E24CF-B655-436C-8248-F9B0310FF054}" srcOrd="4" destOrd="0" presId="urn:microsoft.com/office/officeart/2016/7/layout/LinearArrowProcessNumbered"/>
+    <dgm:cxn modelId="{DE0AE8B0-9DCE-4E02-8141-7848950EC1CC}" type="presParOf" srcId="{502E24CF-B655-436C-8248-F9B0310FF054}" destId="{8B019D63-AE2E-4B5E-BE9B-C52D9AA86743}" srcOrd="0" destOrd="0" presId="urn:microsoft.com/office/officeart/2016/7/layout/LinearArrowProcessNumbered"/>
+    <dgm:cxn modelId="{005F3950-284F-4C8B-B184-E85598F4FBEC}" type="presParOf" srcId="{502E24CF-B655-436C-8248-F9B0310FF054}" destId="{5CBCF5C4-3E07-4D9A-B74D-524061CD26AF}" srcOrd="1" destOrd="0" presId="urn:microsoft.com/office/officeart/2016/7/layout/LinearArrowProcessNumbered"/>
+    <dgm:cxn modelId="{2F94CBE5-0DC2-4D65-ADEF-DD6E2F6E495B}" type="presParOf" srcId="{5CBCF5C4-3E07-4D9A-B74D-524061CD26AF}" destId="{059E0B0B-A9DC-40AD-99E2-615FED92EB81}" srcOrd="0" destOrd="0" presId="urn:microsoft.com/office/officeart/2016/7/layout/LinearArrowProcessNumbered"/>
+    <dgm:cxn modelId="{83FF0966-5D37-4F97-A098-EAD8BBDA4BD0}" type="presParOf" srcId="{5CBCF5C4-3E07-4D9A-B74D-524061CD26AF}" destId="{FAE598C2-9FA0-4057-9787-BCCFEC85B422}" srcOrd="1" destOrd="0" presId="urn:microsoft.com/office/officeart/2016/7/layout/LinearArrowProcessNumbered"/>
+    <dgm:cxn modelId="{660E75D0-8C66-45D7-B016-4D6FEAC0FAD9}" type="presParOf" srcId="{5CBCF5C4-3E07-4D9A-B74D-524061CD26AF}" destId="{09274FF2-DA96-4A16-9334-E6F0E3C3BAC2}" srcOrd="2" destOrd="0" presId="urn:microsoft.com/office/officeart/2016/7/layout/LinearArrowProcessNumbered"/>
+    <dgm:cxn modelId="{60BE005C-C5C8-47DE-8E2F-591DE897342E}" type="presParOf" srcId="{5CBCF5C4-3E07-4D9A-B74D-524061CD26AF}" destId="{7922AE3E-B9C6-406F-A71C-C4C1F3DC1283}" srcOrd="3" destOrd="0" presId="urn:microsoft.com/office/officeart/2016/7/layout/LinearArrowProcessNumbered"/>
+    <dgm:cxn modelId="{C232818D-6F3A-4355-8DBD-E87A427AE48E}" type="presParOf" srcId="{502E24CF-B655-436C-8248-F9B0310FF054}" destId="{607601BE-462C-4A5C-87DC-9EDCDE655693}" srcOrd="2" destOrd="0" presId="urn:microsoft.com/office/officeart/2016/7/layout/LinearArrowProcessNumbered"/>
+    <dgm:cxn modelId="{63D20081-DE0B-42A9-A957-92B420838DFC}" type="presParOf" srcId="{0A46463F-409B-46D3-AE08-B06ABEA66936}" destId="{7C2A75CD-7B55-470A-92F2-78492E145230}" srcOrd="5" destOrd="0" presId="urn:microsoft.com/office/officeart/2016/7/layout/LinearArrowProcessNumbered"/>
+    <dgm:cxn modelId="{74FB2E88-16F8-4780-8AAE-4B911CA8D72D}" type="presParOf" srcId="{0A46463F-409B-46D3-AE08-B06ABEA66936}" destId="{F130148F-E96C-48C1-B7CF-4BD0E97E3A05}" srcOrd="6" destOrd="0" presId="urn:microsoft.com/office/officeart/2016/7/layout/LinearArrowProcessNumbered"/>
+    <dgm:cxn modelId="{D2BF373E-03A6-4A3A-AACF-E88BD09B3FE1}" type="presParOf" srcId="{F130148F-E96C-48C1-B7CF-4BD0E97E3A05}" destId="{05D82A25-92D9-45DB-88B8-398388513C26}" srcOrd="0" destOrd="0" presId="urn:microsoft.com/office/officeart/2016/7/layout/LinearArrowProcessNumbered"/>
+    <dgm:cxn modelId="{94B2626A-8587-4CAB-8143-B3371AE03FF1}" type="presParOf" srcId="{F130148F-E96C-48C1-B7CF-4BD0E97E3A05}" destId="{FD2A2580-402E-4F9E-AED6-31F9C6EC9350}" srcOrd="1" destOrd="0" presId="urn:microsoft.com/office/officeart/2016/7/layout/LinearArrowProcessNumbered"/>
+    <dgm:cxn modelId="{524E5380-F90F-41E9-A783-09CBB1C5DE0E}" type="presParOf" srcId="{FD2A2580-402E-4F9E-AED6-31F9C6EC9350}" destId="{5BCDA238-8AF1-41E7-B2EC-74E907082371}" srcOrd="0" destOrd="0" presId="urn:microsoft.com/office/officeart/2016/7/layout/LinearArrowProcessNumbered"/>
+    <dgm:cxn modelId="{2D6F18B9-E051-4E71-8574-829ED6F7890C}" type="presParOf" srcId="{FD2A2580-402E-4F9E-AED6-31F9C6EC9350}" destId="{3FAAC632-F0AE-446A-8758-114E56EFF853}" srcOrd="1" destOrd="0" presId="urn:microsoft.com/office/officeart/2016/7/layout/LinearArrowProcessNumbered"/>
+    <dgm:cxn modelId="{C390D1C2-42EB-4FC6-A6AA-1F72A4A6436B}" type="presParOf" srcId="{FD2A2580-402E-4F9E-AED6-31F9C6EC9350}" destId="{59EA2C50-5EA0-4015-82FB-C71302D41C10}" srcOrd="2" destOrd="0" presId="urn:microsoft.com/office/officeart/2016/7/layout/LinearArrowProcessNumbered"/>
+    <dgm:cxn modelId="{D9D82C89-313A-4395-B381-428144A925D3}" type="presParOf" srcId="{FD2A2580-402E-4F9E-AED6-31F9C6EC9350}" destId="{997738FF-DB21-4937-BE01-7F07C73D7B6B}" srcOrd="3" destOrd="0" presId="urn:microsoft.com/office/officeart/2016/7/layout/LinearArrowProcessNumbered"/>
+    <dgm:cxn modelId="{476A0DF3-578C-4D98-A031-8D720F8367AA}" type="presParOf" srcId="{F130148F-E96C-48C1-B7CF-4BD0E97E3A05}" destId="{AB50098B-2AA1-4446-939A-BB13E3594C30}" srcOrd="2" destOrd="0" presId="urn:microsoft.com/office/officeart/2016/7/layout/LinearArrowProcessNumbered"/>
+    <dgm:cxn modelId="{86CB7426-6D06-4DBC-9E7C-AEA6294603F7}" type="presParOf" srcId="{0A46463F-409B-46D3-AE08-B06ABEA66936}" destId="{56E022ED-90C6-468F-BBA2-8E66DC66063A}" srcOrd="7" destOrd="0" presId="urn:microsoft.com/office/officeart/2016/7/layout/LinearArrowProcessNumbered"/>
+    <dgm:cxn modelId="{13B33570-0F2D-44A2-90B6-9516D0F3B9D0}" type="presParOf" srcId="{0A46463F-409B-46D3-AE08-B06ABEA66936}" destId="{1B4611C7-EDE1-48BE-BF33-26DCFC542CC7}" srcOrd="8" destOrd="0" presId="urn:microsoft.com/office/officeart/2016/7/layout/LinearArrowProcessNumbered"/>
+    <dgm:cxn modelId="{0FF9424A-AC30-460D-9575-1C51622F71EA}" type="presParOf" srcId="{1B4611C7-EDE1-48BE-BF33-26DCFC542CC7}" destId="{3659B995-2737-43E6-BBEA-01A8608FAFE1}" srcOrd="0" destOrd="0" presId="urn:microsoft.com/office/officeart/2016/7/layout/LinearArrowProcessNumbered"/>
+    <dgm:cxn modelId="{CF006E77-6CFE-4326-8818-4EA6AC084AA0}" type="presParOf" srcId="{1B4611C7-EDE1-48BE-BF33-26DCFC542CC7}" destId="{B5E540DD-82C6-49DB-9084-E655597F06B3}" srcOrd="1" destOrd="0" presId="urn:microsoft.com/office/officeart/2016/7/layout/LinearArrowProcessNumbered"/>
+    <dgm:cxn modelId="{F7AE8017-227E-4049-B61D-05A64AB9ABC1}" type="presParOf" srcId="{B5E540DD-82C6-49DB-9084-E655597F06B3}" destId="{51381BA6-B406-42D4-B1F0-8FE6031D38D9}" srcOrd="0" destOrd="0" presId="urn:microsoft.com/office/officeart/2016/7/layout/LinearArrowProcessNumbered"/>
+    <dgm:cxn modelId="{D23E0938-B3F4-42C2-A9C6-C5BA6417B610}" type="presParOf" srcId="{B5E540DD-82C6-49DB-9084-E655597F06B3}" destId="{2823D4B7-8A2A-461E-BD5A-DEF15CD8FAC4}" srcOrd="1" destOrd="0" presId="urn:microsoft.com/office/officeart/2016/7/layout/LinearArrowProcessNumbered"/>
+    <dgm:cxn modelId="{F1C3DC9B-E6C9-4CFA-927B-AC16ADC2372F}" type="presParOf" srcId="{B5E540DD-82C6-49DB-9084-E655597F06B3}" destId="{0882029B-B4C7-4C7D-8757-F9971171AC19}" srcOrd="2" destOrd="0" presId="urn:microsoft.com/office/officeart/2016/7/layout/LinearArrowProcessNumbered"/>
+    <dgm:cxn modelId="{0CC7F749-C713-4DE0-9FFE-42B41AF16810}" type="presParOf" srcId="{B5E540DD-82C6-49DB-9084-E655597F06B3}" destId="{4F7E3057-EDD2-427B-8967-4AB06E9F6877}" srcOrd="3" destOrd="0" presId="urn:microsoft.com/office/officeart/2016/7/layout/LinearArrowProcessNumbered"/>
+    <dgm:cxn modelId="{297C75B7-19AB-4962-873F-6255C1ACC8A0}" type="presParOf" srcId="{1B4611C7-EDE1-48BE-BF33-26DCFC542CC7}" destId="{5B3F25FE-7C2C-4EAA-8D62-DC13973ECCBC}" srcOrd="2" destOrd="0" presId="urn:microsoft.com/office/officeart/2016/7/layout/LinearArrowProcessNumbered"/>
   </dgm:cxnLst>
   <dgm:bg/>
   <dgm:whole/>
   <dgm:extLst>
     <a:ext uri="http://schemas.microsoft.com/office/drawing/2008/diagram">
-      <dsp:dataModelExt xmlns:dsp="http://schemas.microsoft.com/office/drawing/2008/diagram" relId="rId6" minVer="http://schemas.openxmlformats.org/drawingml/2006/diagram"/>
+      <dsp:dataModelExt xmlns:dsp="http://schemas.microsoft.com/office/drawing/2008/diagram" relId="rId9" minVer="http://schemas.openxmlformats.org/drawingml/2006/diagram"/>
     </a:ext>
   </dgm:extLst>
 </dgm:dataModel>
@@ -21567,822 +20940,6 @@
 </dsp:drawing>
 </file>
 
-<file path=ppt/diagrams/drawing11.xml><?xml version="1.0" encoding="utf-8"?>
-<dsp:drawing xmlns:dgm="http://schemas.openxmlformats.org/drawingml/2006/diagram" xmlns:dsp="http://schemas.microsoft.com/office/drawing/2008/diagram" xmlns:a="http://schemas.openxmlformats.org/drawingml/2006/main">
-  <dsp:spTree>
-    <dsp:nvGrpSpPr>
-      <dsp:cNvPr id="0" name=""/>
-      <dsp:cNvGrpSpPr/>
-    </dsp:nvGrpSpPr>
-    <dsp:grpSpPr/>
-    <dsp:sp modelId="{CD0E1BB2-60E1-4839-A87C-FD4225DCD4B0}">
-      <dsp:nvSpPr>
-        <dsp:cNvPr id="0" name=""/>
-        <dsp:cNvSpPr/>
-      </dsp:nvSpPr>
-      <dsp:spPr>
-        <a:xfrm>
-          <a:off x="0" y="388934"/>
-          <a:ext cx="8128000" cy="529200"/>
-        </a:xfrm>
-        <a:prstGeom prst="rect">
-          <a:avLst/>
-        </a:prstGeom>
-        <a:solidFill>
-          <a:schemeClr val="lt1">
-            <a:alpha val="90000"/>
-            <a:hueOff val="0"/>
-            <a:satOff val="0"/>
-            <a:lumOff val="0"/>
-            <a:alphaOff val="0"/>
-          </a:schemeClr>
-        </a:solidFill>
-        <a:ln w="12700" cap="flat" cmpd="sng" algn="ctr">
-          <a:solidFill>
-            <a:schemeClr val="accent1">
-              <a:hueOff val="0"/>
-              <a:satOff val="0"/>
-              <a:lumOff val="0"/>
-              <a:alphaOff val="0"/>
-            </a:schemeClr>
-          </a:solidFill>
-          <a:prstDash val="solid"/>
-          <a:miter lim="800000"/>
-        </a:ln>
-        <a:effectLst/>
-      </dsp:spPr>
-      <dsp:style>
-        <a:lnRef idx="2">
-          <a:scrgbClr r="0" g="0" b="0"/>
-        </a:lnRef>
-        <a:fillRef idx="1">
-          <a:scrgbClr r="0" g="0" b="0"/>
-        </a:fillRef>
-        <a:effectRef idx="0">
-          <a:scrgbClr r="0" g="0" b="0"/>
-        </a:effectRef>
-        <a:fontRef idx="minor"/>
-      </dsp:style>
-      <dsp:txBody>
-        <a:bodyPr spcFirstLastPara="0" vert="horz" wrap="square" lIns="630823" tIns="437388" rIns="630823" bIns="149352" numCol="1" spcCol="1270" anchor="t" anchorCtr="0">
-          <a:noAutofit/>
-        </a:bodyPr>
-        <a:lstStyle/>
-        <a:p>
-          <a:pPr marL="228600" lvl="1" indent="-228600" algn="l" defTabSz="933450">
-            <a:lnSpc>
-              <a:spcPct val="90000"/>
-            </a:lnSpc>
-            <a:spcBef>
-              <a:spcPct val="0"/>
-            </a:spcBef>
-            <a:spcAft>
-              <a:spcPct val="15000"/>
-            </a:spcAft>
-            <a:buChar char="•"/>
-          </a:pPr>
-          <a:endParaRPr lang="de-DE" sz="2100" kern="1200" dirty="0"/>
-        </a:p>
-      </dsp:txBody>
-      <dsp:txXfrm>
-        <a:off x="0" y="388934"/>
-        <a:ext cx="8128000" cy="529200"/>
-      </dsp:txXfrm>
-    </dsp:sp>
-    <dsp:sp modelId="{1B8DC5A1-7C57-413A-BB29-5E10B7C27CA2}">
-      <dsp:nvSpPr>
-        <dsp:cNvPr id="0" name=""/>
-        <dsp:cNvSpPr/>
-      </dsp:nvSpPr>
-      <dsp:spPr>
-        <a:xfrm>
-          <a:off x="406400" y="78974"/>
-          <a:ext cx="5689600" cy="619920"/>
-        </a:xfrm>
-        <a:prstGeom prst="roundRect">
-          <a:avLst/>
-        </a:prstGeom>
-        <a:solidFill>
-          <a:schemeClr val="accent1">
-            <a:hueOff val="0"/>
-            <a:satOff val="0"/>
-            <a:lumOff val="0"/>
-            <a:alphaOff val="0"/>
-          </a:schemeClr>
-        </a:solidFill>
-        <a:ln w="12700" cap="flat" cmpd="sng" algn="ctr">
-          <a:solidFill>
-            <a:schemeClr val="lt1">
-              <a:hueOff val="0"/>
-              <a:satOff val="0"/>
-              <a:lumOff val="0"/>
-              <a:alphaOff val="0"/>
-            </a:schemeClr>
-          </a:solidFill>
-          <a:prstDash val="solid"/>
-          <a:miter lim="800000"/>
-        </a:ln>
-        <a:effectLst/>
-      </dsp:spPr>
-      <dsp:style>
-        <a:lnRef idx="2">
-          <a:scrgbClr r="0" g="0" b="0"/>
-        </a:lnRef>
-        <a:fillRef idx="1">
-          <a:scrgbClr r="0" g="0" b="0"/>
-        </a:fillRef>
-        <a:effectRef idx="0">
-          <a:scrgbClr r="0" g="0" b="0"/>
-        </a:effectRef>
-        <a:fontRef idx="minor">
-          <a:schemeClr val="lt1"/>
-        </a:fontRef>
-      </dsp:style>
-      <dsp:txBody>
-        <a:bodyPr spcFirstLastPara="0" vert="horz" wrap="square" lIns="215053" tIns="0" rIns="215053" bIns="0" numCol="1" spcCol="1270" anchor="ctr" anchorCtr="0">
-          <a:noAutofit/>
-        </a:bodyPr>
-        <a:lstStyle/>
-        <a:p>
-          <a:pPr marL="0" lvl="0" indent="0" algn="l" defTabSz="933450">
-            <a:lnSpc>
-              <a:spcPct val="90000"/>
-            </a:lnSpc>
-            <a:spcBef>
-              <a:spcPct val="0"/>
-            </a:spcBef>
-            <a:spcAft>
-              <a:spcPct val="35000"/>
-            </a:spcAft>
-            <a:buNone/>
-          </a:pPr>
-          <a:r>
-            <a:rPr lang="de-DE" sz="2100" kern="1200" dirty="0"/>
-            <a:t>Name</a:t>
-          </a:r>
-        </a:p>
-      </dsp:txBody>
-      <dsp:txXfrm>
-        <a:off x="436662" y="109236"/>
-        <a:ext cx="5629076" cy="559396"/>
-      </dsp:txXfrm>
-    </dsp:sp>
-    <dsp:sp modelId="{02D636D8-F510-4CFE-9F9D-EAF781A37589}">
-      <dsp:nvSpPr>
-        <dsp:cNvPr id="0" name=""/>
-        <dsp:cNvSpPr/>
-      </dsp:nvSpPr>
-      <dsp:spPr>
-        <a:xfrm>
-          <a:off x="0" y="1341495"/>
-          <a:ext cx="8128000" cy="1190700"/>
-        </a:xfrm>
-        <a:prstGeom prst="rect">
-          <a:avLst/>
-        </a:prstGeom>
-        <a:solidFill>
-          <a:schemeClr val="lt1">
-            <a:alpha val="90000"/>
-            <a:hueOff val="0"/>
-            <a:satOff val="0"/>
-            <a:lumOff val="0"/>
-            <a:alphaOff val="0"/>
-          </a:schemeClr>
-        </a:solidFill>
-        <a:ln w="12700" cap="flat" cmpd="sng" algn="ctr">
-          <a:solidFill>
-            <a:schemeClr val="accent1">
-              <a:hueOff val="0"/>
-              <a:satOff val="0"/>
-              <a:lumOff val="0"/>
-              <a:alphaOff val="0"/>
-            </a:schemeClr>
-          </a:solidFill>
-          <a:prstDash val="solid"/>
-          <a:miter lim="800000"/>
-        </a:ln>
-        <a:effectLst/>
-      </dsp:spPr>
-      <dsp:style>
-        <a:lnRef idx="2">
-          <a:scrgbClr r="0" g="0" b="0"/>
-        </a:lnRef>
-        <a:fillRef idx="1">
-          <a:scrgbClr r="0" g="0" b="0"/>
-        </a:fillRef>
-        <a:effectRef idx="0">
-          <a:scrgbClr r="0" g="0" b="0"/>
-        </a:effectRef>
-        <a:fontRef idx="minor"/>
-      </dsp:style>
-      <dsp:txBody>
-        <a:bodyPr spcFirstLastPara="0" vert="horz" wrap="square" lIns="630823" tIns="437388" rIns="630823" bIns="149352" numCol="1" spcCol="1270" anchor="t" anchorCtr="0">
-          <a:noAutofit/>
-        </a:bodyPr>
-        <a:lstStyle/>
-        <a:p>
-          <a:pPr marL="228600" lvl="1" indent="-228600" algn="l" defTabSz="933450">
-            <a:lnSpc>
-              <a:spcPct val="90000"/>
-            </a:lnSpc>
-            <a:spcBef>
-              <a:spcPct val="0"/>
-            </a:spcBef>
-            <a:spcAft>
-              <a:spcPct val="15000"/>
-            </a:spcAft>
-            <a:buChar char="•"/>
-          </a:pPr>
-          <a:r>
-            <a:rPr lang="de-DE" sz="2100" kern="1200" dirty="0"/>
-            <a:t>Alter, Geschlecht, Verheiratet, Kinder (</a:t>
-          </a:r>
-          <a:r>
-            <a:rPr lang="de-DE" sz="2100" kern="1200" dirty="0" err="1"/>
-            <a:t>wieviele</a:t>
-          </a:r>
-          <a:r>
-            <a:rPr lang="de-DE" sz="2100" kern="1200" dirty="0"/>
-            <a:t>), Wohnt in, Einkommen</a:t>
-          </a:r>
-        </a:p>
-      </dsp:txBody>
-      <dsp:txXfrm>
-        <a:off x="0" y="1341495"/>
-        <a:ext cx="8128000" cy="1190700"/>
-      </dsp:txXfrm>
-    </dsp:sp>
-    <dsp:sp modelId="{500B1DBB-17BD-4136-B309-7433AB1D06F1}">
-      <dsp:nvSpPr>
-        <dsp:cNvPr id="0" name=""/>
-        <dsp:cNvSpPr/>
-      </dsp:nvSpPr>
-      <dsp:spPr>
-        <a:xfrm>
-          <a:off x="406400" y="1031534"/>
-          <a:ext cx="5689600" cy="619920"/>
-        </a:xfrm>
-        <a:prstGeom prst="roundRect">
-          <a:avLst/>
-        </a:prstGeom>
-        <a:solidFill>
-          <a:schemeClr val="accent1">
-            <a:hueOff val="0"/>
-            <a:satOff val="0"/>
-            <a:lumOff val="0"/>
-            <a:alphaOff val="0"/>
-          </a:schemeClr>
-        </a:solidFill>
-        <a:ln w="12700" cap="flat" cmpd="sng" algn="ctr">
-          <a:solidFill>
-            <a:schemeClr val="lt1">
-              <a:hueOff val="0"/>
-              <a:satOff val="0"/>
-              <a:lumOff val="0"/>
-              <a:alphaOff val="0"/>
-            </a:schemeClr>
-          </a:solidFill>
-          <a:prstDash val="solid"/>
-          <a:miter lim="800000"/>
-        </a:ln>
-        <a:effectLst/>
-      </dsp:spPr>
-      <dsp:style>
-        <a:lnRef idx="2">
-          <a:scrgbClr r="0" g="0" b="0"/>
-        </a:lnRef>
-        <a:fillRef idx="1">
-          <a:scrgbClr r="0" g="0" b="0"/>
-        </a:fillRef>
-        <a:effectRef idx="0">
-          <a:scrgbClr r="0" g="0" b="0"/>
-        </a:effectRef>
-        <a:fontRef idx="minor">
-          <a:schemeClr val="lt1"/>
-        </a:fontRef>
-      </dsp:style>
-      <dsp:txBody>
-        <a:bodyPr spcFirstLastPara="0" vert="horz" wrap="square" lIns="215053" tIns="0" rIns="215053" bIns="0" numCol="1" spcCol="1270" anchor="ctr" anchorCtr="0">
-          <a:noAutofit/>
-        </a:bodyPr>
-        <a:lstStyle/>
-        <a:p>
-          <a:pPr marL="0" lvl="0" indent="0" algn="l" defTabSz="933450">
-            <a:lnSpc>
-              <a:spcPct val="90000"/>
-            </a:lnSpc>
-            <a:spcBef>
-              <a:spcPct val="0"/>
-            </a:spcBef>
-            <a:spcAft>
-              <a:spcPct val="35000"/>
-            </a:spcAft>
-            <a:buNone/>
-          </a:pPr>
-          <a:r>
-            <a:rPr lang="de-DE" sz="2100" kern="1200" dirty="0"/>
-            <a:t>Harte Fakten</a:t>
-          </a:r>
-        </a:p>
-      </dsp:txBody>
-      <dsp:txXfrm>
-        <a:off x="436662" y="1061796"/>
-        <a:ext cx="5629076" cy="559396"/>
-      </dsp:txXfrm>
-    </dsp:sp>
-    <dsp:sp modelId="{76CBBFC7-E92E-48B9-BBC8-E50506145469}">
-      <dsp:nvSpPr>
-        <dsp:cNvPr id="0" name=""/>
-        <dsp:cNvSpPr/>
-      </dsp:nvSpPr>
-      <dsp:spPr>
-        <a:xfrm>
-          <a:off x="0" y="2955555"/>
-          <a:ext cx="8128000" cy="893025"/>
-        </a:xfrm>
-        <a:prstGeom prst="rect">
-          <a:avLst/>
-        </a:prstGeom>
-        <a:solidFill>
-          <a:schemeClr val="lt1">
-            <a:alpha val="90000"/>
-            <a:hueOff val="0"/>
-            <a:satOff val="0"/>
-            <a:lumOff val="0"/>
-            <a:alphaOff val="0"/>
-          </a:schemeClr>
-        </a:solidFill>
-        <a:ln w="12700" cap="flat" cmpd="sng" algn="ctr">
-          <a:solidFill>
-            <a:schemeClr val="accent1">
-              <a:hueOff val="0"/>
-              <a:satOff val="0"/>
-              <a:lumOff val="0"/>
-              <a:alphaOff val="0"/>
-            </a:schemeClr>
-          </a:solidFill>
-          <a:prstDash val="solid"/>
-          <a:miter lim="800000"/>
-        </a:ln>
-        <a:effectLst/>
-      </dsp:spPr>
-      <dsp:style>
-        <a:lnRef idx="2">
-          <a:scrgbClr r="0" g="0" b="0"/>
-        </a:lnRef>
-        <a:fillRef idx="1">
-          <a:scrgbClr r="0" g="0" b="0"/>
-        </a:fillRef>
-        <a:effectRef idx="0">
-          <a:scrgbClr r="0" g="0" b="0"/>
-        </a:effectRef>
-        <a:fontRef idx="minor"/>
-      </dsp:style>
-      <dsp:txBody>
-        <a:bodyPr spcFirstLastPara="0" vert="horz" wrap="square" lIns="630823" tIns="437388" rIns="630823" bIns="149352" numCol="1" spcCol="1270" anchor="t" anchorCtr="0">
-          <a:noAutofit/>
-        </a:bodyPr>
-        <a:lstStyle/>
-        <a:p>
-          <a:pPr marL="228600" lvl="1" indent="-228600" algn="l" defTabSz="933450">
-            <a:lnSpc>
-              <a:spcPct val="90000"/>
-            </a:lnSpc>
-            <a:spcBef>
-              <a:spcPct val="0"/>
-            </a:spcBef>
-            <a:spcAft>
-              <a:spcPct val="15000"/>
-            </a:spcAft>
-            <a:buChar char="•"/>
-          </a:pPr>
-          <a:r>
-            <a:rPr lang="de-DE" sz="2100" kern="1200" dirty="0"/>
-            <a:t>Bildung, Job, Hierarchie-Ebene, Selbstbestätigung</a:t>
-          </a:r>
-        </a:p>
-      </dsp:txBody>
-      <dsp:txXfrm>
-        <a:off x="0" y="2955555"/>
-        <a:ext cx="8128000" cy="893025"/>
-      </dsp:txXfrm>
-    </dsp:sp>
-    <dsp:sp modelId="{6E3EC9C7-9C77-49FB-8BC9-6E7FC7186DB8}">
-      <dsp:nvSpPr>
-        <dsp:cNvPr id="0" name=""/>
-        <dsp:cNvSpPr/>
-      </dsp:nvSpPr>
-      <dsp:spPr>
-        <a:xfrm>
-          <a:off x="406400" y="2645595"/>
-          <a:ext cx="5689600" cy="619920"/>
-        </a:xfrm>
-        <a:prstGeom prst="roundRect">
-          <a:avLst/>
-        </a:prstGeom>
-        <a:solidFill>
-          <a:schemeClr val="accent1">
-            <a:hueOff val="0"/>
-            <a:satOff val="0"/>
-            <a:lumOff val="0"/>
-            <a:alphaOff val="0"/>
-          </a:schemeClr>
-        </a:solidFill>
-        <a:ln w="12700" cap="flat" cmpd="sng" algn="ctr">
-          <a:solidFill>
-            <a:schemeClr val="lt1">
-              <a:hueOff val="0"/>
-              <a:satOff val="0"/>
-              <a:lumOff val="0"/>
-              <a:alphaOff val="0"/>
-            </a:schemeClr>
-          </a:solidFill>
-          <a:prstDash val="solid"/>
-          <a:miter lim="800000"/>
-        </a:ln>
-        <a:effectLst/>
-      </dsp:spPr>
-      <dsp:style>
-        <a:lnRef idx="2">
-          <a:scrgbClr r="0" g="0" b="0"/>
-        </a:lnRef>
-        <a:fillRef idx="1">
-          <a:scrgbClr r="0" g="0" b="0"/>
-        </a:fillRef>
-        <a:effectRef idx="0">
-          <a:scrgbClr r="0" g="0" b="0"/>
-        </a:effectRef>
-        <a:fontRef idx="minor">
-          <a:schemeClr val="lt1"/>
-        </a:fontRef>
-      </dsp:style>
-      <dsp:txBody>
-        <a:bodyPr spcFirstLastPara="0" vert="horz" wrap="square" lIns="215053" tIns="0" rIns="215053" bIns="0" numCol="1" spcCol="1270" anchor="ctr" anchorCtr="0">
-          <a:noAutofit/>
-        </a:bodyPr>
-        <a:lstStyle/>
-        <a:p>
-          <a:pPr marL="0" lvl="0" indent="0" algn="l" defTabSz="933450">
-            <a:lnSpc>
-              <a:spcPct val="90000"/>
-            </a:lnSpc>
-            <a:spcBef>
-              <a:spcPct val="0"/>
-            </a:spcBef>
-            <a:spcAft>
-              <a:spcPct val="35000"/>
-            </a:spcAft>
-            <a:buNone/>
-          </a:pPr>
-          <a:r>
-            <a:rPr lang="de-DE" sz="2100" kern="1200" dirty="0"/>
-            <a:t>Lebenslauf</a:t>
-          </a:r>
-        </a:p>
-      </dsp:txBody>
-      <dsp:txXfrm>
-        <a:off x="436662" y="2675857"/>
-        <a:ext cx="5629076" cy="559396"/>
-      </dsp:txXfrm>
-    </dsp:sp>
-    <dsp:sp modelId="{EBA37CE3-57E7-4614-947F-9F1665FB5A88}">
-      <dsp:nvSpPr>
-        <dsp:cNvPr id="0" name=""/>
-        <dsp:cNvSpPr/>
-      </dsp:nvSpPr>
-      <dsp:spPr>
-        <a:xfrm>
-          <a:off x="0" y="4271940"/>
-          <a:ext cx="8128000" cy="893025"/>
-        </a:xfrm>
-        <a:prstGeom prst="rect">
-          <a:avLst/>
-        </a:prstGeom>
-        <a:solidFill>
-          <a:schemeClr val="lt1">
-            <a:alpha val="90000"/>
-            <a:hueOff val="0"/>
-            <a:satOff val="0"/>
-            <a:lumOff val="0"/>
-            <a:alphaOff val="0"/>
-          </a:schemeClr>
-        </a:solidFill>
-        <a:ln w="12700" cap="flat" cmpd="sng" algn="ctr">
-          <a:solidFill>
-            <a:schemeClr val="accent1">
-              <a:hueOff val="0"/>
-              <a:satOff val="0"/>
-              <a:lumOff val="0"/>
-              <a:alphaOff val="0"/>
-            </a:schemeClr>
-          </a:solidFill>
-          <a:prstDash val="solid"/>
-          <a:miter lim="800000"/>
-        </a:ln>
-        <a:effectLst/>
-      </dsp:spPr>
-      <dsp:style>
-        <a:lnRef idx="2">
-          <a:scrgbClr r="0" g="0" b="0"/>
-        </a:lnRef>
-        <a:fillRef idx="1">
-          <a:scrgbClr r="0" g="0" b="0"/>
-        </a:fillRef>
-        <a:effectRef idx="0">
-          <a:scrgbClr r="0" g="0" b="0"/>
-        </a:effectRef>
-        <a:fontRef idx="minor"/>
-      </dsp:style>
-      <dsp:txBody>
-        <a:bodyPr spcFirstLastPara="0" vert="horz" wrap="square" lIns="630823" tIns="437388" rIns="630823" bIns="149352" numCol="1" spcCol="1270" anchor="t" anchorCtr="0">
-          <a:noAutofit/>
-        </a:bodyPr>
-        <a:lstStyle/>
-        <a:p>
-          <a:pPr marL="228600" lvl="1" indent="-228600" algn="l" defTabSz="933450">
-            <a:lnSpc>
-              <a:spcPct val="90000"/>
-            </a:lnSpc>
-            <a:spcBef>
-              <a:spcPct val="0"/>
-            </a:spcBef>
-            <a:spcAft>
-              <a:spcPct val="15000"/>
-            </a:spcAft>
-            <a:buChar char="•"/>
-          </a:pPr>
-          <a:r>
-            <a:rPr lang="de-DE" sz="2100" kern="1200" dirty="0"/>
-            <a:t>Kauft wo, </a:t>
-          </a:r>
-          <a:r>
-            <a:rPr lang="de-DE" sz="2100" kern="1200" dirty="0" err="1"/>
-            <a:t>innovation</a:t>
-          </a:r>
-          <a:r>
-            <a:rPr lang="de-DE" sz="2100" kern="1200" dirty="0"/>
-            <a:t> und </a:t>
-          </a:r>
-          <a:r>
-            <a:rPr lang="de-DE" sz="2100" kern="1200" dirty="0" err="1"/>
-            <a:t>tradition</a:t>
-          </a:r>
-          <a:r>
-            <a:rPr lang="de-DE" sz="2100" kern="1200" dirty="0"/>
-            <a:t>?, Informationsverhalten</a:t>
-          </a:r>
-        </a:p>
-      </dsp:txBody>
-      <dsp:txXfrm>
-        <a:off x="0" y="4271940"/>
-        <a:ext cx="8128000" cy="893025"/>
-      </dsp:txXfrm>
-    </dsp:sp>
-    <dsp:sp modelId="{2C5E2E0F-44CA-47AD-87AB-B46EF5B00910}">
-      <dsp:nvSpPr>
-        <dsp:cNvPr id="0" name=""/>
-        <dsp:cNvSpPr/>
-      </dsp:nvSpPr>
-      <dsp:spPr>
-        <a:xfrm>
-          <a:off x="406400" y="3961980"/>
-          <a:ext cx="5689600" cy="619920"/>
-        </a:xfrm>
-        <a:prstGeom prst="roundRect">
-          <a:avLst/>
-        </a:prstGeom>
-        <a:solidFill>
-          <a:schemeClr val="accent1">
-            <a:hueOff val="0"/>
-            <a:satOff val="0"/>
-            <a:lumOff val="0"/>
-            <a:alphaOff val="0"/>
-          </a:schemeClr>
-        </a:solidFill>
-        <a:ln w="12700" cap="flat" cmpd="sng" algn="ctr">
-          <a:solidFill>
-            <a:schemeClr val="lt1">
-              <a:hueOff val="0"/>
-              <a:satOff val="0"/>
-              <a:lumOff val="0"/>
-              <a:alphaOff val="0"/>
-            </a:schemeClr>
-          </a:solidFill>
-          <a:prstDash val="solid"/>
-          <a:miter lim="800000"/>
-        </a:ln>
-        <a:effectLst/>
-      </dsp:spPr>
-      <dsp:style>
-        <a:lnRef idx="2">
-          <a:scrgbClr r="0" g="0" b="0"/>
-        </a:lnRef>
-        <a:fillRef idx="1">
-          <a:scrgbClr r="0" g="0" b="0"/>
-        </a:fillRef>
-        <a:effectRef idx="0">
-          <a:scrgbClr r="0" g="0" b="0"/>
-        </a:effectRef>
-        <a:fontRef idx="minor">
-          <a:schemeClr val="lt1"/>
-        </a:fontRef>
-      </dsp:style>
-      <dsp:txBody>
-        <a:bodyPr spcFirstLastPara="0" vert="horz" wrap="square" lIns="215053" tIns="0" rIns="215053" bIns="0" numCol="1" spcCol="1270" anchor="ctr" anchorCtr="0">
-          <a:noAutofit/>
-        </a:bodyPr>
-        <a:lstStyle/>
-        <a:p>
-          <a:pPr marL="0" lvl="0" indent="0" algn="l" defTabSz="933450">
-            <a:lnSpc>
-              <a:spcPct val="90000"/>
-            </a:lnSpc>
-            <a:spcBef>
-              <a:spcPct val="0"/>
-            </a:spcBef>
-            <a:spcAft>
-              <a:spcPct val="35000"/>
-            </a:spcAft>
-            <a:buNone/>
-          </a:pPr>
-          <a:r>
-            <a:rPr lang="de-DE" sz="2100" kern="1200" dirty="0"/>
-            <a:t>Typischer Tag / Wochenende</a:t>
-          </a:r>
-        </a:p>
-      </dsp:txBody>
-      <dsp:txXfrm>
-        <a:off x="436662" y="3992242"/>
-        <a:ext cx="5629076" cy="559396"/>
-      </dsp:txXfrm>
-    </dsp:sp>
-    <dsp:sp modelId="{1E95450D-9650-44BF-8F77-F16B5F644535}">
-      <dsp:nvSpPr>
-        <dsp:cNvPr id="0" name=""/>
-        <dsp:cNvSpPr/>
-      </dsp:nvSpPr>
-      <dsp:spPr>
-        <a:xfrm>
-          <a:off x="0" y="5588325"/>
-          <a:ext cx="8128000" cy="1190700"/>
-        </a:xfrm>
-        <a:prstGeom prst="rect">
-          <a:avLst/>
-        </a:prstGeom>
-        <a:solidFill>
-          <a:schemeClr val="lt1">
-            <a:alpha val="90000"/>
-            <a:hueOff val="0"/>
-            <a:satOff val="0"/>
-            <a:lumOff val="0"/>
-            <a:alphaOff val="0"/>
-          </a:schemeClr>
-        </a:solidFill>
-        <a:ln w="12700" cap="flat" cmpd="sng" algn="ctr">
-          <a:solidFill>
-            <a:schemeClr val="accent1">
-              <a:hueOff val="0"/>
-              <a:satOff val="0"/>
-              <a:lumOff val="0"/>
-              <a:alphaOff val="0"/>
-            </a:schemeClr>
-          </a:solidFill>
-          <a:prstDash val="solid"/>
-          <a:miter lim="800000"/>
-        </a:ln>
-        <a:effectLst/>
-      </dsp:spPr>
-      <dsp:style>
-        <a:lnRef idx="2">
-          <a:scrgbClr r="0" g="0" b="0"/>
-        </a:lnRef>
-        <a:fillRef idx="1">
-          <a:scrgbClr r="0" g="0" b="0"/>
-        </a:fillRef>
-        <a:effectRef idx="0">
-          <a:scrgbClr r="0" g="0" b="0"/>
-        </a:effectRef>
-        <a:fontRef idx="minor"/>
-      </dsp:style>
-      <dsp:txBody>
-        <a:bodyPr spcFirstLastPara="0" vert="horz" wrap="square" lIns="630823" tIns="437388" rIns="630823" bIns="149352" numCol="1" spcCol="1270" anchor="t" anchorCtr="0">
-          <a:noAutofit/>
-        </a:bodyPr>
-        <a:lstStyle/>
-        <a:p>
-          <a:pPr marL="228600" lvl="1" indent="-228600" algn="l" defTabSz="933450">
-            <a:lnSpc>
-              <a:spcPct val="90000"/>
-            </a:lnSpc>
-            <a:spcBef>
-              <a:spcPct val="0"/>
-            </a:spcBef>
-            <a:spcAft>
-              <a:spcPct val="15000"/>
-            </a:spcAft>
-            <a:buChar char="•"/>
-          </a:pPr>
-          <a:r>
-            <a:rPr lang="de-DE" sz="2100" kern="1200" dirty="0"/>
-            <a:t>Bedürfnisse, Träume, </a:t>
-          </a:r>
-          <a:r>
-            <a:rPr lang="de-DE" sz="2100" kern="1200" dirty="0" err="1"/>
-            <a:t>zukunftspläne</a:t>
-          </a:r>
-          <a:r>
-            <a:rPr lang="de-DE" sz="2100" kern="1200" dirty="0"/>
-            <a:t>, Rote Tücher, Schmerzpunkte</a:t>
-          </a:r>
-        </a:p>
-      </dsp:txBody>
-      <dsp:txXfrm>
-        <a:off x="0" y="5588325"/>
-        <a:ext cx="8128000" cy="1190700"/>
-      </dsp:txXfrm>
-    </dsp:sp>
-    <dsp:sp modelId="{E6FA824F-77B5-4932-8057-E8CFB9780A53}">
-      <dsp:nvSpPr>
-        <dsp:cNvPr id="0" name=""/>
-        <dsp:cNvSpPr/>
-      </dsp:nvSpPr>
-      <dsp:spPr>
-        <a:xfrm>
-          <a:off x="406400" y="5278365"/>
-          <a:ext cx="5689600" cy="619920"/>
-        </a:xfrm>
-        <a:prstGeom prst="roundRect">
-          <a:avLst/>
-        </a:prstGeom>
-        <a:solidFill>
-          <a:schemeClr val="accent1">
-            <a:hueOff val="0"/>
-            <a:satOff val="0"/>
-            <a:lumOff val="0"/>
-            <a:alphaOff val="0"/>
-          </a:schemeClr>
-        </a:solidFill>
-        <a:ln w="12700" cap="flat" cmpd="sng" algn="ctr">
-          <a:solidFill>
-            <a:schemeClr val="lt1">
-              <a:hueOff val="0"/>
-              <a:satOff val="0"/>
-              <a:lumOff val="0"/>
-              <a:alphaOff val="0"/>
-            </a:schemeClr>
-          </a:solidFill>
-          <a:prstDash val="solid"/>
-          <a:miter lim="800000"/>
-        </a:ln>
-        <a:effectLst/>
-      </dsp:spPr>
-      <dsp:style>
-        <a:lnRef idx="2">
-          <a:scrgbClr r="0" g="0" b="0"/>
-        </a:lnRef>
-        <a:fillRef idx="1">
-          <a:scrgbClr r="0" g="0" b="0"/>
-        </a:fillRef>
-        <a:effectRef idx="0">
-          <a:scrgbClr r="0" g="0" b="0"/>
-        </a:effectRef>
-        <a:fontRef idx="minor">
-          <a:schemeClr val="lt1"/>
-        </a:fontRef>
-      </dsp:style>
-      <dsp:txBody>
-        <a:bodyPr spcFirstLastPara="0" vert="horz" wrap="square" lIns="215053" tIns="0" rIns="215053" bIns="0" numCol="1" spcCol="1270" anchor="ctr" anchorCtr="0">
-          <a:noAutofit/>
-        </a:bodyPr>
-        <a:lstStyle/>
-        <a:p>
-          <a:pPr marL="0" lvl="0" indent="0" algn="l" defTabSz="933450">
-            <a:lnSpc>
-              <a:spcPct val="90000"/>
-            </a:lnSpc>
-            <a:spcBef>
-              <a:spcPct val="0"/>
-            </a:spcBef>
-            <a:spcAft>
-              <a:spcPct val="35000"/>
-            </a:spcAft>
-            <a:buNone/>
-          </a:pPr>
-          <a:r>
-            <a:rPr lang="de-DE" sz="2100" kern="1200" dirty="0"/>
-            <a:t>Emotionale Welt</a:t>
-          </a:r>
-        </a:p>
-      </dsp:txBody>
-      <dsp:txXfrm>
-        <a:off x="436662" y="5308627"/>
-        <a:ext cx="5629076" cy="559396"/>
-      </dsp:txXfrm>
-    </dsp:sp>
-  </dsp:spTree>
-</dsp:drawing>
-</file>
-
 <file path=ppt/diagrams/drawing2.xml><?xml version="1.0" encoding="utf-8"?>
 <dsp:drawing xmlns:dgm="http://schemas.openxmlformats.org/drawingml/2006/diagram" xmlns:dsp="http://schemas.microsoft.com/office/drawing/2008/diagram" xmlns:a="http://schemas.openxmlformats.org/drawingml/2006/main">
   <dsp:spTree>
@@ -28020,21 +26577,22 @@
       <dsp:cNvGrpSpPr/>
     </dsp:nvGrpSpPr>
     <dsp:grpSpPr/>
-    <dsp:sp modelId="{CD0E1BB2-60E1-4839-A87C-FD4225DCD4B0}">
+    <dsp:sp modelId="{EE743234-BE84-4162-B0E9-49D33B144B72}">
       <dsp:nvSpPr>
         <dsp:cNvPr id="0" name=""/>
         <dsp:cNvSpPr/>
       </dsp:nvSpPr>
       <dsp:spPr>
         <a:xfrm>
-          <a:off x="0" y="388934"/>
-          <a:ext cx="8128000" cy="529200"/>
+          <a:off x="1056693" y="991022"/>
+          <a:ext cx="840221" cy="71"/>
         </a:xfrm>
         <a:prstGeom prst="rect">
           <a:avLst/>
         </a:prstGeom>
         <a:solidFill>
-          <a:schemeClr val="lt1">
+          <a:schemeClr val="accent2">
+            <a:tint val="40000"/>
             <a:alpha val="90000"/>
             <a:hueOff val="0"/>
             <a:satOff val="0"/>
@@ -28042,9 +26600,11 @@
             <a:alphaOff val="0"/>
           </a:schemeClr>
         </a:solidFill>
-        <a:ln w="12700" cap="flat" cmpd="sng" algn="ctr">
+        <a:ln w="6350" cap="flat" cmpd="sng" algn="ctr">
           <a:solidFill>
-            <a:schemeClr val="accent1">
+            <a:schemeClr val="accent2">
+              <a:tint val="40000"/>
+              <a:alpha val="90000"/>
               <a:hueOff val="0"/>
               <a:satOff val="0"/>
               <a:lumOff val="0"/>
@@ -28057,67 +26617,48 @@
         <a:effectLst/>
       </dsp:spPr>
       <dsp:style>
-        <a:lnRef idx="2">
+        <a:lnRef idx="1">
           <a:scrgbClr r="0" g="0" b="0"/>
         </a:lnRef>
         <a:fillRef idx="1">
           <a:scrgbClr r="0" g="0" b="0"/>
         </a:fillRef>
-        <a:effectRef idx="0">
+        <a:effectRef idx="2">
           <a:scrgbClr r="0" g="0" b="0"/>
         </a:effectRef>
         <a:fontRef idx="minor"/>
       </dsp:style>
-      <dsp:txBody>
-        <a:bodyPr spcFirstLastPara="0" vert="horz" wrap="square" lIns="630823" tIns="437388" rIns="630823" bIns="149352" numCol="1" spcCol="1270" anchor="t" anchorCtr="0">
-          <a:noAutofit/>
-        </a:bodyPr>
-        <a:lstStyle/>
-        <a:p>
-          <a:pPr marL="228600" lvl="1" indent="-228600" algn="l" defTabSz="933450">
-            <a:lnSpc>
-              <a:spcPct val="90000"/>
-            </a:lnSpc>
-            <a:spcBef>
-              <a:spcPct val="0"/>
-            </a:spcBef>
-            <a:spcAft>
-              <a:spcPct val="15000"/>
-            </a:spcAft>
-            <a:buChar char="•"/>
-          </a:pPr>
-          <a:endParaRPr lang="de-DE" sz="2100" kern="1200" dirty="0"/>
-        </a:p>
-      </dsp:txBody>
-      <dsp:txXfrm>
-        <a:off x="0" y="388934"/>
-        <a:ext cx="8128000" cy="529200"/>
-      </dsp:txXfrm>
     </dsp:sp>
-    <dsp:sp modelId="{1B8DC5A1-7C57-413A-BB29-5E10B7C27CA2}">
+    <dsp:sp modelId="{2F0DC94B-3D5E-4B80-AAD3-5CF0BB8DAA26}">
       <dsp:nvSpPr>
         <dsp:cNvPr id="0" name=""/>
         <dsp:cNvSpPr/>
       </dsp:nvSpPr>
       <dsp:spPr>
         <a:xfrm>
-          <a:off x="406400" y="78974"/>
-          <a:ext cx="5689600" cy="619920"/>
+          <a:off x="1947328" y="920410"/>
+          <a:ext cx="96625" cy="181664"/>
         </a:xfrm>
-        <a:prstGeom prst="roundRect">
-          <a:avLst/>
+        <a:prstGeom prst="chevron">
+          <a:avLst>
+            <a:gd name="adj" fmla="val 90000"/>
+          </a:avLst>
         </a:prstGeom>
         <a:solidFill>
-          <a:schemeClr val="accent1">
+          <a:schemeClr val="accent3">
+            <a:tint val="40000"/>
+            <a:alpha val="90000"/>
             <a:hueOff val="0"/>
             <a:satOff val="0"/>
             <a:lumOff val="0"/>
             <a:alphaOff val="0"/>
           </a:schemeClr>
         </a:solidFill>
-        <a:ln w="12700" cap="flat" cmpd="sng" algn="ctr">
+        <a:ln w="6350" cap="flat" cmpd="sng" algn="ctr">
           <a:solidFill>
-            <a:schemeClr val="lt1">
+            <a:schemeClr val="accent3">
+              <a:tint val="40000"/>
+              <a:alpha val="90000"/>
               <a:hueOff val="0"/>
               <a:satOff val="0"/>
               <a:lumOff val="0"/>
@@ -28130,13 +26671,97 @@
         <a:effectLst/>
       </dsp:spPr>
       <dsp:style>
-        <a:lnRef idx="2">
+        <a:lnRef idx="1">
           <a:scrgbClr r="0" g="0" b="0"/>
         </a:lnRef>
         <a:fillRef idx="1">
           <a:scrgbClr r="0" g="0" b="0"/>
         </a:fillRef>
-        <a:effectRef idx="0">
+        <a:effectRef idx="2">
+          <a:scrgbClr r="0" g="0" b="0"/>
+        </a:effectRef>
+        <a:fontRef idx="minor"/>
+      </dsp:style>
+    </dsp:sp>
+    <dsp:sp modelId="{2BBCC05D-6485-4136-ACF9-BAC1DCAC2A2C}">
+      <dsp:nvSpPr>
+        <dsp:cNvPr id="0" name=""/>
+        <dsp:cNvSpPr/>
+      </dsp:nvSpPr>
+      <dsp:spPr>
+        <a:xfrm>
+          <a:off x="529840" y="569232"/>
+          <a:ext cx="843651" cy="843651"/>
+        </a:xfrm>
+        <a:prstGeom prst="ellipse">
+          <a:avLst/>
+        </a:prstGeom>
+        <a:gradFill rotWithShape="0">
+          <a:gsLst>
+            <a:gs pos="0">
+              <a:schemeClr val="accent2">
+                <a:hueOff val="0"/>
+                <a:satOff val="0"/>
+                <a:lumOff val="0"/>
+                <a:alphaOff val="0"/>
+                <a:satMod val="103000"/>
+                <a:lumMod val="102000"/>
+                <a:tint val="94000"/>
+              </a:schemeClr>
+            </a:gs>
+            <a:gs pos="50000">
+              <a:schemeClr val="accent2">
+                <a:hueOff val="0"/>
+                <a:satOff val="0"/>
+                <a:lumOff val="0"/>
+                <a:alphaOff val="0"/>
+                <a:satMod val="110000"/>
+                <a:lumMod val="100000"/>
+                <a:shade val="100000"/>
+              </a:schemeClr>
+            </a:gs>
+            <a:gs pos="100000">
+              <a:schemeClr val="accent2">
+                <a:hueOff val="0"/>
+                <a:satOff val="0"/>
+                <a:lumOff val="0"/>
+                <a:alphaOff val="0"/>
+                <a:lumMod val="99000"/>
+                <a:satMod val="120000"/>
+                <a:shade val="78000"/>
+              </a:schemeClr>
+            </a:gs>
+          </a:gsLst>
+          <a:lin ang="5400000" scaled="0"/>
+        </a:gradFill>
+        <a:ln w="6350" cap="flat" cmpd="sng" algn="ctr">
+          <a:solidFill>
+            <a:schemeClr val="accent2">
+              <a:hueOff val="0"/>
+              <a:satOff val="0"/>
+              <a:lumOff val="0"/>
+              <a:alphaOff val="0"/>
+            </a:schemeClr>
+          </a:solidFill>
+          <a:prstDash val="solid"/>
+          <a:miter lim="800000"/>
+        </a:ln>
+        <a:effectLst>
+          <a:outerShdw blurRad="57150" dist="19050" dir="5400000" algn="ctr" rotWithShape="0">
+            <a:srgbClr val="000000">
+              <a:alpha val="63000"/>
+            </a:srgbClr>
+          </a:outerShdw>
+        </a:effectLst>
+      </dsp:spPr>
+      <dsp:style>
+        <a:lnRef idx="1">
+          <a:scrgbClr r="0" g="0" b="0"/>
+        </a:lnRef>
+        <a:fillRef idx="3">
+          <a:scrgbClr r="0" g="0" b="0"/>
+        </a:fillRef>
+        <a:effectRef idx="3">
           <a:scrgbClr r="0" g="0" b="0"/>
         </a:effectRef>
         <a:fontRef idx="minor">
@@ -28144,12 +26769,12 @@
         </a:fontRef>
       </dsp:style>
       <dsp:txBody>
-        <a:bodyPr spcFirstLastPara="0" vert="horz" wrap="square" lIns="215053" tIns="0" rIns="215053" bIns="0" numCol="1" spcCol="1270" anchor="ctr" anchorCtr="0">
+        <a:bodyPr spcFirstLastPara="0" vert="horz" wrap="square" lIns="32738" tIns="32738" rIns="32738" bIns="32738" numCol="1" spcCol="1270" anchor="ctr" anchorCtr="0">
           <a:noAutofit/>
         </a:bodyPr>
         <a:lstStyle/>
         <a:p>
-          <a:pPr marL="0" lvl="0" indent="0" algn="l" defTabSz="933450">
+          <a:pPr marL="0" lvl="0" indent="0" algn="ctr" defTabSz="1689100">
             <a:lnSpc>
               <a:spcPct val="90000"/>
             </a:lnSpc>
@@ -28162,31 +26787,37 @@
             <a:buNone/>
           </a:pPr>
           <a:r>
-            <a:rPr lang="de-DE" sz="2100" kern="1200" dirty="0"/>
-            <a:t>Name</a:t>
+            <a:rPr lang="de-DE" sz="3800" kern="1200"/>
+            <a:t>1</a:t>
           </a:r>
         </a:p>
       </dsp:txBody>
       <dsp:txXfrm>
-        <a:off x="436662" y="109236"/>
-        <a:ext cx="5629076" cy="559396"/>
+        <a:off x="653390" y="692782"/>
+        <a:ext cx="596551" cy="596551"/>
       </dsp:txXfrm>
     </dsp:sp>
-    <dsp:sp modelId="{02D636D8-F510-4CFE-9F9D-EAF781A37589}">
+    <dsp:sp modelId="{7D8B82C3-95B4-466C-A7F2-F55237AAAB7D}">
       <dsp:nvSpPr>
         <dsp:cNvPr id="0" name=""/>
         <dsp:cNvSpPr/>
       </dsp:nvSpPr>
       <dsp:spPr>
         <a:xfrm>
-          <a:off x="0" y="1341495"/>
-          <a:ext cx="8128000" cy="1190700"/>
+          <a:off x="6416" y="1578483"/>
+          <a:ext cx="1890497" cy="2203621"/>
         </a:xfrm>
-        <a:prstGeom prst="rect">
-          <a:avLst/>
+        <a:prstGeom prst="upArrowCallout">
+          <a:avLst>
+            <a:gd name="adj1" fmla="val 50000"/>
+            <a:gd name="adj2" fmla="val 20000"/>
+            <a:gd name="adj3" fmla="val 20000"/>
+            <a:gd name="adj4" fmla="val 100000"/>
+          </a:avLst>
         </a:prstGeom>
         <a:solidFill>
-          <a:schemeClr val="lt1">
+          <a:schemeClr val="accent4">
+            <a:tint val="40000"/>
             <a:alpha val="90000"/>
             <a:hueOff val="0"/>
             <a:satOff val="0"/>
@@ -28194,9 +26825,11 @@
             <a:alphaOff val="0"/>
           </a:schemeClr>
         </a:solidFill>
-        <a:ln w="12700" cap="flat" cmpd="sng" algn="ctr">
+        <a:ln w="6350" cap="flat" cmpd="sng" algn="ctr">
           <a:solidFill>
-            <a:schemeClr val="accent1">
+            <a:schemeClr val="accent4">
+              <a:tint val="40000"/>
+              <a:alpha val="90000"/>
               <a:hueOff val="0"/>
               <a:satOff val="0"/>
               <a:lumOff val="0"/>
@@ -28209,24 +26842,42 @@
         <a:effectLst/>
       </dsp:spPr>
       <dsp:style>
-        <a:lnRef idx="2">
+        <a:lnRef idx="1">
           <a:scrgbClr r="0" g="0" b="0"/>
         </a:lnRef>
         <a:fillRef idx="1">
           <a:scrgbClr r="0" g="0" b="0"/>
         </a:fillRef>
-        <a:effectRef idx="0">
+        <a:effectRef idx="2">
           <a:scrgbClr r="0" g="0" b="0"/>
         </a:effectRef>
         <a:fontRef idx="minor"/>
       </dsp:style>
       <dsp:txBody>
-        <a:bodyPr spcFirstLastPara="0" vert="horz" wrap="square" lIns="630823" tIns="437388" rIns="630823" bIns="149352" numCol="1" spcCol="1270" anchor="t" anchorCtr="0">
+        <a:bodyPr spcFirstLastPara="0" vert="horz" wrap="square" lIns="149125" tIns="165100" rIns="149125" bIns="165100" numCol="1" spcCol="1270" anchor="t" anchorCtr="0">
           <a:noAutofit/>
         </a:bodyPr>
         <a:lstStyle/>
         <a:p>
-          <a:pPr marL="228600" lvl="1" indent="-228600" algn="l" defTabSz="933450">
+          <a:pPr marL="0" lvl="0" indent="0" algn="l" defTabSz="488950">
+            <a:lnSpc>
+              <a:spcPct val="90000"/>
+            </a:lnSpc>
+            <a:spcBef>
+              <a:spcPct val="0"/>
+            </a:spcBef>
+            <a:spcAft>
+              <a:spcPct val="35000"/>
+            </a:spcAft>
+            <a:buNone/>
+          </a:pPr>
+          <a:r>
+            <a:rPr lang="de-DE" sz="1100" kern="1200"/>
+            <a:t>Name</a:t>
+          </a:r>
+        </a:p>
+        <a:p>
+          <a:pPr marL="57150" lvl="1" indent="-57150" algn="l" defTabSz="488950">
             <a:lnSpc>
               <a:spcPct val="90000"/>
             </a:lnSpc>
@@ -28239,48 +26890,44 @@
             <a:buChar char="•"/>
           </a:pPr>
           <a:r>
-            <a:rPr lang="de-DE" sz="2100" kern="1200" dirty="0"/>
-            <a:t>Alter, Geschlecht, Verheiratet, Kinder (</a:t>
-          </a:r>
-          <a:r>
-            <a:rPr lang="de-DE" sz="2100" kern="1200" dirty="0" err="1"/>
-            <a:t>wieviele</a:t>
-          </a:r>
-          <a:r>
-            <a:rPr lang="de-DE" sz="2100" kern="1200" dirty="0"/>
-            <a:t>), Wohnt in, Einkommen</a:t>
+            <a:rPr lang="de-DE" sz="1100" kern="1200" dirty="0"/>
+            <a:t>Sybille Seifert</a:t>
           </a:r>
         </a:p>
       </dsp:txBody>
       <dsp:txXfrm>
-        <a:off x="0" y="1341495"/>
-        <a:ext cx="8128000" cy="1190700"/>
+        <a:off x="6416" y="1956582"/>
+        <a:ext cx="1890497" cy="1825522"/>
       </dsp:txXfrm>
     </dsp:sp>
-    <dsp:sp modelId="{500B1DBB-17BD-4136-B309-7433AB1D06F1}">
+    <dsp:sp modelId="{C5BB3E39-5E89-4D22-BF13-9C81ED6C5061}">
       <dsp:nvSpPr>
         <dsp:cNvPr id="0" name=""/>
         <dsp:cNvSpPr/>
       </dsp:nvSpPr>
       <dsp:spPr>
         <a:xfrm>
-          <a:off x="406400" y="1031534"/>
-          <a:ext cx="5689600" cy="619920"/>
+          <a:off x="2106970" y="991022"/>
+          <a:ext cx="1890497" cy="72"/>
         </a:xfrm>
-        <a:prstGeom prst="roundRect">
+        <a:prstGeom prst="rect">
           <a:avLst/>
         </a:prstGeom>
         <a:solidFill>
-          <a:schemeClr val="accent1">
+          <a:schemeClr val="accent5">
+            <a:tint val="40000"/>
+            <a:alpha val="90000"/>
             <a:hueOff val="0"/>
             <a:satOff val="0"/>
             <a:lumOff val="0"/>
             <a:alphaOff val="0"/>
           </a:schemeClr>
         </a:solidFill>
-        <a:ln w="12700" cap="flat" cmpd="sng" algn="ctr">
+        <a:ln w="6350" cap="flat" cmpd="sng" algn="ctr">
           <a:solidFill>
-            <a:schemeClr val="lt1">
+            <a:schemeClr val="accent5">
+              <a:tint val="40000"/>
+              <a:alpha val="90000"/>
               <a:hueOff val="0"/>
               <a:satOff val="0"/>
               <a:lumOff val="0"/>
@@ -28293,13 +26940,151 @@
         <a:effectLst/>
       </dsp:spPr>
       <dsp:style>
-        <a:lnRef idx="2">
+        <a:lnRef idx="1">
           <a:scrgbClr r="0" g="0" b="0"/>
         </a:lnRef>
         <a:fillRef idx="1">
           <a:scrgbClr r="0" g="0" b="0"/>
         </a:fillRef>
-        <a:effectRef idx="0">
+        <a:effectRef idx="2">
+          <a:scrgbClr r="0" g="0" b="0"/>
+        </a:effectRef>
+        <a:fontRef idx="minor"/>
+      </dsp:style>
+    </dsp:sp>
+    <dsp:sp modelId="{C0411F29-3C31-4C04-8F39-3B97AC386BE1}">
+      <dsp:nvSpPr>
+        <dsp:cNvPr id="0" name=""/>
+        <dsp:cNvSpPr/>
+      </dsp:nvSpPr>
+      <dsp:spPr>
+        <a:xfrm>
+          <a:off x="4047881" y="920410"/>
+          <a:ext cx="96625" cy="181665"/>
+        </a:xfrm>
+        <a:prstGeom prst="chevron">
+          <a:avLst>
+            <a:gd name="adj" fmla="val 90000"/>
+          </a:avLst>
+        </a:prstGeom>
+        <a:solidFill>
+          <a:schemeClr val="accent6">
+            <a:tint val="40000"/>
+            <a:alpha val="90000"/>
+            <a:hueOff val="0"/>
+            <a:satOff val="0"/>
+            <a:lumOff val="0"/>
+            <a:alphaOff val="0"/>
+          </a:schemeClr>
+        </a:solidFill>
+        <a:ln w="6350" cap="flat" cmpd="sng" algn="ctr">
+          <a:solidFill>
+            <a:schemeClr val="accent6">
+              <a:tint val="40000"/>
+              <a:alpha val="90000"/>
+              <a:hueOff val="0"/>
+              <a:satOff val="0"/>
+              <a:lumOff val="0"/>
+              <a:alphaOff val="0"/>
+            </a:schemeClr>
+          </a:solidFill>
+          <a:prstDash val="solid"/>
+          <a:miter lim="800000"/>
+        </a:ln>
+        <a:effectLst/>
+      </dsp:spPr>
+      <dsp:style>
+        <a:lnRef idx="1">
+          <a:scrgbClr r="0" g="0" b="0"/>
+        </a:lnRef>
+        <a:fillRef idx="1">
+          <a:scrgbClr r="0" g="0" b="0"/>
+        </a:fillRef>
+        <a:effectRef idx="2">
+          <a:scrgbClr r="0" g="0" b="0"/>
+        </a:effectRef>
+        <a:fontRef idx="minor"/>
+      </dsp:style>
+    </dsp:sp>
+    <dsp:sp modelId="{97CCC9A2-57C3-4B2A-8A3E-6211DCBE65C2}">
+      <dsp:nvSpPr>
+        <dsp:cNvPr id="0" name=""/>
+        <dsp:cNvSpPr/>
+      </dsp:nvSpPr>
+      <dsp:spPr>
+        <a:xfrm>
+          <a:off x="2630393" y="569232"/>
+          <a:ext cx="843651" cy="843651"/>
+        </a:xfrm>
+        <a:prstGeom prst="ellipse">
+          <a:avLst/>
+        </a:prstGeom>
+        <a:gradFill rotWithShape="0">
+          <a:gsLst>
+            <a:gs pos="0">
+              <a:schemeClr val="accent3">
+                <a:hueOff val="0"/>
+                <a:satOff val="0"/>
+                <a:lumOff val="0"/>
+                <a:alphaOff val="0"/>
+                <a:satMod val="103000"/>
+                <a:lumMod val="102000"/>
+                <a:tint val="94000"/>
+              </a:schemeClr>
+            </a:gs>
+            <a:gs pos="50000">
+              <a:schemeClr val="accent3">
+                <a:hueOff val="0"/>
+                <a:satOff val="0"/>
+                <a:lumOff val="0"/>
+                <a:alphaOff val="0"/>
+                <a:satMod val="110000"/>
+                <a:lumMod val="100000"/>
+                <a:shade val="100000"/>
+              </a:schemeClr>
+            </a:gs>
+            <a:gs pos="100000">
+              <a:schemeClr val="accent3">
+                <a:hueOff val="0"/>
+                <a:satOff val="0"/>
+                <a:lumOff val="0"/>
+                <a:alphaOff val="0"/>
+                <a:lumMod val="99000"/>
+                <a:satMod val="120000"/>
+                <a:shade val="78000"/>
+              </a:schemeClr>
+            </a:gs>
+          </a:gsLst>
+          <a:lin ang="5400000" scaled="0"/>
+        </a:gradFill>
+        <a:ln w="6350" cap="flat" cmpd="sng" algn="ctr">
+          <a:solidFill>
+            <a:schemeClr val="accent3">
+              <a:hueOff val="0"/>
+              <a:satOff val="0"/>
+              <a:lumOff val="0"/>
+              <a:alphaOff val="0"/>
+            </a:schemeClr>
+          </a:solidFill>
+          <a:prstDash val="solid"/>
+          <a:miter lim="800000"/>
+        </a:ln>
+        <a:effectLst>
+          <a:outerShdw blurRad="57150" dist="19050" dir="5400000" algn="ctr" rotWithShape="0">
+            <a:srgbClr val="000000">
+              <a:alpha val="63000"/>
+            </a:srgbClr>
+          </a:outerShdw>
+        </a:effectLst>
+      </dsp:spPr>
+      <dsp:style>
+        <a:lnRef idx="1">
+          <a:scrgbClr r="0" g="0" b="0"/>
+        </a:lnRef>
+        <a:fillRef idx="3">
+          <a:scrgbClr r="0" g="0" b="0"/>
+        </a:fillRef>
+        <a:effectRef idx="3">
           <a:scrgbClr r="0" g="0" b="0"/>
         </a:effectRef>
         <a:fontRef idx="minor">
@@ -28307,12 +27092,12 @@
         </a:fontRef>
       </dsp:style>
       <dsp:txBody>
-        <a:bodyPr spcFirstLastPara="0" vert="horz" wrap="square" lIns="215053" tIns="0" rIns="215053" bIns="0" numCol="1" spcCol="1270" anchor="ctr" anchorCtr="0">
+        <a:bodyPr spcFirstLastPara="0" vert="horz" wrap="square" lIns="32738" tIns="32738" rIns="32738" bIns="32738" numCol="1" spcCol="1270" anchor="ctr" anchorCtr="0">
           <a:noAutofit/>
         </a:bodyPr>
         <a:lstStyle/>
         <a:p>
-          <a:pPr marL="0" lvl="0" indent="0" algn="l" defTabSz="933450">
+          <a:pPr marL="0" lvl="0" indent="0" algn="ctr" defTabSz="1689100">
             <a:lnSpc>
               <a:spcPct val="90000"/>
             </a:lnSpc>
@@ -28325,31 +27110,37 @@
             <a:buNone/>
           </a:pPr>
           <a:r>
-            <a:rPr lang="de-DE" sz="2100" kern="1200" dirty="0"/>
-            <a:t>Harte Fakten</a:t>
+            <a:rPr lang="de-DE" sz="3800" kern="1200"/>
+            <a:t>2</a:t>
           </a:r>
         </a:p>
       </dsp:txBody>
       <dsp:txXfrm>
-        <a:off x="436662" y="1061796"/>
-        <a:ext cx="5629076" cy="559396"/>
+        <a:off x="2753943" y="692782"/>
+        <a:ext cx="596551" cy="596551"/>
       </dsp:txXfrm>
     </dsp:sp>
-    <dsp:sp modelId="{76CBBFC7-E92E-48B9-BBC8-E50506145469}">
+    <dsp:sp modelId="{002AA0AA-8FDB-4D40-A80B-25449E155030}">
       <dsp:nvSpPr>
         <dsp:cNvPr id="0" name=""/>
         <dsp:cNvSpPr/>
       </dsp:nvSpPr>
       <dsp:spPr>
         <a:xfrm>
-          <a:off x="0" y="2955555"/>
-          <a:ext cx="8128000" cy="893025"/>
+          <a:off x="2106970" y="1578483"/>
+          <a:ext cx="1890497" cy="2203621"/>
         </a:xfrm>
-        <a:prstGeom prst="rect">
-          <a:avLst/>
+        <a:prstGeom prst="upArrowCallout">
+          <a:avLst>
+            <a:gd name="adj1" fmla="val 50000"/>
+            <a:gd name="adj2" fmla="val 20000"/>
+            <a:gd name="adj3" fmla="val 20000"/>
+            <a:gd name="adj4" fmla="val 100000"/>
+          </a:avLst>
         </a:prstGeom>
         <a:solidFill>
-          <a:schemeClr val="lt1">
+          <a:schemeClr val="accent2">
+            <a:tint val="40000"/>
             <a:alpha val="90000"/>
             <a:hueOff val="0"/>
             <a:satOff val="0"/>
@@ -28357,9 +27148,11 @@
             <a:alphaOff val="0"/>
           </a:schemeClr>
         </a:solidFill>
-        <a:ln w="12700" cap="flat" cmpd="sng" algn="ctr">
+        <a:ln w="6350" cap="flat" cmpd="sng" algn="ctr">
           <a:solidFill>
-            <a:schemeClr val="accent1">
+            <a:schemeClr val="accent2">
+              <a:tint val="40000"/>
+              <a:alpha val="90000"/>
               <a:hueOff val="0"/>
               <a:satOff val="0"/>
               <a:lumOff val="0"/>
@@ -28372,24 +27165,42 @@
         <a:effectLst/>
       </dsp:spPr>
       <dsp:style>
-        <a:lnRef idx="2">
+        <a:lnRef idx="1">
           <a:scrgbClr r="0" g="0" b="0"/>
         </a:lnRef>
         <a:fillRef idx="1">
           <a:scrgbClr r="0" g="0" b="0"/>
         </a:fillRef>
-        <a:effectRef idx="0">
+        <a:effectRef idx="2">
           <a:scrgbClr r="0" g="0" b="0"/>
         </a:effectRef>
         <a:fontRef idx="minor"/>
       </dsp:style>
       <dsp:txBody>
-        <a:bodyPr spcFirstLastPara="0" vert="horz" wrap="square" lIns="630823" tIns="437388" rIns="630823" bIns="149352" numCol="1" spcCol="1270" anchor="t" anchorCtr="0">
+        <a:bodyPr spcFirstLastPara="0" vert="horz" wrap="square" lIns="149125" tIns="165100" rIns="149125" bIns="165100" numCol="1" spcCol="1270" anchor="t" anchorCtr="0">
           <a:noAutofit/>
         </a:bodyPr>
         <a:lstStyle/>
         <a:p>
-          <a:pPr marL="228600" lvl="1" indent="-228600" algn="l" defTabSz="933450">
+          <a:pPr marL="0" lvl="0" indent="0" algn="l" defTabSz="488950">
+            <a:lnSpc>
+              <a:spcPct val="90000"/>
+            </a:lnSpc>
+            <a:spcBef>
+              <a:spcPct val="0"/>
+            </a:spcBef>
+            <a:spcAft>
+              <a:spcPct val="35000"/>
+            </a:spcAft>
+            <a:buNone/>
+          </a:pPr>
+          <a:r>
+            <a:rPr lang="de-DE" sz="1100" kern="1200"/>
+            <a:t>Harte Fakten</a:t>
+          </a:r>
+        </a:p>
+        <a:p>
+          <a:pPr marL="57150" lvl="1" indent="-57150" algn="l" defTabSz="488950">
             <a:lnSpc>
               <a:spcPct val="90000"/>
             </a:lnSpc>
@@ -28402,40 +27213,149 @@
             <a:buChar char="•"/>
           </a:pPr>
           <a:r>
-            <a:rPr lang="de-DE" sz="2100" kern="1200" dirty="0"/>
-            <a:t>Bildung, Job, Hierarchie-Ebene, Selbstbestätigung</a:t>
+            <a:rPr lang="de-DE" sz="1100" kern="1200" dirty="0"/>
+            <a:t>43</a:t>
           </a:r>
+        </a:p>
+        <a:p>
+          <a:pPr marL="57150" lvl="1" indent="-57150" algn="l" defTabSz="488950">
+            <a:lnSpc>
+              <a:spcPct val="90000"/>
+            </a:lnSpc>
+            <a:spcBef>
+              <a:spcPct val="0"/>
+            </a:spcBef>
+            <a:spcAft>
+              <a:spcPct val="15000"/>
+            </a:spcAft>
+            <a:buChar char="•"/>
+          </a:pPr>
+          <a:r>
+            <a:rPr lang="de-DE" sz="1100" kern="1200" dirty="0"/>
+            <a:t>Weiblich</a:t>
+          </a:r>
+        </a:p>
+        <a:p>
+          <a:pPr marL="57150" lvl="1" indent="-57150" algn="l" defTabSz="488950">
+            <a:lnSpc>
+              <a:spcPct val="90000"/>
+            </a:lnSpc>
+            <a:spcBef>
+              <a:spcPct val="0"/>
+            </a:spcBef>
+            <a:spcAft>
+              <a:spcPct val="15000"/>
+            </a:spcAft>
+            <a:buChar char="•"/>
+          </a:pPr>
+          <a:r>
+            <a:rPr lang="de-DE" sz="1100" kern="1200" dirty="0"/>
+            <a:t>Verheiratet </a:t>
+          </a:r>
+        </a:p>
+        <a:p>
+          <a:pPr marL="57150" lvl="1" indent="-57150" algn="l" defTabSz="488950">
+            <a:lnSpc>
+              <a:spcPct val="90000"/>
+            </a:lnSpc>
+            <a:spcBef>
+              <a:spcPct val="0"/>
+            </a:spcBef>
+            <a:spcAft>
+              <a:spcPct val="15000"/>
+            </a:spcAft>
+            <a:buChar char="•"/>
+          </a:pPr>
+          <a:r>
+            <a:rPr lang="de-DE" sz="1100" kern="1200" dirty="0"/>
+            <a:t>2 Kinder</a:t>
+          </a:r>
+        </a:p>
+        <a:p>
+          <a:pPr marL="57150" lvl="1" indent="-57150" algn="l" defTabSz="488950">
+            <a:lnSpc>
+              <a:spcPct val="90000"/>
+            </a:lnSpc>
+            <a:spcBef>
+              <a:spcPct val="0"/>
+            </a:spcBef>
+            <a:spcAft>
+              <a:spcPct val="15000"/>
+            </a:spcAft>
+            <a:buChar char="•"/>
+          </a:pPr>
+          <a:r>
+            <a:rPr lang="de-DE" sz="1100" kern="1200" dirty="0"/>
+            <a:t>Stutensee</a:t>
+          </a:r>
+        </a:p>
+        <a:p>
+          <a:pPr marL="57150" lvl="1" indent="-57150" algn="l" defTabSz="488950">
+            <a:lnSpc>
+              <a:spcPct val="90000"/>
+            </a:lnSpc>
+            <a:spcBef>
+              <a:spcPct val="0"/>
+            </a:spcBef>
+            <a:spcAft>
+              <a:spcPct val="15000"/>
+            </a:spcAft>
+            <a:buChar char="•"/>
+          </a:pPr>
+          <a:r>
+            <a:rPr lang="de-DE" sz="1100" kern="1200" dirty="0"/>
+            <a:t>18.000 €</a:t>
+          </a:r>
+        </a:p>
+        <a:p>
+          <a:pPr marL="57150" lvl="1" indent="-57150" algn="l" defTabSz="488950">
+            <a:lnSpc>
+              <a:spcPct val="90000"/>
+            </a:lnSpc>
+            <a:spcBef>
+              <a:spcPct val="0"/>
+            </a:spcBef>
+            <a:spcAft>
+              <a:spcPct val="15000"/>
+            </a:spcAft>
+            <a:buChar char="•"/>
+          </a:pPr>
+          <a:endParaRPr lang="de-DE" sz="1100" kern="1200" dirty="0"/>
         </a:p>
       </dsp:txBody>
       <dsp:txXfrm>
-        <a:off x="0" y="2955555"/>
-        <a:ext cx="8128000" cy="893025"/>
+        <a:off x="2106970" y="1956582"/>
+        <a:ext cx="1890497" cy="1825522"/>
       </dsp:txXfrm>
     </dsp:sp>
-    <dsp:sp modelId="{6E3EC9C7-9C77-49FB-8BC9-6E7FC7186DB8}">
+    <dsp:sp modelId="{059E0B0B-A9DC-40AD-99E2-615FED92EB81}">
       <dsp:nvSpPr>
         <dsp:cNvPr id="0" name=""/>
         <dsp:cNvSpPr/>
       </dsp:nvSpPr>
       <dsp:spPr>
         <a:xfrm>
-          <a:off x="406400" y="2645595"/>
-          <a:ext cx="5689600" cy="619920"/>
+          <a:off x="4207523" y="991022"/>
+          <a:ext cx="1890497" cy="72"/>
         </a:xfrm>
-        <a:prstGeom prst="roundRect">
+        <a:prstGeom prst="rect">
           <a:avLst/>
         </a:prstGeom>
         <a:solidFill>
-          <a:schemeClr val="accent1">
+          <a:schemeClr val="accent3">
+            <a:tint val="40000"/>
+            <a:alpha val="90000"/>
             <a:hueOff val="0"/>
             <a:satOff val="0"/>
             <a:lumOff val="0"/>
             <a:alphaOff val="0"/>
           </a:schemeClr>
         </a:solidFill>
-        <a:ln w="12700" cap="flat" cmpd="sng" algn="ctr">
+        <a:ln w="6350" cap="flat" cmpd="sng" algn="ctr">
           <a:solidFill>
-            <a:schemeClr val="lt1">
+            <a:schemeClr val="accent3">
+              <a:tint val="40000"/>
+              <a:alpha val="90000"/>
               <a:hueOff val="0"/>
               <a:satOff val="0"/>
               <a:lumOff val="0"/>
@@ -28448,13 +27368,151 @@
         <a:effectLst/>
       </dsp:spPr>
       <dsp:style>
-        <a:lnRef idx="2">
+        <a:lnRef idx="1">
           <a:scrgbClr r="0" g="0" b="0"/>
         </a:lnRef>
         <a:fillRef idx="1">
           <a:scrgbClr r="0" g="0" b="0"/>
         </a:fillRef>
-        <a:effectRef idx="0">
+        <a:effectRef idx="2">
+          <a:scrgbClr r="0" g="0" b="0"/>
+        </a:effectRef>
+        <a:fontRef idx="minor"/>
+      </dsp:style>
+    </dsp:sp>
+    <dsp:sp modelId="{FAE598C2-9FA0-4057-9787-BCCFEC85B422}">
+      <dsp:nvSpPr>
+        <dsp:cNvPr id="0" name=""/>
+        <dsp:cNvSpPr/>
+      </dsp:nvSpPr>
+      <dsp:spPr>
+        <a:xfrm>
+          <a:off x="6148434" y="920410"/>
+          <a:ext cx="96625" cy="181665"/>
+        </a:xfrm>
+        <a:prstGeom prst="chevron">
+          <a:avLst>
+            <a:gd name="adj" fmla="val 90000"/>
+          </a:avLst>
+        </a:prstGeom>
+        <a:solidFill>
+          <a:schemeClr val="accent4">
+            <a:tint val="40000"/>
+            <a:alpha val="90000"/>
+            <a:hueOff val="0"/>
+            <a:satOff val="0"/>
+            <a:lumOff val="0"/>
+            <a:alphaOff val="0"/>
+          </a:schemeClr>
+        </a:solidFill>
+        <a:ln w="6350" cap="flat" cmpd="sng" algn="ctr">
+          <a:solidFill>
+            <a:schemeClr val="accent4">
+              <a:tint val="40000"/>
+              <a:alpha val="90000"/>
+              <a:hueOff val="0"/>
+              <a:satOff val="0"/>
+              <a:lumOff val="0"/>
+              <a:alphaOff val="0"/>
+            </a:schemeClr>
+          </a:solidFill>
+          <a:prstDash val="solid"/>
+          <a:miter lim="800000"/>
+        </a:ln>
+        <a:effectLst/>
+      </dsp:spPr>
+      <dsp:style>
+        <a:lnRef idx="1">
+          <a:scrgbClr r="0" g="0" b="0"/>
+        </a:lnRef>
+        <a:fillRef idx="1">
+          <a:scrgbClr r="0" g="0" b="0"/>
+        </a:fillRef>
+        <a:effectRef idx="2">
+          <a:scrgbClr r="0" g="0" b="0"/>
+        </a:effectRef>
+        <a:fontRef idx="minor"/>
+      </dsp:style>
+    </dsp:sp>
+    <dsp:sp modelId="{09274FF2-DA96-4A16-9334-E6F0E3C3BAC2}">
+      <dsp:nvSpPr>
+        <dsp:cNvPr id="0" name=""/>
+        <dsp:cNvSpPr/>
+      </dsp:nvSpPr>
+      <dsp:spPr>
+        <a:xfrm>
+          <a:off x="4730946" y="569232"/>
+          <a:ext cx="843651" cy="843651"/>
+        </a:xfrm>
+        <a:prstGeom prst="ellipse">
+          <a:avLst/>
+        </a:prstGeom>
+        <a:gradFill rotWithShape="0">
+          <a:gsLst>
+            <a:gs pos="0">
+              <a:schemeClr val="accent4">
+                <a:hueOff val="0"/>
+                <a:satOff val="0"/>
+                <a:lumOff val="0"/>
+                <a:alphaOff val="0"/>
+                <a:satMod val="103000"/>
+                <a:lumMod val="102000"/>
+                <a:tint val="94000"/>
+              </a:schemeClr>
+            </a:gs>
+            <a:gs pos="50000">
+              <a:schemeClr val="accent4">
+                <a:hueOff val="0"/>
+                <a:satOff val="0"/>
+                <a:lumOff val="0"/>
+                <a:alphaOff val="0"/>
+                <a:satMod val="110000"/>
+                <a:lumMod val="100000"/>
+                <a:shade val="100000"/>
+              </a:schemeClr>
+            </a:gs>
+            <a:gs pos="100000">
+              <a:schemeClr val="accent4">
+                <a:hueOff val="0"/>
+                <a:satOff val="0"/>
+                <a:lumOff val="0"/>
+                <a:alphaOff val="0"/>
+                <a:lumMod val="99000"/>
+                <a:satMod val="120000"/>
+                <a:shade val="78000"/>
+              </a:schemeClr>
+            </a:gs>
+          </a:gsLst>
+          <a:lin ang="5400000" scaled="0"/>
+        </a:gradFill>
+        <a:ln w="6350" cap="flat" cmpd="sng" algn="ctr">
+          <a:solidFill>
+            <a:schemeClr val="accent4">
+              <a:hueOff val="0"/>
+              <a:satOff val="0"/>
+              <a:lumOff val="0"/>
+              <a:alphaOff val="0"/>
+            </a:schemeClr>
+          </a:solidFill>
+          <a:prstDash val="solid"/>
+          <a:miter lim="800000"/>
+        </a:ln>
+        <a:effectLst>
+          <a:outerShdw blurRad="57150" dist="19050" dir="5400000" algn="ctr" rotWithShape="0">
+            <a:srgbClr val="000000">
+              <a:alpha val="63000"/>
+            </a:srgbClr>
+          </a:outerShdw>
+        </a:effectLst>
+      </dsp:spPr>
+      <dsp:style>
+        <a:lnRef idx="1">
+          <a:scrgbClr r="0" g="0" b="0"/>
+        </a:lnRef>
+        <a:fillRef idx="3">
+          <a:scrgbClr r="0" g="0" b="0"/>
+        </a:fillRef>
+        <a:effectRef idx="3">
           <a:scrgbClr r="0" g="0" b="0"/>
         </a:effectRef>
         <a:fontRef idx="minor">
@@ -28462,12 +27520,12 @@
         </a:fontRef>
       </dsp:style>
       <dsp:txBody>
-        <a:bodyPr spcFirstLastPara="0" vert="horz" wrap="square" lIns="215053" tIns="0" rIns="215053" bIns="0" numCol="1" spcCol="1270" anchor="ctr" anchorCtr="0">
+        <a:bodyPr spcFirstLastPara="0" vert="horz" wrap="square" lIns="32738" tIns="32738" rIns="32738" bIns="32738" numCol="1" spcCol="1270" anchor="ctr" anchorCtr="0">
           <a:noAutofit/>
         </a:bodyPr>
         <a:lstStyle/>
         <a:p>
-          <a:pPr marL="0" lvl="0" indent="0" algn="l" defTabSz="933450">
+          <a:pPr marL="0" lvl="0" indent="0" algn="ctr" defTabSz="1689100">
             <a:lnSpc>
               <a:spcPct val="90000"/>
             </a:lnSpc>
@@ -28480,31 +27538,37 @@
             <a:buNone/>
           </a:pPr>
           <a:r>
-            <a:rPr lang="de-DE" sz="2100" kern="1200" dirty="0"/>
-            <a:t>Lebenslauf</a:t>
+            <a:rPr lang="de-DE" sz="3800" kern="1200"/>
+            <a:t>3</a:t>
           </a:r>
         </a:p>
       </dsp:txBody>
       <dsp:txXfrm>
-        <a:off x="436662" y="2675857"/>
-        <a:ext cx="5629076" cy="559396"/>
+        <a:off x="4854496" y="692782"/>
+        <a:ext cx="596551" cy="596551"/>
       </dsp:txXfrm>
     </dsp:sp>
-    <dsp:sp modelId="{EBA37CE3-57E7-4614-947F-9F1665FB5A88}">
+    <dsp:sp modelId="{607601BE-462C-4A5C-87DC-9EDCDE655693}">
       <dsp:nvSpPr>
         <dsp:cNvPr id="0" name=""/>
         <dsp:cNvSpPr/>
       </dsp:nvSpPr>
       <dsp:spPr>
         <a:xfrm>
-          <a:off x="0" y="4271940"/>
-          <a:ext cx="8128000" cy="893025"/>
+          <a:off x="4207523" y="1578483"/>
+          <a:ext cx="1890497" cy="2203621"/>
         </a:xfrm>
-        <a:prstGeom prst="rect">
-          <a:avLst/>
+        <a:prstGeom prst="upArrowCallout">
+          <a:avLst>
+            <a:gd name="adj1" fmla="val 50000"/>
+            <a:gd name="adj2" fmla="val 20000"/>
+            <a:gd name="adj3" fmla="val 20000"/>
+            <a:gd name="adj4" fmla="val 100000"/>
+          </a:avLst>
         </a:prstGeom>
         <a:solidFill>
-          <a:schemeClr val="lt1">
+          <a:schemeClr val="accent5">
+            <a:tint val="40000"/>
             <a:alpha val="90000"/>
             <a:hueOff val="0"/>
             <a:satOff val="0"/>
@@ -28512,9 +27576,11 @@
             <a:alphaOff val="0"/>
           </a:schemeClr>
         </a:solidFill>
-        <a:ln w="12700" cap="flat" cmpd="sng" algn="ctr">
+        <a:ln w="6350" cap="flat" cmpd="sng" algn="ctr">
           <a:solidFill>
-            <a:schemeClr val="accent1">
+            <a:schemeClr val="accent5">
+              <a:tint val="40000"/>
+              <a:alpha val="90000"/>
               <a:hueOff val="0"/>
               <a:satOff val="0"/>
               <a:lumOff val="0"/>
@@ -28527,24 +27593,42 @@
         <a:effectLst/>
       </dsp:spPr>
       <dsp:style>
-        <a:lnRef idx="2">
+        <a:lnRef idx="1">
           <a:scrgbClr r="0" g="0" b="0"/>
         </a:lnRef>
         <a:fillRef idx="1">
           <a:scrgbClr r="0" g="0" b="0"/>
         </a:fillRef>
-        <a:effectRef idx="0">
+        <a:effectRef idx="2">
           <a:scrgbClr r="0" g="0" b="0"/>
         </a:effectRef>
         <a:fontRef idx="minor"/>
       </dsp:style>
       <dsp:txBody>
-        <a:bodyPr spcFirstLastPara="0" vert="horz" wrap="square" lIns="630823" tIns="437388" rIns="630823" bIns="149352" numCol="1" spcCol="1270" anchor="t" anchorCtr="0">
+        <a:bodyPr spcFirstLastPara="0" vert="horz" wrap="square" lIns="149125" tIns="165100" rIns="149125" bIns="165100" numCol="1" spcCol="1270" anchor="t" anchorCtr="0">
           <a:noAutofit/>
         </a:bodyPr>
         <a:lstStyle/>
         <a:p>
-          <a:pPr marL="228600" lvl="1" indent="-228600" algn="l" defTabSz="933450">
+          <a:pPr marL="0" lvl="0" indent="0" algn="l" defTabSz="488950">
+            <a:lnSpc>
+              <a:spcPct val="90000"/>
+            </a:lnSpc>
+            <a:spcBef>
+              <a:spcPct val="0"/>
+            </a:spcBef>
+            <a:spcAft>
+              <a:spcPct val="35000"/>
+            </a:spcAft>
+            <a:buNone/>
+          </a:pPr>
+          <a:r>
+            <a:rPr lang="de-DE" sz="1100" kern="1200"/>
+            <a:t>Lebenslauf</a:t>
+          </a:r>
+        </a:p>
+        <a:p>
+          <a:pPr marL="57150" lvl="1" indent="-57150" algn="l" defTabSz="488950">
             <a:lnSpc>
               <a:spcPct val="90000"/>
             </a:lnSpc>
@@ -28557,56 +27641,81 @@
             <a:buChar char="•"/>
           </a:pPr>
           <a:r>
-            <a:rPr lang="de-DE" sz="2100" kern="1200" dirty="0"/>
-            <a:t>Kauft wo, </a:t>
+            <a:rPr lang="de-DE" sz="1100" kern="1200" dirty="0"/>
+            <a:t>Kaufmännische Ausbildung</a:t>
           </a:r>
+        </a:p>
+        <a:p>
+          <a:pPr marL="57150" lvl="1" indent="-57150" algn="l" defTabSz="488950">
+            <a:lnSpc>
+              <a:spcPct val="90000"/>
+            </a:lnSpc>
+            <a:spcBef>
+              <a:spcPct val="0"/>
+            </a:spcBef>
+            <a:spcAft>
+              <a:spcPct val="15000"/>
+            </a:spcAft>
+            <a:buChar char="•"/>
+          </a:pPr>
           <a:r>
-            <a:rPr lang="de-DE" sz="2100" kern="1200" dirty="0" err="1"/>
-            <a:t>innovation</a:t>
+            <a:rPr lang="de-DE" sz="1100" kern="1200" dirty="0"/>
+            <a:t>Weiterbildung Steno</a:t>
           </a:r>
+        </a:p>
+        <a:p>
+          <a:pPr marL="57150" lvl="1" indent="-57150" algn="l" defTabSz="488950">
+            <a:lnSpc>
+              <a:spcPct val="90000"/>
+            </a:lnSpc>
+            <a:spcBef>
+              <a:spcPct val="0"/>
+            </a:spcBef>
+            <a:spcAft>
+              <a:spcPct val="15000"/>
+            </a:spcAft>
+            <a:buChar char="•"/>
+          </a:pPr>
           <a:r>
-            <a:rPr lang="de-DE" sz="2100" kern="1200" dirty="0"/>
-            <a:t> und </a:t>
+            <a:rPr lang="de-DE" sz="1100" kern="1200"/>
+            <a:t>Langjährige Angestellte</a:t>
           </a:r>
-          <a:r>
-            <a:rPr lang="de-DE" sz="2100" kern="1200" dirty="0" err="1"/>
-            <a:t>tradition</a:t>
-          </a:r>
-          <a:r>
-            <a:rPr lang="de-DE" sz="2100" kern="1200" dirty="0"/>
-            <a:t>?, Informationsverhalten</a:t>
-          </a:r>
+          <a:endParaRPr lang="de-DE" sz="1100" kern="1200" dirty="0"/>
         </a:p>
       </dsp:txBody>
       <dsp:txXfrm>
-        <a:off x="0" y="4271940"/>
-        <a:ext cx="8128000" cy="893025"/>
+        <a:off x="4207523" y="1956582"/>
+        <a:ext cx="1890497" cy="1825522"/>
       </dsp:txXfrm>
     </dsp:sp>
-    <dsp:sp modelId="{2C5E2E0F-44CA-47AD-87AB-B46EF5B00910}">
+    <dsp:sp modelId="{5BCDA238-8AF1-41E7-B2EC-74E907082371}">
       <dsp:nvSpPr>
         <dsp:cNvPr id="0" name=""/>
         <dsp:cNvSpPr/>
       </dsp:nvSpPr>
       <dsp:spPr>
         <a:xfrm>
-          <a:off x="406400" y="3961980"/>
-          <a:ext cx="5689600" cy="619920"/>
+          <a:off x="6308076" y="991022"/>
+          <a:ext cx="1890497" cy="72"/>
         </a:xfrm>
-        <a:prstGeom prst="roundRect">
+        <a:prstGeom prst="rect">
           <a:avLst/>
         </a:prstGeom>
         <a:solidFill>
-          <a:schemeClr val="accent1">
+          <a:schemeClr val="accent6">
+            <a:tint val="40000"/>
+            <a:alpha val="90000"/>
             <a:hueOff val="0"/>
             <a:satOff val="0"/>
             <a:lumOff val="0"/>
             <a:alphaOff val="0"/>
           </a:schemeClr>
         </a:solidFill>
-        <a:ln w="12700" cap="flat" cmpd="sng" algn="ctr">
+        <a:ln w="6350" cap="flat" cmpd="sng" algn="ctr">
           <a:solidFill>
-            <a:schemeClr val="lt1">
+            <a:schemeClr val="accent6">
+              <a:tint val="40000"/>
+              <a:alpha val="90000"/>
               <a:hueOff val="0"/>
               <a:satOff val="0"/>
               <a:lumOff val="0"/>
@@ -28619,13 +27728,151 @@
         <a:effectLst/>
       </dsp:spPr>
       <dsp:style>
-        <a:lnRef idx="2">
+        <a:lnRef idx="1">
           <a:scrgbClr r="0" g="0" b="0"/>
         </a:lnRef>
         <a:fillRef idx="1">
           <a:scrgbClr r="0" g="0" b="0"/>
         </a:fillRef>
-        <a:effectRef idx="0">
+        <a:effectRef idx="2">
+          <a:scrgbClr r="0" g="0" b="0"/>
+        </a:effectRef>
+        <a:fontRef idx="minor"/>
+      </dsp:style>
+    </dsp:sp>
+    <dsp:sp modelId="{3FAAC632-F0AE-446A-8758-114E56EFF853}">
+      <dsp:nvSpPr>
+        <dsp:cNvPr id="0" name=""/>
+        <dsp:cNvSpPr/>
+      </dsp:nvSpPr>
+      <dsp:spPr>
+        <a:xfrm>
+          <a:off x="8248987" y="920410"/>
+          <a:ext cx="96625" cy="181665"/>
+        </a:xfrm>
+        <a:prstGeom prst="chevron">
+          <a:avLst>
+            <a:gd name="adj" fmla="val 90000"/>
+          </a:avLst>
+        </a:prstGeom>
+        <a:solidFill>
+          <a:schemeClr val="accent2">
+            <a:tint val="40000"/>
+            <a:alpha val="90000"/>
+            <a:hueOff val="0"/>
+            <a:satOff val="0"/>
+            <a:lumOff val="0"/>
+            <a:alphaOff val="0"/>
+          </a:schemeClr>
+        </a:solidFill>
+        <a:ln w="6350" cap="flat" cmpd="sng" algn="ctr">
+          <a:solidFill>
+            <a:schemeClr val="accent2">
+              <a:tint val="40000"/>
+              <a:alpha val="90000"/>
+              <a:hueOff val="0"/>
+              <a:satOff val="0"/>
+              <a:lumOff val="0"/>
+              <a:alphaOff val="0"/>
+            </a:schemeClr>
+          </a:solidFill>
+          <a:prstDash val="solid"/>
+          <a:miter lim="800000"/>
+        </a:ln>
+        <a:effectLst/>
+      </dsp:spPr>
+      <dsp:style>
+        <a:lnRef idx="1">
+          <a:scrgbClr r="0" g="0" b="0"/>
+        </a:lnRef>
+        <a:fillRef idx="1">
+          <a:scrgbClr r="0" g="0" b="0"/>
+        </a:fillRef>
+        <a:effectRef idx="2">
+          <a:scrgbClr r="0" g="0" b="0"/>
+        </a:effectRef>
+        <a:fontRef idx="minor"/>
+      </dsp:style>
+    </dsp:sp>
+    <dsp:sp modelId="{59EA2C50-5EA0-4015-82FB-C71302D41C10}">
+      <dsp:nvSpPr>
+        <dsp:cNvPr id="0" name=""/>
+        <dsp:cNvSpPr/>
+      </dsp:nvSpPr>
+      <dsp:spPr>
+        <a:xfrm>
+          <a:off x="6831499" y="569232"/>
+          <a:ext cx="843651" cy="843651"/>
+        </a:xfrm>
+        <a:prstGeom prst="ellipse">
+          <a:avLst/>
+        </a:prstGeom>
+        <a:gradFill rotWithShape="0">
+          <a:gsLst>
+            <a:gs pos="0">
+              <a:schemeClr val="accent5">
+                <a:hueOff val="0"/>
+                <a:satOff val="0"/>
+                <a:lumOff val="0"/>
+                <a:alphaOff val="0"/>
+                <a:satMod val="103000"/>
+                <a:lumMod val="102000"/>
+                <a:tint val="94000"/>
+              </a:schemeClr>
+            </a:gs>
+            <a:gs pos="50000">
+              <a:schemeClr val="accent5">
+                <a:hueOff val="0"/>
+                <a:satOff val="0"/>
+                <a:lumOff val="0"/>
+                <a:alphaOff val="0"/>
+                <a:satMod val="110000"/>
+                <a:lumMod val="100000"/>
+                <a:shade val="100000"/>
+              </a:schemeClr>
+            </a:gs>
+            <a:gs pos="100000">
+              <a:schemeClr val="accent5">
+                <a:hueOff val="0"/>
+                <a:satOff val="0"/>
+                <a:lumOff val="0"/>
+                <a:alphaOff val="0"/>
+                <a:lumMod val="99000"/>
+                <a:satMod val="120000"/>
+                <a:shade val="78000"/>
+              </a:schemeClr>
+            </a:gs>
+          </a:gsLst>
+          <a:lin ang="5400000" scaled="0"/>
+        </a:gradFill>
+        <a:ln w="6350" cap="flat" cmpd="sng" algn="ctr">
+          <a:solidFill>
+            <a:schemeClr val="accent5">
+              <a:hueOff val="0"/>
+              <a:satOff val="0"/>
+              <a:lumOff val="0"/>
+              <a:alphaOff val="0"/>
+            </a:schemeClr>
+          </a:solidFill>
+          <a:prstDash val="solid"/>
+          <a:miter lim="800000"/>
+        </a:ln>
+        <a:effectLst>
+          <a:outerShdw blurRad="57150" dist="19050" dir="5400000" algn="ctr" rotWithShape="0">
+            <a:srgbClr val="000000">
+              <a:alpha val="63000"/>
+            </a:srgbClr>
+          </a:outerShdw>
+        </a:effectLst>
+      </dsp:spPr>
+      <dsp:style>
+        <a:lnRef idx="1">
+          <a:scrgbClr r="0" g="0" b="0"/>
+        </a:lnRef>
+        <a:fillRef idx="3">
+          <a:scrgbClr r="0" g="0" b="0"/>
+        </a:fillRef>
+        <a:effectRef idx="3">
           <a:scrgbClr r="0" g="0" b="0"/>
         </a:effectRef>
         <a:fontRef idx="minor">
@@ -28633,12 +27880,12 @@
         </a:fontRef>
       </dsp:style>
       <dsp:txBody>
-        <a:bodyPr spcFirstLastPara="0" vert="horz" wrap="square" lIns="215053" tIns="0" rIns="215053" bIns="0" numCol="1" spcCol="1270" anchor="ctr" anchorCtr="0">
+        <a:bodyPr spcFirstLastPara="0" vert="horz" wrap="square" lIns="32738" tIns="32738" rIns="32738" bIns="32738" numCol="1" spcCol="1270" anchor="ctr" anchorCtr="0">
           <a:noAutofit/>
         </a:bodyPr>
         <a:lstStyle/>
         <a:p>
-          <a:pPr marL="0" lvl="0" indent="0" algn="l" defTabSz="933450">
+          <a:pPr marL="0" lvl="0" indent="0" algn="ctr" defTabSz="1689100">
             <a:lnSpc>
               <a:spcPct val="90000"/>
             </a:lnSpc>
@@ -28651,31 +27898,37 @@
             <a:buNone/>
           </a:pPr>
           <a:r>
-            <a:rPr lang="de-DE" sz="2100" kern="1200" dirty="0"/>
-            <a:t>Typischer Tag / Wochenende</a:t>
+            <a:rPr lang="de-DE" sz="3800" kern="1200"/>
+            <a:t>4</a:t>
           </a:r>
         </a:p>
       </dsp:txBody>
       <dsp:txXfrm>
-        <a:off x="436662" y="3992242"/>
-        <a:ext cx="5629076" cy="559396"/>
+        <a:off x="6955049" y="692782"/>
+        <a:ext cx="596551" cy="596551"/>
       </dsp:txXfrm>
     </dsp:sp>
-    <dsp:sp modelId="{1E95450D-9650-44BF-8F77-F16B5F644535}">
+    <dsp:sp modelId="{AB50098B-2AA1-4446-939A-BB13E3594C30}">
       <dsp:nvSpPr>
         <dsp:cNvPr id="0" name=""/>
         <dsp:cNvSpPr/>
       </dsp:nvSpPr>
       <dsp:spPr>
         <a:xfrm>
-          <a:off x="0" y="5588325"/>
-          <a:ext cx="8128000" cy="1190700"/>
+          <a:off x="6308076" y="1578483"/>
+          <a:ext cx="1890497" cy="2203621"/>
         </a:xfrm>
-        <a:prstGeom prst="rect">
-          <a:avLst/>
+        <a:prstGeom prst="upArrowCallout">
+          <a:avLst>
+            <a:gd name="adj1" fmla="val 50000"/>
+            <a:gd name="adj2" fmla="val 20000"/>
+            <a:gd name="adj3" fmla="val 20000"/>
+            <a:gd name="adj4" fmla="val 100000"/>
+          </a:avLst>
         </a:prstGeom>
         <a:solidFill>
-          <a:schemeClr val="lt1">
+          <a:schemeClr val="accent3">
+            <a:tint val="40000"/>
             <a:alpha val="90000"/>
             <a:hueOff val="0"/>
             <a:satOff val="0"/>
@@ -28683,9 +27936,11 @@
             <a:alphaOff val="0"/>
           </a:schemeClr>
         </a:solidFill>
-        <a:ln w="12700" cap="flat" cmpd="sng" algn="ctr">
+        <a:ln w="6350" cap="flat" cmpd="sng" algn="ctr">
           <a:solidFill>
-            <a:schemeClr val="accent1">
+            <a:schemeClr val="accent3">
+              <a:tint val="40000"/>
+              <a:alpha val="90000"/>
               <a:hueOff val="0"/>
               <a:satOff val="0"/>
               <a:lumOff val="0"/>
@@ -28698,24 +27953,42 @@
         <a:effectLst/>
       </dsp:spPr>
       <dsp:style>
-        <a:lnRef idx="2">
+        <a:lnRef idx="1">
           <a:scrgbClr r="0" g="0" b="0"/>
         </a:lnRef>
         <a:fillRef idx="1">
           <a:scrgbClr r="0" g="0" b="0"/>
         </a:fillRef>
-        <a:effectRef idx="0">
+        <a:effectRef idx="2">
           <a:scrgbClr r="0" g="0" b="0"/>
         </a:effectRef>
         <a:fontRef idx="minor"/>
       </dsp:style>
       <dsp:txBody>
-        <a:bodyPr spcFirstLastPara="0" vert="horz" wrap="square" lIns="630823" tIns="437388" rIns="630823" bIns="149352" numCol="1" spcCol="1270" anchor="t" anchorCtr="0">
+        <a:bodyPr spcFirstLastPara="0" vert="horz" wrap="square" lIns="149125" tIns="165100" rIns="149125" bIns="165100" numCol="1" spcCol="1270" anchor="t" anchorCtr="0">
           <a:noAutofit/>
         </a:bodyPr>
         <a:lstStyle/>
         <a:p>
-          <a:pPr marL="228600" lvl="1" indent="-228600" algn="l" defTabSz="933450">
+          <a:pPr marL="0" lvl="0" indent="0" algn="l" defTabSz="488950">
+            <a:lnSpc>
+              <a:spcPct val="90000"/>
+            </a:lnSpc>
+            <a:spcBef>
+              <a:spcPct val="0"/>
+            </a:spcBef>
+            <a:spcAft>
+              <a:spcPct val="35000"/>
+            </a:spcAft>
+            <a:buNone/>
+          </a:pPr>
+          <a:r>
+            <a:rPr lang="de-DE" sz="1100" kern="1200" dirty="0"/>
+            <a:t>Typischer Tag / Wochenende</a:t>
+          </a:r>
+        </a:p>
+        <a:p>
+          <a:pPr marL="57150" lvl="1" indent="-57150" algn="l" defTabSz="488950">
             <a:lnSpc>
               <a:spcPct val="90000"/>
             </a:lnSpc>
@@ -28728,48 +28001,95 @@
             <a:buChar char="•"/>
           </a:pPr>
           <a:r>
-            <a:rPr lang="de-DE" sz="2100" kern="1200" dirty="0"/>
-            <a:t>Bedürfnisse, Träume, </a:t>
+            <a:rPr lang="de-DE" sz="1100" kern="1200" dirty="0"/>
+            <a:t>Versorgt ihre Kinder vor der Schule</a:t>
           </a:r>
+        </a:p>
+        <a:p>
+          <a:pPr marL="57150" lvl="1" indent="-57150" algn="l" defTabSz="488950">
+            <a:lnSpc>
+              <a:spcPct val="90000"/>
+            </a:lnSpc>
+            <a:spcBef>
+              <a:spcPct val="0"/>
+            </a:spcBef>
+            <a:spcAft>
+              <a:spcPct val="15000"/>
+            </a:spcAft>
+            <a:buChar char="•"/>
+          </a:pPr>
           <a:r>
-            <a:rPr lang="de-DE" sz="2100" kern="1200" dirty="0" err="1"/>
-            <a:t>zukunftspläne</a:t>
+            <a:rPr lang="de-DE" sz="1100" kern="1200" dirty="0"/>
+            <a:t>Geht Arbeiten</a:t>
           </a:r>
+        </a:p>
+        <a:p>
+          <a:pPr marL="57150" lvl="1" indent="-57150" algn="l" defTabSz="488950">
+            <a:lnSpc>
+              <a:spcPct val="90000"/>
+            </a:lnSpc>
+            <a:spcBef>
+              <a:spcPct val="0"/>
+            </a:spcBef>
+            <a:spcAft>
+              <a:spcPct val="15000"/>
+            </a:spcAft>
+            <a:buChar char="•"/>
+          </a:pPr>
           <a:r>
-            <a:rPr lang="de-DE" sz="2100" kern="1200" dirty="0"/>
-            <a:t>, Rote Tücher, Schmerzpunkte</a:t>
+            <a:rPr lang="de-DE" sz="1100" kern="1200" dirty="0"/>
+            <a:t>Macht den Haushalt</a:t>
           </a:r>
+        </a:p>
+        <a:p>
+          <a:pPr marL="57150" lvl="1" indent="-57150" algn="l" defTabSz="488950">
+            <a:lnSpc>
+              <a:spcPct val="90000"/>
+            </a:lnSpc>
+            <a:spcBef>
+              <a:spcPct val="0"/>
+            </a:spcBef>
+            <a:spcAft>
+              <a:spcPct val="15000"/>
+            </a:spcAft>
+            <a:buChar char="•"/>
+          </a:pPr>
+          <a:endParaRPr lang="de-DE" sz="1100" kern="1200" dirty="0"/>
         </a:p>
       </dsp:txBody>
       <dsp:txXfrm>
-        <a:off x="0" y="5588325"/>
-        <a:ext cx="8128000" cy="1190700"/>
+        <a:off x="6308076" y="1956582"/>
+        <a:ext cx="1890497" cy="1825522"/>
       </dsp:txXfrm>
     </dsp:sp>
-    <dsp:sp modelId="{E6FA824F-77B5-4932-8057-E8CFB9780A53}">
+    <dsp:sp modelId="{51381BA6-B406-42D4-B1F0-8FE6031D38D9}">
       <dsp:nvSpPr>
         <dsp:cNvPr id="0" name=""/>
         <dsp:cNvSpPr/>
       </dsp:nvSpPr>
       <dsp:spPr>
         <a:xfrm>
-          <a:off x="406400" y="5278365"/>
-          <a:ext cx="5689600" cy="619920"/>
+          <a:off x="8408629" y="991022"/>
+          <a:ext cx="945248" cy="72"/>
         </a:xfrm>
-        <a:prstGeom prst="roundRect">
+        <a:prstGeom prst="rect">
           <a:avLst/>
         </a:prstGeom>
         <a:solidFill>
-          <a:schemeClr val="accent1">
+          <a:schemeClr val="accent4">
+            <a:tint val="40000"/>
+            <a:alpha val="90000"/>
             <a:hueOff val="0"/>
             <a:satOff val="0"/>
             <a:lumOff val="0"/>
             <a:alphaOff val="0"/>
           </a:schemeClr>
         </a:solidFill>
-        <a:ln w="12700" cap="flat" cmpd="sng" algn="ctr">
+        <a:ln w="6350" cap="flat" cmpd="sng" algn="ctr">
           <a:solidFill>
-            <a:schemeClr val="lt1">
+            <a:schemeClr val="accent4">
+              <a:tint val="40000"/>
+              <a:alpha val="90000"/>
               <a:hueOff val="0"/>
               <a:satOff val="0"/>
               <a:lumOff val="0"/>
@@ -28782,13 +28102,97 @@
         <a:effectLst/>
       </dsp:spPr>
       <dsp:style>
-        <a:lnRef idx="2">
+        <a:lnRef idx="1">
           <a:scrgbClr r="0" g="0" b="0"/>
         </a:lnRef>
         <a:fillRef idx="1">
           <a:scrgbClr r="0" g="0" b="0"/>
         </a:fillRef>
-        <a:effectRef idx="0">
+        <a:effectRef idx="2">
+          <a:scrgbClr r="0" g="0" b="0"/>
+        </a:effectRef>
+        <a:fontRef idx="minor"/>
+      </dsp:style>
+    </dsp:sp>
+    <dsp:sp modelId="{0882029B-B4C7-4C7D-8757-F9971171AC19}">
+      <dsp:nvSpPr>
+        <dsp:cNvPr id="0" name=""/>
+        <dsp:cNvSpPr/>
+      </dsp:nvSpPr>
+      <dsp:spPr>
+        <a:xfrm>
+          <a:off x="8932053" y="569232"/>
+          <a:ext cx="843651" cy="843651"/>
+        </a:xfrm>
+        <a:prstGeom prst="ellipse">
+          <a:avLst/>
+        </a:prstGeom>
+        <a:gradFill rotWithShape="0">
+          <a:gsLst>
+            <a:gs pos="0">
+              <a:schemeClr val="accent6">
+                <a:hueOff val="0"/>
+                <a:satOff val="0"/>
+                <a:lumOff val="0"/>
+                <a:alphaOff val="0"/>
+                <a:satMod val="103000"/>
+                <a:lumMod val="102000"/>
+                <a:tint val="94000"/>
+              </a:schemeClr>
+            </a:gs>
+            <a:gs pos="50000">
+              <a:schemeClr val="accent6">
+                <a:hueOff val="0"/>
+                <a:satOff val="0"/>
+                <a:lumOff val="0"/>
+                <a:alphaOff val="0"/>
+                <a:satMod val="110000"/>
+                <a:lumMod val="100000"/>
+                <a:shade val="100000"/>
+              </a:schemeClr>
+            </a:gs>
+            <a:gs pos="100000">
+              <a:schemeClr val="accent6">
+                <a:hueOff val="0"/>
+                <a:satOff val="0"/>
+                <a:lumOff val="0"/>
+                <a:alphaOff val="0"/>
+                <a:lumMod val="99000"/>
+                <a:satMod val="120000"/>
+                <a:shade val="78000"/>
+              </a:schemeClr>
+            </a:gs>
+          </a:gsLst>
+          <a:lin ang="5400000" scaled="0"/>
+        </a:gradFill>
+        <a:ln w="6350" cap="flat" cmpd="sng" algn="ctr">
+          <a:solidFill>
+            <a:schemeClr val="accent6">
+              <a:hueOff val="0"/>
+              <a:satOff val="0"/>
+              <a:lumOff val="0"/>
+              <a:alphaOff val="0"/>
+            </a:schemeClr>
+          </a:solidFill>
+          <a:prstDash val="solid"/>
+          <a:miter lim="800000"/>
+        </a:ln>
+        <a:effectLst>
+          <a:outerShdw blurRad="57150" dist="19050" dir="5400000" algn="ctr" rotWithShape="0">
+            <a:srgbClr val="000000">
+              <a:alpha val="63000"/>
+            </a:srgbClr>
+          </a:outerShdw>
+        </a:effectLst>
+      </dsp:spPr>
+      <dsp:style>
+        <a:lnRef idx="1">
+          <a:scrgbClr r="0" g="0" b="0"/>
+        </a:lnRef>
+        <a:fillRef idx="3">
+          <a:scrgbClr r="0" g="0" b="0"/>
+        </a:fillRef>
+        <a:effectRef idx="3">
           <a:scrgbClr r="0" g="0" b="0"/>
         </a:effectRef>
         <a:fontRef idx="minor">
@@ -28796,12 +28200,12 @@
         </a:fontRef>
       </dsp:style>
       <dsp:txBody>
-        <a:bodyPr spcFirstLastPara="0" vert="horz" wrap="square" lIns="215053" tIns="0" rIns="215053" bIns="0" numCol="1" spcCol="1270" anchor="ctr" anchorCtr="0">
+        <a:bodyPr spcFirstLastPara="0" vert="horz" wrap="square" lIns="32738" tIns="32738" rIns="32738" bIns="32738" numCol="1" spcCol="1270" anchor="ctr" anchorCtr="0">
           <a:noAutofit/>
         </a:bodyPr>
         <a:lstStyle/>
         <a:p>
-          <a:pPr marL="0" lvl="0" indent="0" algn="l" defTabSz="933450">
+          <a:pPr marL="0" lvl="0" indent="0" algn="ctr" defTabSz="1689100">
             <a:lnSpc>
               <a:spcPct val="90000"/>
             </a:lnSpc>
@@ -28814,14 +28218,155 @@
             <a:buNone/>
           </a:pPr>
           <a:r>
-            <a:rPr lang="de-DE" sz="2100" kern="1200" dirty="0"/>
+            <a:rPr lang="de-DE" sz="3800" kern="1200"/>
+            <a:t>5</a:t>
+          </a:r>
+        </a:p>
+      </dsp:txBody>
+      <dsp:txXfrm>
+        <a:off x="9055603" y="692782"/>
+        <a:ext cx="596551" cy="596551"/>
+      </dsp:txXfrm>
+    </dsp:sp>
+    <dsp:sp modelId="{5B3F25FE-7C2C-4EAA-8D62-DC13973ECCBC}">
+      <dsp:nvSpPr>
+        <dsp:cNvPr id="0" name=""/>
+        <dsp:cNvSpPr/>
+      </dsp:nvSpPr>
+      <dsp:spPr>
+        <a:xfrm>
+          <a:off x="8408629" y="1578483"/>
+          <a:ext cx="1890497" cy="2203621"/>
+        </a:xfrm>
+        <a:prstGeom prst="upArrowCallout">
+          <a:avLst>
+            <a:gd name="adj1" fmla="val 50000"/>
+            <a:gd name="adj2" fmla="val 20000"/>
+            <a:gd name="adj3" fmla="val 20000"/>
+            <a:gd name="adj4" fmla="val 100000"/>
+          </a:avLst>
+        </a:prstGeom>
+        <a:solidFill>
+          <a:schemeClr val="accent6">
+            <a:tint val="40000"/>
+            <a:alpha val="90000"/>
+            <a:hueOff val="0"/>
+            <a:satOff val="0"/>
+            <a:lumOff val="0"/>
+            <a:alphaOff val="0"/>
+          </a:schemeClr>
+        </a:solidFill>
+        <a:ln w="6350" cap="flat" cmpd="sng" algn="ctr">
+          <a:solidFill>
+            <a:schemeClr val="accent6">
+              <a:tint val="40000"/>
+              <a:alpha val="90000"/>
+              <a:hueOff val="0"/>
+              <a:satOff val="0"/>
+              <a:lumOff val="0"/>
+              <a:alphaOff val="0"/>
+            </a:schemeClr>
+          </a:solidFill>
+          <a:prstDash val="solid"/>
+          <a:miter lim="800000"/>
+        </a:ln>
+        <a:effectLst/>
+      </dsp:spPr>
+      <dsp:style>
+        <a:lnRef idx="1">
+          <a:scrgbClr r="0" g="0" b="0"/>
+        </a:lnRef>
+        <a:fillRef idx="1">
+          <a:scrgbClr r="0" g="0" b="0"/>
+        </a:fillRef>
+        <a:effectRef idx="2">
+          <a:scrgbClr r="0" g="0" b="0"/>
+        </a:effectRef>
+        <a:fontRef idx="minor"/>
+      </dsp:style>
+      <dsp:txBody>
+        <a:bodyPr spcFirstLastPara="0" vert="horz" wrap="square" lIns="149125" tIns="165100" rIns="149125" bIns="165100" numCol="1" spcCol="1270" anchor="t" anchorCtr="0">
+          <a:noAutofit/>
+        </a:bodyPr>
+        <a:lstStyle/>
+        <a:p>
+          <a:pPr marL="0" lvl="0" indent="0" algn="l" defTabSz="488950">
+            <a:lnSpc>
+              <a:spcPct val="90000"/>
+            </a:lnSpc>
+            <a:spcBef>
+              <a:spcPct val="0"/>
+            </a:spcBef>
+            <a:spcAft>
+              <a:spcPct val="35000"/>
+            </a:spcAft>
+            <a:buNone/>
+          </a:pPr>
+          <a:r>
+            <a:rPr lang="de-DE" sz="1100" kern="1200"/>
             <a:t>Emotionale Welt</a:t>
           </a:r>
         </a:p>
+        <a:p>
+          <a:pPr marL="57150" lvl="1" indent="-57150" algn="l" defTabSz="488950">
+            <a:lnSpc>
+              <a:spcPct val="90000"/>
+            </a:lnSpc>
+            <a:spcBef>
+              <a:spcPct val="0"/>
+            </a:spcBef>
+            <a:spcAft>
+              <a:spcPct val="15000"/>
+            </a:spcAft>
+            <a:buChar char="•"/>
+          </a:pPr>
+          <a:r>
+            <a:rPr lang="de-DE" sz="1100" kern="1200" dirty="0"/>
+            <a:t>Arbeitserleichterung bei der Verwaltung der </a:t>
+          </a:r>
+          <a:r>
+            <a:rPr lang="de-DE" sz="1100" kern="1200" dirty="0" err="1"/>
+            <a:t>Studiengangsangelegenheiten</a:t>
+          </a:r>
+          <a:endParaRPr lang="de-DE" sz="1100" kern="1200" dirty="0"/>
+        </a:p>
+        <a:p>
+          <a:pPr marL="57150" lvl="1" indent="-57150" algn="l" defTabSz="488950">
+            <a:lnSpc>
+              <a:spcPct val="90000"/>
+            </a:lnSpc>
+            <a:spcBef>
+              <a:spcPct val="0"/>
+            </a:spcBef>
+            <a:spcAft>
+              <a:spcPct val="15000"/>
+            </a:spcAft>
+            <a:buChar char="•"/>
+          </a:pPr>
+          <a:r>
+            <a:rPr lang="de-DE" sz="1100" kern="1200" dirty="0"/>
+            <a:t>Mehr Zeit für die Bearbeitung von Einzelfällen</a:t>
+          </a:r>
+        </a:p>
+        <a:p>
+          <a:pPr marL="57150" lvl="1" indent="-57150" algn="l" defTabSz="488950">
+            <a:lnSpc>
+              <a:spcPct val="90000"/>
+            </a:lnSpc>
+            <a:spcBef>
+              <a:spcPct val="0"/>
+            </a:spcBef>
+            <a:spcAft>
+              <a:spcPct val="15000"/>
+            </a:spcAft>
+            <a:buChar char="•"/>
+          </a:pPr>
+          <a:endParaRPr lang="de-DE" sz="1100" kern="1200" dirty="0"/>
+        </a:p>
       </dsp:txBody>
       <dsp:txXfrm>
-        <a:off x="436662" y="5308627"/>
-        <a:ext cx="5629076" cy="559396"/>
+        <a:off x="8408629" y="1956582"/>
+        <a:ext cx="1890497" cy="1825522"/>
       </dsp:txXfrm>
     </dsp:sp>
   </dsp:spTree>
@@ -32534,231 +32079,6 @@
 </file>
 
 <file path=ppt/diagrams/layout10.xml><?xml version="1.0" encoding="utf-8"?>
-<dgm:layoutDef xmlns:dgm="http://schemas.openxmlformats.org/drawingml/2006/diagram" xmlns:a="http://schemas.openxmlformats.org/drawingml/2006/main" uniqueId="urn:microsoft.com/office/officeart/2005/8/layout/list1">
-  <dgm:title val=""/>
-  <dgm:desc val=""/>
-  <dgm:catLst>
-    <dgm:cat type="list" pri="4000"/>
-  </dgm:catLst>
-  <dgm:sampData>
-    <dgm:dataModel>
-      <dgm:ptLst>
-        <dgm:pt modelId="0" type="doc"/>
-        <dgm:pt modelId="1">
-          <dgm:prSet phldr="1"/>
-        </dgm:pt>
-        <dgm:pt modelId="2">
-          <dgm:prSet phldr="1"/>
-        </dgm:pt>
-        <dgm:pt modelId="3">
-          <dgm:prSet phldr="1"/>
-        </dgm:pt>
-      </dgm:ptLst>
-      <dgm:cxnLst>
-        <dgm:cxn modelId="4" srcId="0" destId="1" srcOrd="0" destOrd="0"/>
-        <dgm:cxn modelId="5" srcId="0" destId="2" srcOrd="1" destOrd="0"/>
-        <dgm:cxn modelId="6" srcId="0" destId="3" srcOrd="2" destOrd="0"/>
-      </dgm:cxnLst>
-      <dgm:bg/>
-      <dgm:whole/>
-    </dgm:dataModel>
-  </dgm:sampData>
-  <dgm:styleData>
-    <dgm:dataModel>
-      <dgm:ptLst>
-        <dgm:pt modelId="0" type="doc"/>
-        <dgm:pt modelId="1"/>
-        <dgm:pt modelId="2"/>
-      </dgm:ptLst>
-      <dgm:cxnLst>
-        <dgm:cxn modelId="4" srcId="0" destId="1" srcOrd="0" destOrd="0"/>
-        <dgm:cxn modelId="5" srcId="0" destId="2" srcOrd="1" destOrd="0"/>
-      </dgm:cxnLst>
-      <dgm:bg/>
-      <dgm:whole/>
-    </dgm:dataModel>
-  </dgm:styleData>
-  <dgm:clrData>
-    <dgm:dataModel>
-      <dgm:ptLst>
-        <dgm:pt modelId="0" type="doc"/>
-        <dgm:pt modelId="1"/>
-        <dgm:pt modelId="2"/>
-        <dgm:pt modelId="3"/>
-        <dgm:pt modelId="4"/>
-      </dgm:ptLst>
-      <dgm:cxnLst>
-        <dgm:cxn modelId="5" srcId="0" destId="1" srcOrd="0" destOrd="0"/>
-        <dgm:cxn modelId="6" srcId="0" destId="2" srcOrd="1" destOrd="0"/>
-        <dgm:cxn modelId="7" srcId="0" destId="3" srcOrd="2" destOrd="0"/>
-        <dgm:cxn modelId="8" srcId="0" destId="4" srcOrd="3" destOrd="0"/>
-      </dgm:cxnLst>
-      <dgm:bg/>
-      <dgm:whole/>
-    </dgm:dataModel>
-  </dgm:clrData>
-  <dgm:layoutNode name="linear">
-    <dgm:varLst>
-      <dgm:dir/>
-      <dgm:animLvl val="lvl"/>
-      <dgm:resizeHandles val="exact"/>
-    </dgm:varLst>
-    <dgm:choose name="Name0">
-      <dgm:if name="Name1" func="var" arg="dir" op="equ" val="norm">
-        <dgm:alg type="lin">
-          <dgm:param type="linDir" val="fromT"/>
-          <dgm:param type="vertAlign" val="mid"/>
-          <dgm:param type="horzAlign" val="l"/>
-          <dgm:param type="nodeHorzAlign" val="l"/>
-        </dgm:alg>
-      </dgm:if>
-      <dgm:else name="Name2">
-        <dgm:alg type="lin">
-          <dgm:param type="linDir" val="fromT"/>
-          <dgm:param type="vertAlign" val="mid"/>
-          <dgm:param type="horzAlign" val="r"/>
-          <dgm:param type="nodeHorzAlign" val="r"/>
-        </dgm:alg>
-      </dgm:else>
-    </dgm:choose>
-    <dgm:shape xmlns:r="http://schemas.openxmlformats.org/officeDocument/2006/relationships" r:blip="">
-      <dgm:adjLst/>
-    </dgm:shape>
-    <dgm:presOf/>
-    <dgm:constrLst>
-      <dgm:constr type="w" for="ch" forName="parentLin" refType="w"/>
-      <dgm:constr type="h" for="ch" forName="parentLin" val="INF"/>
-      <dgm:constr type="w" for="des" forName="parentLeftMargin" refType="w" fact="0.05"/>
-      <dgm:constr type="w" for="des" forName="parentText" refType="w" fact="0.7"/>
-      <dgm:constr type="h" for="des" forName="parentText" refType="primFontSz" refFor="des" refForName="parentText" fact="0.82"/>
-      <dgm:constr type="h" for="ch" forName="negativeSpace" refType="primFontSz" refFor="des" refForName="parentText" fact="-0.41"/>
-      <dgm:constr type="h" for="ch" forName="negativeSpace" refType="h" refFor="des" refForName="parentText" op="lte" fact="-0.82"/>
-      <dgm:constr type="h" for="ch" forName="negativeSpace" refType="h" refFor="des" refForName="parentText" op="gte" fact="-0.82"/>
-      <dgm:constr type="w" for="ch" forName="childText" refType="w"/>
-      <dgm:constr type="h" for="ch" forName="childText" refType="primFontSz" refFor="des" refForName="parentText" fact="0.7"/>
-      <dgm:constr type="primFontSz" for="des" forName="parentText" val="65"/>
-      <dgm:constr type="primFontSz" for="ch" forName="childText" refType="primFontSz" refFor="des" refForName="parentText"/>
-      <dgm:constr type="tMarg" for="ch" forName="childText" refType="primFontSz" refFor="des" refForName="parentText" fact="1.64"/>
-      <dgm:constr type="tMarg" for="ch" forName="childText" refType="h" refFor="des" refForName="parentText" op="lte" fact="3.28"/>
-      <dgm:constr type="tMarg" for="ch" forName="childText" refType="h" refFor="des" refForName="parentText" op="gte" fact="3.28"/>
-      <dgm:constr type="lMarg" for="ch" forName="childText" refType="w" fact="0.22"/>
-      <dgm:constr type="rMarg" for="ch" forName="childText" refType="lMarg" refFor="ch" refForName="childText"/>
-      <dgm:constr type="lMarg" for="des" forName="parentText" refType="w" fact="0.075"/>
-      <dgm:constr type="rMarg" for="des" forName="parentText" refType="lMarg" refFor="des" refForName="parentText"/>
-      <dgm:constr type="h" for="ch" forName="spaceBetweenRectangles" refType="primFontSz" refFor="des" refForName="parentText" fact="0.15"/>
-    </dgm:constrLst>
-    <dgm:ruleLst>
-      <dgm:rule type="primFontSz" for="des" forName="parentText" val="5" fact="NaN" max="NaN"/>
-    </dgm:ruleLst>
-    <dgm:forEach name="Name3" axis="ch" ptType="node">
-      <dgm:layoutNode name="parentLin">
-        <dgm:choose name="Name4">
-          <dgm:if name="Name5" func="var" arg="dir" op="equ" val="norm">
-            <dgm:alg type="lin">
-              <dgm:param type="linDir" val="fromL"/>
-              <dgm:param type="horzAlign" val="l"/>
-              <dgm:param type="nodeHorzAlign" val="l"/>
-            </dgm:alg>
-          </dgm:if>
-          <dgm:else name="Name6">
-            <dgm:alg type="lin">
-              <dgm:param type="linDir" val="fromR"/>
-              <dgm:param type="horzAlign" val="r"/>
-              <dgm:param type="nodeHorzAlign" val="r"/>
-            </dgm:alg>
-          </dgm:else>
-        </dgm:choose>
-        <dgm:shape xmlns:r="http://schemas.openxmlformats.org/officeDocument/2006/relationships" r:blip="">
-          <dgm:adjLst/>
-        </dgm:shape>
-        <dgm:presOf/>
-        <dgm:constrLst/>
-        <dgm:ruleLst/>
-        <dgm:layoutNode name="parentLeftMargin">
-          <dgm:alg type="sp"/>
-          <dgm:shape xmlns:r="http://schemas.openxmlformats.org/officeDocument/2006/relationships" type="rect" r:blip="" hideGeom="1">
-            <dgm:adjLst/>
-          </dgm:shape>
-          <dgm:presOf axis="self"/>
-          <dgm:constrLst>
-            <dgm:constr type="h"/>
-          </dgm:constrLst>
-          <dgm:ruleLst/>
-        </dgm:layoutNode>
-        <dgm:layoutNode name="parentText" styleLbl="node1">
-          <dgm:varLst>
-            <dgm:chMax val="0"/>
-            <dgm:bulletEnabled val="1"/>
-          </dgm:varLst>
-          <dgm:choose name="Name7">
-            <dgm:if name="Name8" func="var" arg="dir" op="equ" val="norm">
-              <dgm:alg type="tx">
-                <dgm:param type="parTxLTRAlign" val="l"/>
-                <dgm:param type="parTxRTLAlign" val="l"/>
-              </dgm:alg>
-            </dgm:if>
-            <dgm:else name="Name9">
-              <dgm:alg type="tx">
-                <dgm:param type="parTxLTRAlign" val="r"/>
-                <dgm:param type="parTxRTLAlign" val="r"/>
-              </dgm:alg>
-            </dgm:else>
-          </dgm:choose>
-          <dgm:shape xmlns:r="http://schemas.openxmlformats.org/officeDocument/2006/relationships" type="roundRect" r:blip="">
-            <dgm:adjLst/>
-          </dgm:shape>
-          <dgm:presOf axis="self" ptType="node"/>
-          <dgm:constrLst>
-            <dgm:constr type="tMarg"/>
-            <dgm:constr type="bMarg"/>
-          </dgm:constrLst>
-          <dgm:ruleLst/>
-        </dgm:layoutNode>
-      </dgm:layoutNode>
-      <dgm:layoutNode name="negativeSpace">
-        <dgm:alg type="sp"/>
-        <dgm:shape xmlns:r="http://schemas.openxmlformats.org/officeDocument/2006/relationships" r:blip="">
-          <dgm:adjLst/>
-        </dgm:shape>
-        <dgm:presOf/>
-        <dgm:constrLst/>
-        <dgm:ruleLst/>
-      </dgm:layoutNode>
-      <dgm:layoutNode name="childText" styleLbl="conFgAcc1">
-        <dgm:varLst>
-          <dgm:bulletEnabled val="1"/>
-        </dgm:varLst>
-        <dgm:alg type="tx">
-          <dgm:param type="stBulletLvl" val="1"/>
-        </dgm:alg>
-        <dgm:shape xmlns:r="http://schemas.openxmlformats.org/officeDocument/2006/relationships" type="rect" r:blip="" zOrderOff="-2">
-          <dgm:adjLst/>
-        </dgm:shape>
-        <dgm:presOf axis="des" ptType="node"/>
-        <dgm:constrLst>
-          <dgm:constr type="secFontSz" refType="primFontSz"/>
-        </dgm:constrLst>
-        <dgm:ruleLst>
-          <dgm:rule type="h" val="INF" fact="NaN" max="NaN"/>
-        </dgm:ruleLst>
-      </dgm:layoutNode>
-      <dgm:forEach name="Name10" axis="followSib" ptType="sibTrans" cnt="1">
-        <dgm:layoutNode name="spaceBetweenRectangles">
-          <dgm:alg type="sp"/>
-          <dgm:shape xmlns:r="http://schemas.openxmlformats.org/officeDocument/2006/relationships" r:blip="">
-            <dgm:adjLst/>
-          </dgm:shape>
-          <dgm:presOf/>
-          <dgm:constrLst/>
-          <dgm:ruleLst/>
-        </dgm:layoutNode>
-      </dgm:forEach>
-    </dgm:forEach>
-  </dgm:layoutNode>
-</dgm:layoutDef>
-</file>
-
-<file path=ppt/diagrams/layout11.xml><?xml version="1.0" encoding="utf-8"?>
 <dgm:layoutDef xmlns:dgm="http://schemas.openxmlformats.org/drawingml/2006/diagram" xmlns:a="http://schemas.openxmlformats.org/drawingml/2006/main" uniqueId="urn:microsoft.com/office/officeart/2005/8/layout/list1">
   <dgm:title val=""/>
   <dgm:desc val=""/>
@@ -34307,11 +33627,11 @@
 </file>
 
 <file path=ppt/diagrams/layout5.xml><?xml version="1.0" encoding="utf-8"?>
-<dgm:layoutDef xmlns:dgm="http://schemas.openxmlformats.org/drawingml/2006/diagram" xmlns:a="http://schemas.openxmlformats.org/drawingml/2006/main" uniqueId="urn:microsoft.com/office/officeart/2005/8/layout/list1">
-  <dgm:title val=""/>
-  <dgm:desc val=""/>
+<dgm:layoutDef xmlns:dgm="http://schemas.openxmlformats.org/drawingml/2006/diagram" xmlns:a="http://schemas.openxmlformats.org/drawingml/2006/main" uniqueId="urn:microsoft.com/office/officeart/2016/7/layout/LinearArrowProcessNumbered">
+  <dgm:title val="Linear Arrow Process Numbered"/>
+  <dgm:desc val="Used to show a progression; a timeline; sequential steps in a task, process, or workflow; or to emphasize movement or direction. Automatic numbers have been introduced to show the steps of the process which appears in a circle. Level 1 and Level 2 text appear in a shape called UpArrowCallout. Also the nodes are connected by an arrow like shape emphasizing the process nature."/>
   <dgm:catLst>
-    <dgm:cat type="list" pri="4000"/>
+    <dgm:cat type="process" pri="500"/>
   </dgm:catLst>
   <dgm:sampData>
     <dgm:dataModel>
@@ -34320,17 +33640,65 @@
         <dgm:pt modelId="1">
           <dgm:prSet phldr="1"/>
         </dgm:pt>
+        <dgm:pt modelId="11">
+          <dgm:prSet phldr="1"/>
+        </dgm:pt>
         <dgm:pt modelId="2">
+          <dgm:prSet phldr="1"/>
+        </dgm:pt>
+        <dgm:pt modelId="21">
           <dgm:prSet phldr="1"/>
         </dgm:pt>
         <dgm:pt modelId="3">
           <dgm:prSet phldr="1"/>
         </dgm:pt>
+        <dgm:pt modelId="31">
+          <dgm:prSet phldr="1"/>
+        </dgm:pt>
+        <dgm:pt modelId="101" type="sibTrans" cxnId="4">
+          <dgm:prSet phldrT="1"/>
+          <dgm:t>
+            <a:bodyPr/>
+            <a:lstStyle/>
+            <a:p>
+              <a:r>
+                <a:t>1</a:t>
+              </a:r>
+            </a:p>
+          </dgm:t>
+        </dgm:pt>
+        <dgm:pt modelId="201" type="sibTrans" cxnId="5">
+          <dgm:prSet phldrT="2"/>
+          <dgm:t>
+            <a:bodyPr/>
+            <a:lstStyle/>
+            <a:p>
+              <a:r>
+                <a:t>2</a:t>
+              </a:r>
+            </a:p>
+          </dgm:t>
+        </dgm:pt>
+        <dgm:pt modelId="301" type="sibTrans" cxnId="6">
+          <dgm:prSet phldrT="3"/>
+          <dgm:t>
+            <a:bodyPr/>
+            <a:lstStyle/>
+            <a:p>
+              <a:r>
+                <a:t>3</a:t>
+              </a:r>
+            </a:p>
+          </dgm:t>
+        </dgm:pt>
       </dgm:ptLst>
       <dgm:cxnLst>
-        <dgm:cxn modelId="4" srcId="0" destId="1" srcOrd="0" destOrd="0"/>
-        <dgm:cxn modelId="5" srcId="0" destId="2" srcOrd="1" destOrd="0"/>
-        <dgm:cxn modelId="6" srcId="0" destId="3" srcOrd="2" destOrd="0"/>
+        <dgm:cxn modelId="4" srcId="0" destId="1" srcOrd="0" destOrd="0" sibTransId="101"/>
+        <dgm:cxn modelId="5" srcId="0" destId="2" srcOrd="1" destOrd="0" sibTransId="201"/>
+        <dgm:cxn modelId="6" srcId="0" destId="3" srcOrd="3" destOrd="0" sibTransId="301"/>
+        <dgm:cxn modelId="13" srcId="1" destId="11" srcOrd="0" destOrd="0"/>
+        <dgm:cxn modelId="23" srcId="2" destId="21" srcOrd="0" destOrd="0"/>
+        <dgm:cxn modelId="33" srcId="3" destId="31" srcOrd="0" destOrd="0"/>
       </dgm:cxnLst>
       <dgm:bg/>
       <dgm:whole/>
@@ -34340,12 +33708,24 @@
     <dgm:dataModel>
       <dgm:ptLst>
         <dgm:pt modelId="0" type="doc"/>
-        <dgm:pt modelId="1"/>
-        <dgm:pt modelId="2"/>
+        <dgm:pt modelId="1">
+          <dgm:prSet phldr="1"/>
+        </dgm:pt>
+        <dgm:pt modelId="11">
+          <dgm:prSet phldr="1"/>
+        </dgm:pt>
+        <dgm:pt modelId="2">
+          <dgm:prSet phldr="1"/>
+        </dgm:pt>
+        <dgm:pt modelId="21">
+          <dgm:prSet phldr="1"/>
+        </dgm:pt>
       </dgm:ptLst>
       <dgm:cxnLst>
         <dgm:cxn modelId="4" srcId="0" destId="1" srcOrd="0" destOrd="0"/>
         <dgm:cxn modelId="5" srcId="0" destId="2" srcOrd="1" destOrd="0"/>
+        <dgm:cxn modelId="13" srcId="1" destId="11" srcOrd="0" destOrd="0"/>
+        <dgm:cxn modelId="23" srcId="2" destId="21" srcOrd="0" destOrd="0"/>
       </dgm:cxnLst>
       <dgm:bg/>
       <dgm:whole/>
@@ -34355,179 +33735,335 @@
     <dgm:dataModel>
       <dgm:ptLst>
         <dgm:pt modelId="0" type="doc"/>
-        <dgm:pt modelId="1"/>
-        <dgm:pt modelId="2"/>
-        <dgm:pt modelId="3"/>
-        <dgm:pt modelId="4"/>
+        <dgm:pt modelId="1">
+          <dgm:prSet phldr="1"/>
+        </dgm:pt>
+        <dgm:pt modelId="11">
+          <dgm:prSet phldr="1"/>
+        </dgm:pt>
+        <dgm:pt modelId="2">
+          <dgm:prSet phldr="1"/>
+        </dgm:pt>
+        <dgm:pt modelId="21">
+          <dgm:prSet phldr="1"/>
+        </dgm:pt>
+        <dgm:pt modelId="3">
+          <dgm:prSet phldr="1"/>
+        </dgm:pt>
+        <dgm:pt modelId="31">
+          <dgm:prSet phldr="1"/>
+        </dgm:pt>
+        <dgm:pt modelId="4">
+          <dgm:prSet phldr="1"/>
+        </dgm:pt>
+        <dgm:pt modelId="41">
+          <dgm:prSet phldr="1"/>
+        </dgm:pt>
       </dgm:ptLst>
       <dgm:cxnLst>
         <dgm:cxn modelId="5" srcId="0" destId="1" srcOrd="0" destOrd="0"/>
         <dgm:cxn modelId="6" srcId="0" destId="2" srcOrd="1" destOrd="0"/>
         <dgm:cxn modelId="7" srcId="0" destId="3" srcOrd="2" destOrd="0"/>
         <dgm:cxn modelId="8" srcId="0" destId="4" srcOrd="3" destOrd="0"/>
+        <dgm:cxn modelId="13" srcId="1" destId="11" srcOrd="0" destOrd="0"/>
+        <dgm:cxn modelId="23" srcId="2" destId="21" srcOrd="0" destOrd="0"/>
+        <dgm:cxn modelId="33" srcId="3" destId="31" srcOrd="0" destOrd="0"/>
+        <dgm:cxn modelId="43" srcId="4" destId="41" srcOrd="0" destOrd="0"/>
       </dgm:cxnLst>
       <dgm:bg/>
       <dgm:whole/>
     </dgm:dataModel>
   </dgm:clrData>
-  <dgm:layoutNode name="linear">
+  <dgm:layoutNode name="linearFlow">
     <dgm:varLst>
       <dgm:dir/>
       <dgm:animLvl val="lvl"/>
       <dgm:resizeHandles val="exact"/>
     </dgm:varLst>
-    <dgm:choose name="Name0">
-      <dgm:if name="Name1" func="var" arg="dir" op="equ" val="norm">
-        <dgm:alg type="lin">
-          <dgm:param type="linDir" val="fromT"/>
-          <dgm:param type="vertAlign" val="mid"/>
-          <dgm:param type="horzAlign" val="l"/>
-          <dgm:param type="nodeHorzAlign" val="l"/>
-        </dgm:alg>
-      </dgm:if>
-      <dgm:else name="Name2">
-        <dgm:alg type="lin">
-          <dgm:param type="linDir" val="fromT"/>
-          <dgm:param type="vertAlign" val="mid"/>
-          <dgm:param type="horzAlign" val="r"/>
-          <dgm:param type="nodeHorzAlign" val="r"/>
-        </dgm:alg>
-      </dgm:else>
-    </dgm:choose>
+    <dgm:alg type="lin">
+      <dgm:param type="linDir" val="fromL"/>
+      <dgm:param type="nodeVertAlign" val="t"/>
+    </dgm:alg>
     <dgm:shape xmlns:r="http://schemas.openxmlformats.org/officeDocument/2006/relationships" r:blip="">
       <dgm:adjLst/>
     </dgm:shape>
     <dgm:presOf/>
     <dgm:constrLst>
-      <dgm:constr type="w" for="ch" forName="parentLin" refType="w"/>
-      <dgm:constr type="h" for="ch" forName="parentLin" val="INF"/>
-      <dgm:constr type="w" for="des" forName="parentLeftMargin" refType="w" fact="0.05"/>
-      <dgm:constr type="w" for="des" forName="parentText" refType="w" fact="0.7"/>
-      <dgm:constr type="h" for="des" forName="parentText" refType="primFontSz" refFor="des" refForName="parentText" fact="0.82"/>
-      <dgm:constr type="h" for="ch" forName="negativeSpace" refType="primFontSz" refFor="des" refForName="parentText" fact="-0.41"/>
-      <dgm:constr type="h" for="ch" forName="negativeSpace" refType="h" refFor="des" refForName="parentText" op="lte" fact="-0.82"/>
-      <dgm:constr type="h" for="ch" forName="negativeSpace" refType="h" refFor="des" refForName="parentText" op="gte" fact="-0.82"/>
-      <dgm:constr type="w" for="ch" forName="childText" refType="w"/>
-      <dgm:constr type="h" for="ch" forName="childText" refType="primFontSz" refFor="des" refForName="parentText" fact="0.7"/>
-      <dgm:constr type="primFontSz" for="des" forName="parentText" val="65"/>
-      <dgm:constr type="primFontSz" for="ch" forName="childText" refType="primFontSz" refFor="des" refForName="parentText"/>
-      <dgm:constr type="tMarg" for="ch" forName="childText" refType="primFontSz" refFor="des" refForName="parentText" fact="1.64"/>
-      <dgm:constr type="tMarg" for="ch" forName="childText" refType="h" refFor="des" refForName="parentText" op="lte" fact="3.28"/>
-      <dgm:constr type="tMarg" for="ch" forName="childText" refType="h" refFor="des" refForName="parentText" op="gte" fact="3.28"/>
-      <dgm:constr type="lMarg" for="ch" forName="childText" refType="w" fact="0.22"/>
-      <dgm:constr type="rMarg" for="ch" forName="childText" refType="lMarg" refFor="ch" refForName="childText"/>
-      <dgm:constr type="lMarg" for="des" forName="parentText" refType="w" fact="0.075"/>
-      <dgm:constr type="rMarg" for="des" forName="parentText" refType="lMarg" refFor="des" refForName="parentText"/>
-      <dgm:constr type="h" for="ch" forName="spaceBetweenRectangles" refType="primFontSz" refFor="des" refForName="parentText" fact="0.15"/>
+      <dgm:constr type="w" for="ch" forName="compositeNode" refType="w"/>
+      <dgm:constr type="h" for="ch" forName="compositeNode" op="equ"/>
+      <dgm:constr type="w" for="ch" forName="sibTransComposite" refType="w" refFor="ch" refForName="compositeNode" fact="0"/>
+      <dgm:constr type="w" for="des" forName="parTx"/>
+      <dgm:constr type="h" for="des" forName="parTx" op="equ"/>
+      <dgm:constr type="h" for="des" forName="parSh" op="equ"/>
+      <dgm:constr type="w" for="des" forName="nodeText"/>
+      <dgm:constr type="h" for="des" forName="nodeText" op="equ"/>
+      <dgm:constr type="w" for="des" forName="parSh"/>
+      <dgm:constr type="w" for="des" forName="parSh" op="equ"/>
+      <dgm:constr type="primFontSz" for="des" forName="parTx" val="26"/>
+      <dgm:constr type="primFontSz" for="des" forName="parTx" op="equ"/>
+      <dgm:constr type="primFontSz" for="des" forName="parSh" op="equ"/>
+      <dgm:constr type="primFontSz" for="des" forName="nodeText" op="equ"/>
+      <dgm:constr type="secFontSz" for="des" forName="nodeText" op="equ"/>
+      <dgm:constr type="primFontSz" for="des" forName="sibTransNodeCircle" op="equ"/>
+      <dgm:constr type="h" for="des" forName="sibTransNodeCircle" op="equ"/>
+      <dgm:constr type="w" for="des" forName="sibTransNodeCircle" op="equ"/>
+      <dgm:constr type="h" for="des" forName="parTx" refType="primFontSz" refFor="des" refForName="parTx" fact="1.5"/>
+      <dgm:constr type="h" for="ch" forName="compositeNode" refType="h"/>
+      <dgm:constr type="h" for="des" forName="parSh" refType="w"/>
+      <dgm:constr type="h" for="des" forName="nodeText" refType="primFontSz" refFor="des" refForName="parTx" fact="2.1"/>
+      <dgm:constr type="h" for="des" forName="parSh" refType="h" refFor="des" refForName="parTx" op="lte" fact="1.2"/>
+      <dgm:constr type="h" for="des" forName="parSh" refType="h" refFor="des" refForName="parTx" op="gte" fact="1.2"/>
     </dgm:constrLst>
     <dgm:ruleLst>
-      <dgm:rule type="primFontSz" for="des" forName="parentText" val="5" fact="NaN" max="NaN"/>
+      <dgm:rule type="primFontSz" for="des" forName="parSh" val="5" fact="NaN" max="NaN"/>
     </dgm:ruleLst>
     <dgm:forEach name="Name3" axis="ch" ptType="node">
-      <dgm:layoutNode name="parentLin">
-        <dgm:choose name="Name4">
-          <dgm:if name="Name5" func="var" arg="dir" op="equ" val="norm">
-            <dgm:alg type="lin">
-              <dgm:param type="linDir" val="fromL"/>
-              <dgm:param type="horzAlign" val="l"/>
-              <dgm:param type="nodeHorzAlign" val="l"/>
-            </dgm:alg>
-          </dgm:if>
-          <dgm:else name="Name6">
-            <dgm:alg type="lin">
-              <dgm:param type="linDir" val="fromR"/>
-              <dgm:param type="horzAlign" val="r"/>
-              <dgm:param type="nodeHorzAlign" val="r"/>
-            </dgm:alg>
-          </dgm:else>
-        </dgm:choose>
+      <dgm:layoutNode name="compositeNode">
+        <dgm:alg type="composite"/>
         <dgm:shape xmlns:r="http://schemas.openxmlformats.org/officeDocument/2006/relationships" r:blip="">
           <dgm:adjLst/>
         </dgm:shape>
         <dgm:presOf/>
-        <dgm:constrLst/>
-        <dgm:ruleLst/>
-        <dgm:layoutNode name="parentLeftMargin">
-          <dgm:alg type="sp"/>
-          <dgm:shape xmlns:r="http://schemas.openxmlformats.org/officeDocument/2006/relationships" type="rect" r:blip="" hideGeom="1">
+        <dgm:choose name="Name004">
+          <dgm:if name="Name5" axis="self" ptType="node" func="cnt" op="equ" val="0">
+            <dgm:constrLst>
+              <dgm:constr type="w" for="ch" forName="parTx" refType="w"/>
+              <dgm:constr type="w" for="ch" forName="parSh" refType="w" refFor="ch" refForName="parTx"/>
+              <dgm:constr type="w" for="ch" forName="nodeText" refType="w" refFor="ch" refForName="parTx"/>
+              <dgm:constr type="t" for="ch" forName="nodeText" refType="b" refFor="ch" refForName="parSh"/>
+            </dgm:constrLst>
+          </dgm:if>
+          <dgm:else name="Name6">
+            <dgm:constrLst>
+              <dgm:constr type="w" for="ch" forName="parTx" refType="w"/>
+              <dgm:constr type="w" for="ch" forName="parSh" refType="w" refFor="ch" refForName="parTx"/>
+              <dgm:constr type="w" for="ch" forName="nodeText" refType="w" refFor="ch" refForName="parTx" fact="0.9"/>
+              <dgm:constr type="t" for="ch" forName="nodeText" refType="b" refFor="ch" refForName="parSh"/>
+            </dgm:constrLst>
+          </dgm:else>
+        </dgm:choose>
+        <dgm:ruleLst>
+          <dgm:rule type="h" val="INF" fact="NaN" max="NaN"/>
+        </dgm:ruleLst>
+        <dgm:layoutNode name="parTx">
+          <dgm:varLst>
+            <dgm:chMax val="0"/>
+            <dgm:chPref val="0"/>
+            <dgm:bulletEnabled val="1"/>
+          </dgm:varLst>
+          <dgm:alg type="tx"/>
+          <dgm:shape xmlns:r="http://schemas.openxmlformats.org/officeDocument/2006/relationships" type="rect" r:blip="" zOrderOff="1" hideGeom="1">
             <dgm:adjLst/>
           </dgm:shape>
-          <dgm:presOf axis="self"/>
+          <dgm:presOf/>
           <dgm:constrLst>
+            <dgm:constr type="h" refType="w" op="lte" fact="0.4"/>
             <dgm:constr type="h"/>
           </dgm:constrLst>
-          <dgm:ruleLst/>
+          <dgm:ruleLst>
+            <dgm:rule type="h" val="INF" fact="NaN" max="NaN"/>
+          </dgm:ruleLst>
         </dgm:layoutNode>
-        <dgm:layoutNode name="parentText" styleLbl="node1">
-          <dgm:varLst>
-            <dgm:chMax val="0"/>
-            <dgm:bulletEnabled val="1"/>
-          </dgm:varLst>
-          <dgm:choose name="Name7">
-            <dgm:if name="Name8" func="var" arg="dir" op="equ" val="norm">
-              <dgm:alg type="tx">
-                <dgm:param type="parTxLTRAlign" val="l"/>
-                <dgm:param type="parTxRTLAlign" val="l"/>
-              </dgm:alg>
-            </dgm:if>
-            <dgm:else name="Name9">
-              <dgm:alg type="tx">
-                <dgm:param type="parTxLTRAlign" val="r"/>
-                <dgm:param type="parTxRTLAlign" val="r"/>
-              </dgm:alg>
-            </dgm:else>
-          </dgm:choose>
-          <dgm:shape xmlns:r="http://schemas.openxmlformats.org/officeDocument/2006/relationships" type="roundRect" r:blip="">
+        <dgm:layoutNode name="parSh">
+          <dgm:alg type="composite"/>
+          <dgm:shape xmlns:r="http://schemas.openxmlformats.org/officeDocument/2006/relationships" r:blip="">
             <dgm:adjLst/>
           </dgm:shape>
           <dgm:presOf axis="self" ptType="node"/>
-          <dgm:constrLst>
-            <dgm:constr type="tMarg"/>
-            <dgm:constr type="bMarg"/>
-          </dgm:constrLst>
+          <dgm:choose name="casesForFirstAndLastNode">
+            <dgm:if name="ifFirstNode" axis="self" ptType="node" func="pos" op="equ" val="1">
+              <dgm:choose name="removeLineWhenOnlyOneNode">
+                <dgm:if name="ifOnlyOneNode" axis="followSib" ptType="node" func="cnt" op="equ" val="0">
+                  <dgm:constrLst>
+                    <dgm:constr type="h"/>
+                    <dgm:constr type="h" for="ch" forName="lineNode" val="0.002"/>
+                    <dgm:constr type="w" for="ch" forName="lineNode" refType="w" fact="0"/>
+                    <dgm:constr type="w" for="ch" forName="lineArrowNode" refType="w" fact="0"/>
+                    <dgm:constr type="h" for="ch" forName="lineArrowNode" refType="h" fact="0"/>
+                    <dgm:constr type="ctrY" for="ch" forName="lineNode" refType="ctrY" refFor="ch" refForName="sibTransNodeCircle"/>
+                    <dgm:constr type="h" for="ch" forName="sibTransNodeCircle" refType="h" fact="0.9"/>
+                    <dgm:constr type="w" for="ch" forName="sibTransNodeCircle" refType="h" refFor="ch" refForName="sibTransNodeCircle"/>
+                    <dgm:constr type="ctrX" for="ch" forName="sibTransNodeCircle" refType="w" fact="0.45"/>
+                    <dgm:constr type="ctrY" for="ch" forName="sibTransNodeCircle" refType="h" fact="0.25"/>
+                    <dgm:constr type="t" for="ch" forName="spacerBetweenCircleAndCallout" refType="b" refFor="ch" refForName="sibTransNodeCircle"/>
+                    <dgm:constr type="h" for="ch" forName="spacerBetweenCircleAndCallout" val="4.6"/>
+                  </dgm:constrLst>
+                </dgm:if>
+                <dgm:else name="ifMoreThanOneNode">
+                  <dgm:constrLst>
+                    <dgm:constr type="h"/>
+                    <dgm:constr type="h" for="ch" forName="lineNode" val="0.002"/>
+                    <dgm:constr type="w" for="ch" forName="lineNode" refType="w" fact="0.4"/>
+                    <dgm:constr type="l" for="ch" forName="lineNode" refType="w" fact="0.5"/>
+                    <dgm:constr type="w" for="ch" forName="lineArrowNode" refType="w" fact="0.046"/>
+                    <dgm:constr type="h" for="ch" forName="lineArrowNode" refType="h" fact="0.18"/>
+                    <dgm:constr type="l" for="ch" forName="lineArrowNode" refType="w" fact="0.924"/>
+                    <dgm:constr type="t" for="ch" forName="lineArrowNode" refType="h" fact="0.18"/>
+                    <dgm:constr type="ctrY" for="ch" forName="lineNode" refType="ctrY" refFor="ch" refForName="sibTransNodeCircle"/>
+                    <dgm:constr type="h" for="ch" forName="sibTransNodeCircle" refType="h" fact="0.9"/>
+                    <dgm:constr type="w" for="ch" forName="sibTransNodeCircle" refType="h" refFor="ch" refForName="sibTransNodeCircle"/>
+                    <dgm:constr type="ctrX" for="ch" forName="sibTransNodeCircle" refType="w" fact="0.45"/>
+                    <dgm:constr type="ctrY" for="ch" forName="sibTransNodeCircle" refType="h" fact="0.25"/>
+                    <dgm:constr type="t" for="ch" forName="spacerBetweenCircleAndCallout" refType="b" refFor="ch" refForName="sibTransNodeCircle"/>
+                    <dgm:constr type="h" for="ch" forName="spacerBetweenCircleAndCallout" val="4.6"/>
+                  </dgm:constrLst>
+                </dgm:else>
+              </dgm:choose>
+            </dgm:if>
+            <dgm:if name="ifLastNode" axis="self" ptType="node" func="revPos" op="equ" val="1">
+              <dgm:constrLst>
+                <dgm:constr type="h"/>
+                <dgm:constr type="h" for="ch" forName="lineNode" val="0.002"/>
+                <dgm:constr type="w" for="ch" forName="lineNode" refType="w" fact="0.45"/>
+                <dgm:constr type="w" for="ch" forName="lineArrowNode" refType="w" fact="0"/>
+                <dgm:constr type="h" for="ch" forName="lineArrowNode" refType="h" fact="0"/>
+                <dgm:constr type="ctrY" for="ch" forName="lineNode" refType="ctrY" refFor="ch" refForName="sibTransNodeCircle"/>
+                <dgm:constr type="h" for="ch" forName="sibTransNodeCircle" refType="h"/>
+                <dgm:constr type="w" for="ch" forName="sibTransNodeCircle" refType="h" refFor="ch" refForName="sibTransNodeCircle"/>
+                <dgm:constr type="ctrX" for="ch" forName="sibTransNodeCircle" refType="w" fact="0.45"/>
+                <dgm:constr type="ctrY" for="ch" forName="sibTransNodeCircle" refType="h" fact="0.25"/>
+                <dgm:constr type="t" for="ch" forName="spacerBetweenCircleAndCallout" refType="b" refFor="ch" refForName="sibTransNodeCircle"/>
+                <dgm:constr type="h" for="ch" forName="spacerBetweenCircleAndCallout" val="4.6"/>
+              </dgm:constrLst>
+            </dgm:if>
+            <dgm:else name="allOtherNodes">
+              <dgm:constrLst>
+                <dgm:constr type="h"/>
+                <dgm:constr type="h" for="ch" forName="lineNode" val="0.002"/>
+                <dgm:constr type="w" for="ch" forName="lineNode" refType="w" fact="0.9"/>
+                <dgm:constr type="w" for="ch" forName="lineArrowNode" refType="w" fact="0.046"/>
+                <dgm:constr type="h" for="ch" forName="lineArrowNode" refType="h" fact="0.18"/>
+                <dgm:constr type="l" for="ch" forName="lineArrowNode" refType="w" fact="0.924"/>
+                <dgm:constr type="t" for="ch" forName="lineArrowNode" refType="h" fact="0.18"/>
+                <dgm:constr type="ctrY" for="ch" forName="lineNode" refType="ctrY" refFor="ch" refForName="sibTransNodeCircle"/>
+                <dgm:constr type="h" for="ch" forName="sibTransNodeCircle" refType="h" fact="0.9"/>
+                <dgm:constr type="w" for="ch" forName="sibTransNodeCircle" refType="h" refFor="ch" refForName="sibTransNodeCircle"/>
+                <dgm:constr type="ctrX" for="ch" forName="sibTransNodeCircle" refType="w" fact="0.45"/>
+                <dgm:constr type="ctrY" for="ch" forName="sibTransNodeCircle" refType="h" fact="0.25"/>
+                <dgm:constr type="t" for="ch" forName="spacerBetweenCircleAndCallout" refType="b" refFor="ch" refForName="sibTransNodeCircle"/>
+                <dgm:constr type="h" for="ch" forName="spacerBetweenCircleAndCallout" val="4.6"/>
+              </dgm:constrLst>
+            </dgm:else>
+          </dgm:choose>
+          <dgm:layoutNode name="lineNode" styleLbl="alignAccFollowNode1">
+            <dgm:alg type="sp"/>
+            <dgm:shape xmlns:r="http://schemas.openxmlformats.org/officeDocument/2006/relationships" type="rect" r:blip="">
+              <dgm:adjLst/>
+            </dgm:shape>
+            <dgm:presOf/>
+            <dgm:constrLst/>
+            <dgm:ruleLst/>
+          </dgm:layoutNode>
+          <dgm:layoutNode name="lineArrowNode" styleLbl="alignAccFollowNode1">
+            <dgm:alg type="sp"/>
+            <dgm:shape xmlns:r="http://schemas.openxmlformats.org/officeDocument/2006/relationships" type="chevron" r:blip="">
+              <dgm:adjLst>
+                <dgm:adj idx="1" val="0.9"/>
+              </dgm:adjLst>
+            </dgm:shape>
+            <dgm:presOf/>
+            <dgm:ruleLst/>
+          </dgm:layoutNode>
+          <dgm:forEach name="Name19" axis="followSib" ptType="sibTrans" hideLastTrans="0" cnt="1">
+            <dgm:layoutNode name="sibTransNodeCircle" styleLbl="alignNode1">
+              <dgm:varLst>
+                <dgm:chMax val="0"/>
+                <dgm:bulletEnabled/>
+              </dgm:varLst>
+              <dgm:presOf axis="self" ptType="sibTrans"/>
+              <dgm:alg type="tx">
+                <dgm:param type="txAnchorVert" val="mid"/>
+                <dgm:param type="txAnchorHorzCh" val="ctr"/>
+                <dgm:param type="parTxRTLAlign" val="l"/>
+              </dgm:alg>
+              <dgm:shape xmlns:r="http://schemas.openxmlformats.org/officeDocument/2006/relationships" type="ellipse" r:blip="">
+                <dgm:adjLst/>
+              </dgm:shape>
+              <dgm:constrLst>
+                <dgm:constr type="w" refType="h" op="equ"/>
+                <dgm:constr type="primFontSz" val="60"/>
+                <dgm:constr type="tMarg" refType="w" fact="0.11"/>
+                <dgm:constr type="lMarg" refType="w" fact="0.11"/>
+                <dgm:constr type="rMarg" refType="w" fact="0.11"/>
+                <dgm:constr type="bMarg" refType="w" fact="0.11"/>
+              </dgm:constrLst>
+              <dgm:ruleLst>
+                <dgm:rule type="primFontSz" val="14" fact="NaN" max="NaN"/>
+              </dgm:ruleLst>
+            </dgm:layoutNode>
+            <dgm:layoutNode name="spacerBetweenCircleAndCallout">
+              <dgm:varLst/>
+              <dgm:presOf/>
+              <dgm:alg type="sp"/>
+              <dgm:shape xmlns:r="http://schemas.openxmlformats.org/officeDocument/2006/relationships" r:blip="">
+                <dgm:adjLst/>
+              </dgm:shape>
+              <dgm:constrLst/>
+              <dgm:ruleLst/>
+            </dgm:layoutNode>
+          </dgm:forEach>
+          <dgm:presOf/>
           <dgm:ruleLst/>
         </dgm:layoutNode>
+        <dgm:layoutNode name="nodeText" styleLbl="alignAccFollowNode1">
+          <dgm:varLst>
+            <dgm:bulletEnabled val="1"/>
+          </dgm:varLst>
+          <dgm:alg type="tx">
+            <dgm:param type="parTxLTRAlign" val="l"/>
+            <dgm:param type="parTxRTLAlign" val="r"/>
+            <dgm:param type="txAnchorVert" val="t"/>
+          </dgm:alg>
+          <dgm:shape xmlns:r="http://schemas.openxmlformats.org/officeDocument/2006/relationships" type="upArrowCallout" r:blip="">
+            <dgm:adjLst>
+              <dgm:adj idx="1" val="0.5"/>
+              <dgm:adj idx="2" val="0.2"/>
+              <dgm:adj idx="3" val="0.2"/>
+              <dgm:adj idx="4" val="1"/>
+            </dgm:adjLst>
+          </dgm:shape>
+          <dgm:presOf axis="desOrSelf" ptType="node"/>
+          <dgm:constrLst>
+            <dgm:constr type="secFontSz" val="16"/>
+            <dgm:constr type="primFontSz" val="26"/>
+            <dgm:constr type="h"/>
+            <dgm:constr type="tMarg" val="13"/>
+            <dgm:constr type="lMarg" refType="w" fact="0.2236"/>
+            <dgm:constr type="rMarg" refType="w" fact="0.2236"/>
+            <dgm:constr type="bMarg" val="13"/>
+          </dgm:constrLst>
+          <dgm:ruleLst>
+            <dgm:rule type="secFontSz" val="11" fact="NaN" max="NaN"/>
+            <dgm:rule type="primFontSz" val="11" fact="NaN" max="NaN"/>
+            <dgm:rule type="h" val="INF" fact="NaN" max="NaN"/>
+          </dgm:ruleLst>
+        </dgm:layoutNode>
       </dgm:layoutNode>
-      <dgm:layoutNode name="negativeSpace">
-        <dgm:alg type="sp"/>
-        <dgm:shape xmlns:r="http://schemas.openxmlformats.org/officeDocument/2006/relationships" r:blip="">
-          <dgm:adjLst/>
-        </dgm:shape>
-        <dgm:presOf/>
-        <dgm:constrLst/>
-        <dgm:ruleLst/>
-      </dgm:layoutNode>
-      <dgm:layoutNode name="childText" styleLbl="conFgAcc1">
-        <dgm:varLst>
-          <dgm:bulletEnabled val="1"/>
-        </dgm:varLst>
-        <dgm:alg type="tx">
-          <dgm:param type="stBulletLvl" val="1"/>
-        </dgm:alg>
-        <dgm:shape xmlns:r="http://schemas.openxmlformats.org/officeDocument/2006/relationships" type="rect" r:blip="" zOrderOff="-2">
-          <dgm:adjLst/>
-        </dgm:shape>
-        <dgm:presOf axis="des" ptType="node"/>
-        <dgm:constrLst>
-          <dgm:constr type="secFontSz" refType="primFontSz"/>
-        </dgm:constrLst>
-        <dgm:ruleLst>
-          <dgm:rule type="h" val="INF" fact="NaN" max="NaN"/>
-        </dgm:ruleLst>
-      </dgm:layoutNode>
-      <dgm:forEach name="Name10" axis="followSib" ptType="sibTrans" cnt="1">
-        <dgm:layoutNode name="spaceBetweenRectangles">
+      <dgm:forEach name="sibTransForEach" axis="followSib" ptType="sibTrans" cnt="1">
+        <dgm:layoutNode name="sibTransComposite" styleLbl="alignAccFollowNode1">
           <dgm:alg type="sp"/>
           <dgm:shape xmlns:r="http://schemas.openxmlformats.org/officeDocument/2006/relationships" r:blip="">
             <dgm:adjLst/>
           </dgm:shape>
-          <dgm:presOf/>
-          <dgm:constrLst/>
           <dgm:ruleLst/>
         </dgm:layoutNode>
+        <dgm:ruleLst>
+          <dgm:rule type="h" val="INF" fact="NaN" max="NaN"/>
+        </dgm:ruleLst>
       </dgm:forEach>
     </dgm:forEach>
   </dgm:layoutNode>
+  <dgm:extLst>
+    <a:ext uri="{4F341089-5ED1-44EC-B178-C955D00A3D55}">
+      <dgm1611:autoBuNodeInfoLst xmlns:dgm1611="http://schemas.microsoft.com/office/drawing/2016/11/diagram">
+        <dgm1611:autoBuNodeInfo lvl="1" ptType="sibTrans">
+          <dgm1611:buPr prefix="" leadZeros="0">
+            <a:buAutoNum type="arabicParenBoth"/>
+          </dgm1611:buPr>
+        </dgm1611:autoBuNodeInfo>
+      </dgm1611:autoBuNodeInfoLst>
+    </a:ext>
+  </dgm:extLst>
 </dgm:layoutDef>
 </file>
 
@@ -37499,1040 +37035,6 @@
 </dgm:styleDef>
 </file>
 
-<file path=ppt/diagrams/quickStyle11.xml><?xml version="1.0" encoding="utf-8"?>
-<dgm:styleDef xmlns:dgm="http://schemas.openxmlformats.org/drawingml/2006/diagram" xmlns:a="http://schemas.openxmlformats.org/drawingml/2006/main" uniqueId="urn:microsoft.com/office/officeart/2005/8/quickstyle/simple1">
-  <dgm:title val=""/>
-  <dgm:desc val=""/>
-  <dgm:catLst>
-    <dgm:cat type="simple" pri="10100"/>
-  </dgm:catLst>
-  <dgm:scene3d>
-    <a:camera prst="orthographicFront"/>
-    <a:lightRig rig="threePt" dir="t"/>
-  </dgm:scene3d>
-  <dgm:styleLbl name="node0">
-    <dgm:scene3d>
-      <a:camera prst="orthographicFront"/>
-      <a:lightRig rig="threePt" dir="t"/>
-    </dgm:scene3d>
-    <dgm:sp3d/>
-    <dgm:txPr/>
-    <dgm:style>
-      <a:lnRef idx="2">
-        <a:scrgbClr r="0" g="0" b="0"/>
-      </a:lnRef>
-      <a:fillRef idx="1">
-        <a:scrgbClr r="0" g="0" b="0"/>
-      </a:fillRef>
-      <a:effectRef idx="0">
-        <a:scrgbClr r="0" g="0" b="0"/>
-      </a:effectRef>
-      <a:fontRef idx="minor">
-        <a:schemeClr val="lt1"/>
-      </a:fontRef>
-    </dgm:style>
-  </dgm:styleLbl>
-  <dgm:styleLbl name="lnNode1">
-    <dgm:scene3d>
-      <a:camera prst="orthographicFront"/>
-      <a:lightRig rig="threePt" dir="t"/>
-    </dgm:scene3d>
-    <dgm:sp3d/>
-    <dgm:txPr/>
-    <dgm:style>
-      <a:lnRef idx="2">
-        <a:scrgbClr r="0" g="0" b="0"/>
-      </a:lnRef>
-      <a:fillRef idx="1">
-        <a:scrgbClr r="0" g="0" b="0"/>
-      </a:fillRef>
-      <a:effectRef idx="0">
-        <a:scrgbClr r="0" g="0" b="0"/>
-      </a:effectRef>
-      <a:fontRef idx="minor">
-        <a:schemeClr val="lt1"/>
-      </a:fontRef>
-    </dgm:style>
-  </dgm:styleLbl>
-  <dgm:styleLbl name="vennNode1">
-    <dgm:scene3d>
-      <a:camera prst="orthographicFront"/>
-      <a:lightRig rig="threePt" dir="t"/>
-    </dgm:scene3d>
-    <dgm:sp3d/>
-    <dgm:txPr/>
-    <dgm:style>
-      <a:lnRef idx="2">
-        <a:scrgbClr r="0" g="0" b="0"/>
-      </a:lnRef>
-      <a:fillRef idx="1">
-        <a:scrgbClr r="0" g="0" b="0"/>
-      </a:fillRef>
-      <a:effectRef idx="0">
-        <a:scrgbClr r="0" g="0" b="0"/>
-      </a:effectRef>
-      <a:fontRef idx="minor">
-        <a:schemeClr val="tx1"/>
-      </a:fontRef>
-    </dgm:style>
-  </dgm:styleLbl>
-  <dgm:styleLbl name="alignNode1">
-    <dgm:scene3d>
-      <a:camera prst="orthographicFront"/>
-      <a:lightRig rig="threePt" dir="t"/>
-    </dgm:scene3d>
-    <dgm:sp3d/>
-    <dgm:txPr/>
-    <dgm:style>
-      <a:lnRef idx="2">
-        <a:scrgbClr r="0" g="0" b="0"/>
-      </a:lnRef>
-      <a:fillRef idx="1">
-        <a:scrgbClr r="0" g="0" b="0"/>
-      </a:fillRef>
-      <a:effectRef idx="0">
-        <a:scrgbClr r="0" g="0" b="0"/>
-      </a:effectRef>
-      <a:fontRef idx="minor">
-        <a:schemeClr val="lt1"/>
-      </a:fontRef>
-    </dgm:style>
-  </dgm:styleLbl>
-  <dgm:styleLbl name="node1">
-    <dgm:scene3d>
-      <a:camera prst="orthographicFront"/>
-      <a:lightRig rig="threePt" dir="t"/>
-    </dgm:scene3d>
-    <dgm:sp3d/>
-    <dgm:txPr/>
-    <dgm:style>
-      <a:lnRef idx="2">
-        <a:scrgbClr r="0" g="0" b="0"/>
-      </a:lnRef>
-      <a:fillRef idx="1">
-        <a:scrgbClr r="0" g="0" b="0"/>
-      </a:fillRef>
-      <a:effectRef idx="0">
-        <a:scrgbClr r="0" g="0" b="0"/>
-      </a:effectRef>
-      <a:fontRef idx="minor">
-        <a:schemeClr val="lt1"/>
-      </a:fontRef>
-    </dgm:style>
-  </dgm:styleLbl>
-  <dgm:styleLbl name="node2">
-    <dgm:scene3d>
-      <a:camera prst="orthographicFront"/>
-      <a:lightRig rig="threePt" dir="t"/>
-    </dgm:scene3d>
-    <dgm:sp3d/>
-    <dgm:txPr/>
-    <dgm:style>
-      <a:lnRef idx="2">
-        <a:scrgbClr r="0" g="0" b="0"/>
-      </a:lnRef>
-      <a:fillRef idx="1">
-        <a:scrgbClr r="0" g="0" b="0"/>
-      </a:fillRef>
-      <a:effectRef idx="0">
-        <a:scrgbClr r="0" g="0" b="0"/>
-      </a:effectRef>
-      <a:fontRef idx="minor">
-        <a:schemeClr val="lt1"/>
-      </a:fontRef>
-    </dgm:style>
-  </dgm:styleLbl>
-  <dgm:styleLbl name="node3">
-    <dgm:scene3d>
-      <a:camera prst="orthographicFront"/>
-      <a:lightRig rig="threePt" dir="t"/>
-    </dgm:scene3d>
-    <dgm:sp3d/>
-    <dgm:txPr/>
-    <dgm:style>
-      <a:lnRef idx="2">
-        <a:scrgbClr r="0" g="0" b="0"/>
-      </a:lnRef>
-      <a:fillRef idx="1">
-        <a:scrgbClr r="0" g="0" b="0"/>
-      </a:fillRef>
-      <a:effectRef idx="0">
-        <a:scrgbClr r="0" g="0" b="0"/>
-      </a:effectRef>
-      <a:fontRef idx="minor">
-        <a:schemeClr val="lt1"/>
-      </a:fontRef>
-    </dgm:style>
-  </dgm:styleLbl>
-  <dgm:styleLbl name="node4">
-    <dgm:scene3d>
-      <a:camera prst="orthographicFront"/>
-      <a:lightRig rig="threePt" dir="t"/>
-    </dgm:scene3d>
-    <dgm:sp3d/>
-    <dgm:txPr/>
-    <dgm:style>
-      <a:lnRef idx="2">
-        <a:scrgbClr r="0" g="0" b="0"/>
-      </a:lnRef>
-      <a:fillRef idx="1">
-        <a:scrgbClr r="0" g="0" b="0"/>
-      </a:fillRef>
-      <a:effectRef idx="0">
-        <a:scrgbClr r="0" g="0" b="0"/>
-      </a:effectRef>
-      <a:fontRef idx="minor">
-        <a:schemeClr val="lt1"/>
-      </a:fontRef>
-    </dgm:style>
-  </dgm:styleLbl>
-  <dgm:styleLbl name="fgImgPlace1">
-    <dgm:scene3d>
-      <a:camera prst="orthographicFront"/>
-      <a:lightRig rig="threePt" dir="t"/>
-    </dgm:scene3d>
-    <dgm:sp3d/>
-    <dgm:txPr/>
-    <dgm:style>
-      <a:lnRef idx="2">
-        <a:scrgbClr r="0" g="0" b="0"/>
-      </a:lnRef>
-      <a:fillRef idx="1">
-        <a:scrgbClr r="0" g="0" b="0"/>
-      </a:fillRef>
-      <a:effectRef idx="0">
-        <a:scrgbClr r="0" g="0" b="0"/>
-      </a:effectRef>
-      <a:fontRef idx="minor"/>
-    </dgm:style>
-  </dgm:styleLbl>
-  <dgm:styleLbl name="alignImgPlace1">
-    <dgm:scene3d>
-      <a:camera prst="orthographicFront"/>
-      <a:lightRig rig="threePt" dir="t"/>
-    </dgm:scene3d>
-    <dgm:sp3d/>
-    <dgm:txPr/>
-    <dgm:style>
-      <a:lnRef idx="2">
-        <a:scrgbClr r="0" g="0" b="0"/>
-      </a:lnRef>
-      <a:fillRef idx="1">
-        <a:scrgbClr r="0" g="0" b="0"/>
-      </a:fillRef>
-      <a:effectRef idx="0">
-        <a:scrgbClr r="0" g="0" b="0"/>
-      </a:effectRef>
-      <a:fontRef idx="minor"/>
-    </dgm:style>
-  </dgm:styleLbl>
-  <dgm:styleLbl name="bgImgPlace1">
-    <dgm:scene3d>
-      <a:camera prst="orthographicFront"/>
-      <a:lightRig rig="threePt" dir="t"/>
-    </dgm:scene3d>
-    <dgm:sp3d/>
-    <dgm:txPr/>
-    <dgm:style>
-      <a:lnRef idx="2">
-        <a:scrgbClr r="0" g="0" b="0"/>
-      </a:lnRef>
-      <a:fillRef idx="1">
-        <a:scrgbClr r="0" g="0" b="0"/>
-      </a:fillRef>
-      <a:effectRef idx="0">
-        <a:scrgbClr r="0" g="0" b="0"/>
-      </a:effectRef>
-      <a:fontRef idx="minor"/>
-    </dgm:style>
-  </dgm:styleLbl>
-  <dgm:styleLbl name="sibTrans2D1">
-    <dgm:scene3d>
-      <a:camera prst="orthographicFront"/>
-      <a:lightRig rig="threePt" dir="t"/>
-    </dgm:scene3d>
-    <dgm:sp3d/>
-    <dgm:txPr/>
-    <dgm:style>
-      <a:lnRef idx="0">
-        <a:scrgbClr r="0" g="0" b="0"/>
-      </a:lnRef>
-      <a:fillRef idx="1">
-        <a:scrgbClr r="0" g="0" b="0"/>
-      </a:fillRef>
-      <a:effectRef idx="0">
-        <a:scrgbClr r="0" g="0" b="0"/>
-      </a:effectRef>
-      <a:fontRef idx="minor">
-        <a:schemeClr val="lt1"/>
-      </a:fontRef>
-    </dgm:style>
-  </dgm:styleLbl>
-  <dgm:styleLbl name="fgSibTrans2D1">
-    <dgm:scene3d>
-      <a:camera prst="orthographicFront"/>
-      <a:lightRig rig="threePt" dir="t"/>
-    </dgm:scene3d>
-    <dgm:sp3d/>
-    <dgm:txPr/>
-    <dgm:style>
-      <a:lnRef idx="0">
-        <a:scrgbClr r="0" g="0" b="0"/>
-      </a:lnRef>
-      <a:fillRef idx="1">
-        <a:scrgbClr r="0" g="0" b="0"/>
-      </a:fillRef>
-      <a:effectRef idx="0">
-        <a:scrgbClr r="0" g="0" b="0"/>
-      </a:effectRef>
-      <a:fontRef idx="minor">
-        <a:schemeClr val="lt1"/>
-      </a:fontRef>
-    </dgm:style>
-  </dgm:styleLbl>
-  <dgm:styleLbl name="bgSibTrans2D1">
-    <dgm:scene3d>
-      <a:camera prst="orthographicFront"/>
-      <a:lightRig rig="threePt" dir="t"/>
-    </dgm:scene3d>
-    <dgm:sp3d/>
-    <dgm:txPr/>
-    <dgm:style>
-      <a:lnRef idx="0">
-        <a:scrgbClr r="0" g="0" b="0"/>
-      </a:lnRef>
-      <a:fillRef idx="1">
-        <a:scrgbClr r="0" g="0" b="0"/>
-      </a:fillRef>
-      <a:effectRef idx="0">
-        <a:scrgbClr r="0" g="0" b="0"/>
-      </a:effectRef>
-      <a:fontRef idx="minor">
-        <a:schemeClr val="lt1"/>
-      </a:fontRef>
-    </dgm:style>
-  </dgm:styleLbl>
-  <dgm:styleLbl name="sibTrans1D1">
-    <dgm:scene3d>
-      <a:camera prst="orthographicFront"/>
-      <a:lightRig rig="threePt" dir="t"/>
-    </dgm:scene3d>
-    <dgm:sp3d/>
-    <dgm:txPr/>
-    <dgm:style>
-      <a:lnRef idx="1">
-        <a:scrgbClr r="0" g="0" b="0"/>
-      </a:lnRef>
-      <a:fillRef idx="0">
-        <a:scrgbClr r="0" g="0" b="0"/>
-      </a:fillRef>
-      <a:effectRef idx="0">
-        <a:scrgbClr r="0" g="0" b="0"/>
-      </a:effectRef>
-      <a:fontRef idx="minor"/>
-    </dgm:style>
-  </dgm:styleLbl>
-  <dgm:styleLbl name="callout">
-    <dgm:scene3d>
-      <a:camera prst="orthographicFront"/>
-      <a:lightRig rig="threePt" dir="t"/>
-    </dgm:scene3d>
-    <dgm:sp3d/>
-    <dgm:txPr/>
-    <dgm:style>
-      <a:lnRef idx="2">
-        <a:scrgbClr r="0" g="0" b="0"/>
-      </a:lnRef>
-      <a:fillRef idx="1">
-        <a:scrgbClr r="0" g="0" b="0"/>
-      </a:fillRef>
-      <a:effectRef idx="0">
-        <a:scrgbClr r="0" g="0" b="0"/>
-      </a:effectRef>
-      <a:fontRef idx="minor"/>
-    </dgm:style>
-  </dgm:styleLbl>
-  <dgm:styleLbl name="asst0">
-    <dgm:scene3d>
-      <a:camera prst="orthographicFront"/>
-      <a:lightRig rig="threePt" dir="t"/>
-    </dgm:scene3d>
-    <dgm:sp3d/>
-    <dgm:txPr/>
-    <dgm:style>
-      <a:lnRef idx="2">
-        <a:scrgbClr r="0" g="0" b="0"/>
-      </a:lnRef>
-      <a:fillRef idx="1">
-        <a:scrgbClr r="0" g="0" b="0"/>
-      </a:fillRef>
-      <a:effectRef idx="0">
-        <a:scrgbClr r="0" g="0" b="0"/>
-      </a:effectRef>
-      <a:fontRef idx="minor">
-        <a:schemeClr val="lt1"/>
-      </a:fontRef>
-    </dgm:style>
-  </dgm:styleLbl>
-  <dgm:styleLbl name="asst1">
-    <dgm:scene3d>
-      <a:camera prst="orthographicFront"/>
-      <a:lightRig rig="threePt" dir="t"/>
-    </dgm:scene3d>
-    <dgm:sp3d/>
-    <dgm:txPr/>
-    <dgm:style>
-      <a:lnRef idx="2">
-        <a:scrgbClr r="0" g="0" b="0"/>
-      </a:lnRef>
-      <a:fillRef idx="1">
-        <a:scrgbClr r="0" g="0" b="0"/>
-      </a:fillRef>
-      <a:effectRef idx="0">
-        <a:scrgbClr r="0" g="0" b="0"/>
-      </a:effectRef>
-      <a:fontRef idx="minor">
-        <a:schemeClr val="lt1"/>
-      </a:fontRef>
-    </dgm:style>
-  </dgm:styleLbl>
-  <dgm:styleLbl name="asst2">
-    <dgm:scene3d>
-      <a:camera prst="orthographicFront"/>
-      <a:lightRig rig="threePt" dir="t"/>
-    </dgm:scene3d>
-    <dgm:sp3d/>
-    <dgm:txPr/>
-    <dgm:style>
-      <a:lnRef idx="2">
-        <a:scrgbClr r="0" g="0" b="0"/>
-      </a:lnRef>
-      <a:fillRef idx="1">
-        <a:scrgbClr r="0" g="0" b="0"/>
-      </a:fillRef>
-      <a:effectRef idx="0">
-        <a:scrgbClr r="0" g="0" b="0"/>
-      </a:effectRef>
-      <a:fontRef idx="minor">
-        <a:schemeClr val="lt1"/>
-      </a:fontRef>
-    </dgm:style>
-  </dgm:styleLbl>
-  <dgm:styleLbl name="asst3">
-    <dgm:scene3d>
-      <a:camera prst="orthographicFront"/>
-      <a:lightRig rig="threePt" dir="t"/>
-    </dgm:scene3d>
-    <dgm:sp3d/>
-    <dgm:txPr/>
-    <dgm:style>
-      <a:lnRef idx="2">
-        <a:scrgbClr r="0" g="0" b="0"/>
-      </a:lnRef>
-      <a:fillRef idx="1">
-        <a:scrgbClr r="0" g="0" b="0"/>
-      </a:fillRef>
-      <a:effectRef idx="0">
-        <a:scrgbClr r="0" g="0" b="0"/>
-      </a:effectRef>
-      <a:fontRef idx="minor">
-        <a:schemeClr val="lt1"/>
-      </a:fontRef>
-    </dgm:style>
-  </dgm:styleLbl>
-  <dgm:styleLbl name="asst4">
-    <dgm:scene3d>
-      <a:camera prst="orthographicFront"/>
-      <a:lightRig rig="threePt" dir="t"/>
-    </dgm:scene3d>
-    <dgm:sp3d/>
-    <dgm:txPr/>
-    <dgm:style>
-      <a:lnRef idx="2">
-        <a:scrgbClr r="0" g="0" b="0"/>
-      </a:lnRef>
-      <a:fillRef idx="1">
-        <a:scrgbClr r="0" g="0" b="0"/>
-      </a:fillRef>
-      <a:effectRef idx="0">
-        <a:scrgbClr r="0" g="0" b="0"/>
-      </a:effectRef>
-      <a:fontRef idx="minor">
-        <a:schemeClr val="lt1"/>
-      </a:fontRef>
-    </dgm:style>
-  </dgm:styleLbl>
-  <dgm:styleLbl name="parChTrans2D1">
-    <dgm:scene3d>
-      <a:camera prst="orthographicFront"/>
-      <a:lightRig rig="threePt" dir="t"/>
-    </dgm:scene3d>
-    <dgm:sp3d/>
-    <dgm:txPr/>
-    <dgm:style>
-      <a:lnRef idx="2">
-        <a:scrgbClr r="0" g="0" b="0"/>
-      </a:lnRef>
-      <a:fillRef idx="1">
-        <a:scrgbClr r="0" g="0" b="0"/>
-      </a:fillRef>
-      <a:effectRef idx="0">
-        <a:scrgbClr r="0" g="0" b="0"/>
-      </a:effectRef>
-      <a:fontRef idx="minor">
-        <a:schemeClr val="lt1"/>
-      </a:fontRef>
-    </dgm:style>
-  </dgm:styleLbl>
-  <dgm:styleLbl name="parChTrans2D2">
-    <dgm:scene3d>
-      <a:camera prst="orthographicFront"/>
-      <a:lightRig rig="threePt" dir="t"/>
-    </dgm:scene3d>
-    <dgm:sp3d/>
-    <dgm:txPr/>
-    <dgm:style>
-      <a:lnRef idx="2">
-        <a:scrgbClr r="0" g="0" b="0"/>
-      </a:lnRef>
-      <a:fillRef idx="1">
-        <a:scrgbClr r="0" g="0" b="0"/>
-      </a:fillRef>
-      <a:effectRef idx="0">
-        <a:scrgbClr r="0" g="0" b="0"/>
-      </a:effectRef>
-      <a:fontRef idx="minor">
-        <a:schemeClr val="lt1"/>
-      </a:fontRef>
-    </dgm:style>
-  </dgm:styleLbl>
-  <dgm:styleLbl name="parChTrans2D3">
-    <dgm:scene3d>
-      <a:camera prst="orthographicFront"/>
-      <a:lightRig rig="threePt" dir="t"/>
-    </dgm:scene3d>
-    <dgm:sp3d/>
-    <dgm:txPr/>
-    <dgm:style>
-      <a:lnRef idx="2">
-        <a:scrgbClr r="0" g="0" b="0"/>
-      </a:lnRef>
-      <a:fillRef idx="1">
-        <a:scrgbClr r="0" g="0" b="0"/>
-      </a:fillRef>
-      <a:effectRef idx="0">
-        <a:scrgbClr r="0" g="0" b="0"/>
-      </a:effectRef>
-      <a:fontRef idx="minor">
-        <a:schemeClr val="lt1"/>
-      </a:fontRef>
-    </dgm:style>
-  </dgm:styleLbl>
-  <dgm:styleLbl name="parChTrans2D4">
-    <dgm:scene3d>
-      <a:camera prst="orthographicFront"/>
-      <a:lightRig rig="threePt" dir="t"/>
-    </dgm:scene3d>
-    <dgm:sp3d/>
-    <dgm:txPr/>
-    <dgm:style>
-      <a:lnRef idx="2">
-        <a:scrgbClr r="0" g="0" b="0"/>
-      </a:lnRef>
-      <a:fillRef idx="1">
-        <a:scrgbClr r="0" g="0" b="0"/>
-      </a:fillRef>
-      <a:effectRef idx="0">
-        <a:scrgbClr r="0" g="0" b="0"/>
-      </a:effectRef>
-      <a:fontRef idx="minor">
-        <a:schemeClr val="lt1"/>
-      </a:fontRef>
-    </dgm:style>
-  </dgm:styleLbl>
-  <dgm:styleLbl name="parChTrans1D1">
-    <dgm:scene3d>
-      <a:camera prst="orthographicFront"/>
-      <a:lightRig rig="threePt" dir="t"/>
-    </dgm:scene3d>
-    <dgm:sp3d/>
-    <dgm:txPr/>
-    <dgm:style>
-      <a:lnRef idx="2">
-        <a:scrgbClr r="0" g="0" b="0"/>
-      </a:lnRef>
-      <a:fillRef idx="0">
-        <a:scrgbClr r="0" g="0" b="0"/>
-      </a:fillRef>
-      <a:effectRef idx="0">
-        <a:scrgbClr r="0" g="0" b="0"/>
-      </a:effectRef>
-      <a:fontRef idx="minor"/>
-    </dgm:style>
-  </dgm:styleLbl>
-  <dgm:styleLbl name="parChTrans1D2">
-    <dgm:scene3d>
-      <a:camera prst="orthographicFront"/>
-      <a:lightRig rig="threePt" dir="t"/>
-    </dgm:scene3d>
-    <dgm:sp3d/>
-    <dgm:txPr/>
-    <dgm:style>
-      <a:lnRef idx="2">
-        <a:scrgbClr r="0" g="0" b="0"/>
-      </a:lnRef>
-      <a:fillRef idx="0">
-        <a:scrgbClr r="0" g="0" b="0"/>
-      </a:fillRef>
-      <a:effectRef idx="0">
-        <a:scrgbClr r="0" g="0" b="0"/>
-      </a:effectRef>
-      <a:fontRef idx="minor"/>
-    </dgm:style>
-  </dgm:styleLbl>
-  <dgm:styleLbl name="parChTrans1D3">
-    <dgm:scene3d>
-      <a:camera prst="orthographicFront"/>
-      <a:lightRig rig="threePt" dir="t"/>
-    </dgm:scene3d>
-    <dgm:sp3d/>
-    <dgm:txPr/>
-    <dgm:style>
-      <a:lnRef idx="2">
-        <a:scrgbClr r="0" g="0" b="0"/>
-      </a:lnRef>
-      <a:fillRef idx="0">
-        <a:scrgbClr r="0" g="0" b="0"/>
-      </a:fillRef>
-      <a:effectRef idx="0">
-        <a:scrgbClr r="0" g="0" b="0"/>
-      </a:effectRef>
-      <a:fontRef idx="minor"/>
-    </dgm:style>
-  </dgm:styleLbl>
-  <dgm:styleLbl name="parChTrans1D4">
-    <dgm:scene3d>
-      <a:camera prst="orthographicFront"/>
-      <a:lightRig rig="threePt" dir="t"/>
-    </dgm:scene3d>
-    <dgm:sp3d/>
-    <dgm:txPr/>
-    <dgm:style>
-      <a:lnRef idx="2">
-        <a:scrgbClr r="0" g="0" b="0"/>
-      </a:lnRef>
-      <a:fillRef idx="0">
-        <a:scrgbClr r="0" g="0" b="0"/>
-      </a:fillRef>
-      <a:effectRef idx="0">
-        <a:scrgbClr r="0" g="0" b="0"/>
-      </a:effectRef>
-      <a:fontRef idx="minor"/>
-    </dgm:style>
-  </dgm:styleLbl>
-  <dgm:styleLbl name="fgAcc1">
-    <dgm:scene3d>
-      <a:camera prst="orthographicFront"/>
-      <a:lightRig rig="threePt" dir="t"/>
-    </dgm:scene3d>
-    <dgm:sp3d/>
-    <dgm:txPr/>
-    <dgm:style>
-      <a:lnRef idx="2">
-        <a:scrgbClr r="0" g="0" b="0"/>
-      </a:lnRef>
-      <a:fillRef idx="1">
-        <a:scrgbClr r="0" g="0" b="0"/>
-      </a:fillRef>
-      <a:effectRef idx="0">
-        <a:scrgbClr r="0" g="0" b="0"/>
-      </a:effectRef>
-      <a:fontRef idx="minor"/>
-    </dgm:style>
-  </dgm:styleLbl>
-  <dgm:styleLbl name="conFgAcc1">
-    <dgm:scene3d>
-      <a:camera prst="orthographicFront"/>
-      <a:lightRig rig="threePt" dir="t"/>
-    </dgm:scene3d>
-    <dgm:sp3d/>
-    <dgm:txPr/>
-    <dgm:style>
-      <a:lnRef idx="2">
-        <a:scrgbClr r="0" g="0" b="0"/>
-      </a:lnRef>
-      <a:fillRef idx="1">
-        <a:scrgbClr r="0" g="0" b="0"/>
-      </a:fillRef>
-      <a:effectRef idx="0">
-        <a:scrgbClr r="0" g="0" b="0"/>
-      </a:effectRef>
-      <a:fontRef idx="minor"/>
-    </dgm:style>
-  </dgm:styleLbl>
-  <dgm:styleLbl name="alignAcc1">
-    <dgm:scene3d>
-      <a:camera prst="orthographicFront"/>
-      <a:lightRig rig="threePt" dir="t"/>
-    </dgm:scene3d>
-    <dgm:sp3d/>
-    <dgm:txPr/>
-    <dgm:style>
-      <a:lnRef idx="2">
-        <a:scrgbClr r="0" g="0" b="0"/>
-      </a:lnRef>
-      <a:fillRef idx="1">
-        <a:scrgbClr r="0" g="0" b="0"/>
-      </a:fillRef>
-      <a:effectRef idx="0">
-        <a:scrgbClr r="0" g="0" b="0"/>
-      </a:effectRef>
-      <a:fontRef idx="minor"/>
-    </dgm:style>
-  </dgm:styleLbl>
-  <dgm:styleLbl name="trAlignAcc1">
-    <dgm:scene3d>
-      <a:camera prst="orthographicFront"/>
-      <a:lightRig rig="threePt" dir="t"/>
-    </dgm:scene3d>
-    <dgm:sp3d/>
-    <dgm:txPr/>
-    <dgm:style>
-      <a:lnRef idx="1">
-        <a:scrgbClr r="0" g="0" b="0"/>
-      </a:lnRef>
-      <a:fillRef idx="1">
-        <a:scrgbClr r="0" g="0" b="0"/>
-      </a:fillRef>
-      <a:effectRef idx="0">
-        <a:scrgbClr r="0" g="0" b="0"/>
-      </a:effectRef>
-      <a:fontRef idx="minor"/>
-    </dgm:style>
-  </dgm:styleLbl>
-  <dgm:styleLbl name="bgAcc1">
-    <dgm:scene3d>
-      <a:camera prst="orthographicFront"/>
-      <a:lightRig rig="threePt" dir="t"/>
-    </dgm:scene3d>
-    <dgm:sp3d/>
-    <dgm:txPr/>
-    <dgm:style>
-      <a:lnRef idx="2">
-        <a:scrgbClr r="0" g="0" b="0"/>
-      </a:lnRef>
-      <a:fillRef idx="1">
-        <a:scrgbClr r="0" g="0" b="0"/>
-      </a:fillRef>
-      <a:effectRef idx="0">
-        <a:scrgbClr r="0" g="0" b="0"/>
-      </a:effectRef>
-      <a:fontRef idx="minor"/>
-    </dgm:style>
-  </dgm:styleLbl>
-  <dgm:styleLbl name="solidFgAcc1">
-    <dgm:scene3d>
-      <a:camera prst="orthographicFront"/>
-      <a:lightRig rig="threePt" dir="t"/>
-    </dgm:scene3d>
-    <dgm:sp3d/>
-    <dgm:txPr/>
-    <dgm:style>
-      <a:lnRef idx="2">
-        <a:scrgbClr r="0" g="0" b="0"/>
-      </a:lnRef>
-      <a:fillRef idx="1">
-        <a:scrgbClr r="0" g="0" b="0"/>
-      </a:fillRef>
-      <a:effectRef idx="0">
-        <a:scrgbClr r="0" g="0" b="0"/>
-      </a:effectRef>
-      <a:fontRef idx="minor"/>
-    </dgm:style>
-  </dgm:styleLbl>
-  <dgm:styleLbl name="solidAlignAcc1">
-    <dgm:scene3d>
-      <a:camera prst="orthographicFront"/>
-      <a:lightRig rig="threePt" dir="t"/>
-    </dgm:scene3d>
-    <dgm:sp3d/>
-    <dgm:txPr/>
-    <dgm:style>
-      <a:lnRef idx="2">
-        <a:scrgbClr r="0" g="0" b="0"/>
-      </a:lnRef>
-      <a:fillRef idx="1">
-        <a:scrgbClr r="0" g="0" b="0"/>
-      </a:fillRef>
-      <a:effectRef idx="0">
-        <a:scrgbClr r="0" g="0" b="0"/>
-      </a:effectRef>
-      <a:fontRef idx="minor"/>
-    </dgm:style>
-  </dgm:styleLbl>
-  <dgm:styleLbl name="solidBgAcc1">
-    <dgm:scene3d>
-      <a:camera prst="orthographicFront"/>
-      <a:lightRig rig="threePt" dir="t"/>
-    </dgm:scene3d>
-    <dgm:sp3d/>
-    <dgm:txPr/>
-    <dgm:style>
-      <a:lnRef idx="2">
-        <a:scrgbClr r="0" g="0" b="0"/>
-      </a:lnRef>
-      <a:fillRef idx="1">
-        <a:scrgbClr r="0" g="0" b="0"/>
-      </a:fillRef>
-      <a:effectRef idx="0">
-        <a:scrgbClr r="0" g="0" b="0"/>
-      </a:effectRef>
-      <a:fontRef idx="minor"/>
-    </dgm:style>
-  </dgm:styleLbl>
-  <dgm:styleLbl name="fgAccFollowNode1">
-    <dgm:scene3d>
-      <a:camera prst="orthographicFront"/>
-      <a:lightRig rig="threePt" dir="t"/>
-    </dgm:scene3d>
-    <dgm:sp3d/>
-    <dgm:txPr/>
-    <dgm:style>
-      <a:lnRef idx="2">
-        <a:scrgbClr r="0" g="0" b="0"/>
-      </a:lnRef>
-      <a:fillRef idx="1">
-        <a:scrgbClr r="0" g="0" b="0"/>
-      </a:fillRef>
-      <a:effectRef idx="0">
-        <a:scrgbClr r="0" g="0" b="0"/>
-      </a:effectRef>
-      <a:fontRef idx="minor"/>
-    </dgm:style>
-  </dgm:styleLbl>
-  <dgm:styleLbl name="alignAccFollowNode1">
-    <dgm:scene3d>
-      <a:camera prst="orthographicFront"/>
-      <a:lightRig rig="threePt" dir="t"/>
-    </dgm:scene3d>
-    <dgm:sp3d/>
-    <dgm:txPr/>
-    <dgm:style>
-      <a:lnRef idx="2">
-        <a:scrgbClr r="0" g="0" b="0"/>
-      </a:lnRef>
-      <a:fillRef idx="1">
-        <a:scrgbClr r="0" g="0" b="0"/>
-      </a:fillRef>
-      <a:effectRef idx="0">
-        <a:scrgbClr r="0" g="0" b="0"/>
-      </a:effectRef>
-      <a:fontRef idx="minor"/>
-    </dgm:style>
-  </dgm:styleLbl>
-  <dgm:styleLbl name="bgAccFollowNode1">
-    <dgm:scene3d>
-      <a:camera prst="orthographicFront"/>
-      <a:lightRig rig="threePt" dir="t"/>
-    </dgm:scene3d>
-    <dgm:sp3d/>
-    <dgm:txPr/>
-    <dgm:style>
-      <a:lnRef idx="2">
-        <a:scrgbClr r="0" g="0" b="0"/>
-      </a:lnRef>
-      <a:fillRef idx="1">
-        <a:scrgbClr r="0" g="0" b="0"/>
-      </a:fillRef>
-      <a:effectRef idx="0">
-        <a:scrgbClr r="0" g="0" b="0"/>
-      </a:effectRef>
-      <a:fontRef idx="minor"/>
-    </dgm:style>
-  </dgm:styleLbl>
-  <dgm:styleLbl name="fgAcc0">
-    <dgm:scene3d>
-      <a:camera prst="orthographicFront"/>
-      <a:lightRig rig="threePt" dir="t"/>
-    </dgm:scene3d>
-    <dgm:sp3d/>
-    <dgm:txPr/>
-    <dgm:style>
-      <a:lnRef idx="2">
-        <a:scrgbClr r="0" g="0" b="0"/>
-      </a:lnRef>
-      <a:fillRef idx="1">
-        <a:scrgbClr r="0" g="0" b="0"/>
-      </a:fillRef>
-      <a:effectRef idx="0">
-        <a:scrgbClr r="0" g="0" b="0"/>
-      </a:effectRef>
-      <a:fontRef idx="minor"/>
-    </dgm:style>
-  </dgm:styleLbl>
-  <dgm:styleLbl name="fgAcc2">
-    <dgm:scene3d>
-      <a:camera prst="orthographicFront"/>
-      <a:lightRig rig="threePt" dir="t"/>
-    </dgm:scene3d>
-    <dgm:sp3d/>
-    <dgm:txPr/>
-    <dgm:style>
-      <a:lnRef idx="2">
-        <a:scrgbClr r="0" g="0" b="0"/>
-      </a:lnRef>
-      <a:fillRef idx="1">
-        <a:scrgbClr r="0" g="0" b="0"/>
-      </a:fillRef>
-      <a:effectRef idx="0">
-        <a:scrgbClr r="0" g="0" b="0"/>
-      </a:effectRef>
-      <a:fontRef idx="minor"/>
-    </dgm:style>
-  </dgm:styleLbl>
-  <dgm:styleLbl name="fgAcc3">
-    <dgm:scene3d>
-      <a:camera prst="orthographicFront"/>
-      <a:lightRig rig="threePt" dir="t"/>
-    </dgm:scene3d>
-    <dgm:sp3d/>
-    <dgm:txPr/>
-    <dgm:style>
-      <a:lnRef idx="2">
-        <a:scrgbClr r="0" g="0" b="0"/>
-      </a:lnRef>
-      <a:fillRef idx="1">
-        <a:scrgbClr r="0" g="0" b="0"/>
-      </a:fillRef>
-      <a:effectRef idx="0">
-        <a:scrgbClr r="0" g="0" b="0"/>
-      </a:effectRef>
-      <a:fontRef idx="minor"/>
-    </dgm:style>
-  </dgm:styleLbl>
-  <dgm:styleLbl name="fgAcc4">
-    <dgm:scene3d>
-      <a:camera prst="orthographicFront"/>
-      <a:lightRig rig="threePt" dir="t"/>
-    </dgm:scene3d>
-    <dgm:sp3d/>
-    <dgm:txPr/>
-    <dgm:style>
-      <a:lnRef idx="2">
-        <a:scrgbClr r="0" g="0" b="0"/>
-      </a:lnRef>
-      <a:fillRef idx="1">
-        <a:scrgbClr r="0" g="0" b="0"/>
-      </a:fillRef>
-      <a:effectRef idx="0">
-        <a:scrgbClr r="0" g="0" b="0"/>
-      </a:effectRef>
-      <a:fontRef idx="minor"/>
-    </dgm:style>
-  </dgm:styleLbl>
-  <dgm:styleLbl name="bgShp">
-    <dgm:scene3d>
-      <a:camera prst="orthographicFront"/>
-      <a:lightRig rig="threePt" dir="t"/>
-    </dgm:scene3d>
-    <dgm:sp3d/>
-    <dgm:txPr/>
-    <dgm:style>
-      <a:lnRef idx="0">
-        <a:scrgbClr r="0" g="0" b="0"/>
-      </a:lnRef>
-      <a:fillRef idx="1">
-        <a:scrgbClr r="0" g="0" b="0"/>
-      </a:fillRef>
-      <a:effectRef idx="0">
-        <a:scrgbClr r="0" g="0" b="0"/>
-      </a:effectRef>
-      <a:fontRef idx="minor"/>
-    </dgm:style>
-  </dgm:styleLbl>
-  <dgm:styleLbl name="dkBgShp">
-    <dgm:scene3d>
-      <a:camera prst="orthographicFront"/>
-      <a:lightRig rig="threePt" dir="t"/>
-    </dgm:scene3d>
-    <dgm:sp3d/>
-    <dgm:txPr/>
-    <dgm:style>
-      <a:lnRef idx="0">
-        <a:scrgbClr r="0" g="0" b="0"/>
-      </a:lnRef>
-      <a:fillRef idx="1">
-        <a:scrgbClr r="0" g="0" b="0"/>
-      </a:fillRef>
-      <a:effectRef idx="0">
-        <a:scrgbClr r="0" g="0" b="0"/>
-      </a:effectRef>
-      <a:fontRef idx="minor"/>
-    </dgm:style>
-  </dgm:styleLbl>
-  <dgm:styleLbl name="trBgShp">
-    <dgm:scene3d>
-      <a:camera prst="orthographicFront"/>
-      <a:lightRig rig="threePt" dir="t"/>
-    </dgm:scene3d>
-    <dgm:sp3d/>
-    <dgm:txPr/>
-    <dgm:style>
-      <a:lnRef idx="0">
-        <a:scrgbClr r="0" g="0" b="0"/>
-      </a:lnRef>
-      <a:fillRef idx="1">
-        <a:scrgbClr r="0" g="0" b="0"/>
-      </a:fillRef>
-      <a:effectRef idx="0">
-        <a:scrgbClr r="0" g="0" b="0"/>
-      </a:effectRef>
-      <a:fontRef idx="minor"/>
-    </dgm:style>
-  </dgm:styleLbl>
-  <dgm:styleLbl name="fgShp">
-    <dgm:scene3d>
-      <a:camera prst="orthographicFront"/>
-      <a:lightRig rig="threePt" dir="t"/>
-    </dgm:scene3d>
-    <dgm:sp3d/>
-    <dgm:txPr/>
-    <dgm:style>
-      <a:lnRef idx="2">
-        <a:scrgbClr r="0" g="0" b="0"/>
-      </a:lnRef>
-      <a:fillRef idx="1">
-        <a:scrgbClr r="0" g="0" b="0"/>
-      </a:fillRef>
-      <a:effectRef idx="0">
-        <a:scrgbClr r="0" g="0" b="0"/>
-      </a:effectRef>
-      <a:fontRef idx="minor"/>
-    </dgm:style>
-  </dgm:styleLbl>
-  <dgm:styleLbl name="revTx">
-    <dgm:scene3d>
-      <a:camera prst="orthographicFront"/>
-      <a:lightRig rig="threePt" dir="t"/>
-    </dgm:scene3d>
-    <dgm:sp3d/>
-    <dgm:txPr/>
-    <dgm:style>
-      <a:lnRef idx="0">
-        <a:scrgbClr r="0" g="0" b="0"/>
-      </a:lnRef>
-      <a:fillRef idx="0">
-        <a:scrgbClr r="0" g="0" b="0"/>
-      </a:fillRef>
-      <a:effectRef idx="0">
-        <a:scrgbClr r="0" g="0" b="0"/>
-      </a:effectRef>
-      <a:fontRef idx="minor"/>
-    </dgm:style>
-  </dgm:styleLbl>
-</dgm:styleDef>
-</file>
-
 <file path=ppt/diagrams/quickStyle2.xml><?xml version="1.0" encoding="utf-8"?>
 <dgm:styleDef xmlns:dgm="http://schemas.openxmlformats.org/drawingml/2006/diagram" xmlns:a="http://schemas.openxmlformats.org/drawingml/2006/main" uniqueId="urn:microsoft.com/office/officeart/2005/8/quickstyle/simple5">
   <dgm:title val=""/>
@@ -41636,11 +40138,11 @@
 </file>
 
 <file path=ppt/diagrams/quickStyle5.xml><?xml version="1.0" encoding="utf-8"?>
-<dgm:styleDef xmlns:dgm="http://schemas.openxmlformats.org/drawingml/2006/diagram" xmlns:a="http://schemas.openxmlformats.org/drawingml/2006/main" uniqueId="urn:microsoft.com/office/officeart/2005/8/quickstyle/simple1">
+<dgm:styleDef xmlns:dgm="http://schemas.openxmlformats.org/drawingml/2006/diagram" xmlns:a="http://schemas.openxmlformats.org/drawingml/2006/main" uniqueId="urn:microsoft.com/office/officeart/2005/8/quickstyle/simple5">
   <dgm:title val=""/>
   <dgm:desc val=""/>
   <dgm:catLst>
-    <dgm:cat type="simple" pri="10100"/>
+    <dgm:cat type="simple" pri="10500"/>
   </dgm:catLst>
   <dgm:scene3d>
     <a:camera prst="orthographicFront"/>
@@ -41654,13 +40156,13 @@
     <dgm:sp3d/>
     <dgm:txPr/>
     <dgm:style>
-      <a:lnRef idx="2">
+      <a:lnRef idx="0">
         <a:scrgbClr r="0" g="0" b="0"/>
       </a:lnRef>
-      <a:fillRef idx="1">
+      <a:fillRef idx="3">
         <a:scrgbClr r="0" g="0" b="0"/>
       </a:fillRef>
-      <a:effectRef idx="0">
+      <a:effectRef idx="3">
         <a:scrgbClr r="0" g="0" b="0"/>
       </a:effectRef>
       <a:fontRef idx="minor">
@@ -41676,13 +40178,13 @@
     <dgm:sp3d/>
     <dgm:txPr/>
     <dgm:style>
-      <a:lnRef idx="2">
+      <a:lnRef idx="0">
         <a:scrgbClr r="0" g="0" b="0"/>
       </a:lnRef>
-      <a:fillRef idx="1">
+      <a:fillRef idx="3">
         <a:scrgbClr r="0" g="0" b="0"/>
       </a:fillRef>
-      <a:effectRef idx="0">
+      <a:effectRef idx="3">
         <a:scrgbClr r="0" g="0" b="0"/>
       </a:effectRef>
       <a:fontRef idx="minor">
@@ -41698,13 +40200,13 @@
     <dgm:sp3d/>
     <dgm:txPr/>
     <dgm:style>
-      <a:lnRef idx="2">
+      <a:lnRef idx="0">
         <a:scrgbClr r="0" g="0" b="0"/>
       </a:lnRef>
-      <a:fillRef idx="1">
+      <a:fillRef idx="3">
         <a:scrgbClr r="0" g="0" b="0"/>
       </a:fillRef>
-      <a:effectRef idx="0">
+      <a:effectRef idx="3">
         <a:scrgbClr r="0" g="0" b="0"/>
       </a:effectRef>
       <a:fontRef idx="minor">
@@ -41720,13 +40222,13 @@
     <dgm:sp3d/>
     <dgm:txPr/>
     <dgm:style>
-      <a:lnRef idx="2">
+      <a:lnRef idx="1">
         <a:scrgbClr r="0" g="0" b="0"/>
       </a:lnRef>
-      <a:fillRef idx="1">
+      <a:fillRef idx="3">
         <a:scrgbClr r="0" g="0" b="0"/>
       </a:fillRef>
-      <a:effectRef idx="0">
+      <a:effectRef idx="3">
         <a:scrgbClr r="0" g="0" b="0"/>
       </a:effectRef>
       <a:fontRef idx="minor">
@@ -41742,13 +40244,13 @@
     <dgm:sp3d/>
     <dgm:txPr/>
     <dgm:style>
-      <a:lnRef idx="2">
+      <a:lnRef idx="0">
         <a:scrgbClr r="0" g="0" b="0"/>
       </a:lnRef>
-      <a:fillRef idx="1">
+      <a:fillRef idx="3">
         <a:scrgbClr r="0" g="0" b="0"/>
       </a:fillRef>
-      <a:effectRef idx="0">
+      <a:effectRef idx="3">
         <a:scrgbClr r="0" g="0" b="0"/>
       </a:effectRef>
       <a:fontRef idx="minor">
@@ -41764,13 +40266,13 @@
     <dgm:sp3d/>
     <dgm:txPr/>
     <dgm:style>
-      <a:lnRef idx="2">
+      <a:lnRef idx="0">
         <a:scrgbClr r="0" g="0" b="0"/>
       </a:lnRef>
-      <a:fillRef idx="1">
+      <a:fillRef idx="3">
         <a:scrgbClr r="0" g="0" b="0"/>
       </a:fillRef>
-      <a:effectRef idx="0">
+      <a:effectRef idx="3">
         <a:scrgbClr r="0" g="0" b="0"/>
       </a:effectRef>
       <a:fontRef idx="minor">
@@ -41786,13 +40288,13 @@
     <dgm:sp3d/>
     <dgm:txPr/>
     <dgm:style>
-      <a:lnRef idx="2">
+      <a:lnRef idx="0">
         <a:scrgbClr r="0" g="0" b="0"/>
       </a:lnRef>
-      <a:fillRef idx="1">
+      <a:fillRef idx="3">
         <a:scrgbClr r="0" g="0" b="0"/>
       </a:fillRef>
-      <a:effectRef idx="0">
+      <a:effectRef idx="3">
         <a:scrgbClr r="0" g="0" b="0"/>
       </a:effectRef>
       <a:fontRef idx="minor">
@@ -41808,13 +40310,13 @@
     <dgm:sp3d/>
     <dgm:txPr/>
     <dgm:style>
-      <a:lnRef idx="2">
+      <a:lnRef idx="0">
         <a:scrgbClr r="0" g="0" b="0"/>
       </a:lnRef>
-      <a:fillRef idx="1">
+      <a:fillRef idx="3">
         <a:scrgbClr r="0" g="0" b="0"/>
       </a:fillRef>
-      <a:effectRef idx="0">
+      <a:effectRef idx="3">
         <a:scrgbClr r="0" g="0" b="0"/>
       </a:effectRef>
       <a:fontRef idx="minor">
@@ -41830,13 +40332,13 @@
     <dgm:sp3d/>
     <dgm:txPr/>
     <dgm:style>
-      <a:lnRef idx="2">
+      <a:lnRef idx="0">
         <a:scrgbClr r="0" g="0" b="0"/>
       </a:lnRef>
       <a:fillRef idx="1">
         <a:scrgbClr r="0" g="0" b="0"/>
       </a:fillRef>
-      <a:effectRef idx="0">
+      <a:effectRef idx="3">
         <a:scrgbClr r="0" g="0" b="0"/>
       </a:effectRef>
       <a:fontRef idx="minor"/>
@@ -41850,13 +40352,13 @@
     <dgm:sp3d/>
     <dgm:txPr/>
     <dgm:style>
-      <a:lnRef idx="2">
+      <a:lnRef idx="0">
         <a:scrgbClr r="0" g="0" b="0"/>
       </a:lnRef>
       <a:fillRef idx="1">
         <a:scrgbClr r="0" g="0" b="0"/>
       </a:fillRef>
-      <a:effectRef idx="0">
+      <a:effectRef idx="3">
         <a:scrgbClr r="0" g="0" b="0"/>
       </a:effectRef>
       <a:fontRef idx="minor"/>
@@ -41870,13 +40372,13 @@
     <dgm:sp3d/>
     <dgm:txPr/>
     <dgm:style>
-      <a:lnRef idx="2">
+      <a:lnRef idx="0">
         <a:scrgbClr r="0" g="0" b="0"/>
       </a:lnRef>
       <a:fillRef idx="1">
         <a:scrgbClr r="0" g="0" b="0"/>
       </a:fillRef>
-      <a:effectRef idx="0">
+      <a:effectRef idx="3">
         <a:scrgbClr r="0" g="0" b="0"/>
       </a:effectRef>
       <a:fontRef idx="minor"/>
@@ -41893,10 +40395,10 @@
       <a:lnRef idx="0">
         <a:scrgbClr r="0" g="0" b="0"/>
       </a:lnRef>
-      <a:fillRef idx="1">
+      <a:fillRef idx="3">
         <a:scrgbClr r="0" g="0" b="0"/>
       </a:fillRef>
-      <a:effectRef idx="0">
+      <a:effectRef idx="3">
         <a:scrgbClr r="0" g="0" b="0"/>
       </a:effectRef>
       <a:fontRef idx="minor">
@@ -41915,10 +40417,10 @@
       <a:lnRef idx="0">
         <a:scrgbClr r="0" g="0" b="0"/>
       </a:lnRef>
-      <a:fillRef idx="1">
+      <a:fillRef idx="3">
         <a:scrgbClr r="0" g="0" b="0"/>
       </a:fillRef>
-      <a:effectRef idx="0">
+      <a:effectRef idx="3">
         <a:scrgbClr r="0" g="0" b="0"/>
       </a:effectRef>
       <a:fontRef idx="minor">
@@ -41937,10 +40439,10 @@
       <a:lnRef idx="0">
         <a:scrgbClr r="0" g="0" b="0"/>
       </a:lnRef>
-      <a:fillRef idx="1">
+      <a:fillRef idx="3">
         <a:scrgbClr r="0" g="0" b="0"/>
       </a:fillRef>
-      <a:effectRef idx="0">
+      <a:effectRef idx="3">
         <a:scrgbClr r="0" g="0" b="0"/>
       </a:effectRef>
       <a:fontRef idx="minor">
@@ -41976,13 +40478,13 @@
     <dgm:sp3d/>
     <dgm:txPr/>
     <dgm:style>
-      <a:lnRef idx="2">
+      <a:lnRef idx="1">
         <a:scrgbClr r="0" g="0" b="0"/>
       </a:lnRef>
-      <a:fillRef idx="1">
+      <a:fillRef idx="0">
         <a:scrgbClr r="0" g="0" b="0"/>
       </a:fillRef>
-      <a:effectRef idx="0">
+      <a:effectRef idx="1">
         <a:scrgbClr r="0" g="0" b="0"/>
       </a:effectRef>
       <a:fontRef idx="minor"/>
@@ -41996,13 +40498,13 @@
     <dgm:sp3d/>
     <dgm:txPr/>
     <dgm:style>
-      <a:lnRef idx="2">
+      <a:lnRef idx="0">
         <a:scrgbClr r="0" g="0" b="0"/>
       </a:lnRef>
-      <a:fillRef idx="1">
+      <a:fillRef idx="3">
         <a:scrgbClr r="0" g="0" b="0"/>
       </a:fillRef>
-      <a:effectRef idx="0">
+      <a:effectRef idx="3">
         <a:scrgbClr r="0" g="0" b="0"/>
       </a:effectRef>
       <a:fontRef idx="minor">
@@ -42018,13 +40520,13 @@
     <dgm:sp3d/>
     <dgm:txPr/>
     <dgm:style>
-      <a:lnRef idx="2">
+      <a:lnRef idx="0">
         <a:scrgbClr r="0" g="0" b="0"/>
       </a:lnRef>
-      <a:fillRef idx="1">
+      <a:fillRef idx="3">
         <a:scrgbClr r="0" g="0" b="0"/>
       </a:fillRef>
-      <a:effectRef idx="0">
+      <a:effectRef idx="3">
         <a:scrgbClr r="0" g="0" b="0"/>
       </a:effectRef>
       <a:fontRef idx="minor">
@@ -42040,13 +40542,13 @@
     <dgm:sp3d/>
     <dgm:txPr/>
     <dgm:style>
-      <a:lnRef idx="2">
+      <a:lnRef idx="0">
         <a:scrgbClr r="0" g="0" b="0"/>
       </a:lnRef>
-      <a:fillRef idx="1">
+      <a:fillRef idx="3">
         <a:scrgbClr r="0" g="0" b="0"/>
       </a:fillRef>
-      <a:effectRef idx="0">
+      <a:effectRef idx="3">
         <a:scrgbClr r="0" g="0" b="0"/>
       </a:effectRef>
       <a:fontRef idx="minor">
@@ -42062,13 +40564,13 @@
     <dgm:sp3d/>
     <dgm:txPr/>
     <dgm:style>
-      <a:lnRef idx="2">
+      <a:lnRef idx="0">
         <a:scrgbClr r="0" g="0" b="0"/>
       </a:lnRef>
-      <a:fillRef idx="1">
+      <a:fillRef idx="3">
         <a:scrgbClr r="0" g="0" b="0"/>
       </a:fillRef>
-      <a:effectRef idx="0">
+      <a:effectRef idx="3">
         <a:scrgbClr r="0" g="0" b="0"/>
       </a:effectRef>
       <a:fontRef idx="minor">
@@ -42084,13 +40586,13 @@
     <dgm:sp3d/>
     <dgm:txPr/>
     <dgm:style>
-      <a:lnRef idx="2">
+      <a:lnRef idx="0">
         <a:scrgbClr r="0" g="0" b="0"/>
       </a:lnRef>
-      <a:fillRef idx="1">
+      <a:fillRef idx="3">
         <a:scrgbClr r="0" g="0" b="0"/>
       </a:fillRef>
-      <a:effectRef idx="0">
+      <a:effectRef idx="3">
         <a:scrgbClr r="0" g="0" b="0"/>
       </a:effectRef>
       <a:fontRef idx="minor">
@@ -42106,13 +40608,13 @@
     <dgm:sp3d/>
     <dgm:txPr/>
     <dgm:style>
-      <a:lnRef idx="2">
+      <a:lnRef idx="0">
         <a:scrgbClr r="0" g="0" b="0"/>
       </a:lnRef>
-      <a:fillRef idx="1">
+      <a:fillRef idx="3">
         <a:scrgbClr r="0" g="0" b="0"/>
       </a:fillRef>
-      <a:effectRef idx="0">
+      <a:effectRef idx="3">
         <a:scrgbClr r="0" g="0" b="0"/>
       </a:effectRef>
       <a:fontRef idx="minor">
@@ -42128,13 +40630,13 @@
     <dgm:sp3d/>
     <dgm:txPr/>
     <dgm:style>
-      <a:lnRef idx="2">
+      <a:lnRef idx="0">
         <a:scrgbClr r="0" g="0" b="0"/>
       </a:lnRef>
-      <a:fillRef idx="1">
+      <a:fillRef idx="3">
         <a:scrgbClr r="0" g="0" b="0"/>
       </a:fillRef>
-      <a:effectRef idx="0">
+      <a:effectRef idx="3">
         <a:scrgbClr r="0" g="0" b="0"/>
       </a:effectRef>
       <a:fontRef idx="minor">
@@ -42150,13 +40652,13 @@
     <dgm:sp3d/>
     <dgm:txPr/>
     <dgm:style>
-      <a:lnRef idx="2">
+      <a:lnRef idx="0">
         <a:scrgbClr r="0" g="0" b="0"/>
       </a:lnRef>
-      <a:fillRef idx="1">
+      <a:fillRef idx="3">
         <a:scrgbClr r="0" g="0" b="0"/>
       </a:fillRef>
-      <a:effectRef idx="0">
+      <a:effectRef idx="3">
         <a:scrgbClr r="0" g="0" b="0"/>
       </a:effectRef>
       <a:fontRef idx="minor">
@@ -42172,13 +40674,13 @@
     <dgm:sp3d/>
     <dgm:txPr/>
     <dgm:style>
-      <a:lnRef idx="2">
+      <a:lnRef idx="0">
         <a:scrgbClr r="0" g="0" b="0"/>
       </a:lnRef>
-      <a:fillRef idx="1">
+      <a:fillRef idx="3">
         <a:scrgbClr r="0" g="0" b="0"/>
       </a:fillRef>
-      <a:effectRef idx="0">
+      <a:effectRef idx="3">
         <a:scrgbClr r="0" g="0" b="0"/>
       </a:effectRef>
       <a:fontRef idx="minor">
@@ -42274,13 +40776,13 @@
     <dgm:sp3d/>
     <dgm:txPr/>
     <dgm:style>
-      <a:lnRef idx="2">
+      <a:lnRef idx="1">
         <a:scrgbClr r="0" g="0" b="0"/>
       </a:lnRef>
       <a:fillRef idx="1">
         <a:scrgbClr r="0" g="0" b="0"/>
       </a:fillRef>
-      <a:effectRef idx="0">
+      <a:effectRef idx="2">
         <a:scrgbClr r="0" g="0" b="0"/>
       </a:effectRef>
       <a:fontRef idx="minor"/>
@@ -42294,13 +40796,13 @@
     <dgm:sp3d/>
     <dgm:txPr/>
     <dgm:style>
-      <a:lnRef idx="2">
+      <a:lnRef idx="1">
         <a:scrgbClr r="0" g="0" b="0"/>
       </a:lnRef>
       <a:fillRef idx="1">
         <a:scrgbClr r="0" g="0" b="0"/>
       </a:fillRef>
-      <a:effectRef idx="0">
+      <a:effectRef idx="2">
         <a:scrgbClr r="0" g="0" b="0"/>
       </a:effectRef>
       <a:fontRef idx="minor"/>
@@ -42314,13 +40816,13 @@
     <dgm:sp3d/>
     <dgm:txPr/>
     <dgm:style>
-      <a:lnRef idx="2">
+      <a:lnRef idx="1">
         <a:scrgbClr r="0" g="0" b="0"/>
       </a:lnRef>
       <a:fillRef idx="1">
         <a:scrgbClr r="0" g="0" b="0"/>
       </a:fillRef>
-      <a:effectRef idx="0">
+      <a:effectRef idx="2">
         <a:scrgbClr r="0" g="0" b="0"/>
       </a:effectRef>
       <a:fontRef idx="minor"/>
@@ -42354,13 +40856,13 @@
     <dgm:sp3d/>
     <dgm:txPr/>
     <dgm:style>
-      <a:lnRef idx="2">
+      <a:lnRef idx="1">
         <a:scrgbClr r="0" g="0" b="0"/>
       </a:lnRef>
       <a:fillRef idx="1">
         <a:scrgbClr r="0" g="0" b="0"/>
       </a:fillRef>
-      <a:effectRef idx="0">
+      <a:effectRef idx="2">
         <a:scrgbClr r="0" g="0" b="0"/>
       </a:effectRef>
       <a:fontRef idx="minor"/>
@@ -42374,13 +40876,13 @@
     <dgm:sp3d/>
     <dgm:txPr/>
     <dgm:style>
-      <a:lnRef idx="2">
+      <a:lnRef idx="1">
         <a:scrgbClr r="0" g="0" b="0"/>
       </a:lnRef>
       <a:fillRef idx="1">
         <a:scrgbClr r="0" g="0" b="0"/>
       </a:fillRef>
-      <a:effectRef idx="0">
+      <a:effectRef idx="2">
         <a:scrgbClr r="0" g="0" b="0"/>
       </a:effectRef>
       <a:fontRef idx="minor"/>
@@ -42394,13 +40896,13 @@
     <dgm:sp3d/>
     <dgm:txPr/>
     <dgm:style>
-      <a:lnRef idx="2">
+      <a:lnRef idx="1">
         <a:scrgbClr r="0" g="0" b="0"/>
       </a:lnRef>
       <a:fillRef idx="1">
         <a:scrgbClr r="0" g="0" b="0"/>
       </a:fillRef>
-      <a:effectRef idx="0">
+      <a:effectRef idx="3">
         <a:scrgbClr r="0" g="0" b="0"/>
       </a:effectRef>
       <a:fontRef idx="minor"/>
@@ -42414,13 +40916,13 @@
     <dgm:sp3d/>
     <dgm:txPr/>
     <dgm:style>
-      <a:lnRef idx="2">
+      <a:lnRef idx="1">
         <a:scrgbClr r="0" g="0" b="0"/>
       </a:lnRef>
       <a:fillRef idx="1">
         <a:scrgbClr r="0" g="0" b="0"/>
       </a:fillRef>
-      <a:effectRef idx="0">
+      <a:effectRef idx="3">
         <a:scrgbClr r="0" g="0" b="0"/>
       </a:effectRef>
       <a:fontRef idx="minor"/>
@@ -42434,13 +40936,13 @@
     <dgm:sp3d/>
     <dgm:txPr/>
     <dgm:style>
-      <a:lnRef idx="2">
+      <a:lnRef idx="1">
         <a:scrgbClr r="0" g="0" b="0"/>
       </a:lnRef>
       <a:fillRef idx="1">
         <a:scrgbClr r="0" g="0" b="0"/>
       </a:fillRef>
-      <a:effectRef idx="0">
+      <a:effectRef idx="2">
         <a:scrgbClr r="0" g="0" b="0"/>
       </a:effectRef>
       <a:fontRef idx="minor"/>
@@ -42454,13 +40956,13 @@
     <dgm:sp3d/>
     <dgm:txPr/>
     <dgm:style>
-      <a:lnRef idx="2">
+      <a:lnRef idx="1">
         <a:scrgbClr r="0" g="0" b="0"/>
       </a:lnRef>
       <a:fillRef idx="1">
         <a:scrgbClr r="0" g="0" b="0"/>
       </a:fillRef>
-      <a:effectRef idx="0">
+      <a:effectRef idx="2">
         <a:scrgbClr r="0" g="0" b="0"/>
       </a:effectRef>
       <a:fontRef idx="minor"/>
@@ -42474,13 +40976,13 @@
     <dgm:sp3d/>
     <dgm:txPr/>
     <dgm:style>
-      <a:lnRef idx="2">
+      <a:lnRef idx="1">
         <a:scrgbClr r="0" g="0" b="0"/>
       </a:lnRef>
       <a:fillRef idx="1">
         <a:scrgbClr r="0" g="0" b="0"/>
       </a:fillRef>
-      <a:effectRef idx="0">
+      <a:effectRef idx="2">
         <a:scrgbClr r="0" g="0" b="0"/>
       </a:effectRef>
       <a:fontRef idx="minor"/>
@@ -42494,13 +40996,13 @@
     <dgm:sp3d/>
     <dgm:txPr/>
     <dgm:style>
-      <a:lnRef idx="2">
+      <a:lnRef idx="1">
         <a:scrgbClr r="0" g="0" b="0"/>
       </a:lnRef>
       <a:fillRef idx="1">
         <a:scrgbClr r="0" g="0" b="0"/>
       </a:fillRef>
-      <a:effectRef idx="0">
+      <a:effectRef idx="2">
         <a:scrgbClr r="0" g="0" b="0"/>
       </a:effectRef>
       <a:fontRef idx="minor"/>
@@ -42514,13 +41016,13 @@
     <dgm:sp3d/>
     <dgm:txPr/>
     <dgm:style>
-      <a:lnRef idx="2">
+      <a:lnRef idx="1">
         <a:scrgbClr r="0" g="0" b="0"/>
       </a:lnRef>
       <a:fillRef idx="1">
         <a:scrgbClr r="0" g="0" b="0"/>
       </a:fillRef>
-      <a:effectRef idx="0">
+      <a:effectRef idx="2">
         <a:scrgbClr r="0" g="0" b="0"/>
       </a:effectRef>
       <a:fontRef idx="minor"/>
@@ -42534,13 +41036,13 @@
     <dgm:sp3d/>
     <dgm:txPr/>
     <dgm:style>
-      <a:lnRef idx="2">
+      <a:lnRef idx="1">
         <a:scrgbClr r="0" g="0" b="0"/>
       </a:lnRef>
       <a:fillRef idx="1">
         <a:scrgbClr r="0" g="0" b="0"/>
       </a:fillRef>
-      <a:effectRef idx="0">
+      <a:effectRef idx="2">
         <a:scrgbClr r="0" g="0" b="0"/>
       </a:effectRef>
       <a:fontRef idx="minor"/>
@@ -42554,13 +41056,13 @@
     <dgm:sp3d/>
     <dgm:txPr/>
     <dgm:style>
-      <a:lnRef idx="2">
+      <a:lnRef idx="1">
         <a:scrgbClr r="0" g="0" b="0"/>
       </a:lnRef>
       <a:fillRef idx="1">
         <a:scrgbClr r="0" g="0" b="0"/>
       </a:fillRef>
-      <a:effectRef idx="0">
+      <a:effectRef idx="2">
         <a:scrgbClr r="0" g="0" b="0"/>
       </a:effectRef>
       <a:fontRef idx="minor"/>
@@ -42580,7 +41082,7 @@
       <a:fillRef idx="1">
         <a:scrgbClr r="0" g="0" b="0"/>
       </a:fillRef>
-      <a:effectRef idx="0">
+      <a:effectRef idx="2">
         <a:scrgbClr r="0" g="0" b="0"/>
       </a:effectRef>
       <a:fontRef idx="minor"/>
@@ -42600,7 +41102,7 @@
       <a:fillRef idx="1">
         <a:scrgbClr r="0" g="0" b="0"/>
       </a:fillRef>
-      <a:effectRef idx="0">
+      <a:effectRef idx="3">
         <a:scrgbClr r="0" g="0" b="0"/>
       </a:effectRef>
       <a:fontRef idx="minor"/>
@@ -42634,13 +41136,13 @@
     <dgm:sp3d/>
     <dgm:txPr/>
     <dgm:style>
-      <a:lnRef idx="2">
+      <a:lnRef idx="0">
         <a:scrgbClr r="0" g="0" b="0"/>
       </a:lnRef>
-      <a:fillRef idx="1">
+      <a:fillRef idx="3">
         <a:scrgbClr r="0" g="0" b="0"/>
       </a:fillRef>
-      <a:effectRef idx="0">
+      <a:effectRef idx="3">
         <a:scrgbClr r="0" g="0" b="0"/>
       </a:effectRef>
       <a:fontRef idx="minor"/>
@@ -46952,7 +45454,7 @@
           <a:p>
             <a:fld id="{8F3E71B8-259B-406D-91C8-A35F0AE5EC56}" type="datetimeFigureOut">
               <a:rPr lang="de-DE" smtClean="0"/>
-              <a:t>17.02.2019</a:t>
+              <a:t>18.02.2019</a:t>
             </a:fld>
             <a:endParaRPr lang="de-DE"/>
           </a:p>
@@ -47150,7 +45652,7 @@
           <a:p>
             <a:fld id="{8F3E71B8-259B-406D-91C8-A35F0AE5EC56}" type="datetimeFigureOut">
               <a:rPr lang="de-DE" smtClean="0"/>
-              <a:t>17.02.2019</a:t>
+              <a:t>18.02.2019</a:t>
             </a:fld>
             <a:endParaRPr lang="de-DE"/>
           </a:p>
@@ -47358,7 +45860,7 @@
           <a:p>
             <a:fld id="{8F3E71B8-259B-406D-91C8-A35F0AE5EC56}" type="datetimeFigureOut">
               <a:rPr lang="de-DE" smtClean="0"/>
-              <a:t>17.02.2019</a:t>
+              <a:t>18.02.2019</a:t>
             </a:fld>
             <a:endParaRPr lang="de-DE"/>
           </a:p>
@@ -47556,7 +46058,7 @@
           <a:p>
             <a:fld id="{8F3E71B8-259B-406D-91C8-A35F0AE5EC56}" type="datetimeFigureOut">
               <a:rPr lang="de-DE" smtClean="0"/>
-              <a:t>17.02.2019</a:t>
+              <a:t>18.02.2019</a:t>
             </a:fld>
             <a:endParaRPr lang="de-DE"/>
           </a:p>
@@ -47831,7 +46333,7 @@
           <a:p>
             <a:fld id="{8F3E71B8-259B-406D-91C8-A35F0AE5EC56}" type="datetimeFigureOut">
               <a:rPr lang="de-DE" smtClean="0"/>
-              <a:t>17.02.2019</a:t>
+              <a:t>18.02.2019</a:t>
             </a:fld>
             <a:endParaRPr lang="de-DE"/>
           </a:p>
@@ -48096,7 +46598,7 @@
           <a:p>
             <a:fld id="{8F3E71B8-259B-406D-91C8-A35F0AE5EC56}" type="datetimeFigureOut">
               <a:rPr lang="de-DE" smtClean="0"/>
-              <a:t>17.02.2019</a:t>
+              <a:t>18.02.2019</a:t>
             </a:fld>
             <a:endParaRPr lang="de-DE"/>
           </a:p>
@@ -48508,7 +47010,7 @@
           <a:p>
             <a:fld id="{8F3E71B8-259B-406D-91C8-A35F0AE5EC56}" type="datetimeFigureOut">
               <a:rPr lang="de-DE" smtClean="0"/>
-              <a:t>17.02.2019</a:t>
+              <a:t>18.02.2019</a:t>
             </a:fld>
             <a:endParaRPr lang="de-DE"/>
           </a:p>
@@ -48649,7 +47151,7 @@
           <a:p>
             <a:fld id="{8F3E71B8-259B-406D-91C8-A35F0AE5EC56}" type="datetimeFigureOut">
               <a:rPr lang="de-DE" smtClean="0"/>
-              <a:t>17.02.2019</a:t>
+              <a:t>18.02.2019</a:t>
             </a:fld>
             <a:endParaRPr lang="de-DE"/>
           </a:p>
@@ -48762,7 +47264,7 @@
           <a:p>
             <a:fld id="{8F3E71B8-259B-406D-91C8-A35F0AE5EC56}" type="datetimeFigureOut">
               <a:rPr lang="de-DE" smtClean="0"/>
-              <a:t>17.02.2019</a:t>
+              <a:t>18.02.2019</a:t>
             </a:fld>
             <a:endParaRPr lang="de-DE"/>
           </a:p>
@@ -49073,7 +47575,7 @@
           <a:p>
             <a:fld id="{8F3E71B8-259B-406D-91C8-A35F0AE5EC56}" type="datetimeFigureOut">
               <a:rPr lang="de-DE" smtClean="0"/>
-              <a:t>17.02.2019</a:t>
+              <a:t>18.02.2019</a:t>
             </a:fld>
             <a:endParaRPr lang="de-DE"/>
           </a:p>
@@ -49361,7 +47863,7 @@
           <a:p>
             <a:fld id="{8F3E71B8-259B-406D-91C8-A35F0AE5EC56}" type="datetimeFigureOut">
               <a:rPr lang="de-DE" smtClean="0"/>
-              <a:t>17.02.2019</a:t>
+              <a:t>18.02.2019</a:t>
             </a:fld>
             <a:endParaRPr lang="de-DE"/>
           </a:p>
@@ -49602,7 +48104,7 @@
           <a:p>
             <a:fld id="{8F3E71B8-259B-406D-91C8-A35F0AE5EC56}" type="datetimeFigureOut">
               <a:rPr lang="de-DE" smtClean="0"/>
-              <a:t>17.02.2019</a:t>
+              <a:t>18.02.2019</a:t>
             </a:fld>
             <a:endParaRPr lang="de-DE"/>
           </a:p>
@@ -50211,121 +48713,6 @@
                 <a:ea typeface="+mj-ea"/>
                 <a:cs typeface="+mj-cs"/>
               </a:rPr>
-              <a:t>Gesetzgeber</a:t>
-            </a:r>
-            <a:endParaRPr lang="en-US" sz="2600" kern="1200" dirty="0">
-              <a:solidFill>
-                <a:srgbClr val="FFFFFF"/>
-              </a:solidFill>
-              <a:latin typeface="+mj-lt"/>
-              <a:ea typeface="+mj-ea"/>
-              <a:cs typeface="+mj-cs"/>
-            </a:endParaRPr>
-          </a:p>
-        </p:txBody>
-      </p:sp>
-      <p:graphicFrame>
-        <p:nvGraphicFramePr>
-          <p:cNvPr id="3" name="Diagramm 2">
-            <a:extLst>
-              <a:ext uri="{FF2B5EF4-FFF2-40B4-BE49-F238E27FC236}">
-                <a16:creationId xmlns:a16="http://schemas.microsoft.com/office/drawing/2014/main" id="{6AE85702-4C5B-41D8-81A8-A41326DE248E}"/>
-              </a:ext>
-            </a:extLst>
-          </p:cNvPr>
-          <p:cNvGraphicFramePr/>
-          <p:nvPr>
-            <p:extLst/>
-          </p:nvPr>
-        </p:nvGraphicFramePr>
-        <p:xfrm>
-          <a:off x="3728217" y="0"/>
-          <a:ext cx="8128000" cy="6858000"/>
-        </p:xfrm>
-        <a:graphic>
-          <a:graphicData uri="http://schemas.openxmlformats.org/drawingml/2006/diagram">
-            <dgm:relIds xmlns:dgm="http://schemas.openxmlformats.org/drawingml/2006/diagram" xmlns:r="http://schemas.openxmlformats.org/officeDocument/2006/relationships" r:dm="rId2" r:lo="rId3" r:qs="rId4" r:cs="rId5"/>
-          </a:graphicData>
-        </a:graphic>
-      </p:graphicFrame>
-    </p:spTree>
-    <p:extLst>
-      <p:ext uri="{BB962C8B-B14F-4D97-AF65-F5344CB8AC3E}">
-        <p14:creationId xmlns:p14="http://schemas.microsoft.com/office/powerpoint/2010/main" val="187622622"/>
-      </p:ext>
-    </p:extLst>
-  </p:cSld>
-  <p:clrMapOvr>
-    <a:masterClrMapping/>
-  </p:clrMapOvr>
-</p:sld>
-</file>
-
-<file path=ppt/slides/slide11.xml><?xml version="1.0" encoding="utf-8"?>
-<p:sld xmlns:a="http://schemas.openxmlformats.org/drawingml/2006/main" xmlns:r="http://schemas.openxmlformats.org/officeDocument/2006/relationships" xmlns:p="http://schemas.openxmlformats.org/presentationml/2006/main">
-  <p:cSld>
-    <p:spTree>
-      <p:nvGrpSpPr>
-        <p:cNvPr id="1" name=""/>
-        <p:cNvGrpSpPr/>
-        <p:nvPr/>
-      </p:nvGrpSpPr>
-      <p:grpSpPr>
-        <a:xfrm>
-          <a:off x="0" y="0"/>
-          <a:ext cx="0" cy="0"/>
-          <a:chOff x="0" y="0"/>
-          <a:chExt cx="0" cy="0"/>
-        </a:xfrm>
-      </p:grpSpPr>
-      <p:sp>
-        <p:nvSpPr>
-          <p:cNvPr id="2" name="Titel 1">
-            <a:extLst>
-              <a:ext uri="{FF2B5EF4-FFF2-40B4-BE49-F238E27FC236}">
-                <a16:creationId xmlns:a16="http://schemas.microsoft.com/office/drawing/2014/main" id="{B8A427C2-DE87-450D-839E-C6E4FD66708A}"/>
-              </a:ext>
-            </a:extLst>
-          </p:cNvPr>
-          <p:cNvSpPr>
-            <a:spLocks noGrp="1"/>
-          </p:cNvSpPr>
-          <p:nvPr>
-            <p:ph type="ctrTitle"/>
-          </p:nvPr>
-        </p:nvSpPr>
-        <p:spPr>
-          <a:xfrm>
-            <a:off x="640080" y="2074363"/>
-            <a:ext cx="2752354" cy="2709275"/>
-          </a:xfrm>
-          <a:prstGeom prst="ellipse">
-            <a:avLst/>
-          </a:prstGeom>
-          <a:solidFill>
-            <a:srgbClr val="262626"/>
-          </a:solidFill>
-          <a:ln w="174625" cmpd="thinThick">
-            <a:solidFill>
-              <a:srgbClr val="262626"/>
-            </a:solidFill>
-          </a:ln>
-        </p:spPr>
-        <p:txBody>
-          <a:bodyPr vert="horz" lIns="91440" tIns="45720" rIns="91440" bIns="45720" rtlCol="0" anchor="ctr">
-            <a:normAutofit/>
-          </a:bodyPr>
-          <a:lstStyle/>
-          <a:p>
-            <a:r>
-              <a:rPr lang="en-US" sz="2600" kern="1200" dirty="0" err="1">
-                <a:solidFill>
-                  <a:srgbClr val="FFFFFF"/>
-                </a:solidFill>
-                <a:latin typeface="+mj-lt"/>
-                <a:ea typeface="+mj-ea"/>
-                <a:cs typeface="+mj-cs"/>
-              </a:rPr>
               <a:t>Studierenden-werk</a:t>
             </a:r>
             <a:endParaRPr lang="en-US" sz="2600" kern="1200" dirty="0">
@@ -50822,6 +49209,14 @@
 <file path=ppt/slides/slide5.xml><?xml version="1.0" encoding="utf-8"?>
 <p:sld xmlns:a="http://schemas.openxmlformats.org/drawingml/2006/main" xmlns:r="http://schemas.openxmlformats.org/officeDocument/2006/relationships" xmlns:p="http://schemas.openxmlformats.org/presentationml/2006/main">
   <p:cSld>
+    <p:bg>
+      <p:bgPr>
+        <a:solidFill>
+          <a:schemeClr val="bg2"/>
+        </a:solidFill>
+        <a:effectLst/>
+      </p:bgPr>
+    </p:bg>
     <p:spTree>
       <p:nvGrpSpPr>
         <p:cNvPr id="1" name=""/>
@@ -50836,6 +49231,60 @@
           <a:chExt cx="0" cy="0"/>
         </a:xfrm>
       </p:grpSpPr>
+      <p:pic>
+        <p:nvPicPr>
+          <p:cNvPr id="8" name="Grafik 7">
+            <a:extLst>
+              <a:ext uri="{FF2B5EF4-FFF2-40B4-BE49-F238E27FC236}">
+                <a16:creationId xmlns:a16="http://schemas.microsoft.com/office/drawing/2014/main" id="{C61887AA-4FB1-4BB2-8F3F-1E667811A478}"/>
+              </a:ext>
+            </a:extLst>
+          </p:cNvPr>
+          <p:cNvPicPr>
+            <a:picLocks noChangeAspect="1"/>
+          </p:cNvPicPr>
+          <p:nvPr/>
+        </p:nvPicPr>
+        <p:blipFill>
+          <a:blip r:embed="rId2">
+            <a:extLst>
+              <a:ext uri="{BEBA8EAE-BF5A-486C-A8C5-ECC9F3942E4B}">
+                <a14:imgProps xmlns:a14="http://schemas.microsoft.com/office/drawing/2010/main">
+                  <a14:imgLayer r:embed="rId3">
+                    <a14:imgEffect>
+                      <a14:saturation sat="0"/>
+                    </a14:imgEffect>
+                  </a14:imgLayer>
+                </a14:imgProps>
+              </a:ext>
+              <a:ext uri="{28A0092B-C50C-407E-A947-70E740481C1C}">
+                <a14:useLocalDpi xmlns:a14="http://schemas.microsoft.com/office/drawing/2010/main" val="0"/>
+              </a:ext>
+              <a:ext uri="{837473B0-CC2E-450A-ABE3-18F120FF3D39}">
+                <a1611:picAttrSrcUrl xmlns:a1611="http://schemas.microsoft.com/office/drawing/2016/11/main" r:id="rId4"/>
+              </a:ext>
+            </a:extLst>
+          </a:blip>
+          <a:stretch>
+            <a:fillRect/>
+          </a:stretch>
+        </p:blipFill>
+        <p:spPr>
+          <a:xfrm>
+            <a:off x="944468" y="9853"/>
+            <a:ext cx="10303083" cy="6857990"/>
+          </a:xfrm>
+          <a:prstGeom prst="rect">
+            <a:avLst/>
+          </a:prstGeom>
+          <a:ln>
+            <a:noFill/>
+          </a:ln>
+          <a:effectLst>
+            <a:softEdge rad="112500"/>
+          </a:effectLst>
+        </p:spPr>
+      </p:pic>
       <p:sp>
         <p:nvSpPr>
           <p:cNvPr id="2" name="Titel 1">
@@ -50854,20 +49303,12 @@
         </p:nvSpPr>
         <p:spPr>
           <a:xfrm>
-            <a:off x="640080" y="2074363"/>
-            <a:ext cx="2752354" cy="2709275"/>
+            <a:off x="838200" y="365125"/>
+            <a:ext cx="10515600" cy="1325563"/>
           </a:xfrm>
           <a:prstGeom prst="ellipse">
             <a:avLst/>
           </a:prstGeom>
-          <a:solidFill>
-            <a:srgbClr val="262626"/>
-          </a:solidFill>
-          <a:ln w="174625" cmpd="thinThick">
-            <a:solidFill>
-              <a:srgbClr val="262626"/>
-            </a:solidFill>
-          </a:ln>
         </p:spPr>
         <p:txBody>
           <a:bodyPr vert="horz" lIns="91440" tIns="45720" rIns="91440" bIns="45720" rtlCol="0" anchor="ctr">
@@ -50875,25 +49316,12 @@
           </a:bodyPr>
           <a:lstStyle/>
           <a:p>
+            <a:pPr algn="l"/>
             <a:r>
-              <a:rPr lang="en-US" sz="2600" kern="1200" dirty="0" err="1">
-                <a:solidFill>
-                  <a:srgbClr val="FFFFFF"/>
-                </a:solidFill>
-                <a:latin typeface="+mj-lt"/>
-                <a:ea typeface="+mj-ea"/>
-                <a:cs typeface="+mj-cs"/>
-              </a:rPr>
-              <a:t>Dekan</a:t>
+              <a:rPr lang="en-US" sz="4400" dirty="0" err="1"/>
+              <a:t>Sekretärin</a:t>
             </a:r>
-            <a:endParaRPr lang="en-US" sz="2600" kern="1200" dirty="0">
-              <a:solidFill>
-                <a:srgbClr val="FFFFFF"/>
-              </a:solidFill>
-              <a:latin typeface="+mj-lt"/>
-              <a:ea typeface="+mj-ea"/>
-              <a:cs typeface="+mj-cs"/>
-            </a:endParaRPr>
+            <a:endParaRPr lang="en-US" sz="4400" dirty="0"/>
           </a:p>
         </p:txBody>
       </p:sp>
@@ -50910,150 +49338,35 @@
           <p:nvPr>
             <p:extLst>
               <p:ext uri="{D42A27DB-BD31-4B8C-83A1-F6EECF244321}">
-                <p14:modId xmlns:p14="http://schemas.microsoft.com/office/powerpoint/2010/main" val="3051058829"/>
+                <p14:modId xmlns:p14="http://schemas.microsoft.com/office/powerpoint/2010/main" val="1078185008"/>
               </p:ext>
             </p:extLst>
           </p:nvPr>
         </p:nvGraphicFramePr>
         <p:xfrm>
-          <a:off x="3728217" y="0"/>
-          <a:ext cx="8128000" cy="6858000"/>
+          <a:off x="838200" y="1825625"/>
+          <a:ext cx="10515600" cy="4351338"/>
         </p:xfrm>
         <a:graphic>
           <a:graphicData uri="http://schemas.openxmlformats.org/drawingml/2006/diagram">
-            <dgm:relIds xmlns:dgm="http://schemas.openxmlformats.org/drawingml/2006/diagram" xmlns:r="http://schemas.openxmlformats.org/officeDocument/2006/relationships" r:dm="rId2" r:lo="rId3" r:qs="rId4" r:cs="rId5"/>
+            <dgm:relIds xmlns:dgm="http://schemas.openxmlformats.org/drawingml/2006/diagram" xmlns:r="http://schemas.openxmlformats.org/officeDocument/2006/relationships" r:dm="rId5" r:lo="rId6" r:qs="rId7" r:cs="rId8"/>
           </a:graphicData>
         </a:graphic>
       </p:graphicFrame>
     </p:spTree>
     <p:extLst>
       <p:ext uri="{BB962C8B-B14F-4D97-AF65-F5344CB8AC3E}">
-        <p14:creationId xmlns:p14="http://schemas.microsoft.com/office/powerpoint/2010/main" val="1828862394"/>
+        <p14:creationId xmlns:p14="http://schemas.microsoft.com/office/powerpoint/2010/main" val="4216160621"/>
       </p:ext>
     </p:extLst>
   </p:cSld>
   <p:clrMapOvr>
-    <a:masterClrMapping/>
+    <a:overrideClrMapping bg1="dk1" tx1="lt1" bg2="dk2" tx2="lt2" accent1="accent1" accent2="accent2" accent3="accent3" accent4="accent4" accent5="accent5" accent6="accent6" hlink="hlink" folHlink="folHlink"/>
   </p:clrMapOvr>
 </p:sld>
 </file>
 
 <file path=ppt/slides/slide6.xml><?xml version="1.0" encoding="utf-8"?>
-<p:sld xmlns:a="http://schemas.openxmlformats.org/drawingml/2006/main" xmlns:r="http://schemas.openxmlformats.org/officeDocument/2006/relationships" xmlns:p="http://schemas.openxmlformats.org/presentationml/2006/main">
-  <p:cSld>
-    <p:spTree>
-      <p:nvGrpSpPr>
-        <p:cNvPr id="1" name=""/>
-        <p:cNvGrpSpPr/>
-        <p:nvPr/>
-      </p:nvGrpSpPr>
-      <p:grpSpPr>
-        <a:xfrm>
-          <a:off x="0" y="0"/>
-          <a:ext cx="0" cy="0"/>
-          <a:chOff x="0" y="0"/>
-          <a:chExt cx="0" cy="0"/>
-        </a:xfrm>
-      </p:grpSpPr>
-      <p:sp>
-        <p:nvSpPr>
-          <p:cNvPr id="2" name="Titel 1">
-            <a:extLst>
-              <a:ext uri="{FF2B5EF4-FFF2-40B4-BE49-F238E27FC236}">
-                <a16:creationId xmlns:a16="http://schemas.microsoft.com/office/drawing/2014/main" id="{B8A427C2-DE87-450D-839E-C6E4FD66708A}"/>
-              </a:ext>
-            </a:extLst>
-          </p:cNvPr>
-          <p:cNvSpPr>
-            <a:spLocks noGrp="1"/>
-          </p:cNvSpPr>
-          <p:nvPr>
-            <p:ph type="ctrTitle"/>
-          </p:nvPr>
-        </p:nvSpPr>
-        <p:spPr>
-          <a:xfrm>
-            <a:off x="640080" y="2074363"/>
-            <a:ext cx="2752354" cy="2709275"/>
-          </a:xfrm>
-          <a:prstGeom prst="ellipse">
-            <a:avLst/>
-          </a:prstGeom>
-          <a:solidFill>
-            <a:srgbClr val="262626"/>
-          </a:solidFill>
-          <a:ln w="174625" cmpd="thinThick">
-            <a:solidFill>
-              <a:srgbClr val="262626"/>
-            </a:solidFill>
-          </a:ln>
-        </p:spPr>
-        <p:txBody>
-          <a:bodyPr vert="horz" lIns="91440" tIns="45720" rIns="91440" bIns="45720" rtlCol="0" anchor="ctr">
-            <a:normAutofit/>
-          </a:bodyPr>
-          <a:lstStyle/>
-          <a:p>
-            <a:r>
-              <a:rPr lang="en-US" sz="2600" kern="1200" dirty="0" err="1">
-                <a:solidFill>
-                  <a:srgbClr val="FFFFFF"/>
-                </a:solidFill>
-                <a:latin typeface="+mj-lt"/>
-                <a:ea typeface="+mj-ea"/>
-                <a:cs typeface="+mj-cs"/>
-              </a:rPr>
-              <a:t>Sekretariat</a:t>
-            </a:r>
-            <a:endParaRPr lang="en-US" sz="2600" kern="1200" dirty="0">
-              <a:solidFill>
-                <a:srgbClr val="FFFFFF"/>
-              </a:solidFill>
-              <a:latin typeface="+mj-lt"/>
-              <a:ea typeface="+mj-ea"/>
-              <a:cs typeface="+mj-cs"/>
-            </a:endParaRPr>
-          </a:p>
-        </p:txBody>
-      </p:sp>
-      <p:graphicFrame>
-        <p:nvGraphicFramePr>
-          <p:cNvPr id="3" name="Diagramm 2">
-            <a:extLst>
-              <a:ext uri="{FF2B5EF4-FFF2-40B4-BE49-F238E27FC236}">
-                <a16:creationId xmlns:a16="http://schemas.microsoft.com/office/drawing/2014/main" id="{6AE85702-4C5B-41D8-81A8-A41326DE248E}"/>
-              </a:ext>
-            </a:extLst>
-          </p:cNvPr>
-          <p:cNvGraphicFramePr/>
-          <p:nvPr>
-            <p:extLst/>
-          </p:nvPr>
-        </p:nvGraphicFramePr>
-        <p:xfrm>
-          <a:off x="3728217" y="0"/>
-          <a:ext cx="8128000" cy="6858000"/>
-        </p:xfrm>
-        <a:graphic>
-          <a:graphicData uri="http://schemas.openxmlformats.org/drawingml/2006/diagram">
-            <dgm:relIds xmlns:dgm="http://schemas.openxmlformats.org/drawingml/2006/diagram" xmlns:r="http://schemas.openxmlformats.org/officeDocument/2006/relationships" r:dm="rId2" r:lo="rId3" r:qs="rId4" r:cs="rId5"/>
-          </a:graphicData>
-        </a:graphic>
-      </p:graphicFrame>
-    </p:spTree>
-    <p:extLst>
-      <p:ext uri="{BB962C8B-B14F-4D97-AF65-F5344CB8AC3E}">
-        <p14:creationId xmlns:p14="http://schemas.microsoft.com/office/powerpoint/2010/main" val="3410741176"/>
-      </p:ext>
-    </p:extLst>
-  </p:cSld>
-  <p:clrMapOvr>
-    <a:masterClrMapping/>
-  </p:clrMapOvr>
-</p:sld>
-</file>
-
-<file path=ppt/slides/slide7.xml><?xml version="1.0" encoding="utf-8"?>
 <p:sld xmlns:a="http://schemas.openxmlformats.org/drawingml/2006/main" xmlns:r="http://schemas.openxmlformats.org/officeDocument/2006/relationships" xmlns:p="http://schemas.openxmlformats.org/presentationml/2006/main">
   <p:cSld>
     <p:spTree>
@@ -51168,7 +49481,7 @@
 </p:sld>
 </file>
 
-<file path=ppt/slides/slide8.xml><?xml version="1.0" encoding="utf-8"?>
+<file path=ppt/slides/slide7.xml><?xml version="1.0" encoding="utf-8"?>
 <p:sld xmlns:a="http://schemas.openxmlformats.org/drawingml/2006/main" xmlns:r="http://schemas.openxmlformats.org/officeDocument/2006/relationships" xmlns:p="http://schemas.openxmlformats.org/presentationml/2006/main">
   <p:cSld>
     <p:spTree>
@@ -51283,7 +49596,7 @@
 </p:sld>
 </file>
 
-<file path=ppt/slides/slide9.xml><?xml version="1.0" encoding="utf-8"?>
+<file path=ppt/slides/slide8.xml><?xml version="1.0" encoding="utf-8"?>
 <p:sld xmlns:a="http://schemas.openxmlformats.org/drawingml/2006/main" xmlns:r="http://schemas.openxmlformats.org/officeDocument/2006/relationships" xmlns:p="http://schemas.openxmlformats.org/presentationml/2006/main">
   <p:cSld>
     <p:spTree>
@@ -51389,6 +49702,121 @@
     <p:extLst>
       <p:ext uri="{BB962C8B-B14F-4D97-AF65-F5344CB8AC3E}">
         <p14:creationId xmlns:p14="http://schemas.microsoft.com/office/powerpoint/2010/main" val="4015514011"/>
+      </p:ext>
+    </p:extLst>
+  </p:cSld>
+  <p:clrMapOvr>
+    <a:masterClrMapping/>
+  </p:clrMapOvr>
+</p:sld>
+</file>
+
+<file path=ppt/slides/slide9.xml><?xml version="1.0" encoding="utf-8"?>
+<p:sld xmlns:a="http://schemas.openxmlformats.org/drawingml/2006/main" xmlns:r="http://schemas.openxmlformats.org/officeDocument/2006/relationships" xmlns:p="http://schemas.openxmlformats.org/presentationml/2006/main">
+  <p:cSld>
+    <p:spTree>
+      <p:nvGrpSpPr>
+        <p:cNvPr id="1" name=""/>
+        <p:cNvGrpSpPr/>
+        <p:nvPr/>
+      </p:nvGrpSpPr>
+      <p:grpSpPr>
+        <a:xfrm>
+          <a:off x="0" y="0"/>
+          <a:ext cx="0" cy="0"/>
+          <a:chOff x="0" y="0"/>
+          <a:chExt cx="0" cy="0"/>
+        </a:xfrm>
+      </p:grpSpPr>
+      <p:sp>
+        <p:nvSpPr>
+          <p:cNvPr id="2" name="Titel 1">
+            <a:extLst>
+              <a:ext uri="{FF2B5EF4-FFF2-40B4-BE49-F238E27FC236}">
+                <a16:creationId xmlns:a16="http://schemas.microsoft.com/office/drawing/2014/main" id="{B8A427C2-DE87-450D-839E-C6E4FD66708A}"/>
+              </a:ext>
+            </a:extLst>
+          </p:cNvPr>
+          <p:cNvSpPr>
+            <a:spLocks noGrp="1"/>
+          </p:cNvSpPr>
+          <p:nvPr>
+            <p:ph type="ctrTitle"/>
+          </p:nvPr>
+        </p:nvSpPr>
+        <p:spPr>
+          <a:xfrm>
+            <a:off x="640080" y="2074363"/>
+            <a:ext cx="2752354" cy="2709275"/>
+          </a:xfrm>
+          <a:prstGeom prst="ellipse">
+            <a:avLst/>
+          </a:prstGeom>
+          <a:solidFill>
+            <a:srgbClr val="262626"/>
+          </a:solidFill>
+          <a:ln w="174625" cmpd="thinThick">
+            <a:solidFill>
+              <a:srgbClr val="262626"/>
+            </a:solidFill>
+          </a:ln>
+        </p:spPr>
+        <p:txBody>
+          <a:bodyPr vert="horz" lIns="91440" tIns="45720" rIns="91440" bIns="45720" rtlCol="0" anchor="ctr">
+            <a:normAutofit/>
+          </a:bodyPr>
+          <a:lstStyle/>
+          <a:p>
+            <a:r>
+              <a:rPr lang="en-US" sz="2600" kern="1200" dirty="0" err="1">
+                <a:solidFill>
+                  <a:srgbClr val="FFFFFF"/>
+                </a:solidFill>
+                <a:latin typeface="+mj-lt"/>
+                <a:ea typeface="+mj-ea"/>
+                <a:cs typeface="+mj-cs"/>
+              </a:rPr>
+              <a:t>Gesetzgeber</a:t>
+            </a:r>
+            <a:endParaRPr lang="en-US" sz="2600" kern="1200" dirty="0">
+              <a:solidFill>
+                <a:srgbClr val="FFFFFF"/>
+              </a:solidFill>
+              <a:latin typeface="+mj-lt"/>
+              <a:ea typeface="+mj-ea"/>
+              <a:cs typeface="+mj-cs"/>
+            </a:endParaRPr>
+          </a:p>
+        </p:txBody>
+      </p:sp>
+      <p:graphicFrame>
+        <p:nvGraphicFramePr>
+          <p:cNvPr id="3" name="Diagramm 2">
+            <a:extLst>
+              <a:ext uri="{FF2B5EF4-FFF2-40B4-BE49-F238E27FC236}">
+                <a16:creationId xmlns:a16="http://schemas.microsoft.com/office/drawing/2014/main" id="{6AE85702-4C5B-41D8-81A8-A41326DE248E}"/>
+              </a:ext>
+            </a:extLst>
+          </p:cNvPr>
+          <p:cNvGraphicFramePr/>
+          <p:nvPr>
+            <p:extLst/>
+          </p:nvPr>
+        </p:nvGraphicFramePr>
+        <p:xfrm>
+          <a:off x="3728217" y="0"/>
+          <a:ext cx="8128000" cy="6858000"/>
+        </p:xfrm>
+        <a:graphic>
+          <a:graphicData uri="http://schemas.openxmlformats.org/drawingml/2006/diagram">
+            <dgm:relIds xmlns:dgm="http://schemas.openxmlformats.org/drawingml/2006/diagram" xmlns:r="http://schemas.openxmlformats.org/officeDocument/2006/relationships" r:dm="rId2" r:lo="rId3" r:qs="rId4" r:cs="rId5"/>
+          </a:graphicData>
+        </a:graphic>
+      </p:graphicFrame>
+    </p:spTree>
+    <p:extLst>
+      <p:ext uri="{BB962C8B-B14F-4D97-AF65-F5344CB8AC3E}">
+        <p14:creationId xmlns:p14="http://schemas.microsoft.com/office/powerpoint/2010/main" val="187622622"/>
       </p:ext>
     </p:extLst>
   </p:cSld>

--- a/Unterrichtseinheit/Stakeholder.pptx
+++ b/Unterrichtseinheit/Stakeholder.pptx
@@ -49247,6 +49247,7 @@
         </p:nvPicPr>
         <p:blipFill>
           <a:blip r:embed="rId2">
+            <a:alphaModFix amt="20000"/>
             <a:extLst>
               <a:ext uri="{BEBA8EAE-BF5A-486C-A8C5-ECC9F3942E4B}">
                 <a14:imgProps xmlns:a14="http://schemas.microsoft.com/office/drawing/2010/main">
@@ -49271,8 +49272,8 @@
         </p:blipFill>
         <p:spPr>
           <a:xfrm>
-            <a:off x="944468" y="9853"/>
-            <a:ext cx="10303083" cy="6857990"/>
+            <a:off x="-1" y="0"/>
+            <a:ext cx="12192001" cy="6858000"/>
           </a:xfrm>
           <a:prstGeom prst="rect">
             <a:avLst/>

--- a/Unterrichtseinheit/Stakeholder.pptx
+++ b/Unterrichtseinheit/Stakeholder.pptx
@@ -121,11 +121,11 @@
             <p14:sldId id="256"/>
             <p14:sldId id="269"/>
             <p14:sldId id="270"/>
+            <p14:sldId id="271"/>
           </p14:sldIdLst>
         </p14:section>
         <p14:section name="B" id="{482F301F-C6A2-45F5-9F34-369D73D90A34}">
           <p14:sldIdLst>
-            <p14:sldId id="271"/>
             <p14:sldId id="272"/>
             <p14:sldId id="262"/>
             <p14:sldId id="263"/>
@@ -8517,7 +8517,7 @@
       </dgm:t>
     </dgm:pt>
     <dgm:pt modelId="{9E048AFF-1C01-4AE7-B810-04D9ECC73339}" type="sibTrans" cxnId="{8B456D12-DEF0-4838-B1D5-C96E8ACCA892}">
-      <dgm:prSet phldrT="1"/>
+      <dgm:prSet phldrT="1" phldr="0"/>
       <dgm:spPr/>
       <dgm:t>
         <a:bodyPr/>
@@ -8556,7 +8556,7 @@
       </dgm:t>
     </dgm:pt>
     <dgm:pt modelId="{5829BE1C-D8A1-4A91-8A03-5004E454E222}" type="sibTrans" cxnId="{C6DEDB33-84EE-45B9-9241-788A49C3AA58}">
-      <dgm:prSet phldrT="2"/>
+      <dgm:prSet phldrT="2" phldr="0"/>
       <dgm:spPr/>
       <dgm:t>
         <a:bodyPr/>
@@ -8595,7 +8595,7 @@
       </dgm:t>
     </dgm:pt>
     <dgm:pt modelId="{B267FECB-7C69-4BBD-B6F0-F10B1BD3CFAC}" type="sibTrans" cxnId="{1F6E1093-C93C-4080-8EF0-3C7F14837AB1}">
-      <dgm:prSet phldrT="3"/>
+      <dgm:prSet phldrT="3" phldr="0"/>
       <dgm:spPr/>
       <dgm:t>
         <a:bodyPr/>
@@ -8742,7 +8742,7 @@
       </dgm:t>
     </dgm:pt>
     <dgm:pt modelId="{78AB8411-3BF4-4EAA-BF65-13B748C2DE73}" type="sibTrans" cxnId="{3347F8DA-AE4F-4453-8DA1-FA19D1DC6121}">
-      <dgm:prSet phldrT="4"/>
+      <dgm:prSet phldrT="4" phldr="0"/>
       <dgm:spPr/>
       <dgm:t>
         <a:bodyPr/>
@@ -8817,7 +8817,7 @@
       </dgm:t>
     </dgm:pt>
     <dgm:pt modelId="{E7D38B1D-C343-4BBB-AAC3-E804514B7B37}" type="sibTrans" cxnId="{77310BCE-7CFA-44FB-811F-FF2C423664DD}">
-      <dgm:prSet phldrT="5"/>
+      <dgm:prSet phldrT="5" phldr="0"/>
       <dgm:spPr/>
       <dgm:t>
         <a:bodyPr/>
@@ -9306,8 +9306,8 @@
         <a:lstStyle/>
         <a:p>
           <a:r>
-            <a:rPr lang="de-DE"/>
-            <a:t>Spannendere Vorlesungen </a:t>
+            <a:rPr lang="de-DE" dirty="0"/>
+            <a:t>Spannendere Vorlesungen</a:t>
           </a:r>
         </a:p>
       </dgm:t>
@@ -9333,6 +9333,72 @@
           <a:endParaRPr lang="de-DE"/>
         </a:p>
       </dgm:t>
+    </dgm:pt>
+    <dgm:pt modelId="{7DCC827C-AE91-4359-82B5-BFEB1BF825EF}">
+      <dgm:prSet/>
+      <dgm:spPr/>
+      <dgm:t>
+        <a:bodyPr/>
+        <a:lstStyle/>
+        <a:p>
+          <a:r>
+            <a:rPr lang="de-DE" dirty="0"/>
+            <a:t>Schlechte Noten</a:t>
+          </a:r>
+        </a:p>
+      </dgm:t>
+    </dgm:pt>
+    <dgm:pt modelId="{745DE662-FF83-4AE8-AE50-6483531F9910}" type="parTrans" cxnId="{5C4B3B9F-F346-4F9C-A3D9-CD046AE6684B}">
+      <dgm:prSet/>
+      <dgm:spPr/>
+    </dgm:pt>
+    <dgm:pt modelId="{862EA965-924D-4E30-AF1C-C6FFE03B6FDD}" type="sibTrans" cxnId="{5C4B3B9F-F346-4F9C-A3D9-CD046AE6684B}">
+      <dgm:prSet/>
+      <dgm:spPr/>
+    </dgm:pt>
+    <dgm:pt modelId="{48A72BAE-6F43-4DE5-A9E1-6AC4FDF88B6E}">
+      <dgm:prSet/>
+      <dgm:spPr/>
+      <dgm:t>
+        <a:bodyPr/>
+        <a:lstStyle/>
+        <a:p>
+          <a:r>
+            <a:rPr lang="de-DE" dirty="0"/>
+            <a:t>Mikromanagement</a:t>
+          </a:r>
+        </a:p>
+      </dgm:t>
+    </dgm:pt>
+    <dgm:pt modelId="{B38CD1B4-C90C-4D70-B9F2-97C988C80FE5}" type="parTrans" cxnId="{A7834588-5B2B-4C32-B2C1-EFE80BEB9195}">
+      <dgm:prSet/>
+      <dgm:spPr/>
+    </dgm:pt>
+    <dgm:pt modelId="{CE23E8A2-1B5A-42E3-8C9D-A720CF5A7225}" type="sibTrans" cxnId="{A7834588-5B2B-4C32-B2C1-EFE80BEB9195}">
+      <dgm:prSet/>
+      <dgm:spPr/>
+    </dgm:pt>
+    <dgm:pt modelId="{3B9BC0D3-5BFA-4DE2-B93A-FD68F81E8B1C}">
+      <dgm:prSet/>
+      <dgm:spPr/>
+      <dgm:t>
+        <a:bodyPr/>
+        <a:lstStyle/>
+        <a:p>
+          <a:r>
+            <a:rPr lang="de-DE" dirty="0"/>
+            <a:t> </a:t>
+          </a:r>
+        </a:p>
+      </dgm:t>
+    </dgm:pt>
+    <dgm:pt modelId="{93C07165-EDA2-4231-B651-76564C120B6D}" type="parTrans" cxnId="{8124FA8A-0BF6-47D1-9FDC-E87D72CBB70A}">
+      <dgm:prSet/>
+      <dgm:spPr/>
+    </dgm:pt>
+    <dgm:pt modelId="{CDEEA379-B793-472E-A8E4-B726FE1E7174}" type="sibTrans" cxnId="{8124FA8A-0BF6-47D1-9FDC-E87D72CBB70A}">
+      <dgm:prSet/>
+      <dgm:spPr/>
     </dgm:pt>
     <dgm:pt modelId="{0A46463F-409B-46D3-AE08-B06ABEA66936}" type="pres">
       <dgm:prSet presAssocID="{81463452-3191-46CC-84AF-F46262E3CDC3}" presName="linearFlow" presStyleCnt="0">
@@ -9630,6 +9696,7 @@
     <dgm:cxn modelId="{4CD78565-EECD-4522-8126-FEDFC1A4E7BC}" type="presOf" srcId="{AC263D43-EB71-474E-8304-E1282A379D68}" destId="{002AA0AA-8FDB-4D40-A80B-25449E155030}" srcOrd="0" destOrd="2" presId="urn:microsoft.com/office/officeart/2016/7/layout/LinearArrowProcessNumbered"/>
     <dgm:cxn modelId="{8084F149-CFA0-47FF-9DEE-534F90F4E3F5}" type="presOf" srcId="{DBB1C031-31F2-45C3-8A12-3A464758F40C}" destId="{7D8B82C3-95B4-466C-A7F2-F55237AAAB7D}" srcOrd="0" destOrd="1" presId="urn:microsoft.com/office/officeart/2016/7/layout/LinearArrowProcessNumbered"/>
     <dgm:cxn modelId="{5F30C44F-AA03-43A0-B8E2-FA36029724A8}" type="presOf" srcId="{958BE342-2291-4BDA-BB14-C72B74E910D7}" destId="{AB50098B-2AA1-4446-939A-BB13E3594C30}" srcOrd="0" destOrd="0" presId="urn:microsoft.com/office/officeart/2016/7/layout/LinearArrowProcessNumbered"/>
+    <dgm:cxn modelId="{28A34E71-9416-4CAF-821B-3CF7C59C67BC}" type="presOf" srcId="{3B9BC0D3-5BFA-4DE2-B93A-FD68F81E8B1C}" destId="{5B3F25FE-7C2C-4EAA-8D62-DC13973ECCBC}" srcOrd="0" destOrd="7" presId="urn:microsoft.com/office/officeart/2016/7/layout/LinearArrowProcessNumbered"/>
     <dgm:cxn modelId="{01512C72-B285-43D3-8B44-A454B71076B7}" srcId="{958BE342-2291-4BDA-BB14-C72B74E910D7}" destId="{A24AB471-A405-4E3A-8DD4-EEFC86F0852A}" srcOrd="3" destOrd="0" parTransId="{BEE20D7C-C1EC-4F6A-A05E-96A8348472A5}" sibTransId="{2E2BCE79-A899-4FEE-BCD7-61B296F27A6D}"/>
     <dgm:cxn modelId="{30D0AE54-0375-41A0-AD81-A107243C42B3}" type="presOf" srcId="{A24AB471-A405-4E3A-8DD4-EEFC86F0852A}" destId="{AB50098B-2AA1-4446-939A-BB13E3594C30}" srcOrd="0" destOrd="4" presId="urn:microsoft.com/office/officeart/2016/7/layout/LinearArrowProcessNumbered"/>
     <dgm:cxn modelId="{276E0855-0A91-4BE3-BCB1-42989EC34730}" srcId="{7C0CE01D-EADC-4782-88A7-5D6B9B002CDB}" destId="{A5F0E354-06AC-4655-9235-DDC2B45BCC71}" srcOrd="2" destOrd="0" parTransId="{543857E3-EAC1-4B19-90F6-113FB3FCB79C}" sibTransId="{04DF70C4-24B2-4B5C-9B51-4F1FF7A2528A}"/>
@@ -9638,16 +9705,21 @@
     <dgm:cxn modelId="{D23B1A7D-5ECE-4C73-A391-40FC21AF04BC}" srcId="{7C0CE01D-EADC-4782-88A7-5D6B9B002CDB}" destId="{A0ECA2C5-3BF3-4CAD-A415-C0C07DA9E4FE}" srcOrd="0" destOrd="0" parTransId="{4B3C8D64-5FB4-4762-B95A-68D1E37DD634}" sibTransId="{E55EB636-4A3B-488A-978B-F74D5B68800C}"/>
     <dgm:cxn modelId="{AFD08C7D-13B1-439B-9958-B2E60EA01E30}" type="presOf" srcId="{3BB722BF-7764-4106-A20D-6F526368869D}" destId="{607601BE-462C-4A5C-87DC-9EDCDE655693}" srcOrd="0" destOrd="2" presId="urn:microsoft.com/office/officeart/2016/7/layout/LinearArrowProcessNumbered"/>
     <dgm:cxn modelId="{EC199F7D-83FD-4AD1-ABE2-CD9B6A7D4F4D}" srcId="{FE496927-CDCE-4EED-89E1-697CE521FD49}" destId="{FAFEEBD8-7367-4940-93F4-4321D5765BE4}" srcOrd="3" destOrd="0" parTransId="{9BE8FC4D-4DB7-4E46-87C3-B8AF692B0E3B}" sibTransId="{3B7A9C04-788A-4505-A0CE-5E049BE4BFE2}"/>
+    <dgm:cxn modelId="{A7834588-5B2B-4C32-B2C1-EFE80BEB9195}" srcId="{FE496927-CDCE-4EED-89E1-697CE521FD49}" destId="{48A72BAE-6F43-4DE5-A9E1-6AC4FDF88B6E}" srcOrd="5" destOrd="0" parTransId="{B38CD1B4-C90C-4D70-B9F2-97C988C80FE5}" sibTransId="{CE23E8A2-1B5A-42E3-8C9D-A720CF5A7225}"/>
+    <dgm:cxn modelId="{8124FA8A-0BF6-47D1-9FDC-E87D72CBB70A}" srcId="{FE496927-CDCE-4EED-89E1-697CE521FD49}" destId="{3B9BC0D3-5BFA-4DE2-B93A-FD68F81E8B1C}" srcOrd="6" destOrd="0" parTransId="{93C07165-EDA2-4231-B651-76564C120B6D}" sibTransId="{CDEEA379-B793-472E-A8E4-B726FE1E7174}"/>
     <dgm:cxn modelId="{E63D7F90-FE52-4276-B17B-009B0B309656}" srcId="{958BE342-2291-4BDA-BB14-C72B74E910D7}" destId="{0C346E39-90F8-4264-BB79-89924200035C}" srcOrd="1" destOrd="0" parTransId="{FB31C05A-D670-4598-B661-54A9E21F3E6E}" sibTransId="{129426AA-9A1B-40B1-B599-24AE82CD6927}"/>
     <dgm:cxn modelId="{1F6E1093-C93C-4080-8EF0-3C7F14837AB1}" srcId="{81463452-3191-46CC-84AF-F46262E3CDC3}" destId="{7C0CE01D-EADC-4782-88A7-5D6B9B002CDB}" srcOrd="2" destOrd="0" parTransId="{89297235-8F9D-4A2D-95F7-CB2FC177E343}" sibTransId="{B267FECB-7C69-4BBD-B6F0-F10B1BD3CFAC}"/>
     <dgm:cxn modelId="{86CABA94-044E-45BD-B7CE-5D9A18EF940D}" type="presOf" srcId="{FE496927-CDCE-4EED-89E1-697CE521FD49}" destId="{5B3F25FE-7C2C-4EAA-8D62-DC13973ECCBC}" srcOrd="0" destOrd="0" presId="urn:microsoft.com/office/officeart/2016/7/layout/LinearArrowProcessNumbered"/>
     <dgm:cxn modelId="{DD86669A-562B-489B-BE28-7CB8876351B2}" type="presOf" srcId="{92314229-C680-4E51-AEED-6F8FC5D73B03}" destId="{AB50098B-2AA1-4446-939A-BB13E3594C30}" srcOrd="0" destOrd="5" presId="urn:microsoft.com/office/officeart/2016/7/layout/LinearArrowProcessNumbered"/>
+    <dgm:cxn modelId="{7B349E9D-3DEA-4741-BE3F-84ACE358A61C}" type="presOf" srcId="{48A72BAE-6F43-4DE5-A9E1-6AC4FDF88B6E}" destId="{5B3F25FE-7C2C-4EAA-8D62-DC13973ECCBC}" srcOrd="0" destOrd="6" presId="urn:microsoft.com/office/officeart/2016/7/layout/LinearArrowProcessNumbered"/>
+    <dgm:cxn modelId="{5C4B3B9F-F346-4F9C-A3D9-CD046AE6684B}" srcId="{FE496927-CDCE-4EED-89E1-697CE521FD49}" destId="{7DCC827C-AE91-4359-82B5-BFEB1BF825EF}" srcOrd="4" destOrd="0" parTransId="{745DE662-FF83-4AE8-AE50-6483531F9910}" sibTransId="{862EA965-924D-4E30-AF1C-C6FFE03B6FDD}"/>
     <dgm:cxn modelId="{81FC6EB3-4603-44F1-A71A-C1ECE7201E4E}" type="presOf" srcId="{A5F0E354-06AC-4655-9235-DDC2B45BCC71}" destId="{607601BE-462C-4A5C-87DC-9EDCDE655693}" srcOrd="0" destOrd="3" presId="urn:microsoft.com/office/officeart/2016/7/layout/LinearArrowProcessNumbered"/>
     <dgm:cxn modelId="{C433FAB3-5B61-41AF-BA06-543FE9833D9F}" srcId="{FE496927-CDCE-4EED-89E1-697CE521FD49}" destId="{EDFCDB55-3145-4EB7-A336-F08A9263042E}" srcOrd="1" destOrd="0" parTransId="{CE42380A-056F-4B1D-8BC1-89F7C5ACF5AE}" sibTransId="{5053B582-3892-414A-A18D-273D0F154D06}"/>
     <dgm:cxn modelId="{16881DBB-25EB-4080-90FE-A7E14E321548}" srcId="{6F82A1F1-8C55-4AA5-90A9-65F682C25D00}" destId="{DBB1C031-31F2-45C3-8A12-3A464758F40C}" srcOrd="0" destOrd="0" parTransId="{587758D1-9FA5-4658-A563-CCD4822C07E5}" sibTransId="{68867AAC-857C-4F25-B473-BBA13ADBFFA7}"/>
     <dgm:cxn modelId="{F99B4DBB-A195-401D-90BD-4B10D31025B3}" type="presOf" srcId="{0C346E39-90F8-4264-BB79-89924200035C}" destId="{AB50098B-2AA1-4446-939A-BB13E3594C30}" srcOrd="0" destOrd="2" presId="urn:microsoft.com/office/officeart/2016/7/layout/LinearArrowProcessNumbered"/>
     <dgm:cxn modelId="{6D6DECC2-2E6B-4C29-B290-8A1EF8B6F0CB}" srcId="{57B418D8-59F3-4651-BF27-C5EACAE4D3EB}" destId="{20A01E22-8DD9-4F41-9FC1-C30457B448C5}" srcOrd="0" destOrd="0" parTransId="{E78481A6-AD51-41F9-8FFE-D07302280F08}" sibTransId="{E21EBD9A-A8D4-4A83-B90B-C05C77E20B3E}"/>
     <dgm:cxn modelId="{77310BCE-7CFA-44FB-811F-FF2C423664DD}" srcId="{81463452-3191-46CC-84AF-F46262E3CDC3}" destId="{FE496927-CDCE-4EED-89E1-697CE521FD49}" srcOrd="4" destOrd="0" parTransId="{A91FCD73-CAC9-4A45-9D30-BC46A0007298}" sibTransId="{E7D38B1D-C343-4BBB-AAC3-E804514B7B37}"/>
+    <dgm:cxn modelId="{5D1E1AD0-30B5-437E-AA5F-5550E57BC600}" type="presOf" srcId="{7DCC827C-AE91-4359-82B5-BFEB1BF825EF}" destId="{5B3F25FE-7C2C-4EAA-8D62-DC13973ECCBC}" srcOrd="0" destOrd="5" presId="urn:microsoft.com/office/officeart/2016/7/layout/LinearArrowProcessNumbered"/>
     <dgm:cxn modelId="{28C07BD7-80AF-4499-B4B5-C0E37D438E4B}" type="presOf" srcId="{EDFCDB55-3145-4EB7-A336-F08A9263042E}" destId="{5B3F25FE-7C2C-4EAA-8D62-DC13973ECCBC}" srcOrd="0" destOrd="2" presId="urn:microsoft.com/office/officeart/2016/7/layout/LinearArrowProcessNumbered"/>
     <dgm:cxn modelId="{3347F8DA-AE4F-4453-8DA1-FA19D1DC6121}" srcId="{81463452-3191-46CC-84AF-F46262E3CDC3}" destId="{958BE342-2291-4BDA-BB14-C72B74E910D7}" srcOrd="3" destOrd="0" parTransId="{896208C3-9923-4EDD-A37C-F948640AFBE4}" sibTransId="{78AB8411-3BF4-4EAA-BF65-13B748C2DE73}"/>
     <dgm:cxn modelId="{55BDE3DC-8180-48D6-9A85-6D64B1AE45C2}" type="presOf" srcId="{A0ECA2C5-3BF3-4CAD-A415-C0C07DA9E4FE}" destId="{607601BE-462C-4A5C-87DC-9EDCDE655693}" srcOrd="0" destOrd="1" presId="urn:microsoft.com/office/officeart/2016/7/layout/LinearArrowProcessNumbered"/>
@@ -14104,7 +14176,7 @@
         <a:p>
           <a:r>
             <a:rPr lang="de-DE" dirty="0"/>
-            <a:t>Essen in der Mensa verbessern</a:t>
+            <a:t>Schlechtes Hochschulranking </a:t>
           </a:r>
         </a:p>
       </dgm:t>
@@ -14121,6 +14193,42 @@
       </dgm:t>
     </dgm:pt>
     <dgm:pt modelId="{FCA1A85A-3AEE-45FF-8042-AEA1F70674FC}" type="sibTrans" cxnId="{977FB17F-A553-4A3D-97CD-217E6CF90969}">
+      <dgm:prSet/>
+      <dgm:spPr/>
+      <dgm:t>
+        <a:bodyPr/>
+        <a:lstStyle/>
+        <a:p>
+          <a:endParaRPr lang="de-DE"/>
+        </a:p>
+      </dgm:t>
+    </dgm:pt>
+    <dgm:pt modelId="{105C3E64-5F13-4C8D-A7E3-02D471D51D64}">
+      <dgm:prSet/>
+      <dgm:spPr/>
+      <dgm:t>
+        <a:bodyPr/>
+        <a:lstStyle/>
+        <a:p>
+          <a:r>
+            <a:rPr lang="de-DE" dirty="0"/>
+            <a:t>Keine schlechten Zeugnisse</a:t>
+          </a:r>
+        </a:p>
+      </dgm:t>
+    </dgm:pt>
+    <dgm:pt modelId="{99D1ADAE-537B-4D75-ABDF-FE2EAFBCD1E5}" type="parTrans" cxnId="{D0BF60AE-80DC-49A7-BF26-27A4D1941BBB}">
+      <dgm:prSet/>
+      <dgm:spPr/>
+      <dgm:t>
+        <a:bodyPr/>
+        <a:lstStyle/>
+        <a:p>
+          <a:endParaRPr lang="de-DE"/>
+        </a:p>
+      </dgm:t>
+    </dgm:pt>
+    <dgm:pt modelId="{2F957DB2-118B-4F00-8E55-AD4499272A30}" type="sibTrans" cxnId="{D0BF60AE-80DC-49A7-BF26-27A4D1941BBB}">
       <dgm:prSet/>
       <dgm:spPr/>
       <dgm:t>
@@ -14395,7 +14503,7 @@
       <dgm:spPr/>
     </dgm:pt>
     <dgm:pt modelId="{5B3F25FE-7C2C-4EAA-8D62-DC13973ECCBC}" type="pres">
-      <dgm:prSet presAssocID="{FE496927-CDCE-4EED-89E1-697CE521FD49}" presName="nodeText" presStyleLbl="alignAccFollowNode1" presStyleIdx="14" presStyleCnt="15">
+      <dgm:prSet presAssocID="{FE496927-CDCE-4EED-89E1-697CE521FD49}" presName="nodeText" presStyleLbl="alignAccFollowNode1" presStyleIdx="14" presStyleCnt="15" custScaleY="100000">
         <dgm:presLayoutVars>
           <dgm:bulletEnabled val="1"/>
         </dgm:presLayoutVars>
@@ -14444,6 +14552,7 @@
     <dgm:cxn modelId="{FB4A81A1-6878-4036-9D0F-12834A6C8FAB}" type="presOf" srcId="{9E048AFF-1C01-4AE7-B810-04D9ECC73339}" destId="{2BBCC05D-6485-4136-ACF9-BAC1DCAC2A2C}" srcOrd="0" destOrd="0" presId="urn:microsoft.com/office/officeart/2016/7/layout/LinearArrowProcessNumbered"/>
     <dgm:cxn modelId="{00DE6DA3-0C4A-4344-A7CA-C2344A3D71CC}" type="presOf" srcId="{B06A2D80-02C9-49F9-A774-88BE55712E62}" destId="{607601BE-462C-4A5C-87DC-9EDCDE655693}" srcOrd="0" destOrd="2" presId="urn:microsoft.com/office/officeart/2016/7/layout/LinearArrowProcessNumbered"/>
     <dgm:cxn modelId="{FAF55CAA-6738-484F-AEAD-D7BFC527B7EB}" srcId="{57B418D8-59F3-4651-BF27-C5EACAE4D3EB}" destId="{C8ECB6AC-15DD-4ABD-ABC6-4D4F266917A8}" srcOrd="6" destOrd="0" parTransId="{4F307793-E2AC-4271-A5B9-DF11728715AA}" sibTransId="{47080FEC-CFEA-4C35-806A-571289DFA982}"/>
+    <dgm:cxn modelId="{D0BF60AE-80DC-49A7-BF26-27A4D1941BBB}" srcId="{FE496927-CDCE-4EED-89E1-697CE521FD49}" destId="{105C3E64-5F13-4C8D-A7E3-02D471D51D64}" srcOrd="4" destOrd="0" parTransId="{99D1ADAE-537B-4D75-ABDF-FE2EAFBCD1E5}" sibTransId="{2F957DB2-118B-4F00-8E55-AD4499272A30}"/>
     <dgm:cxn modelId="{DFDDCBB4-8C8D-4BF9-9274-66B0AF976F15}" type="presOf" srcId="{81463452-3191-46CC-84AF-F46262E3CDC3}" destId="{0A46463F-409B-46D3-AE08-B06ABEA66936}" srcOrd="0" destOrd="0" presId="urn:microsoft.com/office/officeart/2016/7/layout/LinearArrowProcessNumbered"/>
     <dgm:cxn modelId="{277EABB6-614E-46AF-A121-1BD88CCFA33C}" srcId="{57B418D8-59F3-4651-BF27-C5EACAE4D3EB}" destId="{965879D7-BF06-468B-8ACB-F815BC863EFD}" srcOrd="3" destOrd="0" parTransId="{DC1CA9A3-1CCF-4F94-AB4E-D54DEDA52E9C}" sibTransId="{3B318103-07FD-4FBA-809A-AF924AEA7A66}"/>
     <dgm:cxn modelId="{16881DBB-25EB-4080-90FE-A7E14E321548}" srcId="{6F82A1F1-8C55-4AA5-90A9-65F682C25D00}" destId="{DBB1C031-31F2-45C3-8A12-3A464758F40C}" srcOrd="0" destOrd="0" parTransId="{587758D1-9FA5-4658-A563-CCD4822C07E5}" sibTransId="{68867AAC-857C-4F25-B473-BBA13ADBFFA7}"/>
@@ -14456,6 +14565,7 @@
     <dgm:cxn modelId="{3347F8DA-AE4F-4453-8DA1-FA19D1DC6121}" srcId="{81463452-3191-46CC-84AF-F46262E3CDC3}" destId="{958BE342-2291-4BDA-BB14-C72B74E910D7}" srcOrd="3" destOrd="0" parTransId="{896208C3-9923-4EDD-A37C-F948640AFBE4}" sibTransId="{78AB8411-3BF4-4EAA-BF65-13B748C2DE73}"/>
     <dgm:cxn modelId="{F7D720E2-E346-4FEC-AB19-CBC2675A92DC}" srcId="{FE496927-CDCE-4EED-89E1-697CE521FD49}" destId="{A826B56C-AE27-4689-873A-D96DF7985C7F}" srcOrd="0" destOrd="0" parTransId="{DFE79A9F-AF93-4EC8-92DB-3F6B7F68FA08}" sibTransId="{83CF4E7A-2117-4543-9055-2030E54195A0}"/>
     <dgm:cxn modelId="{55F768E5-E972-4539-8BA5-77784E7793C1}" type="presOf" srcId="{C8ECB6AC-15DD-4ABD-ABC6-4D4F266917A8}" destId="{002AA0AA-8FDB-4D40-A80B-25449E155030}" srcOrd="0" destOrd="7" presId="urn:microsoft.com/office/officeart/2016/7/layout/LinearArrowProcessNumbered"/>
+    <dgm:cxn modelId="{673496ED-DD25-4709-9333-A037504F529E}" type="presOf" srcId="{105C3E64-5F13-4C8D-A7E3-02D471D51D64}" destId="{5B3F25FE-7C2C-4EAA-8D62-DC13973ECCBC}" srcOrd="0" destOrd="5" presId="urn:microsoft.com/office/officeart/2016/7/layout/LinearArrowProcessNumbered"/>
     <dgm:cxn modelId="{806BCAF1-B414-422D-87CB-BA9778F774FA}" type="presOf" srcId="{78AB8411-3BF4-4EAA-BF65-13B748C2DE73}" destId="{59EA2C50-5EA0-4015-82FB-C71302D41C10}" srcOrd="0" destOrd="0" presId="urn:microsoft.com/office/officeart/2016/7/layout/LinearArrowProcessNumbered"/>
     <dgm:cxn modelId="{CBDD7AF3-FF27-4B51-8BB6-02DA90D93330}" type="presOf" srcId="{7C0CE01D-EADC-4782-88A7-5D6B9B002CDB}" destId="{607601BE-462C-4A5C-87DC-9EDCDE655693}" srcOrd="0" destOrd="0" presId="urn:microsoft.com/office/officeart/2016/7/layout/LinearArrowProcessNumbered"/>
     <dgm:cxn modelId="{208AA3F6-1DC0-4DA8-A875-476CE3381D5E}" type="presOf" srcId="{A0A4A451-EEA1-4E16-9C05-9A009195F8C9}" destId="{5B3F25FE-7C2C-4EAA-8D62-DC13973ECCBC}" srcOrd="0" destOrd="4" presId="urn:microsoft.com/office/officeart/2016/7/layout/LinearArrowProcessNumbered"/>
@@ -18332,8 +18442,8 @@
       </dsp:nvSpPr>
       <dsp:spPr>
         <a:xfrm>
-          <a:off x="1056693" y="1110033"/>
-          <a:ext cx="840221" cy="71"/>
+          <a:off x="1052586" y="1017895"/>
+          <a:ext cx="841042" cy="71"/>
         </a:xfrm>
         <a:prstGeom prst="rect">
           <a:avLst/>
@@ -18384,8 +18494,8 @@
       </dsp:nvSpPr>
       <dsp:spPr>
         <a:xfrm>
-          <a:off x="1947328" y="1039421"/>
-          <a:ext cx="96625" cy="181664"/>
+          <a:off x="1944092" y="947284"/>
+          <a:ext cx="96719" cy="181664"/>
         </a:xfrm>
         <a:prstGeom prst="chevron">
           <a:avLst>
@@ -18438,7 +18548,7 @@
       </dsp:nvSpPr>
       <dsp:spPr>
         <a:xfrm>
-          <a:off x="529840" y="688243"/>
+          <a:off x="525631" y="596106"/>
           <a:ext cx="843651" cy="843651"/>
         </a:xfrm>
         <a:prstGeom prst="ellipse">
@@ -18541,7 +18651,7 @@
         </a:p>
       </dsp:txBody>
       <dsp:txXfrm>
-        <a:off x="653390" y="811793"/>
+        <a:off x="649181" y="719656"/>
         <a:ext cx="596551" cy="596551"/>
       </dsp:txXfrm>
     </dsp:sp>
@@ -18552,8 +18662,8 @@
       </dsp:nvSpPr>
       <dsp:spPr>
         <a:xfrm>
-          <a:off x="6416" y="1697494"/>
-          <a:ext cx="1890497" cy="1965600"/>
+          <a:off x="1283" y="1605357"/>
+          <a:ext cx="1892345" cy="2149874"/>
         </a:xfrm>
         <a:prstGeom prst="upArrowCallout">
           <a:avLst>
@@ -18602,7 +18712,7 @@
         <a:fontRef idx="minor"/>
       </dsp:style>
       <dsp:txBody>
-        <a:bodyPr spcFirstLastPara="0" vert="horz" wrap="square" lIns="149125" tIns="165100" rIns="149125" bIns="165100" numCol="1" spcCol="1270" anchor="t" anchorCtr="0">
+        <a:bodyPr spcFirstLastPara="0" vert="horz" wrap="square" lIns="149270" tIns="165100" rIns="149270" bIns="165100" numCol="1" spcCol="1270" anchor="t" anchorCtr="0">
           <a:noAutofit/>
         </a:bodyPr>
         <a:lstStyle/>
@@ -18644,8 +18754,8 @@
         </a:p>
       </dsp:txBody>
       <dsp:txXfrm>
-        <a:off x="6416" y="2075593"/>
-        <a:ext cx="1890497" cy="1587501"/>
+        <a:off x="1283" y="1983826"/>
+        <a:ext cx="1892345" cy="1771405"/>
       </dsp:txXfrm>
     </dsp:sp>
     <dsp:sp modelId="{C5BB3E39-5E89-4D22-BF13-9C81ED6C5061}">
@@ -18655,8 +18765,8 @@
       </dsp:nvSpPr>
       <dsp:spPr>
         <a:xfrm>
-          <a:off x="2106970" y="1110033"/>
-          <a:ext cx="1890497" cy="72"/>
+          <a:off x="2103890" y="1017895"/>
+          <a:ext cx="1892345" cy="72"/>
         </a:xfrm>
         <a:prstGeom prst="rect">
           <a:avLst/>
@@ -18707,8 +18817,8 @@
       </dsp:nvSpPr>
       <dsp:spPr>
         <a:xfrm>
-          <a:off x="4047881" y="1039421"/>
-          <a:ext cx="96625" cy="181665"/>
+          <a:off x="4046698" y="947283"/>
+          <a:ext cx="96719" cy="181665"/>
         </a:xfrm>
         <a:prstGeom prst="chevron">
           <a:avLst>
@@ -18761,7 +18871,7 @@
       </dsp:nvSpPr>
       <dsp:spPr>
         <a:xfrm>
-          <a:off x="2630393" y="688243"/>
+          <a:off x="2628237" y="596105"/>
           <a:ext cx="843651" cy="843651"/>
         </a:xfrm>
         <a:prstGeom prst="ellipse">
@@ -18864,7 +18974,7 @@
         </a:p>
       </dsp:txBody>
       <dsp:txXfrm>
-        <a:off x="2753943" y="811793"/>
+        <a:off x="2751787" y="719655"/>
         <a:ext cx="596551" cy="596551"/>
       </dsp:txXfrm>
     </dsp:sp>
@@ -18875,8 +18985,8 @@
       </dsp:nvSpPr>
       <dsp:spPr>
         <a:xfrm>
-          <a:off x="2106970" y="1697494"/>
-          <a:ext cx="1890497" cy="1965600"/>
+          <a:off x="2103890" y="1605357"/>
+          <a:ext cx="1892345" cy="2149874"/>
         </a:xfrm>
         <a:prstGeom prst="upArrowCallout">
           <a:avLst>
@@ -18925,7 +19035,7 @@
         <a:fontRef idx="minor"/>
       </dsp:style>
       <dsp:txBody>
-        <a:bodyPr spcFirstLastPara="0" vert="horz" wrap="square" lIns="149125" tIns="165100" rIns="149125" bIns="165100" numCol="1" spcCol="1270" anchor="t" anchorCtr="0">
+        <a:bodyPr spcFirstLastPara="0" vert="horz" wrap="square" lIns="149270" tIns="165100" rIns="149270" bIns="165100" numCol="1" spcCol="1270" anchor="t" anchorCtr="0">
           <a:noAutofit/>
         </a:bodyPr>
         <a:lstStyle/>
@@ -19039,8 +19149,8 @@
         </a:p>
       </dsp:txBody>
       <dsp:txXfrm>
-        <a:off x="2106970" y="2075593"/>
-        <a:ext cx="1890497" cy="1587501"/>
+        <a:off x="2103890" y="1983826"/>
+        <a:ext cx="1892345" cy="1771405"/>
       </dsp:txXfrm>
     </dsp:sp>
     <dsp:sp modelId="{059E0B0B-A9DC-40AD-99E2-615FED92EB81}">
@@ -19050,8 +19160,8 @@
       </dsp:nvSpPr>
       <dsp:spPr>
         <a:xfrm>
-          <a:off x="4207523" y="1110033"/>
-          <a:ext cx="1890497" cy="72"/>
+          <a:off x="4206496" y="1017895"/>
+          <a:ext cx="1892345" cy="72"/>
         </a:xfrm>
         <a:prstGeom prst="rect">
           <a:avLst/>
@@ -19102,8 +19212,8 @@
       </dsp:nvSpPr>
       <dsp:spPr>
         <a:xfrm>
-          <a:off x="6148434" y="1039421"/>
-          <a:ext cx="96625" cy="181665"/>
+          <a:off x="6149305" y="947283"/>
+          <a:ext cx="96719" cy="181665"/>
         </a:xfrm>
         <a:prstGeom prst="chevron">
           <a:avLst>
@@ -19156,7 +19266,7 @@
       </dsp:nvSpPr>
       <dsp:spPr>
         <a:xfrm>
-          <a:off x="4730946" y="688243"/>
+          <a:off x="4730844" y="596105"/>
           <a:ext cx="843651" cy="843651"/>
         </a:xfrm>
         <a:prstGeom prst="ellipse">
@@ -19259,7 +19369,7 @@
         </a:p>
       </dsp:txBody>
       <dsp:txXfrm>
-        <a:off x="4854496" y="811793"/>
+        <a:off x="4854394" y="719655"/>
         <a:ext cx="596551" cy="596551"/>
       </dsp:txXfrm>
     </dsp:sp>
@@ -19270,8 +19380,8 @@
       </dsp:nvSpPr>
       <dsp:spPr>
         <a:xfrm>
-          <a:off x="4207523" y="1697494"/>
-          <a:ext cx="1890497" cy="1965600"/>
+          <a:off x="4206496" y="1605357"/>
+          <a:ext cx="1892345" cy="2149874"/>
         </a:xfrm>
         <a:prstGeom prst="upArrowCallout">
           <a:avLst>
@@ -19320,7 +19430,7 @@
         <a:fontRef idx="minor"/>
       </dsp:style>
       <dsp:txBody>
-        <a:bodyPr spcFirstLastPara="0" vert="horz" wrap="square" lIns="149125" tIns="165100" rIns="149125" bIns="165100" numCol="1" spcCol="1270" anchor="t" anchorCtr="0">
+        <a:bodyPr spcFirstLastPara="0" vert="horz" wrap="square" lIns="149270" tIns="165100" rIns="149270" bIns="165100" numCol="1" spcCol="1270" anchor="t" anchorCtr="0">
           <a:noAutofit/>
         </a:bodyPr>
         <a:lstStyle/>
@@ -19398,8 +19508,8 @@
         </a:p>
       </dsp:txBody>
       <dsp:txXfrm>
-        <a:off x="4207523" y="2075593"/>
-        <a:ext cx="1890497" cy="1587501"/>
+        <a:off x="4206496" y="1983826"/>
+        <a:ext cx="1892345" cy="1771405"/>
       </dsp:txXfrm>
     </dsp:sp>
     <dsp:sp modelId="{5BCDA238-8AF1-41E7-B2EC-74E907082371}">
@@ -19409,8 +19519,8 @@
       </dsp:nvSpPr>
       <dsp:spPr>
         <a:xfrm>
-          <a:off x="6308076" y="1110033"/>
-          <a:ext cx="1890497" cy="72"/>
+          <a:off x="6309103" y="1017895"/>
+          <a:ext cx="1892345" cy="72"/>
         </a:xfrm>
         <a:prstGeom prst="rect">
           <a:avLst/>
@@ -19461,8 +19571,8 @@
       </dsp:nvSpPr>
       <dsp:spPr>
         <a:xfrm>
-          <a:off x="8248987" y="1039421"/>
-          <a:ext cx="96625" cy="181665"/>
+          <a:off x="8251911" y="947283"/>
+          <a:ext cx="96719" cy="181665"/>
         </a:xfrm>
         <a:prstGeom prst="chevron">
           <a:avLst>
@@ -19515,7 +19625,7 @@
       </dsp:nvSpPr>
       <dsp:spPr>
         <a:xfrm>
-          <a:off x="6831499" y="688243"/>
+          <a:off x="6833450" y="596105"/>
           <a:ext cx="843651" cy="843651"/>
         </a:xfrm>
         <a:prstGeom prst="ellipse">
@@ -19618,7 +19728,7 @@
         </a:p>
       </dsp:txBody>
       <dsp:txXfrm>
-        <a:off x="6955049" y="811793"/>
+        <a:off x="6957000" y="719655"/>
         <a:ext cx="596551" cy="596551"/>
       </dsp:txXfrm>
     </dsp:sp>
@@ -19629,8 +19739,8 @@
       </dsp:nvSpPr>
       <dsp:spPr>
         <a:xfrm>
-          <a:off x="6308076" y="1697494"/>
-          <a:ext cx="1890497" cy="1965600"/>
+          <a:off x="6309103" y="1605357"/>
+          <a:ext cx="1892345" cy="2149874"/>
         </a:xfrm>
         <a:prstGeom prst="upArrowCallout">
           <a:avLst>
@@ -19679,7 +19789,7 @@
         <a:fontRef idx="minor"/>
       </dsp:style>
       <dsp:txBody>
-        <a:bodyPr spcFirstLastPara="0" vert="horz" wrap="square" lIns="149125" tIns="165100" rIns="149125" bIns="165100" numCol="1" spcCol="1270" anchor="t" anchorCtr="0">
+        <a:bodyPr spcFirstLastPara="0" vert="horz" wrap="square" lIns="149270" tIns="165100" rIns="149270" bIns="165100" numCol="1" spcCol="1270" anchor="t" anchorCtr="0">
           <a:noAutofit/>
         </a:bodyPr>
         <a:lstStyle/>
@@ -19793,8 +19903,8 @@
         </a:p>
       </dsp:txBody>
       <dsp:txXfrm>
-        <a:off x="6308076" y="2075593"/>
-        <a:ext cx="1890497" cy="1587501"/>
+        <a:off x="6309103" y="1983826"/>
+        <a:ext cx="1892345" cy="1771405"/>
       </dsp:txXfrm>
     </dsp:sp>
     <dsp:sp modelId="{51381BA6-B406-42D4-B1F0-8FE6031D38D9}">
@@ -19804,8 +19914,8 @@
       </dsp:nvSpPr>
       <dsp:spPr>
         <a:xfrm>
-          <a:off x="8408629" y="1110032"/>
-          <a:ext cx="945248" cy="72"/>
+          <a:off x="8411709" y="1017895"/>
+          <a:ext cx="946172" cy="72"/>
         </a:xfrm>
         <a:prstGeom prst="rect">
           <a:avLst/>
@@ -19856,7 +19966,7 @@
       </dsp:nvSpPr>
       <dsp:spPr>
         <a:xfrm>
-          <a:off x="8932053" y="688243"/>
+          <a:off x="8936057" y="596105"/>
           <a:ext cx="843651" cy="843651"/>
         </a:xfrm>
         <a:prstGeom prst="ellipse">
@@ -19959,7 +20069,7 @@
         </a:p>
       </dsp:txBody>
       <dsp:txXfrm>
-        <a:off x="9055603" y="811793"/>
+        <a:off x="9059607" y="719655"/>
         <a:ext cx="596551" cy="596551"/>
       </dsp:txXfrm>
     </dsp:sp>
@@ -19970,8 +20080,8 @@
       </dsp:nvSpPr>
       <dsp:spPr>
         <a:xfrm>
-          <a:off x="8408629" y="1697494"/>
-          <a:ext cx="1890497" cy="1965600"/>
+          <a:off x="8411709" y="1605357"/>
+          <a:ext cx="1892345" cy="2149874"/>
         </a:xfrm>
         <a:prstGeom prst="upArrowCallout">
           <a:avLst>
@@ -20020,7 +20130,7 @@
         <a:fontRef idx="minor"/>
       </dsp:style>
       <dsp:txBody>
-        <a:bodyPr spcFirstLastPara="0" vert="horz" wrap="square" lIns="149125" tIns="165100" rIns="149125" bIns="165100" numCol="1" spcCol="1270" anchor="t" anchorCtr="0">
+        <a:bodyPr spcFirstLastPara="0" vert="horz" wrap="square" lIns="149270" tIns="165100" rIns="149270" bIns="165100" numCol="1" spcCol="1270" anchor="t" anchorCtr="0">
           <a:noAutofit/>
         </a:bodyPr>
         <a:lstStyle/>
@@ -20110,14 +20220,68 @@
             <a:buChar char="•"/>
           </a:pPr>
           <a:r>
-            <a:rPr lang="de-DE" sz="1100" kern="1200"/>
-            <a:t>Spannendere Vorlesungen </a:t>
+            <a:rPr lang="de-DE" sz="1100" kern="1200" dirty="0"/>
+            <a:t>Spannendere Vorlesungen</a:t>
+          </a:r>
+        </a:p>
+        <a:p>
+          <a:pPr marL="57150" lvl="1" indent="-57150" algn="l" defTabSz="488950">
+            <a:lnSpc>
+              <a:spcPct val="90000"/>
+            </a:lnSpc>
+            <a:spcBef>
+              <a:spcPct val="0"/>
+            </a:spcBef>
+            <a:spcAft>
+              <a:spcPct val="15000"/>
+            </a:spcAft>
+            <a:buChar char="•"/>
+          </a:pPr>
+          <a:r>
+            <a:rPr lang="de-DE" sz="1100" kern="1200" dirty="0"/>
+            <a:t>Schlechte Noten</a:t>
+          </a:r>
+        </a:p>
+        <a:p>
+          <a:pPr marL="57150" lvl="1" indent="-57150" algn="l" defTabSz="488950">
+            <a:lnSpc>
+              <a:spcPct val="90000"/>
+            </a:lnSpc>
+            <a:spcBef>
+              <a:spcPct val="0"/>
+            </a:spcBef>
+            <a:spcAft>
+              <a:spcPct val="15000"/>
+            </a:spcAft>
+            <a:buChar char="•"/>
+          </a:pPr>
+          <a:r>
+            <a:rPr lang="de-DE" sz="1100" kern="1200" dirty="0"/>
+            <a:t>Mikromanagement</a:t>
+          </a:r>
+        </a:p>
+        <a:p>
+          <a:pPr marL="57150" lvl="1" indent="-57150" algn="l" defTabSz="488950">
+            <a:lnSpc>
+              <a:spcPct val="90000"/>
+            </a:lnSpc>
+            <a:spcBef>
+              <a:spcPct val="0"/>
+            </a:spcBef>
+            <a:spcAft>
+              <a:spcPct val="15000"/>
+            </a:spcAft>
+            <a:buChar char="•"/>
+          </a:pPr>
+          <a:r>
+            <a:rPr lang="de-DE" sz="1100" kern="1200" dirty="0"/>
+            <a:t> </a:t>
           </a:r>
         </a:p>
       </dsp:txBody>
       <dsp:txXfrm>
-        <a:off x="8408629" y="2075593"/>
-        <a:ext cx="1890497" cy="1587501"/>
+        <a:off x="8411709" y="1983826"/>
+        <a:ext cx="1892345" cy="1771405"/>
       </dsp:txXfrm>
     </dsp:sp>
   </dsp:spTree>
@@ -24744,8 +24908,8 @@
       </dsp:nvSpPr>
       <dsp:spPr>
         <a:xfrm>
-          <a:off x="1056693" y="956470"/>
-          <a:ext cx="840221" cy="71"/>
+          <a:off x="1049898" y="956253"/>
+          <a:ext cx="833039" cy="71"/>
         </a:xfrm>
         <a:prstGeom prst="rect">
           <a:avLst/>
@@ -24796,8 +24960,8 @@
       </dsp:nvSpPr>
       <dsp:spPr>
         <a:xfrm>
-          <a:off x="1947328" y="885859"/>
-          <a:ext cx="96625" cy="181664"/>
+          <a:off x="1932920" y="886245"/>
+          <a:ext cx="95799" cy="180019"/>
         </a:xfrm>
         <a:prstGeom prst="chevron">
           <a:avLst>
@@ -24850,8 +25014,8 @@
       </dsp:nvSpPr>
       <dsp:spPr>
         <a:xfrm>
-          <a:off x="529840" y="534681"/>
-          <a:ext cx="843651" cy="843651"/>
+          <a:off x="528212" y="538734"/>
+          <a:ext cx="835111" cy="835111"/>
         </a:xfrm>
         <a:prstGeom prst="ellipse">
           <a:avLst/>
@@ -24929,12 +25093,12 @@
         </a:fontRef>
       </dsp:style>
       <dsp:txBody>
-        <a:bodyPr spcFirstLastPara="0" vert="horz" wrap="square" lIns="32738" tIns="32738" rIns="32738" bIns="32738" numCol="1" spcCol="1270" anchor="ctr" anchorCtr="0">
+        <a:bodyPr spcFirstLastPara="0" vert="horz" wrap="square" lIns="32407" tIns="32407" rIns="32407" bIns="32407" numCol="1" spcCol="1270" anchor="ctr" anchorCtr="0">
           <a:noAutofit/>
         </a:bodyPr>
         <a:lstStyle/>
         <a:p>
-          <a:pPr marL="0" lvl="0" indent="0" algn="ctr" defTabSz="1689100">
+          <a:pPr marL="0" lvl="0" indent="0" algn="ctr" defTabSz="1644650">
             <a:lnSpc>
               <a:spcPct val="90000"/>
             </a:lnSpc>
@@ -24947,14 +25111,14 @@
             <a:buNone/>
           </a:pPr>
           <a:r>
-            <a:rPr lang="de-DE" sz="3800" kern="1200"/>
+            <a:rPr lang="de-DE" sz="3700" kern="1200"/>
             <a:t>1</a:t>
           </a:r>
         </a:p>
       </dsp:txBody>
       <dsp:txXfrm>
-        <a:off x="653390" y="658231"/>
-        <a:ext cx="596551" cy="596551"/>
+        <a:off x="650511" y="661033"/>
+        <a:ext cx="590513" cy="590513"/>
       </dsp:txXfrm>
     </dsp:sp>
     <dsp:sp modelId="{7D8B82C3-95B4-466C-A7F2-F55237AAAB7D}">
@@ -24964,8 +25128,8 @@
       </dsp:nvSpPr>
       <dsp:spPr>
         <a:xfrm>
-          <a:off x="6416" y="1543932"/>
-          <a:ext cx="1890497" cy="2272724"/>
+          <a:off x="8598" y="1539359"/>
+          <a:ext cx="1874339" cy="2272724"/>
         </a:xfrm>
         <a:prstGeom prst="upArrowCallout">
           <a:avLst>
@@ -25014,7 +25178,7 @@
         <a:fontRef idx="minor"/>
       </dsp:style>
       <dsp:txBody>
-        <a:bodyPr spcFirstLastPara="0" vert="horz" wrap="square" lIns="149125" tIns="165100" rIns="149125" bIns="165100" numCol="1" spcCol="1270" anchor="t" anchorCtr="0">
+        <a:bodyPr spcFirstLastPara="0" vert="horz" wrap="square" lIns="147850" tIns="165100" rIns="147850" bIns="165100" numCol="1" spcCol="1270" anchor="t" anchorCtr="0">
           <a:noAutofit/>
         </a:bodyPr>
         <a:lstStyle/>
@@ -25056,8 +25220,8 @@
         </a:p>
       </dsp:txBody>
       <dsp:txXfrm>
-        <a:off x="6416" y="1922031"/>
-        <a:ext cx="1890497" cy="1894625"/>
+        <a:off x="8598" y="1914227"/>
+        <a:ext cx="1874339" cy="1897856"/>
       </dsp:txXfrm>
     </dsp:sp>
     <dsp:sp modelId="{C5BB3E39-5E89-4D22-BF13-9C81ED6C5061}">
@@ -25067,8 +25231,8 @@
       </dsp:nvSpPr>
       <dsp:spPr>
         <a:xfrm>
-          <a:off x="2106970" y="956470"/>
-          <a:ext cx="1890497" cy="72"/>
+          <a:off x="2091198" y="956470"/>
+          <a:ext cx="1874339" cy="72"/>
         </a:xfrm>
         <a:prstGeom prst="rect">
           <a:avLst/>
@@ -25119,8 +25283,8 @@
       </dsp:nvSpPr>
       <dsp:spPr>
         <a:xfrm>
-          <a:off x="4047881" y="885858"/>
-          <a:ext cx="96625" cy="181665"/>
+          <a:off x="4015520" y="886426"/>
+          <a:ext cx="95799" cy="180206"/>
         </a:xfrm>
         <a:prstGeom prst="chevron">
           <a:avLst>
@@ -25173,8 +25337,8 @@
       </dsp:nvSpPr>
       <dsp:spPr>
         <a:xfrm>
-          <a:off x="2630393" y="534680"/>
-          <a:ext cx="843651" cy="843651"/>
+          <a:off x="2610812" y="538950"/>
+          <a:ext cx="835111" cy="835111"/>
         </a:xfrm>
         <a:prstGeom prst="ellipse">
           <a:avLst/>
@@ -25252,12 +25416,12 @@
         </a:fontRef>
       </dsp:style>
       <dsp:txBody>
-        <a:bodyPr spcFirstLastPara="0" vert="horz" wrap="square" lIns="32738" tIns="32738" rIns="32738" bIns="32738" numCol="1" spcCol="1270" anchor="ctr" anchorCtr="0">
+        <a:bodyPr spcFirstLastPara="0" vert="horz" wrap="square" lIns="32407" tIns="32407" rIns="32407" bIns="32407" numCol="1" spcCol="1270" anchor="ctr" anchorCtr="0">
           <a:noAutofit/>
         </a:bodyPr>
         <a:lstStyle/>
         <a:p>
-          <a:pPr marL="0" lvl="0" indent="0" algn="ctr" defTabSz="1689100">
+          <a:pPr marL="0" lvl="0" indent="0" algn="ctr" defTabSz="1644650">
             <a:lnSpc>
               <a:spcPct val="90000"/>
             </a:lnSpc>
@@ -25270,14 +25434,14 @@
             <a:buNone/>
           </a:pPr>
           <a:r>
-            <a:rPr lang="de-DE" sz="3800" kern="1200"/>
+            <a:rPr lang="de-DE" sz="3700" kern="1200"/>
             <a:t>2</a:t>
           </a:r>
         </a:p>
       </dsp:txBody>
       <dsp:txXfrm>
-        <a:off x="2753943" y="658230"/>
-        <a:ext cx="596551" cy="596551"/>
+        <a:off x="2733111" y="661249"/>
+        <a:ext cx="590513" cy="590513"/>
       </dsp:txXfrm>
     </dsp:sp>
     <dsp:sp modelId="{002AA0AA-8FDB-4D40-A80B-25449E155030}">
@@ -25287,8 +25451,8 @@
       </dsp:nvSpPr>
       <dsp:spPr>
         <a:xfrm>
-          <a:off x="2106970" y="1543932"/>
-          <a:ext cx="1890497" cy="2272724"/>
+          <a:off x="2091198" y="1539878"/>
+          <a:ext cx="1874339" cy="2272724"/>
         </a:xfrm>
         <a:prstGeom prst="upArrowCallout">
           <a:avLst>
@@ -25337,7 +25501,7 @@
         <a:fontRef idx="minor"/>
       </dsp:style>
       <dsp:txBody>
-        <a:bodyPr spcFirstLastPara="0" vert="horz" wrap="square" lIns="149125" tIns="165100" rIns="149125" bIns="165100" numCol="1" spcCol="1270" anchor="t" anchorCtr="0">
+        <a:bodyPr spcFirstLastPara="0" vert="horz" wrap="square" lIns="147850" tIns="165100" rIns="147850" bIns="165100" numCol="1" spcCol="1270" anchor="t" anchorCtr="0">
           <a:noAutofit/>
         </a:bodyPr>
         <a:lstStyle/>
@@ -25484,8 +25648,8 @@
         </a:p>
       </dsp:txBody>
       <dsp:txXfrm>
-        <a:off x="2106970" y="1922031"/>
-        <a:ext cx="1890497" cy="1894625"/>
+        <a:off x="2091198" y="1914746"/>
+        <a:ext cx="1874339" cy="1897856"/>
       </dsp:txXfrm>
     </dsp:sp>
     <dsp:sp modelId="{059E0B0B-A9DC-40AD-99E2-615FED92EB81}">
@@ -25495,8 +25659,8 @@
       </dsp:nvSpPr>
       <dsp:spPr>
         <a:xfrm>
-          <a:off x="4207523" y="956470"/>
-          <a:ext cx="1890497" cy="72"/>
+          <a:off x="4173798" y="956470"/>
+          <a:ext cx="1874339" cy="72"/>
         </a:xfrm>
         <a:prstGeom prst="rect">
           <a:avLst/>
@@ -25547,8 +25711,8 @@
       </dsp:nvSpPr>
       <dsp:spPr>
         <a:xfrm>
-          <a:off x="6148434" y="885858"/>
-          <a:ext cx="96625" cy="181665"/>
+          <a:off x="6098120" y="886426"/>
+          <a:ext cx="95799" cy="180206"/>
         </a:xfrm>
         <a:prstGeom prst="chevron">
           <a:avLst>
@@ -25601,8 +25765,8 @@
       </dsp:nvSpPr>
       <dsp:spPr>
         <a:xfrm>
-          <a:off x="4730946" y="534680"/>
-          <a:ext cx="843651" cy="843651"/>
+          <a:off x="4693412" y="538950"/>
+          <a:ext cx="835111" cy="835111"/>
         </a:xfrm>
         <a:prstGeom prst="ellipse">
           <a:avLst/>
@@ -25680,12 +25844,12 @@
         </a:fontRef>
       </dsp:style>
       <dsp:txBody>
-        <a:bodyPr spcFirstLastPara="0" vert="horz" wrap="square" lIns="32738" tIns="32738" rIns="32738" bIns="32738" numCol="1" spcCol="1270" anchor="ctr" anchorCtr="0">
+        <a:bodyPr spcFirstLastPara="0" vert="horz" wrap="square" lIns="32407" tIns="32407" rIns="32407" bIns="32407" numCol="1" spcCol="1270" anchor="ctr" anchorCtr="0">
           <a:noAutofit/>
         </a:bodyPr>
         <a:lstStyle/>
         <a:p>
-          <a:pPr marL="0" lvl="0" indent="0" algn="ctr" defTabSz="1689100">
+          <a:pPr marL="0" lvl="0" indent="0" algn="ctr" defTabSz="1644650">
             <a:lnSpc>
               <a:spcPct val="90000"/>
             </a:lnSpc>
@@ -25698,14 +25862,14 @@
             <a:buNone/>
           </a:pPr>
           <a:r>
-            <a:rPr lang="de-DE" sz="3800" kern="1200"/>
+            <a:rPr lang="de-DE" sz="3700" kern="1200"/>
             <a:t>3</a:t>
           </a:r>
         </a:p>
       </dsp:txBody>
       <dsp:txXfrm>
-        <a:off x="4854496" y="658230"/>
-        <a:ext cx="596551" cy="596551"/>
+        <a:off x="4815711" y="661249"/>
+        <a:ext cx="590513" cy="590513"/>
       </dsp:txXfrm>
     </dsp:sp>
     <dsp:sp modelId="{607601BE-462C-4A5C-87DC-9EDCDE655693}">
@@ -25715,8 +25879,8 @@
       </dsp:nvSpPr>
       <dsp:spPr>
         <a:xfrm>
-          <a:off x="4207523" y="1543932"/>
-          <a:ext cx="1890497" cy="2272724"/>
+          <a:off x="4173798" y="1539878"/>
+          <a:ext cx="1874339" cy="2272724"/>
         </a:xfrm>
         <a:prstGeom prst="upArrowCallout">
           <a:avLst>
@@ -25765,7 +25929,7 @@
         <a:fontRef idx="minor"/>
       </dsp:style>
       <dsp:txBody>
-        <a:bodyPr spcFirstLastPara="0" vert="horz" wrap="square" lIns="149125" tIns="165100" rIns="149125" bIns="165100" numCol="1" spcCol="1270" anchor="t" anchorCtr="0">
+        <a:bodyPr spcFirstLastPara="0" vert="horz" wrap="square" lIns="147850" tIns="165100" rIns="147850" bIns="165100" numCol="1" spcCol="1270" anchor="t" anchorCtr="0">
           <a:noAutofit/>
         </a:bodyPr>
         <a:lstStyle/>
@@ -25879,8 +26043,8 @@
         </a:p>
       </dsp:txBody>
       <dsp:txXfrm>
-        <a:off x="4207523" y="1922031"/>
-        <a:ext cx="1890497" cy="1894625"/>
+        <a:off x="4173798" y="1914746"/>
+        <a:ext cx="1874339" cy="1897856"/>
       </dsp:txXfrm>
     </dsp:sp>
     <dsp:sp modelId="{5BCDA238-8AF1-41E7-B2EC-74E907082371}">
@@ -25890,8 +26054,8 @@
       </dsp:nvSpPr>
       <dsp:spPr>
         <a:xfrm>
-          <a:off x="6308076" y="956470"/>
-          <a:ext cx="1890497" cy="72"/>
+          <a:off x="6256397" y="956470"/>
+          <a:ext cx="1874339" cy="72"/>
         </a:xfrm>
         <a:prstGeom prst="rect">
           <a:avLst/>
@@ -25942,8 +26106,8 @@
       </dsp:nvSpPr>
       <dsp:spPr>
         <a:xfrm>
-          <a:off x="8248987" y="885858"/>
-          <a:ext cx="96625" cy="181665"/>
+          <a:off x="8180720" y="886426"/>
+          <a:ext cx="95799" cy="180206"/>
         </a:xfrm>
         <a:prstGeom prst="chevron">
           <a:avLst>
@@ -25996,8 +26160,8 @@
       </dsp:nvSpPr>
       <dsp:spPr>
         <a:xfrm>
-          <a:off x="6831499" y="534680"/>
-          <a:ext cx="843651" cy="843651"/>
+          <a:off x="6776012" y="538950"/>
+          <a:ext cx="835111" cy="835111"/>
         </a:xfrm>
         <a:prstGeom prst="ellipse">
           <a:avLst/>
@@ -26075,12 +26239,12 @@
         </a:fontRef>
       </dsp:style>
       <dsp:txBody>
-        <a:bodyPr spcFirstLastPara="0" vert="horz" wrap="square" lIns="32738" tIns="32738" rIns="32738" bIns="32738" numCol="1" spcCol="1270" anchor="ctr" anchorCtr="0">
+        <a:bodyPr spcFirstLastPara="0" vert="horz" wrap="square" lIns="32407" tIns="32407" rIns="32407" bIns="32407" numCol="1" spcCol="1270" anchor="ctr" anchorCtr="0">
           <a:noAutofit/>
         </a:bodyPr>
         <a:lstStyle/>
         <a:p>
-          <a:pPr marL="0" lvl="0" indent="0" algn="ctr" defTabSz="1689100">
+          <a:pPr marL="0" lvl="0" indent="0" algn="ctr" defTabSz="1644650">
             <a:lnSpc>
               <a:spcPct val="90000"/>
             </a:lnSpc>
@@ -26093,14 +26257,14 @@
             <a:buNone/>
           </a:pPr>
           <a:r>
-            <a:rPr lang="de-DE" sz="3800" kern="1200"/>
+            <a:rPr lang="de-DE" sz="3700" kern="1200"/>
             <a:t>4</a:t>
           </a:r>
         </a:p>
       </dsp:txBody>
       <dsp:txXfrm>
-        <a:off x="6955049" y="658230"/>
-        <a:ext cx="596551" cy="596551"/>
+        <a:off x="6898311" y="661249"/>
+        <a:ext cx="590513" cy="590513"/>
       </dsp:txXfrm>
     </dsp:sp>
     <dsp:sp modelId="{AB50098B-2AA1-4446-939A-BB13E3594C30}">
@@ -26110,8 +26274,8 @@
       </dsp:nvSpPr>
       <dsp:spPr>
         <a:xfrm>
-          <a:off x="6308076" y="1543932"/>
-          <a:ext cx="1890497" cy="2272724"/>
+          <a:off x="6256397" y="1539878"/>
+          <a:ext cx="1874339" cy="2272724"/>
         </a:xfrm>
         <a:prstGeom prst="upArrowCallout">
           <a:avLst>
@@ -26160,7 +26324,7 @@
         <a:fontRef idx="minor"/>
       </dsp:style>
       <dsp:txBody>
-        <a:bodyPr spcFirstLastPara="0" vert="horz" wrap="square" lIns="149125" tIns="165100" rIns="149125" bIns="165100" numCol="1" spcCol="1270" anchor="t" anchorCtr="0">
+        <a:bodyPr spcFirstLastPara="0" vert="horz" wrap="square" lIns="147850" tIns="165100" rIns="147850" bIns="165100" numCol="1" spcCol="1270" anchor="t" anchorCtr="0">
           <a:noAutofit/>
         </a:bodyPr>
         <a:lstStyle/>
@@ -26238,8 +26402,8 @@
         </a:p>
       </dsp:txBody>
       <dsp:txXfrm>
-        <a:off x="6308076" y="1922031"/>
-        <a:ext cx="1890497" cy="1894625"/>
+        <a:off x="6256397" y="1914746"/>
+        <a:ext cx="1874339" cy="1897856"/>
       </dsp:txXfrm>
     </dsp:sp>
     <dsp:sp modelId="{51381BA6-B406-42D4-B1F0-8FE6031D38D9}">
@@ -26249,8 +26413,8 @@
       </dsp:nvSpPr>
       <dsp:spPr>
         <a:xfrm>
-          <a:off x="8408629" y="956470"/>
-          <a:ext cx="945248" cy="72"/>
+          <a:off x="8338997" y="956470"/>
+          <a:ext cx="938085" cy="72"/>
         </a:xfrm>
         <a:prstGeom prst="rect">
           <a:avLst/>
@@ -26301,8 +26465,8 @@
       </dsp:nvSpPr>
       <dsp:spPr>
         <a:xfrm>
-          <a:off x="8932053" y="534680"/>
-          <a:ext cx="843651" cy="843651"/>
+          <a:off x="8859528" y="538950"/>
+          <a:ext cx="835111" cy="835111"/>
         </a:xfrm>
         <a:prstGeom prst="ellipse">
           <a:avLst/>
@@ -26380,12 +26544,12 @@
         </a:fontRef>
       </dsp:style>
       <dsp:txBody>
-        <a:bodyPr spcFirstLastPara="0" vert="horz" wrap="square" lIns="32738" tIns="32738" rIns="32738" bIns="32738" numCol="1" spcCol="1270" anchor="ctr" anchorCtr="0">
+        <a:bodyPr spcFirstLastPara="0" vert="horz" wrap="square" lIns="32407" tIns="32407" rIns="32407" bIns="32407" numCol="1" spcCol="1270" anchor="ctr" anchorCtr="0">
           <a:noAutofit/>
         </a:bodyPr>
         <a:lstStyle/>
         <a:p>
-          <a:pPr marL="0" lvl="0" indent="0" algn="ctr" defTabSz="1689100">
+          <a:pPr marL="0" lvl="0" indent="0" algn="ctr" defTabSz="1644650">
             <a:lnSpc>
               <a:spcPct val="90000"/>
             </a:lnSpc>
@@ -26398,14 +26562,14 @@
             <a:buNone/>
           </a:pPr>
           <a:r>
-            <a:rPr lang="de-DE" sz="3800" kern="1200"/>
+            <a:rPr lang="de-DE" sz="3700" kern="1200"/>
             <a:t>5</a:t>
           </a:r>
         </a:p>
       </dsp:txBody>
       <dsp:txXfrm>
-        <a:off x="9055603" y="658230"/>
-        <a:ext cx="596551" cy="596551"/>
+        <a:off x="8981827" y="661249"/>
+        <a:ext cx="590513" cy="590513"/>
       </dsp:txXfrm>
     </dsp:sp>
     <dsp:sp modelId="{5B3F25FE-7C2C-4EAA-8D62-DC13973ECCBC}">
@@ -26415,8 +26579,8 @@
       </dsp:nvSpPr>
       <dsp:spPr>
         <a:xfrm>
-          <a:off x="8408629" y="1543932"/>
-          <a:ext cx="1890497" cy="2272724"/>
+          <a:off x="8338997" y="1539878"/>
+          <a:ext cx="1951203" cy="2272724"/>
         </a:xfrm>
         <a:prstGeom prst="upArrowCallout">
           <a:avLst>
@@ -26465,7 +26629,7 @@
         <a:fontRef idx="minor"/>
       </dsp:style>
       <dsp:txBody>
-        <a:bodyPr spcFirstLastPara="0" vert="horz" wrap="square" lIns="149125" tIns="165100" rIns="149125" bIns="165100" numCol="1" spcCol="1270" anchor="t" anchorCtr="0">
+        <a:bodyPr spcFirstLastPara="0" vert="horz" wrap="square" lIns="153913" tIns="165100" rIns="153913" bIns="165100" numCol="1" spcCol="1270" anchor="t" anchorCtr="0">
           <a:noAutofit/>
         </a:bodyPr>
         <a:lstStyle/>
@@ -26556,13 +26720,31 @@
           </a:pPr>
           <a:r>
             <a:rPr lang="de-DE" sz="1100" kern="1200" dirty="0"/>
-            <a:t>Essen in der Mensa verbessern</a:t>
+            <a:t>Schlechtes Hochschulranking </a:t>
+          </a:r>
+        </a:p>
+        <a:p>
+          <a:pPr marL="57150" lvl="1" indent="-57150" algn="l" defTabSz="488950">
+            <a:lnSpc>
+              <a:spcPct val="90000"/>
+            </a:lnSpc>
+            <a:spcBef>
+              <a:spcPct val="0"/>
+            </a:spcBef>
+            <a:spcAft>
+              <a:spcPct val="15000"/>
+            </a:spcAft>
+            <a:buChar char="•"/>
+          </a:pPr>
+          <a:r>
+            <a:rPr lang="de-DE" sz="1100" kern="1200" dirty="0"/>
+            <a:t>Keine schlechten Zeugnisse</a:t>
           </a:r>
         </a:p>
       </dsp:txBody>
       <dsp:txXfrm>
-        <a:off x="8408629" y="1922031"/>
-        <a:ext cx="1890497" cy="1894625"/>
+        <a:off x="8338997" y="1930119"/>
+        <a:ext cx="1951203" cy="1882483"/>
       </dsp:txXfrm>
     </dsp:sp>
   </dsp:spTree>
@@ -45454,7 +45636,7 @@
           <a:p>
             <a:fld id="{8F3E71B8-259B-406D-91C8-A35F0AE5EC56}" type="datetimeFigureOut">
               <a:rPr lang="de-DE" smtClean="0"/>
-              <a:t>18.02.2019</a:t>
+              <a:t>20.02.2019</a:t>
             </a:fld>
             <a:endParaRPr lang="de-DE"/>
           </a:p>
@@ -45652,7 +45834,7 @@
           <a:p>
             <a:fld id="{8F3E71B8-259B-406D-91C8-A35F0AE5EC56}" type="datetimeFigureOut">
               <a:rPr lang="de-DE" smtClean="0"/>
-              <a:t>18.02.2019</a:t>
+              <a:t>20.02.2019</a:t>
             </a:fld>
             <a:endParaRPr lang="de-DE"/>
           </a:p>
@@ -45860,7 +46042,7 @@
           <a:p>
             <a:fld id="{8F3E71B8-259B-406D-91C8-A35F0AE5EC56}" type="datetimeFigureOut">
               <a:rPr lang="de-DE" smtClean="0"/>
-              <a:t>18.02.2019</a:t>
+              <a:t>20.02.2019</a:t>
             </a:fld>
             <a:endParaRPr lang="de-DE"/>
           </a:p>
@@ -46058,7 +46240,7 @@
           <a:p>
             <a:fld id="{8F3E71B8-259B-406D-91C8-A35F0AE5EC56}" type="datetimeFigureOut">
               <a:rPr lang="de-DE" smtClean="0"/>
-              <a:t>18.02.2019</a:t>
+              <a:t>20.02.2019</a:t>
             </a:fld>
             <a:endParaRPr lang="de-DE"/>
           </a:p>
@@ -46333,7 +46515,7 @@
           <a:p>
             <a:fld id="{8F3E71B8-259B-406D-91C8-A35F0AE5EC56}" type="datetimeFigureOut">
               <a:rPr lang="de-DE" smtClean="0"/>
-              <a:t>18.02.2019</a:t>
+              <a:t>20.02.2019</a:t>
             </a:fld>
             <a:endParaRPr lang="de-DE"/>
           </a:p>
@@ -46598,7 +46780,7 @@
           <a:p>
             <a:fld id="{8F3E71B8-259B-406D-91C8-A35F0AE5EC56}" type="datetimeFigureOut">
               <a:rPr lang="de-DE" smtClean="0"/>
-              <a:t>18.02.2019</a:t>
+              <a:t>20.02.2019</a:t>
             </a:fld>
             <a:endParaRPr lang="de-DE"/>
           </a:p>
@@ -47010,7 +47192,7 @@
           <a:p>
             <a:fld id="{8F3E71B8-259B-406D-91C8-A35F0AE5EC56}" type="datetimeFigureOut">
               <a:rPr lang="de-DE" smtClean="0"/>
-              <a:t>18.02.2019</a:t>
+              <a:t>20.02.2019</a:t>
             </a:fld>
             <a:endParaRPr lang="de-DE"/>
           </a:p>
@@ -47151,7 +47333,7 @@
           <a:p>
             <a:fld id="{8F3E71B8-259B-406D-91C8-A35F0AE5EC56}" type="datetimeFigureOut">
               <a:rPr lang="de-DE" smtClean="0"/>
-              <a:t>18.02.2019</a:t>
+              <a:t>20.02.2019</a:t>
             </a:fld>
             <a:endParaRPr lang="de-DE"/>
           </a:p>
@@ -47264,7 +47446,7 @@
           <a:p>
             <a:fld id="{8F3E71B8-259B-406D-91C8-A35F0AE5EC56}" type="datetimeFigureOut">
               <a:rPr lang="de-DE" smtClean="0"/>
-              <a:t>18.02.2019</a:t>
+              <a:t>20.02.2019</a:t>
             </a:fld>
             <a:endParaRPr lang="de-DE"/>
           </a:p>
@@ -47575,7 +47757,7 @@
           <a:p>
             <a:fld id="{8F3E71B8-259B-406D-91C8-A35F0AE5EC56}" type="datetimeFigureOut">
               <a:rPr lang="de-DE" smtClean="0"/>
-              <a:t>18.02.2019</a:t>
+              <a:t>20.02.2019</a:t>
             </a:fld>
             <a:endParaRPr lang="de-DE"/>
           </a:p>
@@ -47863,7 +48045,7 @@
           <a:p>
             <a:fld id="{8F3E71B8-259B-406D-91C8-A35F0AE5EC56}" type="datetimeFigureOut">
               <a:rPr lang="de-DE" smtClean="0"/>
-              <a:t>18.02.2019</a:t>
+              <a:t>20.02.2019</a:t>
             </a:fld>
             <a:endParaRPr lang="de-DE"/>
           </a:p>
@@ -48104,7 +48286,7 @@
           <a:p>
             <a:fld id="{8F3E71B8-259B-406D-91C8-A35F0AE5EC56}" type="datetimeFigureOut">
               <a:rPr lang="de-DE" smtClean="0"/>
-              <a:t>18.02.2019</a:t>
+              <a:t>20.02.2019</a:t>
             </a:fld>
             <a:endParaRPr lang="de-DE"/>
           </a:p>
@@ -48620,7 +48802,7 @@
           <p:nvPr>
             <p:extLst>
               <p:ext uri="{D42A27DB-BD31-4B8C-83A1-F6EECF244321}">
-                <p14:modId xmlns:p14="http://schemas.microsoft.com/office/powerpoint/2010/main" val="2131090365"/>
+                <p14:modId xmlns:p14="http://schemas.microsoft.com/office/powerpoint/2010/main" val="1921465490"/>
               </p:ext>
             </p:extLst>
           </p:nvPr>
@@ -49178,7 +49360,7 @@
           <p:nvPr>
             <p:extLst>
               <p:ext uri="{D42A27DB-BD31-4B8C-83A1-F6EECF244321}">
-                <p14:modId xmlns:p14="http://schemas.microsoft.com/office/powerpoint/2010/main" val="3170367460"/>
+                <p14:modId xmlns:p14="http://schemas.microsoft.com/office/powerpoint/2010/main" val="3407799860"/>
               </p:ext>
             </p:extLst>
           </p:nvPr>
